--- a/brownbag/jamine/tech-presentation-jasmine.pptx
+++ b/brownbag/jamine/tech-presentation-jasmine.pptx
@@ -7,6 +7,17 @@
   <p:sldIdLst>
     <p:sldId id="256" r:id="rId2"/>
     <p:sldId id="257" r:id="rId3"/>
+    <p:sldId id="258" r:id="rId4"/>
+    <p:sldId id="259" r:id="rId5"/>
+    <p:sldId id="260" r:id="rId6"/>
+    <p:sldId id="261" r:id="rId7"/>
+    <p:sldId id="262" r:id="rId8"/>
+    <p:sldId id="263" r:id="rId9"/>
+    <p:sldId id="264" r:id="rId10"/>
+    <p:sldId id="268" r:id="rId11"/>
+    <p:sldId id="265" r:id="rId12"/>
+    <p:sldId id="266" r:id="rId13"/>
+    <p:sldId id="267" r:id="rId14"/>
   </p:sldIdLst>
   <p:sldSz cx="9144000" cy="6858000" type="screen4x3"/>
   <p:notesSz cx="6858000" cy="9144000"/>
@@ -3552,6 +3563,1117 @@
 </p:sld>
 </file>
 
+<file path=ppt/slides/slide10.xml><?xml version="1.0" encoding="utf-8"?>
+<p:sld xmlns:a="http://schemas.openxmlformats.org/drawingml/2006/main" xmlns:r="http://schemas.openxmlformats.org/officeDocument/2006/relationships" xmlns:p="http://schemas.openxmlformats.org/presentationml/2006/main">
+  <p:cSld>
+    <p:spTree>
+      <p:nvGrpSpPr>
+        <p:cNvPr id="1" name=""/>
+        <p:cNvGrpSpPr/>
+        <p:nvPr/>
+      </p:nvGrpSpPr>
+      <p:grpSpPr>
+        <a:xfrm>
+          <a:off x="0" y="0"/>
+          <a:ext cx="0" cy="0"/>
+          <a:chOff x="0" y="0"/>
+          <a:chExt cx="0" cy="0"/>
+        </a:xfrm>
+      </p:grpSpPr>
+      <p:sp>
+        <p:nvSpPr>
+          <p:cNvPr id="2" name="Title 1"/>
+          <p:cNvSpPr>
+            <a:spLocks noGrp="1"/>
+          </p:cNvSpPr>
+          <p:nvPr>
+            <p:ph type="ctrTitle"/>
+          </p:nvPr>
+        </p:nvSpPr>
+        <p:spPr>
+          <a:xfrm>
+            <a:off x="685800" y="228600"/>
+            <a:ext cx="8458200" cy="685800"/>
+          </a:xfrm>
+        </p:spPr>
+        <p:txBody>
+          <a:bodyPr/>
+          <a:lstStyle/>
+          <a:p>
+            <a:pPr algn="l"/>
+            <a:r>
+              <a:rPr lang="en-US" sz="4000" dirty="0" smtClean="0"/>
+              <a:t>Testing with DOM Element</a:t>
+            </a:r>
+            <a:endParaRPr lang="en-US" sz="4000" dirty="0"/>
+          </a:p>
+        </p:txBody>
+      </p:sp>
+      <p:sp>
+        <p:nvSpPr>
+          <p:cNvPr id="4" name="Date Placeholder 3"/>
+          <p:cNvSpPr>
+            <a:spLocks noGrp="1"/>
+          </p:cNvSpPr>
+          <p:nvPr>
+            <p:ph type="dt" sz="half" idx="10"/>
+          </p:nvPr>
+        </p:nvSpPr>
+        <p:spPr/>
+        <p:txBody>
+          <a:bodyPr/>
+          <a:lstStyle/>
+          <a:p>
+            <a:fld id="{216C5678-EE20-4FA5-88E2-6E0BD67A2E26}" type="datetime1">
+              <a:rPr lang="en-US" smtClean="0"/>
+              <a:t>11/7/2015</a:t>
+            </a:fld>
+            <a:endParaRPr lang="en-US" dirty="0"/>
+          </a:p>
+        </p:txBody>
+      </p:sp>
+      <p:sp>
+        <p:nvSpPr>
+          <p:cNvPr id="5" name="Slide Number Placeholder 4"/>
+          <p:cNvSpPr>
+            <a:spLocks noGrp="1"/>
+          </p:cNvSpPr>
+          <p:nvPr>
+            <p:ph type="sldNum" sz="quarter" idx="11"/>
+          </p:nvPr>
+        </p:nvSpPr>
+        <p:spPr/>
+        <p:txBody>
+          <a:bodyPr/>
+          <a:lstStyle/>
+          <a:p>
+            <a:fld id="{BA9B540C-44DA-4F69-89C9-7C84606640D3}" type="slidenum">
+              <a:rPr lang="en-US" smtClean="0"/>
+              <a:pPr/>
+              <a:t>10</a:t>
+            </a:fld>
+            <a:endParaRPr lang="en-US" dirty="0"/>
+          </a:p>
+        </p:txBody>
+      </p:sp>
+      <p:sp>
+        <p:nvSpPr>
+          <p:cNvPr id="6" name="Footer Placeholder 5"/>
+          <p:cNvSpPr>
+            <a:spLocks noGrp="1"/>
+          </p:cNvSpPr>
+          <p:nvPr>
+            <p:ph type="ftr" sz="quarter" idx="12"/>
+          </p:nvPr>
+        </p:nvSpPr>
+        <p:spPr/>
+        <p:txBody>
+          <a:bodyPr/>
+          <a:lstStyle/>
+          <a:p>
+            <a:r>
+              <a:rPr lang="en-US" smtClean="0"/>
+              <a:t>Footer Text</a:t>
+            </a:r>
+            <a:endParaRPr lang="en-US" dirty="0"/>
+          </a:p>
+        </p:txBody>
+      </p:sp>
+      <p:sp>
+        <p:nvSpPr>
+          <p:cNvPr id="7" name="Subtitle 2"/>
+          <p:cNvSpPr>
+            <a:spLocks noGrp="1"/>
+          </p:cNvSpPr>
+          <p:nvPr>
+            <p:ph type="subTitle" idx="1"/>
+          </p:nvPr>
+        </p:nvSpPr>
+        <p:spPr>
+          <a:xfrm>
+            <a:off x="1219200" y="1600200"/>
+            <a:ext cx="6400800" cy="1219200"/>
+          </a:xfrm>
+        </p:spPr>
+        <p:txBody>
+          <a:bodyPr/>
+          <a:lstStyle/>
+          <a:p>
+            <a:r>
+              <a:rPr lang="en-US" dirty="0"/>
+              <a:t>Display </a:t>
+            </a:r>
+            <a:r>
+              <a:rPr lang="en-US" dirty="0" smtClean="0"/>
+              <a:t>test involving display to DOM</a:t>
+            </a:r>
+            <a:endParaRPr lang="en-US" dirty="0"/>
+          </a:p>
+        </p:txBody>
+      </p:sp>
+    </p:spTree>
+    <p:extLst>
+      <p:ext uri="{BB962C8B-B14F-4D97-AF65-F5344CB8AC3E}">
+        <p14:creationId xmlns:p14="http://schemas.microsoft.com/office/powerpoint/2010/main" val="2832276860"/>
+      </p:ext>
+    </p:extLst>
+  </p:cSld>
+  <p:clrMapOvr>
+    <a:masterClrMapping/>
+  </p:clrMapOvr>
+</p:sld>
+</file>
+
+<file path=ppt/slides/slide11.xml><?xml version="1.0" encoding="utf-8"?>
+<p:sld xmlns:a="http://schemas.openxmlformats.org/drawingml/2006/main" xmlns:r="http://schemas.openxmlformats.org/officeDocument/2006/relationships" xmlns:p="http://schemas.openxmlformats.org/presentationml/2006/main">
+  <p:cSld>
+    <p:spTree>
+      <p:nvGrpSpPr>
+        <p:cNvPr id="1" name=""/>
+        <p:cNvGrpSpPr/>
+        <p:nvPr/>
+      </p:nvGrpSpPr>
+      <p:grpSpPr>
+        <a:xfrm>
+          <a:off x="0" y="0"/>
+          <a:ext cx="0" cy="0"/>
+          <a:chOff x="0" y="0"/>
+          <a:chExt cx="0" cy="0"/>
+        </a:xfrm>
+      </p:grpSpPr>
+      <p:sp>
+        <p:nvSpPr>
+          <p:cNvPr id="2" name="Title 1"/>
+          <p:cNvSpPr>
+            <a:spLocks noGrp="1"/>
+          </p:cNvSpPr>
+          <p:nvPr>
+            <p:ph type="ctrTitle"/>
+          </p:nvPr>
+        </p:nvSpPr>
+        <p:spPr>
+          <a:xfrm>
+            <a:off x="685800" y="228600"/>
+            <a:ext cx="8458200" cy="685800"/>
+          </a:xfrm>
+        </p:spPr>
+        <p:txBody>
+          <a:bodyPr/>
+          <a:lstStyle/>
+          <a:p>
+            <a:pPr algn="l"/>
+            <a:r>
+              <a:rPr lang="en-US" sz="4000" dirty="0" smtClean="0"/>
+              <a:t>Karma</a:t>
+            </a:r>
+            <a:endParaRPr lang="en-US" sz="4000" dirty="0"/>
+          </a:p>
+        </p:txBody>
+      </p:sp>
+      <p:sp>
+        <p:nvSpPr>
+          <p:cNvPr id="4" name="Date Placeholder 3"/>
+          <p:cNvSpPr>
+            <a:spLocks noGrp="1"/>
+          </p:cNvSpPr>
+          <p:nvPr>
+            <p:ph type="dt" sz="half" idx="10"/>
+          </p:nvPr>
+        </p:nvSpPr>
+        <p:spPr/>
+        <p:txBody>
+          <a:bodyPr/>
+          <a:lstStyle/>
+          <a:p>
+            <a:fld id="{216C5678-EE20-4FA5-88E2-6E0BD67A2E26}" type="datetime1">
+              <a:rPr lang="en-US" smtClean="0"/>
+              <a:t>11/7/2015</a:t>
+            </a:fld>
+            <a:endParaRPr lang="en-US" dirty="0"/>
+          </a:p>
+        </p:txBody>
+      </p:sp>
+      <p:sp>
+        <p:nvSpPr>
+          <p:cNvPr id="5" name="Slide Number Placeholder 4"/>
+          <p:cNvSpPr>
+            <a:spLocks noGrp="1"/>
+          </p:cNvSpPr>
+          <p:nvPr>
+            <p:ph type="sldNum" sz="quarter" idx="11"/>
+          </p:nvPr>
+        </p:nvSpPr>
+        <p:spPr/>
+        <p:txBody>
+          <a:bodyPr/>
+          <a:lstStyle/>
+          <a:p>
+            <a:fld id="{BA9B540C-44DA-4F69-89C9-7C84606640D3}" type="slidenum">
+              <a:rPr lang="en-US" smtClean="0"/>
+              <a:pPr/>
+              <a:t>11</a:t>
+            </a:fld>
+            <a:endParaRPr lang="en-US" dirty="0"/>
+          </a:p>
+        </p:txBody>
+      </p:sp>
+      <p:sp>
+        <p:nvSpPr>
+          <p:cNvPr id="6" name="Footer Placeholder 5"/>
+          <p:cNvSpPr>
+            <a:spLocks noGrp="1"/>
+          </p:cNvSpPr>
+          <p:nvPr>
+            <p:ph type="ftr" sz="quarter" idx="12"/>
+          </p:nvPr>
+        </p:nvSpPr>
+        <p:spPr/>
+        <p:txBody>
+          <a:bodyPr/>
+          <a:lstStyle/>
+          <a:p>
+            <a:r>
+              <a:rPr lang="en-US" smtClean="0"/>
+              <a:t>Footer Text</a:t>
+            </a:r>
+            <a:endParaRPr lang="en-US" dirty="0"/>
+          </a:p>
+        </p:txBody>
+      </p:sp>
+      <p:sp>
+        <p:nvSpPr>
+          <p:cNvPr id="7" name="Subtitle 2"/>
+          <p:cNvSpPr txBox="1">
+            <a:spLocks/>
+          </p:cNvSpPr>
+          <p:nvPr/>
+        </p:nvSpPr>
+        <p:spPr>
+          <a:xfrm>
+            <a:off x="1219200" y="1600200"/>
+            <a:ext cx="6400800" cy="1219200"/>
+          </a:xfrm>
+          <a:prstGeom prst="rect">
+            <a:avLst/>
+          </a:prstGeom>
+        </p:spPr>
+        <p:txBody>
+          <a:bodyPr vert="horz" lIns="91440" tIns="45720" rIns="91440" bIns="45720" rtlCol="0">
+            <a:normAutofit/>
+          </a:bodyPr>
+          <a:lstStyle>
+            <a:lvl1pPr marL="0" indent="0" algn="ctr" defTabSz="914400" rtl="0" eaLnBrk="1" latinLnBrk="0" hangingPunct="1">
+              <a:spcBef>
+                <a:spcPct val="20000"/>
+              </a:spcBef>
+              <a:buFont typeface="Arial" pitchFamily="34" charset="0"/>
+              <a:buNone/>
+              <a:defRPr sz="2400" kern="1200">
+                <a:solidFill>
+                  <a:schemeClr val="tx1">
+                    <a:tint val="75000"/>
+                  </a:schemeClr>
+                </a:solidFill>
+                <a:latin typeface="+mj-lt"/>
+                <a:ea typeface="+mn-ea"/>
+                <a:cs typeface="+mn-cs"/>
+              </a:defRPr>
+            </a:lvl1pPr>
+            <a:lvl2pPr marL="457200" indent="0" algn="ctr" defTabSz="914400" rtl="0" eaLnBrk="1" latinLnBrk="0" hangingPunct="1">
+              <a:spcBef>
+                <a:spcPct val="20000"/>
+              </a:spcBef>
+              <a:buFont typeface="Courier New" pitchFamily="49" charset="0"/>
+              <a:buNone/>
+              <a:defRPr sz="1600" kern="1200">
+                <a:solidFill>
+                  <a:schemeClr val="tx1">
+                    <a:tint val="75000"/>
+                  </a:schemeClr>
+                </a:solidFill>
+                <a:latin typeface="+mj-lt"/>
+                <a:ea typeface="+mn-ea"/>
+                <a:cs typeface="+mn-cs"/>
+              </a:defRPr>
+            </a:lvl2pPr>
+            <a:lvl3pPr marL="914400" indent="0" algn="ctr" defTabSz="914400" rtl="0" eaLnBrk="1" latinLnBrk="0" hangingPunct="1">
+              <a:spcBef>
+                <a:spcPct val="20000"/>
+              </a:spcBef>
+              <a:buFont typeface="Arial" pitchFamily="34" charset="0"/>
+              <a:buNone/>
+              <a:defRPr sz="1600" kern="1200">
+                <a:solidFill>
+                  <a:schemeClr val="tx1">
+                    <a:tint val="75000"/>
+                  </a:schemeClr>
+                </a:solidFill>
+                <a:latin typeface="+mj-lt"/>
+                <a:ea typeface="+mn-ea"/>
+                <a:cs typeface="+mn-cs"/>
+              </a:defRPr>
+            </a:lvl3pPr>
+            <a:lvl4pPr marL="1371600" indent="0" algn="ctr" defTabSz="914400" rtl="0" eaLnBrk="1" latinLnBrk="0" hangingPunct="1">
+              <a:spcBef>
+                <a:spcPct val="20000"/>
+              </a:spcBef>
+              <a:buFont typeface="Courier New" pitchFamily="49" charset="0"/>
+              <a:buNone/>
+              <a:defRPr sz="1600" kern="1200">
+                <a:solidFill>
+                  <a:schemeClr val="tx1">
+                    <a:tint val="75000"/>
+                  </a:schemeClr>
+                </a:solidFill>
+                <a:latin typeface="+mj-lt"/>
+                <a:ea typeface="+mn-ea"/>
+                <a:cs typeface="+mn-cs"/>
+              </a:defRPr>
+            </a:lvl4pPr>
+            <a:lvl5pPr marL="1828800" indent="0" algn="ctr" defTabSz="914400" rtl="0" eaLnBrk="1" latinLnBrk="0" hangingPunct="1">
+              <a:spcBef>
+                <a:spcPct val="20000"/>
+              </a:spcBef>
+              <a:buFont typeface="Arial" pitchFamily="34" charset="0"/>
+              <a:buNone/>
+              <a:defRPr sz="1600" kern="1200">
+                <a:solidFill>
+                  <a:schemeClr val="tx1">
+                    <a:tint val="75000"/>
+                  </a:schemeClr>
+                </a:solidFill>
+                <a:latin typeface="+mj-lt"/>
+                <a:ea typeface="+mn-ea"/>
+                <a:cs typeface="+mn-cs"/>
+              </a:defRPr>
+            </a:lvl5pPr>
+            <a:lvl6pPr marL="2286000" indent="0" algn="ctr" defTabSz="914400" rtl="0" eaLnBrk="1" latinLnBrk="0" hangingPunct="1">
+              <a:spcBef>
+                <a:spcPct val="20000"/>
+              </a:spcBef>
+              <a:buFont typeface="Courier New" pitchFamily="49" charset="0"/>
+              <a:buNone/>
+              <a:defRPr sz="1600" kern="1200">
+                <a:solidFill>
+                  <a:schemeClr val="tx1">
+                    <a:tint val="75000"/>
+                  </a:schemeClr>
+                </a:solidFill>
+                <a:latin typeface="+mj-lt"/>
+                <a:ea typeface="+mn-ea"/>
+                <a:cs typeface="+mn-cs"/>
+              </a:defRPr>
+            </a:lvl6pPr>
+            <a:lvl7pPr marL="2743200" indent="0" algn="ctr" defTabSz="914400" rtl="0" eaLnBrk="1" latinLnBrk="0" hangingPunct="1">
+              <a:spcBef>
+                <a:spcPct val="20000"/>
+              </a:spcBef>
+              <a:buFont typeface="Arial" pitchFamily="34" charset="0"/>
+              <a:buNone/>
+              <a:defRPr sz="1600" kern="1200">
+                <a:solidFill>
+                  <a:schemeClr val="tx1">
+                    <a:tint val="75000"/>
+                  </a:schemeClr>
+                </a:solidFill>
+                <a:latin typeface="+mj-lt"/>
+                <a:ea typeface="+mn-ea"/>
+                <a:cs typeface="+mn-cs"/>
+              </a:defRPr>
+            </a:lvl7pPr>
+            <a:lvl8pPr marL="3200400" indent="0" algn="ctr" defTabSz="914400" rtl="0" eaLnBrk="1" latinLnBrk="0" hangingPunct="1">
+              <a:spcBef>
+                <a:spcPct val="20000"/>
+              </a:spcBef>
+              <a:buFont typeface="Courier New" pitchFamily="49" charset="0"/>
+              <a:buNone/>
+              <a:defRPr sz="1600" kern="1200">
+                <a:solidFill>
+                  <a:schemeClr val="tx1">
+                    <a:tint val="75000"/>
+                  </a:schemeClr>
+                </a:solidFill>
+                <a:latin typeface="+mj-lt"/>
+                <a:ea typeface="+mn-ea"/>
+                <a:cs typeface="+mn-cs"/>
+              </a:defRPr>
+            </a:lvl8pPr>
+            <a:lvl9pPr marL="3657600" indent="0" algn="ctr" defTabSz="914400" rtl="0" eaLnBrk="1" latinLnBrk="0" hangingPunct="1">
+              <a:spcBef>
+                <a:spcPct val="20000"/>
+              </a:spcBef>
+              <a:buFont typeface="Arial" pitchFamily="34" charset="0"/>
+              <a:buNone/>
+              <a:defRPr sz="1600" kern="1200">
+                <a:solidFill>
+                  <a:schemeClr val="tx1">
+                    <a:tint val="75000"/>
+                  </a:schemeClr>
+                </a:solidFill>
+                <a:latin typeface="+mj-lt"/>
+                <a:ea typeface="+mn-ea"/>
+                <a:cs typeface="+mn-cs"/>
+              </a:defRPr>
+            </a:lvl9pPr>
+          </a:lstStyle>
+          <a:p>
+            <a:r>
+              <a:rPr lang="en-US" dirty="0" smtClean="0"/>
+              <a:t>Some intro and karma productivity</a:t>
+            </a:r>
+            <a:endParaRPr lang="en-US" dirty="0"/>
+          </a:p>
+        </p:txBody>
+      </p:sp>
+    </p:spTree>
+    <p:extLst>
+      <p:ext uri="{BB962C8B-B14F-4D97-AF65-F5344CB8AC3E}">
+        <p14:creationId xmlns:p14="http://schemas.microsoft.com/office/powerpoint/2010/main" val="4066547018"/>
+      </p:ext>
+    </p:extLst>
+  </p:cSld>
+  <p:clrMapOvr>
+    <a:masterClrMapping/>
+  </p:clrMapOvr>
+</p:sld>
+</file>
+
+<file path=ppt/slides/slide12.xml><?xml version="1.0" encoding="utf-8"?>
+<p:sld xmlns:a="http://schemas.openxmlformats.org/drawingml/2006/main" xmlns:r="http://schemas.openxmlformats.org/officeDocument/2006/relationships" xmlns:p="http://schemas.openxmlformats.org/presentationml/2006/main">
+  <p:cSld>
+    <p:spTree>
+      <p:nvGrpSpPr>
+        <p:cNvPr id="1" name=""/>
+        <p:cNvGrpSpPr/>
+        <p:nvPr/>
+      </p:nvGrpSpPr>
+      <p:grpSpPr>
+        <a:xfrm>
+          <a:off x="0" y="0"/>
+          <a:ext cx="0" cy="0"/>
+          <a:chOff x="0" y="0"/>
+          <a:chExt cx="0" cy="0"/>
+        </a:xfrm>
+      </p:grpSpPr>
+      <p:sp>
+        <p:nvSpPr>
+          <p:cNvPr id="2" name="Title 1"/>
+          <p:cNvSpPr>
+            <a:spLocks noGrp="1"/>
+          </p:cNvSpPr>
+          <p:nvPr>
+            <p:ph type="ctrTitle"/>
+          </p:nvPr>
+        </p:nvSpPr>
+        <p:spPr>
+          <a:xfrm>
+            <a:off x="685800" y="228600"/>
+            <a:ext cx="8458200" cy="685800"/>
+          </a:xfrm>
+        </p:spPr>
+        <p:txBody>
+          <a:bodyPr/>
+          <a:lstStyle/>
+          <a:p>
+            <a:pPr algn="l"/>
+            <a:r>
+              <a:rPr lang="en-US" sz="4000" dirty="0" smtClean="0"/>
+              <a:t>Karma Configuration</a:t>
+            </a:r>
+            <a:endParaRPr lang="en-US" sz="4000" dirty="0"/>
+          </a:p>
+        </p:txBody>
+      </p:sp>
+      <p:sp>
+        <p:nvSpPr>
+          <p:cNvPr id="4" name="Date Placeholder 3"/>
+          <p:cNvSpPr>
+            <a:spLocks noGrp="1"/>
+          </p:cNvSpPr>
+          <p:nvPr>
+            <p:ph type="dt" sz="half" idx="10"/>
+          </p:nvPr>
+        </p:nvSpPr>
+        <p:spPr/>
+        <p:txBody>
+          <a:bodyPr/>
+          <a:lstStyle/>
+          <a:p>
+            <a:fld id="{216C5678-EE20-4FA5-88E2-6E0BD67A2E26}" type="datetime1">
+              <a:rPr lang="en-US" smtClean="0"/>
+              <a:t>11/7/2015</a:t>
+            </a:fld>
+            <a:endParaRPr lang="en-US" dirty="0"/>
+          </a:p>
+        </p:txBody>
+      </p:sp>
+      <p:sp>
+        <p:nvSpPr>
+          <p:cNvPr id="5" name="Slide Number Placeholder 4"/>
+          <p:cNvSpPr>
+            <a:spLocks noGrp="1"/>
+          </p:cNvSpPr>
+          <p:nvPr>
+            <p:ph type="sldNum" sz="quarter" idx="11"/>
+          </p:nvPr>
+        </p:nvSpPr>
+        <p:spPr/>
+        <p:txBody>
+          <a:bodyPr/>
+          <a:lstStyle/>
+          <a:p>
+            <a:fld id="{BA9B540C-44DA-4F69-89C9-7C84606640D3}" type="slidenum">
+              <a:rPr lang="en-US" smtClean="0"/>
+              <a:pPr/>
+              <a:t>12</a:t>
+            </a:fld>
+            <a:endParaRPr lang="en-US" dirty="0"/>
+          </a:p>
+        </p:txBody>
+      </p:sp>
+      <p:sp>
+        <p:nvSpPr>
+          <p:cNvPr id="6" name="Footer Placeholder 5"/>
+          <p:cNvSpPr>
+            <a:spLocks noGrp="1"/>
+          </p:cNvSpPr>
+          <p:nvPr>
+            <p:ph type="ftr" sz="quarter" idx="12"/>
+          </p:nvPr>
+        </p:nvSpPr>
+        <p:spPr/>
+        <p:txBody>
+          <a:bodyPr/>
+          <a:lstStyle/>
+          <a:p>
+            <a:r>
+              <a:rPr lang="en-US" smtClean="0"/>
+              <a:t>Footer Text</a:t>
+            </a:r>
+            <a:endParaRPr lang="en-US" dirty="0"/>
+          </a:p>
+        </p:txBody>
+      </p:sp>
+      <p:sp>
+        <p:nvSpPr>
+          <p:cNvPr id="7" name="Subtitle 2"/>
+          <p:cNvSpPr txBox="1">
+            <a:spLocks/>
+          </p:cNvSpPr>
+          <p:nvPr/>
+        </p:nvSpPr>
+        <p:spPr>
+          <a:xfrm>
+            <a:off x="1219200" y="1600200"/>
+            <a:ext cx="6400800" cy="1219200"/>
+          </a:xfrm>
+          <a:prstGeom prst="rect">
+            <a:avLst/>
+          </a:prstGeom>
+        </p:spPr>
+        <p:txBody>
+          <a:bodyPr vert="horz" lIns="91440" tIns="45720" rIns="91440" bIns="45720" rtlCol="0">
+            <a:normAutofit/>
+          </a:bodyPr>
+          <a:lstStyle>
+            <a:lvl1pPr marL="0" indent="0" algn="ctr" defTabSz="914400" rtl="0" eaLnBrk="1" latinLnBrk="0" hangingPunct="1">
+              <a:spcBef>
+                <a:spcPct val="20000"/>
+              </a:spcBef>
+              <a:buFont typeface="Arial" pitchFamily="34" charset="0"/>
+              <a:buNone/>
+              <a:defRPr sz="2400" kern="1200">
+                <a:solidFill>
+                  <a:schemeClr val="tx1">
+                    <a:tint val="75000"/>
+                  </a:schemeClr>
+                </a:solidFill>
+                <a:latin typeface="+mj-lt"/>
+                <a:ea typeface="+mn-ea"/>
+                <a:cs typeface="+mn-cs"/>
+              </a:defRPr>
+            </a:lvl1pPr>
+            <a:lvl2pPr marL="457200" indent="0" algn="ctr" defTabSz="914400" rtl="0" eaLnBrk="1" latinLnBrk="0" hangingPunct="1">
+              <a:spcBef>
+                <a:spcPct val="20000"/>
+              </a:spcBef>
+              <a:buFont typeface="Courier New" pitchFamily="49" charset="0"/>
+              <a:buNone/>
+              <a:defRPr sz="1600" kern="1200">
+                <a:solidFill>
+                  <a:schemeClr val="tx1">
+                    <a:tint val="75000"/>
+                  </a:schemeClr>
+                </a:solidFill>
+                <a:latin typeface="+mj-lt"/>
+                <a:ea typeface="+mn-ea"/>
+                <a:cs typeface="+mn-cs"/>
+              </a:defRPr>
+            </a:lvl2pPr>
+            <a:lvl3pPr marL="914400" indent="0" algn="ctr" defTabSz="914400" rtl="0" eaLnBrk="1" latinLnBrk="0" hangingPunct="1">
+              <a:spcBef>
+                <a:spcPct val="20000"/>
+              </a:spcBef>
+              <a:buFont typeface="Arial" pitchFamily="34" charset="0"/>
+              <a:buNone/>
+              <a:defRPr sz="1600" kern="1200">
+                <a:solidFill>
+                  <a:schemeClr val="tx1">
+                    <a:tint val="75000"/>
+                  </a:schemeClr>
+                </a:solidFill>
+                <a:latin typeface="+mj-lt"/>
+                <a:ea typeface="+mn-ea"/>
+                <a:cs typeface="+mn-cs"/>
+              </a:defRPr>
+            </a:lvl3pPr>
+            <a:lvl4pPr marL="1371600" indent="0" algn="ctr" defTabSz="914400" rtl="0" eaLnBrk="1" latinLnBrk="0" hangingPunct="1">
+              <a:spcBef>
+                <a:spcPct val="20000"/>
+              </a:spcBef>
+              <a:buFont typeface="Courier New" pitchFamily="49" charset="0"/>
+              <a:buNone/>
+              <a:defRPr sz="1600" kern="1200">
+                <a:solidFill>
+                  <a:schemeClr val="tx1">
+                    <a:tint val="75000"/>
+                  </a:schemeClr>
+                </a:solidFill>
+                <a:latin typeface="+mj-lt"/>
+                <a:ea typeface="+mn-ea"/>
+                <a:cs typeface="+mn-cs"/>
+              </a:defRPr>
+            </a:lvl4pPr>
+            <a:lvl5pPr marL="1828800" indent="0" algn="ctr" defTabSz="914400" rtl="0" eaLnBrk="1" latinLnBrk="0" hangingPunct="1">
+              <a:spcBef>
+                <a:spcPct val="20000"/>
+              </a:spcBef>
+              <a:buFont typeface="Arial" pitchFamily="34" charset="0"/>
+              <a:buNone/>
+              <a:defRPr sz="1600" kern="1200">
+                <a:solidFill>
+                  <a:schemeClr val="tx1">
+                    <a:tint val="75000"/>
+                  </a:schemeClr>
+                </a:solidFill>
+                <a:latin typeface="+mj-lt"/>
+                <a:ea typeface="+mn-ea"/>
+                <a:cs typeface="+mn-cs"/>
+              </a:defRPr>
+            </a:lvl5pPr>
+            <a:lvl6pPr marL="2286000" indent="0" algn="ctr" defTabSz="914400" rtl="0" eaLnBrk="1" latinLnBrk="0" hangingPunct="1">
+              <a:spcBef>
+                <a:spcPct val="20000"/>
+              </a:spcBef>
+              <a:buFont typeface="Courier New" pitchFamily="49" charset="0"/>
+              <a:buNone/>
+              <a:defRPr sz="1600" kern="1200">
+                <a:solidFill>
+                  <a:schemeClr val="tx1">
+                    <a:tint val="75000"/>
+                  </a:schemeClr>
+                </a:solidFill>
+                <a:latin typeface="+mj-lt"/>
+                <a:ea typeface="+mn-ea"/>
+                <a:cs typeface="+mn-cs"/>
+              </a:defRPr>
+            </a:lvl6pPr>
+            <a:lvl7pPr marL="2743200" indent="0" algn="ctr" defTabSz="914400" rtl="0" eaLnBrk="1" latinLnBrk="0" hangingPunct="1">
+              <a:spcBef>
+                <a:spcPct val="20000"/>
+              </a:spcBef>
+              <a:buFont typeface="Arial" pitchFamily="34" charset="0"/>
+              <a:buNone/>
+              <a:defRPr sz="1600" kern="1200">
+                <a:solidFill>
+                  <a:schemeClr val="tx1">
+                    <a:tint val="75000"/>
+                  </a:schemeClr>
+                </a:solidFill>
+                <a:latin typeface="+mj-lt"/>
+                <a:ea typeface="+mn-ea"/>
+                <a:cs typeface="+mn-cs"/>
+              </a:defRPr>
+            </a:lvl7pPr>
+            <a:lvl8pPr marL="3200400" indent="0" algn="ctr" defTabSz="914400" rtl="0" eaLnBrk="1" latinLnBrk="0" hangingPunct="1">
+              <a:spcBef>
+                <a:spcPct val="20000"/>
+              </a:spcBef>
+              <a:buFont typeface="Courier New" pitchFamily="49" charset="0"/>
+              <a:buNone/>
+              <a:defRPr sz="1600" kern="1200">
+                <a:solidFill>
+                  <a:schemeClr val="tx1">
+                    <a:tint val="75000"/>
+                  </a:schemeClr>
+                </a:solidFill>
+                <a:latin typeface="+mj-lt"/>
+                <a:ea typeface="+mn-ea"/>
+                <a:cs typeface="+mn-cs"/>
+              </a:defRPr>
+            </a:lvl8pPr>
+            <a:lvl9pPr marL="3657600" indent="0" algn="ctr" defTabSz="914400" rtl="0" eaLnBrk="1" latinLnBrk="0" hangingPunct="1">
+              <a:spcBef>
+                <a:spcPct val="20000"/>
+              </a:spcBef>
+              <a:buFont typeface="Arial" pitchFamily="34" charset="0"/>
+              <a:buNone/>
+              <a:defRPr sz="1600" kern="1200">
+                <a:solidFill>
+                  <a:schemeClr val="tx1">
+                    <a:tint val="75000"/>
+                  </a:schemeClr>
+                </a:solidFill>
+                <a:latin typeface="+mj-lt"/>
+                <a:ea typeface="+mn-ea"/>
+                <a:cs typeface="+mn-cs"/>
+              </a:defRPr>
+            </a:lvl9pPr>
+          </a:lstStyle>
+          <a:p>
+            <a:r>
+              <a:rPr lang="en-US" dirty="0" smtClean="0"/>
+              <a:t>Installation and karma </a:t>
+            </a:r>
+            <a:r>
+              <a:rPr lang="en-US" dirty="0" err="1" smtClean="0"/>
+              <a:t>init</a:t>
+            </a:r>
+            <a:r>
+              <a:rPr lang="en-US" dirty="0" smtClean="0"/>
+              <a:t> to product karma.conf.js</a:t>
+            </a:r>
+            <a:endParaRPr lang="en-US" dirty="0"/>
+          </a:p>
+        </p:txBody>
+      </p:sp>
+    </p:spTree>
+    <p:extLst>
+      <p:ext uri="{BB962C8B-B14F-4D97-AF65-F5344CB8AC3E}">
+        <p14:creationId xmlns:p14="http://schemas.microsoft.com/office/powerpoint/2010/main" val="2842711621"/>
+      </p:ext>
+    </p:extLst>
+  </p:cSld>
+  <p:clrMapOvr>
+    <a:masterClrMapping/>
+  </p:clrMapOvr>
+</p:sld>
+</file>
+
+<file path=ppt/slides/slide13.xml><?xml version="1.0" encoding="utf-8"?>
+<p:sld xmlns:a="http://schemas.openxmlformats.org/drawingml/2006/main" xmlns:r="http://schemas.openxmlformats.org/officeDocument/2006/relationships" xmlns:p="http://schemas.openxmlformats.org/presentationml/2006/main">
+  <p:cSld>
+    <p:spTree>
+      <p:nvGrpSpPr>
+        <p:cNvPr id="1" name=""/>
+        <p:cNvGrpSpPr/>
+        <p:nvPr/>
+      </p:nvGrpSpPr>
+      <p:grpSpPr>
+        <a:xfrm>
+          <a:off x="0" y="0"/>
+          <a:ext cx="0" cy="0"/>
+          <a:chOff x="0" y="0"/>
+          <a:chExt cx="0" cy="0"/>
+        </a:xfrm>
+      </p:grpSpPr>
+      <p:sp>
+        <p:nvSpPr>
+          <p:cNvPr id="2" name="Title 1"/>
+          <p:cNvSpPr>
+            <a:spLocks noGrp="1"/>
+          </p:cNvSpPr>
+          <p:nvPr>
+            <p:ph type="ctrTitle"/>
+          </p:nvPr>
+        </p:nvSpPr>
+        <p:spPr>
+          <a:xfrm>
+            <a:off x="685800" y="228600"/>
+            <a:ext cx="8458200" cy="685800"/>
+          </a:xfrm>
+        </p:spPr>
+        <p:txBody>
+          <a:bodyPr/>
+          <a:lstStyle/>
+          <a:p>
+            <a:pPr algn="l"/>
+            <a:r>
+              <a:rPr lang="en-US" sz="4000" dirty="0" smtClean="0"/>
+              <a:t>Karma Execution</a:t>
+            </a:r>
+            <a:endParaRPr lang="en-US" sz="4000" dirty="0"/>
+          </a:p>
+        </p:txBody>
+      </p:sp>
+      <p:sp>
+        <p:nvSpPr>
+          <p:cNvPr id="4" name="Date Placeholder 3"/>
+          <p:cNvSpPr>
+            <a:spLocks noGrp="1"/>
+          </p:cNvSpPr>
+          <p:nvPr>
+            <p:ph type="dt" sz="half" idx="10"/>
+          </p:nvPr>
+        </p:nvSpPr>
+        <p:spPr/>
+        <p:txBody>
+          <a:bodyPr/>
+          <a:lstStyle/>
+          <a:p>
+            <a:fld id="{216C5678-EE20-4FA5-88E2-6E0BD67A2E26}" type="datetime1">
+              <a:rPr lang="en-US" smtClean="0"/>
+              <a:t>11/7/2015</a:t>
+            </a:fld>
+            <a:endParaRPr lang="en-US" dirty="0"/>
+          </a:p>
+        </p:txBody>
+      </p:sp>
+      <p:sp>
+        <p:nvSpPr>
+          <p:cNvPr id="5" name="Slide Number Placeholder 4"/>
+          <p:cNvSpPr>
+            <a:spLocks noGrp="1"/>
+          </p:cNvSpPr>
+          <p:nvPr>
+            <p:ph type="sldNum" sz="quarter" idx="11"/>
+          </p:nvPr>
+        </p:nvSpPr>
+        <p:spPr/>
+        <p:txBody>
+          <a:bodyPr/>
+          <a:lstStyle/>
+          <a:p>
+            <a:fld id="{BA9B540C-44DA-4F69-89C9-7C84606640D3}" type="slidenum">
+              <a:rPr lang="en-US" smtClean="0"/>
+              <a:pPr/>
+              <a:t>13</a:t>
+            </a:fld>
+            <a:endParaRPr lang="en-US" dirty="0"/>
+          </a:p>
+        </p:txBody>
+      </p:sp>
+      <p:sp>
+        <p:nvSpPr>
+          <p:cNvPr id="6" name="Footer Placeholder 5"/>
+          <p:cNvSpPr>
+            <a:spLocks noGrp="1"/>
+          </p:cNvSpPr>
+          <p:nvPr>
+            <p:ph type="ftr" sz="quarter" idx="12"/>
+          </p:nvPr>
+        </p:nvSpPr>
+        <p:spPr/>
+        <p:txBody>
+          <a:bodyPr/>
+          <a:lstStyle/>
+          <a:p>
+            <a:r>
+              <a:rPr lang="en-US" smtClean="0"/>
+              <a:t>Footer Text</a:t>
+            </a:r>
+            <a:endParaRPr lang="en-US" dirty="0"/>
+          </a:p>
+        </p:txBody>
+      </p:sp>
+      <p:sp>
+        <p:nvSpPr>
+          <p:cNvPr id="7" name="Subtitle 2"/>
+          <p:cNvSpPr txBox="1">
+            <a:spLocks/>
+          </p:cNvSpPr>
+          <p:nvPr/>
+        </p:nvSpPr>
+        <p:spPr>
+          <a:xfrm>
+            <a:off x="1219200" y="1600200"/>
+            <a:ext cx="6400800" cy="1219200"/>
+          </a:xfrm>
+          <a:prstGeom prst="rect">
+            <a:avLst/>
+          </a:prstGeom>
+        </p:spPr>
+        <p:txBody>
+          <a:bodyPr vert="horz" lIns="91440" tIns="45720" rIns="91440" bIns="45720" rtlCol="0">
+            <a:normAutofit/>
+          </a:bodyPr>
+          <a:lstStyle>
+            <a:lvl1pPr marL="0" indent="0" algn="ctr" defTabSz="914400" rtl="0" eaLnBrk="1" latinLnBrk="0" hangingPunct="1">
+              <a:spcBef>
+                <a:spcPct val="20000"/>
+              </a:spcBef>
+              <a:buFont typeface="Arial" pitchFamily="34" charset="0"/>
+              <a:buNone/>
+              <a:defRPr sz="2400" kern="1200">
+                <a:solidFill>
+                  <a:schemeClr val="tx1">
+                    <a:tint val="75000"/>
+                  </a:schemeClr>
+                </a:solidFill>
+                <a:latin typeface="+mj-lt"/>
+                <a:ea typeface="+mn-ea"/>
+                <a:cs typeface="+mn-cs"/>
+              </a:defRPr>
+            </a:lvl1pPr>
+            <a:lvl2pPr marL="457200" indent="0" algn="ctr" defTabSz="914400" rtl="0" eaLnBrk="1" latinLnBrk="0" hangingPunct="1">
+              <a:spcBef>
+                <a:spcPct val="20000"/>
+              </a:spcBef>
+              <a:buFont typeface="Courier New" pitchFamily="49" charset="0"/>
+              <a:buNone/>
+              <a:defRPr sz="1600" kern="1200">
+                <a:solidFill>
+                  <a:schemeClr val="tx1">
+                    <a:tint val="75000"/>
+                  </a:schemeClr>
+                </a:solidFill>
+                <a:latin typeface="+mj-lt"/>
+                <a:ea typeface="+mn-ea"/>
+                <a:cs typeface="+mn-cs"/>
+              </a:defRPr>
+            </a:lvl2pPr>
+            <a:lvl3pPr marL="914400" indent="0" algn="ctr" defTabSz="914400" rtl="0" eaLnBrk="1" latinLnBrk="0" hangingPunct="1">
+              <a:spcBef>
+                <a:spcPct val="20000"/>
+              </a:spcBef>
+              <a:buFont typeface="Arial" pitchFamily="34" charset="0"/>
+              <a:buNone/>
+              <a:defRPr sz="1600" kern="1200">
+                <a:solidFill>
+                  <a:schemeClr val="tx1">
+                    <a:tint val="75000"/>
+                  </a:schemeClr>
+                </a:solidFill>
+                <a:latin typeface="+mj-lt"/>
+                <a:ea typeface="+mn-ea"/>
+                <a:cs typeface="+mn-cs"/>
+              </a:defRPr>
+            </a:lvl3pPr>
+            <a:lvl4pPr marL="1371600" indent="0" algn="ctr" defTabSz="914400" rtl="0" eaLnBrk="1" latinLnBrk="0" hangingPunct="1">
+              <a:spcBef>
+                <a:spcPct val="20000"/>
+              </a:spcBef>
+              <a:buFont typeface="Courier New" pitchFamily="49" charset="0"/>
+              <a:buNone/>
+              <a:defRPr sz="1600" kern="1200">
+                <a:solidFill>
+                  <a:schemeClr val="tx1">
+                    <a:tint val="75000"/>
+                  </a:schemeClr>
+                </a:solidFill>
+                <a:latin typeface="+mj-lt"/>
+                <a:ea typeface="+mn-ea"/>
+                <a:cs typeface="+mn-cs"/>
+              </a:defRPr>
+            </a:lvl4pPr>
+            <a:lvl5pPr marL="1828800" indent="0" algn="ctr" defTabSz="914400" rtl="0" eaLnBrk="1" latinLnBrk="0" hangingPunct="1">
+              <a:spcBef>
+                <a:spcPct val="20000"/>
+              </a:spcBef>
+              <a:buFont typeface="Arial" pitchFamily="34" charset="0"/>
+              <a:buNone/>
+              <a:defRPr sz="1600" kern="1200">
+                <a:solidFill>
+                  <a:schemeClr val="tx1">
+                    <a:tint val="75000"/>
+                  </a:schemeClr>
+                </a:solidFill>
+                <a:latin typeface="+mj-lt"/>
+                <a:ea typeface="+mn-ea"/>
+                <a:cs typeface="+mn-cs"/>
+              </a:defRPr>
+            </a:lvl5pPr>
+            <a:lvl6pPr marL="2286000" indent="0" algn="ctr" defTabSz="914400" rtl="0" eaLnBrk="1" latinLnBrk="0" hangingPunct="1">
+              <a:spcBef>
+                <a:spcPct val="20000"/>
+              </a:spcBef>
+              <a:buFont typeface="Courier New" pitchFamily="49" charset="0"/>
+              <a:buNone/>
+              <a:defRPr sz="1600" kern="1200">
+                <a:solidFill>
+                  <a:schemeClr val="tx1">
+                    <a:tint val="75000"/>
+                  </a:schemeClr>
+                </a:solidFill>
+                <a:latin typeface="+mj-lt"/>
+                <a:ea typeface="+mn-ea"/>
+                <a:cs typeface="+mn-cs"/>
+              </a:defRPr>
+            </a:lvl6pPr>
+            <a:lvl7pPr marL="2743200" indent="0" algn="ctr" defTabSz="914400" rtl="0" eaLnBrk="1" latinLnBrk="0" hangingPunct="1">
+              <a:spcBef>
+                <a:spcPct val="20000"/>
+              </a:spcBef>
+              <a:buFont typeface="Arial" pitchFamily="34" charset="0"/>
+              <a:buNone/>
+              <a:defRPr sz="1600" kern="1200">
+                <a:solidFill>
+                  <a:schemeClr val="tx1">
+                    <a:tint val="75000"/>
+                  </a:schemeClr>
+                </a:solidFill>
+                <a:latin typeface="+mj-lt"/>
+                <a:ea typeface="+mn-ea"/>
+                <a:cs typeface="+mn-cs"/>
+              </a:defRPr>
+            </a:lvl7pPr>
+            <a:lvl8pPr marL="3200400" indent="0" algn="ctr" defTabSz="914400" rtl="0" eaLnBrk="1" latinLnBrk="0" hangingPunct="1">
+              <a:spcBef>
+                <a:spcPct val="20000"/>
+              </a:spcBef>
+              <a:buFont typeface="Courier New" pitchFamily="49" charset="0"/>
+              <a:buNone/>
+              <a:defRPr sz="1600" kern="1200">
+                <a:solidFill>
+                  <a:schemeClr val="tx1">
+                    <a:tint val="75000"/>
+                  </a:schemeClr>
+                </a:solidFill>
+                <a:latin typeface="+mj-lt"/>
+                <a:ea typeface="+mn-ea"/>
+                <a:cs typeface="+mn-cs"/>
+              </a:defRPr>
+            </a:lvl8pPr>
+            <a:lvl9pPr marL="3657600" indent="0" algn="ctr" defTabSz="914400" rtl="0" eaLnBrk="1" latinLnBrk="0" hangingPunct="1">
+              <a:spcBef>
+                <a:spcPct val="20000"/>
+              </a:spcBef>
+              <a:buFont typeface="Arial" pitchFamily="34" charset="0"/>
+              <a:buNone/>
+              <a:defRPr sz="1600" kern="1200">
+                <a:solidFill>
+                  <a:schemeClr val="tx1">
+                    <a:tint val="75000"/>
+                  </a:schemeClr>
+                </a:solidFill>
+                <a:latin typeface="+mj-lt"/>
+                <a:ea typeface="+mn-ea"/>
+                <a:cs typeface="+mn-cs"/>
+              </a:defRPr>
+            </a:lvl9pPr>
+          </a:lstStyle>
+          <a:p>
+            <a:r>
+              <a:rPr lang="en-US" dirty="0" smtClean="0"/>
+              <a:t>Show code</a:t>
+            </a:r>
+            <a:endParaRPr lang="en-US" dirty="0"/>
+          </a:p>
+        </p:txBody>
+      </p:sp>
+    </p:spTree>
+    <p:extLst>
+      <p:ext uri="{BB962C8B-B14F-4D97-AF65-F5344CB8AC3E}">
+        <p14:creationId xmlns:p14="http://schemas.microsoft.com/office/powerpoint/2010/main" val="2610234656"/>
+      </p:ext>
+    </p:extLst>
+  </p:cSld>
+  <p:clrMapOvr>
+    <a:masterClrMapping/>
+  </p:clrMapOvr>
+</p:sld>
+</file>
+
 <file path=ppt/slides/slide2.xml><?xml version="1.0" encoding="utf-8"?>
 <p:sld xmlns:a="http://schemas.openxmlformats.org/drawingml/2006/main" xmlns:r="http://schemas.openxmlformats.org/officeDocument/2006/relationships" xmlns:p="http://schemas.openxmlformats.org/presentationml/2006/main">
   <p:cSld>
@@ -3579,12 +4701,22 @@
             <p:ph type="ctrTitle"/>
           </p:nvPr>
         </p:nvSpPr>
-        <p:spPr/>
-        <p:txBody>
-          <a:bodyPr/>
-          <a:lstStyle/>
-          <a:p>
-            <a:endParaRPr lang="en-US" dirty="0"/>
+        <p:spPr>
+          <a:xfrm>
+            <a:off x="685800" y="228600"/>
+            <a:ext cx="7772400" cy="685800"/>
+          </a:xfrm>
+        </p:spPr>
+        <p:txBody>
+          <a:bodyPr/>
+          <a:lstStyle/>
+          <a:p>
+            <a:pPr algn="l"/>
+            <a:r>
+              <a:rPr lang="en-US" sz="4000" dirty="0" smtClean="0"/>
+              <a:t>Agenda</a:t>
+            </a:r>
+            <a:endParaRPr lang="en-US" sz="4000" dirty="0"/>
           </a:p>
         </p:txBody>
       </p:sp>
@@ -3598,20 +4730,121 @@
             <p:ph type="subTitle" idx="1"/>
           </p:nvPr>
         </p:nvSpPr>
-        <p:spPr/>
-        <p:txBody>
-          <a:bodyPr/>
-          <a:lstStyle/>
-          <a:p>
-            <a:r>
-              <a:rPr lang="en-US" dirty="0" err="1" smtClean="0"/>
-              <a:t>Hoanh</a:t>
-            </a:r>
-            <a:r>
-              <a:rPr lang="en-US" dirty="0" smtClean="0"/>
-              <a:t> Tran</a:t>
-            </a:r>
-            <a:endParaRPr lang="en-US" dirty="0"/>
+        <p:spPr>
+          <a:xfrm>
+            <a:off x="1219200" y="1219200"/>
+            <a:ext cx="7315200" cy="4343400"/>
+          </a:xfrm>
+        </p:spPr>
+        <p:txBody>
+          <a:bodyPr>
+            <a:noAutofit/>
+          </a:bodyPr>
+          <a:lstStyle/>
+          <a:p>
+            <a:pPr marL="342900" indent="-342900" algn="l">
+              <a:buFont typeface="Arial" panose="020B0604020202020204" pitchFamily="34" charset="0"/>
+              <a:buChar char="•"/>
+            </a:pPr>
+            <a:r>
+              <a:rPr lang="en-US" sz="3200" dirty="0" smtClean="0"/>
+              <a:t>What is Jasmine?</a:t>
+            </a:r>
+          </a:p>
+          <a:p>
+            <a:pPr marL="342900" indent="-342900" algn="l">
+              <a:buFont typeface="Arial" panose="020B0604020202020204" pitchFamily="34" charset="0"/>
+              <a:buChar char="•"/>
+            </a:pPr>
+            <a:r>
+              <a:rPr lang="en-US" sz="3200" dirty="0" smtClean="0"/>
+              <a:t>Testing of </a:t>
+            </a:r>
+            <a:r>
+              <a:rPr lang="en-US" sz="3200" dirty="0" err="1" smtClean="0"/>
+              <a:t>Javascript</a:t>
+            </a:r>
+            <a:r>
+              <a:rPr lang="en-US" sz="3200" dirty="0" smtClean="0"/>
+              <a:t> Jasmine.</a:t>
+            </a:r>
+          </a:p>
+          <a:p>
+            <a:pPr marL="342900" indent="-342900" algn="l">
+              <a:buFont typeface="Arial" panose="020B0604020202020204" pitchFamily="34" charset="0"/>
+              <a:buChar char="•"/>
+            </a:pPr>
+            <a:r>
+              <a:rPr lang="en-US" sz="3200" dirty="0" smtClean="0"/>
+              <a:t>Testing of </a:t>
+            </a:r>
+            <a:r>
+              <a:rPr lang="en-US" sz="3200" dirty="0" err="1"/>
+              <a:t>a</a:t>
+            </a:r>
+            <a:r>
+              <a:rPr lang="en-US" sz="3200" dirty="0" err="1" smtClean="0"/>
+              <a:t>sync</a:t>
+            </a:r>
+            <a:r>
+              <a:rPr lang="en-US" sz="3200" dirty="0" smtClean="0"/>
+              <a:t> </a:t>
+            </a:r>
+            <a:r>
+              <a:rPr lang="en-US" sz="3200" dirty="0" err="1" smtClean="0"/>
+              <a:t>Javascript</a:t>
+            </a:r>
+            <a:r>
+              <a:rPr lang="en-US" sz="3200" dirty="0" smtClean="0"/>
+              <a:t> code</a:t>
+            </a:r>
+          </a:p>
+          <a:p>
+            <a:pPr marL="342900" indent="-342900" algn="l">
+              <a:buFont typeface="Arial" panose="020B0604020202020204" pitchFamily="34" charset="0"/>
+              <a:buChar char="•"/>
+            </a:pPr>
+            <a:r>
+              <a:rPr lang="en-US" sz="3200" dirty="0" smtClean="0"/>
+              <a:t>Testing of ajax </a:t>
+            </a:r>
+            <a:r>
+              <a:rPr lang="en-US" sz="3200" dirty="0" err="1" smtClean="0"/>
+              <a:t>Javascript</a:t>
+            </a:r>
+            <a:r>
+              <a:rPr lang="en-US" sz="3200" dirty="0" smtClean="0"/>
+              <a:t> code.</a:t>
+            </a:r>
+          </a:p>
+          <a:p>
+            <a:pPr marL="342900" indent="-342900" algn="l">
+              <a:buFont typeface="Arial" panose="020B0604020202020204" pitchFamily="34" charset="0"/>
+              <a:buChar char="•"/>
+            </a:pPr>
+            <a:r>
+              <a:rPr lang="en-US" sz="3200" dirty="0" smtClean="0"/>
+              <a:t>Testing of UI </a:t>
+            </a:r>
+            <a:r>
+              <a:rPr lang="en-US" sz="3200" dirty="0" err="1" smtClean="0"/>
+              <a:t>Javascript</a:t>
+            </a:r>
+            <a:r>
+              <a:rPr lang="en-US" sz="3200" dirty="0" smtClean="0"/>
+              <a:t> code.</a:t>
+            </a:r>
+          </a:p>
+          <a:p>
+            <a:pPr marL="342900" indent="-342900" algn="l">
+              <a:buFont typeface="Arial" panose="020B0604020202020204" pitchFamily="34" charset="0"/>
+              <a:buChar char="•"/>
+            </a:pPr>
+            <a:r>
+              <a:rPr lang="en-US" sz="3200" dirty="0" smtClean="0"/>
+              <a:t>Karma test runner.</a:t>
+            </a:r>
+            <a:endParaRPr lang="en-US" sz="3200" dirty="0"/>
           </a:p>
         </p:txBody>
       </p:sp>
@@ -3689,6 +4922,1310 @@
     <p:extLst>
       <p:ext uri="{BB962C8B-B14F-4D97-AF65-F5344CB8AC3E}">
         <p14:creationId xmlns:p14="http://schemas.microsoft.com/office/powerpoint/2010/main" val="1112403685"/>
+      </p:ext>
+    </p:extLst>
+  </p:cSld>
+  <p:clrMapOvr>
+    <a:masterClrMapping/>
+  </p:clrMapOvr>
+</p:sld>
+</file>
+
+<file path=ppt/slides/slide3.xml><?xml version="1.0" encoding="utf-8"?>
+<p:sld xmlns:a="http://schemas.openxmlformats.org/drawingml/2006/main" xmlns:r="http://schemas.openxmlformats.org/officeDocument/2006/relationships" xmlns:p="http://schemas.openxmlformats.org/presentationml/2006/main">
+  <p:cSld>
+    <p:spTree>
+      <p:nvGrpSpPr>
+        <p:cNvPr id="1" name=""/>
+        <p:cNvGrpSpPr/>
+        <p:nvPr/>
+      </p:nvGrpSpPr>
+      <p:grpSpPr>
+        <a:xfrm>
+          <a:off x="0" y="0"/>
+          <a:ext cx="0" cy="0"/>
+          <a:chOff x="0" y="0"/>
+          <a:chExt cx="0" cy="0"/>
+        </a:xfrm>
+      </p:grpSpPr>
+      <p:sp>
+        <p:nvSpPr>
+          <p:cNvPr id="2" name="Title 1"/>
+          <p:cNvSpPr>
+            <a:spLocks noGrp="1"/>
+          </p:cNvSpPr>
+          <p:nvPr>
+            <p:ph type="ctrTitle"/>
+          </p:nvPr>
+        </p:nvSpPr>
+        <p:spPr>
+          <a:xfrm>
+            <a:off x="685800" y="228600"/>
+            <a:ext cx="7772400" cy="685800"/>
+          </a:xfrm>
+        </p:spPr>
+        <p:txBody>
+          <a:bodyPr/>
+          <a:lstStyle/>
+          <a:p>
+            <a:pPr algn="l"/>
+            <a:r>
+              <a:rPr lang="en-US" sz="4000" dirty="0" smtClean="0"/>
+              <a:t>What is Jasmine?</a:t>
+            </a:r>
+            <a:endParaRPr lang="en-US" sz="4000" dirty="0"/>
+          </a:p>
+        </p:txBody>
+      </p:sp>
+      <p:sp>
+        <p:nvSpPr>
+          <p:cNvPr id="4" name="Date Placeholder 3"/>
+          <p:cNvSpPr>
+            <a:spLocks noGrp="1"/>
+          </p:cNvSpPr>
+          <p:nvPr>
+            <p:ph type="dt" sz="half" idx="10"/>
+          </p:nvPr>
+        </p:nvSpPr>
+        <p:spPr/>
+        <p:txBody>
+          <a:bodyPr/>
+          <a:lstStyle/>
+          <a:p>
+            <a:fld id="{216C5678-EE20-4FA5-88E2-6E0BD67A2E26}" type="datetime1">
+              <a:rPr lang="en-US" smtClean="0"/>
+              <a:t>11/7/2015</a:t>
+            </a:fld>
+            <a:endParaRPr lang="en-US" dirty="0"/>
+          </a:p>
+        </p:txBody>
+      </p:sp>
+      <p:sp>
+        <p:nvSpPr>
+          <p:cNvPr id="5" name="Slide Number Placeholder 4"/>
+          <p:cNvSpPr>
+            <a:spLocks noGrp="1"/>
+          </p:cNvSpPr>
+          <p:nvPr>
+            <p:ph type="sldNum" sz="quarter" idx="11"/>
+          </p:nvPr>
+        </p:nvSpPr>
+        <p:spPr/>
+        <p:txBody>
+          <a:bodyPr/>
+          <a:lstStyle/>
+          <a:p>
+            <a:fld id="{BA9B540C-44DA-4F69-89C9-7C84606640D3}" type="slidenum">
+              <a:rPr lang="en-US" smtClean="0"/>
+              <a:pPr/>
+              <a:t>3</a:t>
+            </a:fld>
+            <a:endParaRPr lang="en-US" dirty="0"/>
+          </a:p>
+        </p:txBody>
+      </p:sp>
+      <p:sp>
+        <p:nvSpPr>
+          <p:cNvPr id="6" name="Footer Placeholder 5"/>
+          <p:cNvSpPr>
+            <a:spLocks noGrp="1"/>
+          </p:cNvSpPr>
+          <p:nvPr>
+            <p:ph type="ftr" sz="quarter" idx="12"/>
+          </p:nvPr>
+        </p:nvSpPr>
+        <p:spPr/>
+        <p:txBody>
+          <a:bodyPr/>
+          <a:lstStyle/>
+          <a:p>
+            <a:r>
+              <a:rPr lang="en-US" smtClean="0"/>
+              <a:t>Footer Text</a:t>
+            </a:r>
+            <a:endParaRPr lang="en-US" dirty="0"/>
+          </a:p>
+        </p:txBody>
+      </p:sp>
+    </p:spTree>
+    <p:extLst>
+      <p:ext uri="{BB962C8B-B14F-4D97-AF65-F5344CB8AC3E}">
+        <p14:creationId xmlns:p14="http://schemas.microsoft.com/office/powerpoint/2010/main" val="2586824754"/>
+      </p:ext>
+    </p:extLst>
+  </p:cSld>
+  <p:clrMapOvr>
+    <a:masterClrMapping/>
+  </p:clrMapOvr>
+</p:sld>
+</file>
+
+<file path=ppt/slides/slide4.xml><?xml version="1.0" encoding="utf-8"?>
+<p:sld xmlns:a="http://schemas.openxmlformats.org/drawingml/2006/main" xmlns:r="http://schemas.openxmlformats.org/officeDocument/2006/relationships" xmlns:p="http://schemas.openxmlformats.org/presentationml/2006/main">
+  <p:cSld>
+    <p:spTree>
+      <p:nvGrpSpPr>
+        <p:cNvPr id="1" name=""/>
+        <p:cNvGrpSpPr/>
+        <p:nvPr/>
+      </p:nvGrpSpPr>
+      <p:grpSpPr>
+        <a:xfrm>
+          <a:off x="0" y="0"/>
+          <a:ext cx="0" cy="0"/>
+          <a:chOff x="0" y="0"/>
+          <a:chExt cx="0" cy="0"/>
+        </a:xfrm>
+      </p:grpSpPr>
+      <p:sp>
+        <p:nvSpPr>
+          <p:cNvPr id="2" name="Title 1"/>
+          <p:cNvSpPr>
+            <a:spLocks noGrp="1"/>
+          </p:cNvSpPr>
+          <p:nvPr>
+            <p:ph type="ctrTitle"/>
+          </p:nvPr>
+        </p:nvSpPr>
+        <p:spPr>
+          <a:xfrm>
+            <a:off x="685800" y="228600"/>
+            <a:ext cx="7772400" cy="685800"/>
+          </a:xfrm>
+        </p:spPr>
+        <p:txBody>
+          <a:bodyPr/>
+          <a:lstStyle/>
+          <a:p>
+            <a:pPr algn="l"/>
+            <a:r>
+              <a:rPr lang="en-US" sz="4000" dirty="0" smtClean="0"/>
+              <a:t>JS Module Under Test</a:t>
+            </a:r>
+            <a:endParaRPr lang="en-US" sz="4000" dirty="0"/>
+          </a:p>
+        </p:txBody>
+      </p:sp>
+      <p:sp>
+        <p:nvSpPr>
+          <p:cNvPr id="4" name="Date Placeholder 3"/>
+          <p:cNvSpPr>
+            <a:spLocks noGrp="1"/>
+          </p:cNvSpPr>
+          <p:nvPr>
+            <p:ph type="dt" sz="half" idx="10"/>
+          </p:nvPr>
+        </p:nvSpPr>
+        <p:spPr/>
+        <p:txBody>
+          <a:bodyPr/>
+          <a:lstStyle/>
+          <a:p>
+            <a:fld id="{216C5678-EE20-4FA5-88E2-6E0BD67A2E26}" type="datetime1">
+              <a:rPr lang="en-US" smtClean="0"/>
+              <a:t>11/7/2015</a:t>
+            </a:fld>
+            <a:endParaRPr lang="en-US" dirty="0"/>
+          </a:p>
+        </p:txBody>
+      </p:sp>
+      <p:sp>
+        <p:nvSpPr>
+          <p:cNvPr id="5" name="Slide Number Placeholder 4"/>
+          <p:cNvSpPr>
+            <a:spLocks noGrp="1"/>
+          </p:cNvSpPr>
+          <p:nvPr>
+            <p:ph type="sldNum" sz="quarter" idx="11"/>
+          </p:nvPr>
+        </p:nvSpPr>
+        <p:spPr/>
+        <p:txBody>
+          <a:bodyPr/>
+          <a:lstStyle/>
+          <a:p>
+            <a:fld id="{BA9B540C-44DA-4F69-89C9-7C84606640D3}" type="slidenum">
+              <a:rPr lang="en-US" smtClean="0"/>
+              <a:pPr/>
+              <a:t>4</a:t>
+            </a:fld>
+            <a:endParaRPr lang="en-US" dirty="0"/>
+          </a:p>
+        </p:txBody>
+      </p:sp>
+      <p:sp>
+        <p:nvSpPr>
+          <p:cNvPr id="6" name="Footer Placeholder 5"/>
+          <p:cNvSpPr>
+            <a:spLocks noGrp="1"/>
+          </p:cNvSpPr>
+          <p:nvPr>
+            <p:ph type="ftr" sz="quarter" idx="12"/>
+          </p:nvPr>
+        </p:nvSpPr>
+        <p:spPr/>
+        <p:txBody>
+          <a:bodyPr/>
+          <a:lstStyle/>
+          <a:p>
+            <a:r>
+              <a:rPr lang="en-US" smtClean="0"/>
+              <a:t>Footer Text</a:t>
+            </a:r>
+            <a:endParaRPr lang="en-US" dirty="0"/>
+          </a:p>
+        </p:txBody>
+      </p:sp>
+      <p:sp>
+        <p:nvSpPr>
+          <p:cNvPr id="7" name="Subtitle 2"/>
+          <p:cNvSpPr>
+            <a:spLocks noGrp="1"/>
+          </p:cNvSpPr>
+          <p:nvPr>
+            <p:ph type="subTitle" idx="1"/>
+          </p:nvPr>
+        </p:nvSpPr>
+        <p:spPr>
+          <a:xfrm>
+            <a:off x="1219200" y="1600200"/>
+            <a:ext cx="6400800" cy="1219200"/>
+          </a:xfrm>
+        </p:spPr>
+        <p:txBody>
+          <a:bodyPr/>
+          <a:lstStyle/>
+          <a:p>
+            <a:r>
+              <a:rPr lang="en-US" dirty="0" smtClean="0"/>
+              <a:t>Display </a:t>
+            </a:r>
+            <a:r>
+              <a:rPr lang="en-US" dirty="0" err="1" smtClean="0"/>
+              <a:t>calc</a:t>
+            </a:r>
+            <a:r>
+              <a:rPr lang="en-US" dirty="0" smtClean="0"/>
+              <a:t> module</a:t>
+            </a:r>
+            <a:endParaRPr lang="en-US" dirty="0"/>
+          </a:p>
+        </p:txBody>
+      </p:sp>
+    </p:spTree>
+    <p:extLst>
+      <p:ext uri="{BB962C8B-B14F-4D97-AF65-F5344CB8AC3E}">
+        <p14:creationId xmlns:p14="http://schemas.microsoft.com/office/powerpoint/2010/main" val="2935351792"/>
+      </p:ext>
+    </p:extLst>
+  </p:cSld>
+  <p:clrMapOvr>
+    <a:masterClrMapping/>
+  </p:clrMapOvr>
+</p:sld>
+</file>
+
+<file path=ppt/slides/slide5.xml><?xml version="1.0" encoding="utf-8"?>
+<p:sld xmlns:a="http://schemas.openxmlformats.org/drawingml/2006/main" xmlns:r="http://schemas.openxmlformats.org/officeDocument/2006/relationships" xmlns:p="http://schemas.openxmlformats.org/presentationml/2006/main">
+  <p:cSld>
+    <p:spTree>
+      <p:nvGrpSpPr>
+        <p:cNvPr id="1" name=""/>
+        <p:cNvGrpSpPr/>
+        <p:nvPr/>
+      </p:nvGrpSpPr>
+      <p:grpSpPr>
+        <a:xfrm>
+          <a:off x="0" y="0"/>
+          <a:ext cx="0" cy="0"/>
+          <a:chOff x="0" y="0"/>
+          <a:chExt cx="0" cy="0"/>
+        </a:xfrm>
+      </p:grpSpPr>
+      <p:sp>
+        <p:nvSpPr>
+          <p:cNvPr id="2" name="Title 1"/>
+          <p:cNvSpPr>
+            <a:spLocks noGrp="1"/>
+          </p:cNvSpPr>
+          <p:nvPr>
+            <p:ph type="ctrTitle"/>
+          </p:nvPr>
+        </p:nvSpPr>
+        <p:spPr>
+          <a:xfrm>
+            <a:off x="685800" y="228600"/>
+            <a:ext cx="7772400" cy="685800"/>
+          </a:xfrm>
+        </p:spPr>
+        <p:txBody>
+          <a:bodyPr/>
+          <a:lstStyle/>
+          <a:p>
+            <a:pPr algn="l"/>
+            <a:r>
+              <a:rPr lang="en-US" sz="4000" dirty="0" smtClean="0"/>
+              <a:t>JS Module Under Test (</a:t>
+            </a:r>
+            <a:r>
+              <a:rPr lang="en-US" sz="4000" dirty="0" err="1" smtClean="0"/>
+              <a:t>cont</a:t>
+            </a:r>
+            <a:r>
+              <a:rPr lang="en-US" sz="4000" dirty="0" smtClean="0"/>
+              <a:t>)</a:t>
+            </a:r>
+            <a:endParaRPr lang="en-US" sz="4000" dirty="0"/>
+          </a:p>
+        </p:txBody>
+      </p:sp>
+      <p:sp>
+        <p:nvSpPr>
+          <p:cNvPr id="4" name="Date Placeholder 3"/>
+          <p:cNvSpPr>
+            <a:spLocks noGrp="1"/>
+          </p:cNvSpPr>
+          <p:nvPr>
+            <p:ph type="dt" sz="half" idx="10"/>
+          </p:nvPr>
+        </p:nvSpPr>
+        <p:spPr/>
+        <p:txBody>
+          <a:bodyPr/>
+          <a:lstStyle/>
+          <a:p>
+            <a:fld id="{216C5678-EE20-4FA5-88E2-6E0BD67A2E26}" type="datetime1">
+              <a:rPr lang="en-US" smtClean="0"/>
+              <a:t>11/7/2015</a:t>
+            </a:fld>
+            <a:endParaRPr lang="en-US" dirty="0"/>
+          </a:p>
+        </p:txBody>
+      </p:sp>
+      <p:sp>
+        <p:nvSpPr>
+          <p:cNvPr id="5" name="Slide Number Placeholder 4"/>
+          <p:cNvSpPr>
+            <a:spLocks noGrp="1"/>
+          </p:cNvSpPr>
+          <p:nvPr>
+            <p:ph type="sldNum" sz="quarter" idx="11"/>
+          </p:nvPr>
+        </p:nvSpPr>
+        <p:spPr/>
+        <p:txBody>
+          <a:bodyPr/>
+          <a:lstStyle/>
+          <a:p>
+            <a:fld id="{BA9B540C-44DA-4F69-89C9-7C84606640D3}" type="slidenum">
+              <a:rPr lang="en-US" smtClean="0"/>
+              <a:pPr/>
+              <a:t>5</a:t>
+            </a:fld>
+            <a:endParaRPr lang="en-US" dirty="0"/>
+          </a:p>
+        </p:txBody>
+      </p:sp>
+      <p:sp>
+        <p:nvSpPr>
+          <p:cNvPr id="6" name="Footer Placeholder 5"/>
+          <p:cNvSpPr>
+            <a:spLocks noGrp="1"/>
+          </p:cNvSpPr>
+          <p:nvPr>
+            <p:ph type="ftr" sz="quarter" idx="12"/>
+          </p:nvPr>
+        </p:nvSpPr>
+        <p:spPr/>
+        <p:txBody>
+          <a:bodyPr/>
+          <a:lstStyle/>
+          <a:p>
+            <a:r>
+              <a:rPr lang="en-US" smtClean="0"/>
+              <a:t>Footer Text</a:t>
+            </a:r>
+            <a:endParaRPr lang="en-US" dirty="0"/>
+          </a:p>
+        </p:txBody>
+      </p:sp>
+      <p:sp>
+        <p:nvSpPr>
+          <p:cNvPr id="7" name="Subtitle 2"/>
+          <p:cNvSpPr>
+            <a:spLocks noGrp="1"/>
+          </p:cNvSpPr>
+          <p:nvPr>
+            <p:ph type="subTitle" idx="1"/>
+          </p:nvPr>
+        </p:nvSpPr>
+        <p:spPr>
+          <a:xfrm>
+            <a:off x="1219200" y="1600200"/>
+            <a:ext cx="6400800" cy="1219200"/>
+          </a:xfrm>
+        </p:spPr>
+        <p:txBody>
+          <a:bodyPr/>
+          <a:lstStyle/>
+          <a:p>
+            <a:r>
+              <a:rPr lang="en-US" dirty="0" err="1" smtClean="0"/>
+              <a:t>calc</a:t>
+            </a:r>
+            <a:r>
+              <a:rPr lang="en-US" dirty="0" smtClean="0"/>
+              <a:t> tests</a:t>
+            </a:r>
+            <a:endParaRPr lang="en-US" dirty="0"/>
+          </a:p>
+        </p:txBody>
+      </p:sp>
+    </p:spTree>
+    <p:extLst>
+      <p:ext uri="{BB962C8B-B14F-4D97-AF65-F5344CB8AC3E}">
+        <p14:creationId xmlns:p14="http://schemas.microsoft.com/office/powerpoint/2010/main" val="574487807"/>
+      </p:ext>
+    </p:extLst>
+  </p:cSld>
+  <p:clrMapOvr>
+    <a:masterClrMapping/>
+  </p:clrMapOvr>
+</p:sld>
+</file>
+
+<file path=ppt/slides/slide6.xml><?xml version="1.0" encoding="utf-8"?>
+<p:sld xmlns:a="http://schemas.openxmlformats.org/drawingml/2006/main" xmlns:r="http://schemas.openxmlformats.org/officeDocument/2006/relationships" xmlns:p="http://schemas.openxmlformats.org/presentationml/2006/main">
+  <p:cSld>
+    <p:spTree>
+      <p:nvGrpSpPr>
+        <p:cNvPr id="1" name=""/>
+        <p:cNvGrpSpPr/>
+        <p:nvPr/>
+      </p:nvGrpSpPr>
+      <p:grpSpPr>
+        <a:xfrm>
+          <a:off x="0" y="0"/>
+          <a:ext cx="0" cy="0"/>
+          <a:chOff x="0" y="0"/>
+          <a:chExt cx="0" cy="0"/>
+        </a:xfrm>
+      </p:grpSpPr>
+      <p:sp>
+        <p:nvSpPr>
+          <p:cNvPr id="2" name="Title 1"/>
+          <p:cNvSpPr>
+            <a:spLocks noGrp="1"/>
+          </p:cNvSpPr>
+          <p:nvPr>
+            <p:ph type="ctrTitle"/>
+          </p:nvPr>
+        </p:nvSpPr>
+        <p:spPr>
+          <a:xfrm>
+            <a:off x="685800" y="228600"/>
+            <a:ext cx="7772400" cy="685800"/>
+          </a:xfrm>
+        </p:spPr>
+        <p:txBody>
+          <a:bodyPr/>
+          <a:lstStyle/>
+          <a:p>
+            <a:pPr algn="l"/>
+            <a:r>
+              <a:rPr lang="en-US" sz="4000" dirty="0" err="1" smtClean="0"/>
+              <a:t>Async</a:t>
+            </a:r>
+            <a:r>
+              <a:rPr lang="en-US" sz="4000" dirty="0" smtClean="0"/>
+              <a:t> Testing for timeout()</a:t>
+            </a:r>
+            <a:endParaRPr lang="en-US" sz="4000" dirty="0"/>
+          </a:p>
+        </p:txBody>
+      </p:sp>
+      <p:sp>
+        <p:nvSpPr>
+          <p:cNvPr id="4" name="Date Placeholder 3"/>
+          <p:cNvSpPr>
+            <a:spLocks noGrp="1"/>
+          </p:cNvSpPr>
+          <p:nvPr>
+            <p:ph type="dt" sz="half" idx="10"/>
+          </p:nvPr>
+        </p:nvSpPr>
+        <p:spPr/>
+        <p:txBody>
+          <a:bodyPr/>
+          <a:lstStyle/>
+          <a:p>
+            <a:fld id="{216C5678-EE20-4FA5-88E2-6E0BD67A2E26}" type="datetime1">
+              <a:rPr lang="en-US" smtClean="0"/>
+              <a:t>11/7/2015</a:t>
+            </a:fld>
+            <a:endParaRPr lang="en-US" dirty="0"/>
+          </a:p>
+        </p:txBody>
+      </p:sp>
+      <p:sp>
+        <p:nvSpPr>
+          <p:cNvPr id="5" name="Slide Number Placeholder 4"/>
+          <p:cNvSpPr>
+            <a:spLocks noGrp="1"/>
+          </p:cNvSpPr>
+          <p:nvPr>
+            <p:ph type="sldNum" sz="quarter" idx="11"/>
+          </p:nvPr>
+        </p:nvSpPr>
+        <p:spPr/>
+        <p:txBody>
+          <a:bodyPr/>
+          <a:lstStyle/>
+          <a:p>
+            <a:fld id="{BA9B540C-44DA-4F69-89C9-7C84606640D3}" type="slidenum">
+              <a:rPr lang="en-US" smtClean="0"/>
+              <a:pPr/>
+              <a:t>6</a:t>
+            </a:fld>
+            <a:endParaRPr lang="en-US" dirty="0"/>
+          </a:p>
+        </p:txBody>
+      </p:sp>
+      <p:sp>
+        <p:nvSpPr>
+          <p:cNvPr id="6" name="Footer Placeholder 5"/>
+          <p:cNvSpPr>
+            <a:spLocks noGrp="1"/>
+          </p:cNvSpPr>
+          <p:nvPr>
+            <p:ph type="ftr" sz="quarter" idx="12"/>
+          </p:nvPr>
+        </p:nvSpPr>
+        <p:spPr/>
+        <p:txBody>
+          <a:bodyPr/>
+          <a:lstStyle/>
+          <a:p>
+            <a:r>
+              <a:rPr lang="en-US" smtClean="0"/>
+              <a:t>Footer Text</a:t>
+            </a:r>
+            <a:endParaRPr lang="en-US" dirty="0"/>
+          </a:p>
+        </p:txBody>
+      </p:sp>
+      <p:sp>
+        <p:nvSpPr>
+          <p:cNvPr id="7" name="Subtitle 2"/>
+          <p:cNvSpPr>
+            <a:spLocks noGrp="1"/>
+          </p:cNvSpPr>
+          <p:nvPr>
+            <p:ph type="subTitle" idx="1"/>
+          </p:nvPr>
+        </p:nvSpPr>
+        <p:spPr>
+          <a:xfrm>
+            <a:off x="1219200" y="1600200"/>
+            <a:ext cx="6400800" cy="1219200"/>
+          </a:xfrm>
+        </p:spPr>
+        <p:txBody>
+          <a:bodyPr/>
+          <a:lstStyle/>
+          <a:p>
+            <a:r>
+              <a:rPr lang="en-US" dirty="0" smtClean="0"/>
+              <a:t>Display </a:t>
+            </a:r>
+            <a:r>
+              <a:rPr lang="en-US" dirty="0" err="1" smtClean="0"/>
+              <a:t>asyncAdd</a:t>
+            </a:r>
+            <a:r>
+              <a:rPr lang="en-US" dirty="0" smtClean="0"/>
+              <a:t> function and show failed test</a:t>
+            </a:r>
+            <a:endParaRPr lang="en-US" dirty="0"/>
+          </a:p>
+        </p:txBody>
+      </p:sp>
+    </p:spTree>
+    <p:extLst>
+      <p:ext uri="{BB962C8B-B14F-4D97-AF65-F5344CB8AC3E}">
+        <p14:creationId xmlns:p14="http://schemas.microsoft.com/office/powerpoint/2010/main" val="3581727714"/>
+      </p:ext>
+    </p:extLst>
+  </p:cSld>
+  <p:clrMapOvr>
+    <a:masterClrMapping/>
+  </p:clrMapOvr>
+</p:sld>
+</file>
+
+<file path=ppt/slides/slide7.xml><?xml version="1.0" encoding="utf-8"?>
+<p:sld xmlns:a="http://schemas.openxmlformats.org/drawingml/2006/main" xmlns:r="http://schemas.openxmlformats.org/officeDocument/2006/relationships" xmlns:p="http://schemas.openxmlformats.org/presentationml/2006/main">
+  <p:cSld>
+    <p:spTree>
+      <p:nvGrpSpPr>
+        <p:cNvPr id="1" name=""/>
+        <p:cNvGrpSpPr/>
+        <p:nvPr/>
+      </p:nvGrpSpPr>
+      <p:grpSpPr>
+        <a:xfrm>
+          <a:off x="0" y="0"/>
+          <a:ext cx="0" cy="0"/>
+          <a:chOff x="0" y="0"/>
+          <a:chExt cx="0" cy="0"/>
+        </a:xfrm>
+      </p:grpSpPr>
+      <p:sp>
+        <p:nvSpPr>
+          <p:cNvPr id="2" name="Title 1"/>
+          <p:cNvSpPr>
+            <a:spLocks noGrp="1"/>
+          </p:cNvSpPr>
+          <p:nvPr>
+            <p:ph type="ctrTitle"/>
+          </p:nvPr>
+        </p:nvSpPr>
+        <p:spPr>
+          <a:xfrm>
+            <a:off x="685800" y="228600"/>
+            <a:ext cx="8458200" cy="685800"/>
+          </a:xfrm>
+        </p:spPr>
+        <p:txBody>
+          <a:bodyPr/>
+          <a:lstStyle/>
+          <a:p>
+            <a:pPr algn="l"/>
+            <a:r>
+              <a:rPr lang="en-US" sz="4000" dirty="0" err="1" smtClean="0"/>
+              <a:t>Async</a:t>
+            </a:r>
+            <a:r>
+              <a:rPr lang="en-US" sz="4000" dirty="0" smtClean="0"/>
+              <a:t> Testing for timeout() (</a:t>
+            </a:r>
+            <a:r>
+              <a:rPr lang="en-US" sz="4000" dirty="0" err="1" smtClean="0"/>
+              <a:t>cont</a:t>
+            </a:r>
+            <a:r>
+              <a:rPr lang="en-US" sz="4000" dirty="0" smtClean="0"/>
+              <a:t>)</a:t>
+            </a:r>
+            <a:endParaRPr lang="en-US" sz="4000" dirty="0"/>
+          </a:p>
+        </p:txBody>
+      </p:sp>
+      <p:sp>
+        <p:nvSpPr>
+          <p:cNvPr id="4" name="Date Placeholder 3"/>
+          <p:cNvSpPr>
+            <a:spLocks noGrp="1"/>
+          </p:cNvSpPr>
+          <p:nvPr>
+            <p:ph type="dt" sz="half" idx="10"/>
+          </p:nvPr>
+        </p:nvSpPr>
+        <p:spPr/>
+        <p:txBody>
+          <a:bodyPr/>
+          <a:lstStyle/>
+          <a:p>
+            <a:fld id="{216C5678-EE20-4FA5-88E2-6E0BD67A2E26}" type="datetime1">
+              <a:rPr lang="en-US" smtClean="0"/>
+              <a:t>11/7/2015</a:t>
+            </a:fld>
+            <a:endParaRPr lang="en-US" dirty="0"/>
+          </a:p>
+        </p:txBody>
+      </p:sp>
+      <p:sp>
+        <p:nvSpPr>
+          <p:cNvPr id="5" name="Slide Number Placeholder 4"/>
+          <p:cNvSpPr>
+            <a:spLocks noGrp="1"/>
+          </p:cNvSpPr>
+          <p:nvPr>
+            <p:ph type="sldNum" sz="quarter" idx="11"/>
+          </p:nvPr>
+        </p:nvSpPr>
+        <p:spPr/>
+        <p:txBody>
+          <a:bodyPr/>
+          <a:lstStyle/>
+          <a:p>
+            <a:fld id="{BA9B540C-44DA-4F69-89C9-7C84606640D3}" type="slidenum">
+              <a:rPr lang="en-US" smtClean="0"/>
+              <a:pPr/>
+              <a:t>7</a:t>
+            </a:fld>
+            <a:endParaRPr lang="en-US" dirty="0"/>
+          </a:p>
+        </p:txBody>
+      </p:sp>
+      <p:sp>
+        <p:nvSpPr>
+          <p:cNvPr id="6" name="Footer Placeholder 5"/>
+          <p:cNvSpPr>
+            <a:spLocks noGrp="1"/>
+          </p:cNvSpPr>
+          <p:nvPr>
+            <p:ph type="ftr" sz="quarter" idx="12"/>
+          </p:nvPr>
+        </p:nvSpPr>
+        <p:spPr/>
+        <p:txBody>
+          <a:bodyPr/>
+          <a:lstStyle/>
+          <a:p>
+            <a:r>
+              <a:rPr lang="en-US" smtClean="0"/>
+              <a:t>Footer Text</a:t>
+            </a:r>
+            <a:endParaRPr lang="en-US" dirty="0"/>
+          </a:p>
+        </p:txBody>
+      </p:sp>
+      <p:sp>
+        <p:nvSpPr>
+          <p:cNvPr id="7" name="Subtitle 2"/>
+          <p:cNvSpPr>
+            <a:spLocks noGrp="1"/>
+          </p:cNvSpPr>
+          <p:nvPr>
+            <p:ph type="subTitle" idx="1"/>
+          </p:nvPr>
+        </p:nvSpPr>
+        <p:spPr>
+          <a:xfrm>
+            <a:off x="1219200" y="1600200"/>
+            <a:ext cx="6400800" cy="1219200"/>
+          </a:xfrm>
+        </p:spPr>
+        <p:txBody>
+          <a:bodyPr/>
+          <a:lstStyle/>
+          <a:p>
+            <a:r>
+              <a:rPr lang="en-US" dirty="0" smtClean="0"/>
+              <a:t>Display real test code using runs() and waits()</a:t>
+            </a:r>
+            <a:endParaRPr lang="en-US" dirty="0"/>
+          </a:p>
+        </p:txBody>
+      </p:sp>
+    </p:spTree>
+    <p:extLst>
+      <p:ext uri="{BB962C8B-B14F-4D97-AF65-F5344CB8AC3E}">
+        <p14:creationId xmlns:p14="http://schemas.microsoft.com/office/powerpoint/2010/main" val="3707477426"/>
+      </p:ext>
+    </p:extLst>
+  </p:cSld>
+  <p:clrMapOvr>
+    <a:masterClrMapping/>
+  </p:clrMapOvr>
+</p:sld>
+</file>
+
+<file path=ppt/slides/slide8.xml><?xml version="1.0" encoding="utf-8"?>
+<p:sld xmlns:a="http://schemas.openxmlformats.org/drawingml/2006/main" xmlns:r="http://schemas.openxmlformats.org/officeDocument/2006/relationships" xmlns:p="http://schemas.openxmlformats.org/presentationml/2006/main">
+  <p:cSld>
+    <p:spTree>
+      <p:nvGrpSpPr>
+        <p:cNvPr id="1" name=""/>
+        <p:cNvGrpSpPr/>
+        <p:nvPr/>
+      </p:nvGrpSpPr>
+      <p:grpSpPr>
+        <a:xfrm>
+          <a:off x="0" y="0"/>
+          <a:ext cx="0" cy="0"/>
+          <a:chOff x="0" y="0"/>
+          <a:chExt cx="0" cy="0"/>
+        </a:xfrm>
+      </p:grpSpPr>
+      <p:sp>
+        <p:nvSpPr>
+          <p:cNvPr id="2" name="Title 1"/>
+          <p:cNvSpPr>
+            <a:spLocks noGrp="1"/>
+          </p:cNvSpPr>
+          <p:nvPr>
+            <p:ph type="ctrTitle"/>
+          </p:nvPr>
+        </p:nvSpPr>
+        <p:spPr>
+          <a:xfrm>
+            <a:off x="685800" y="228600"/>
+            <a:ext cx="8458200" cy="685800"/>
+          </a:xfrm>
+        </p:spPr>
+        <p:txBody>
+          <a:bodyPr/>
+          <a:lstStyle/>
+          <a:p>
+            <a:pPr algn="l"/>
+            <a:r>
+              <a:rPr lang="en-US" sz="4000" dirty="0" err="1" smtClean="0"/>
+              <a:t>Async</a:t>
+            </a:r>
+            <a:r>
+              <a:rPr lang="en-US" sz="4000" dirty="0" smtClean="0"/>
+              <a:t> Testing for ajax</a:t>
+            </a:r>
+            <a:endParaRPr lang="en-US" sz="4000" dirty="0"/>
+          </a:p>
+        </p:txBody>
+      </p:sp>
+      <p:sp>
+        <p:nvSpPr>
+          <p:cNvPr id="4" name="Date Placeholder 3"/>
+          <p:cNvSpPr>
+            <a:spLocks noGrp="1"/>
+          </p:cNvSpPr>
+          <p:nvPr>
+            <p:ph type="dt" sz="half" idx="10"/>
+          </p:nvPr>
+        </p:nvSpPr>
+        <p:spPr/>
+        <p:txBody>
+          <a:bodyPr/>
+          <a:lstStyle/>
+          <a:p>
+            <a:fld id="{216C5678-EE20-4FA5-88E2-6E0BD67A2E26}" type="datetime1">
+              <a:rPr lang="en-US" smtClean="0"/>
+              <a:t>11/7/2015</a:t>
+            </a:fld>
+            <a:endParaRPr lang="en-US" dirty="0"/>
+          </a:p>
+        </p:txBody>
+      </p:sp>
+      <p:sp>
+        <p:nvSpPr>
+          <p:cNvPr id="5" name="Slide Number Placeholder 4"/>
+          <p:cNvSpPr>
+            <a:spLocks noGrp="1"/>
+          </p:cNvSpPr>
+          <p:nvPr>
+            <p:ph type="sldNum" sz="quarter" idx="11"/>
+          </p:nvPr>
+        </p:nvSpPr>
+        <p:spPr/>
+        <p:txBody>
+          <a:bodyPr/>
+          <a:lstStyle/>
+          <a:p>
+            <a:fld id="{BA9B540C-44DA-4F69-89C9-7C84606640D3}" type="slidenum">
+              <a:rPr lang="en-US" smtClean="0"/>
+              <a:pPr/>
+              <a:t>8</a:t>
+            </a:fld>
+            <a:endParaRPr lang="en-US" dirty="0"/>
+          </a:p>
+        </p:txBody>
+      </p:sp>
+      <p:sp>
+        <p:nvSpPr>
+          <p:cNvPr id="6" name="Footer Placeholder 5"/>
+          <p:cNvSpPr>
+            <a:spLocks noGrp="1"/>
+          </p:cNvSpPr>
+          <p:nvPr>
+            <p:ph type="ftr" sz="quarter" idx="12"/>
+          </p:nvPr>
+        </p:nvSpPr>
+        <p:spPr/>
+        <p:txBody>
+          <a:bodyPr/>
+          <a:lstStyle/>
+          <a:p>
+            <a:r>
+              <a:rPr lang="en-US" smtClean="0"/>
+              <a:t>Footer Text</a:t>
+            </a:r>
+            <a:endParaRPr lang="en-US" dirty="0"/>
+          </a:p>
+        </p:txBody>
+      </p:sp>
+      <p:sp>
+        <p:nvSpPr>
+          <p:cNvPr id="7" name="Subtitle 2"/>
+          <p:cNvSpPr>
+            <a:spLocks noGrp="1"/>
+          </p:cNvSpPr>
+          <p:nvPr>
+            <p:ph type="subTitle" idx="1"/>
+          </p:nvPr>
+        </p:nvSpPr>
+        <p:spPr>
+          <a:xfrm>
+            <a:off x="1219200" y="1600200"/>
+            <a:ext cx="6400800" cy="1219200"/>
+          </a:xfrm>
+        </p:spPr>
+        <p:txBody>
+          <a:bodyPr/>
+          <a:lstStyle/>
+          <a:p>
+            <a:r>
+              <a:rPr lang="en-US" dirty="0"/>
+              <a:t>Display </a:t>
+            </a:r>
+            <a:r>
+              <a:rPr lang="en-US" dirty="0" smtClean="0"/>
+              <a:t>configure() function </a:t>
+            </a:r>
+            <a:r>
+              <a:rPr lang="en-US" dirty="0"/>
+              <a:t>and show failed test</a:t>
+            </a:r>
+            <a:endParaRPr lang="en-US" dirty="0"/>
+          </a:p>
+        </p:txBody>
+      </p:sp>
+    </p:spTree>
+    <p:extLst>
+      <p:ext uri="{BB962C8B-B14F-4D97-AF65-F5344CB8AC3E}">
+        <p14:creationId xmlns:p14="http://schemas.microsoft.com/office/powerpoint/2010/main" val="3061808434"/>
+      </p:ext>
+    </p:extLst>
+  </p:cSld>
+  <p:clrMapOvr>
+    <a:masterClrMapping/>
+  </p:clrMapOvr>
+</p:sld>
+</file>
+
+<file path=ppt/slides/slide9.xml><?xml version="1.0" encoding="utf-8"?>
+<p:sld xmlns:a="http://schemas.openxmlformats.org/drawingml/2006/main" xmlns:r="http://schemas.openxmlformats.org/officeDocument/2006/relationships" xmlns:p="http://schemas.openxmlformats.org/presentationml/2006/main">
+  <p:cSld>
+    <p:spTree>
+      <p:nvGrpSpPr>
+        <p:cNvPr id="1" name=""/>
+        <p:cNvGrpSpPr/>
+        <p:nvPr/>
+      </p:nvGrpSpPr>
+      <p:grpSpPr>
+        <a:xfrm>
+          <a:off x="0" y="0"/>
+          <a:ext cx="0" cy="0"/>
+          <a:chOff x="0" y="0"/>
+          <a:chExt cx="0" cy="0"/>
+        </a:xfrm>
+      </p:grpSpPr>
+      <p:sp>
+        <p:nvSpPr>
+          <p:cNvPr id="2" name="Title 1"/>
+          <p:cNvSpPr>
+            <a:spLocks noGrp="1"/>
+          </p:cNvSpPr>
+          <p:nvPr>
+            <p:ph type="ctrTitle"/>
+          </p:nvPr>
+        </p:nvSpPr>
+        <p:spPr>
+          <a:xfrm>
+            <a:off x="685800" y="228600"/>
+            <a:ext cx="8458200" cy="685800"/>
+          </a:xfrm>
+        </p:spPr>
+        <p:txBody>
+          <a:bodyPr/>
+          <a:lstStyle/>
+          <a:p>
+            <a:pPr algn="l"/>
+            <a:r>
+              <a:rPr lang="en-US" sz="4000" dirty="0" err="1" smtClean="0"/>
+              <a:t>Async</a:t>
+            </a:r>
+            <a:r>
+              <a:rPr lang="en-US" sz="4000" dirty="0" smtClean="0"/>
+              <a:t> Testing for ajax (</a:t>
+            </a:r>
+            <a:r>
+              <a:rPr lang="en-US" sz="4000" dirty="0" err="1" smtClean="0"/>
+              <a:t>cont</a:t>
+            </a:r>
+            <a:r>
+              <a:rPr lang="en-US" sz="4000" dirty="0" smtClean="0"/>
+              <a:t>)</a:t>
+            </a:r>
+            <a:endParaRPr lang="en-US" sz="4000" dirty="0"/>
+          </a:p>
+        </p:txBody>
+      </p:sp>
+      <p:sp>
+        <p:nvSpPr>
+          <p:cNvPr id="4" name="Date Placeholder 3"/>
+          <p:cNvSpPr>
+            <a:spLocks noGrp="1"/>
+          </p:cNvSpPr>
+          <p:nvPr>
+            <p:ph type="dt" sz="half" idx="10"/>
+          </p:nvPr>
+        </p:nvSpPr>
+        <p:spPr/>
+        <p:txBody>
+          <a:bodyPr/>
+          <a:lstStyle/>
+          <a:p>
+            <a:fld id="{216C5678-EE20-4FA5-88E2-6E0BD67A2E26}" type="datetime1">
+              <a:rPr lang="en-US" smtClean="0"/>
+              <a:t>11/7/2015</a:t>
+            </a:fld>
+            <a:endParaRPr lang="en-US" dirty="0"/>
+          </a:p>
+        </p:txBody>
+      </p:sp>
+      <p:sp>
+        <p:nvSpPr>
+          <p:cNvPr id="5" name="Slide Number Placeholder 4"/>
+          <p:cNvSpPr>
+            <a:spLocks noGrp="1"/>
+          </p:cNvSpPr>
+          <p:nvPr>
+            <p:ph type="sldNum" sz="quarter" idx="11"/>
+          </p:nvPr>
+        </p:nvSpPr>
+        <p:spPr/>
+        <p:txBody>
+          <a:bodyPr/>
+          <a:lstStyle/>
+          <a:p>
+            <a:fld id="{BA9B540C-44DA-4F69-89C9-7C84606640D3}" type="slidenum">
+              <a:rPr lang="en-US" smtClean="0"/>
+              <a:pPr/>
+              <a:t>9</a:t>
+            </a:fld>
+            <a:endParaRPr lang="en-US" dirty="0"/>
+          </a:p>
+        </p:txBody>
+      </p:sp>
+      <p:sp>
+        <p:nvSpPr>
+          <p:cNvPr id="6" name="Footer Placeholder 5"/>
+          <p:cNvSpPr>
+            <a:spLocks noGrp="1"/>
+          </p:cNvSpPr>
+          <p:nvPr>
+            <p:ph type="ftr" sz="quarter" idx="12"/>
+          </p:nvPr>
+        </p:nvSpPr>
+        <p:spPr/>
+        <p:txBody>
+          <a:bodyPr/>
+          <a:lstStyle/>
+          <a:p>
+            <a:r>
+              <a:rPr lang="en-US" smtClean="0"/>
+              <a:t>Footer Text</a:t>
+            </a:r>
+            <a:endParaRPr lang="en-US" dirty="0"/>
+          </a:p>
+        </p:txBody>
+      </p:sp>
+      <p:sp>
+        <p:nvSpPr>
+          <p:cNvPr id="8" name="Subtitle 2"/>
+          <p:cNvSpPr txBox="1">
+            <a:spLocks/>
+          </p:cNvSpPr>
+          <p:nvPr/>
+        </p:nvSpPr>
+        <p:spPr>
+          <a:xfrm>
+            <a:off x="1219200" y="1600200"/>
+            <a:ext cx="6400800" cy="1219200"/>
+          </a:xfrm>
+          <a:prstGeom prst="rect">
+            <a:avLst/>
+          </a:prstGeom>
+        </p:spPr>
+        <p:txBody>
+          <a:bodyPr vert="horz" lIns="91440" tIns="45720" rIns="91440" bIns="45720" rtlCol="0">
+            <a:normAutofit/>
+          </a:bodyPr>
+          <a:lstStyle>
+            <a:lvl1pPr marL="0" indent="0" algn="ctr" defTabSz="914400" rtl="0" eaLnBrk="1" latinLnBrk="0" hangingPunct="1">
+              <a:spcBef>
+                <a:spcPct val="20000"/>
+              </a:spcBef>
+              <a:buFont typeface="Arial" pitchFamily="34" charset="0"/>
+              <a:buNone/>
+              <a:defRPr sz="2400" kern="1200">
+                <a:solidFill>
+                  <a:schemeClr val="tx1">
+                    <a:tint val="75000"/>
+                  </a:schemeClr>
+                </a:solidFill>
+                <a:latin typeface="+mj-lt"/>
+                <a:ea typeface="+mn-ea"/>
+                <a:cs typeface="+mn-cs"/>
+              </a:defRPr>
+            </a:lvl1pPr>
+            <a:lvl2pPr marL="457200" indent="0" algn="ctr" defTabSz="914400" rtl="0" eaLnBrk="1" latinLnBrk="0" hangingPunct="1">
+              <a:spcBef>
+                <a:spcPct val="20000"/>
+              </a:spcBef>
+              <a:buFont typeface="Courier New" pitchFamily="49" charset="0"/>
+              <a:buNone/>
+              <a:defRPr sz="1600" kern="1200">
+                <a:solidFill>
+                  <a:schemeClr val="tx1">
+                    <a:tint val="75000"/>
+                  </a:schemeClr>
+                </a:solidFill>
+                <a:latin typeface="+mj-lt"/>
+                <a:ea typeface="+mn-ea"/>
+                <a:cs typeface="+mn-cs"/>
+              </a:defRPr>
+            </a:lvl2pPr>
+            <a:lvl3pPr marL="914400" indent="0" algn="ctr" defTabSz="914400" rtl="0" eaLnBrk="1" latinLnBrk="0" hangingPunct="1">
+              <a:spcBef>
+                <a:spcPct val="20000"/>
+              </a:spcBef>
+              <a:buFont typeface="Arial" pitchFamily="34" charset="0"/>
+              <a:buNone/>
+              <a:defRPr sz="1600" kern="1200">
+                <a:solidFill>
+                  <a:schemeClr val="tx1">
+                    <a:tint val="75000"/>
+                  </a:schemeClr>
+                </a:solidFill>
+                <a:latin typeface="+mj-lt"/>
+                <a:ea typeface="+mn-ea"/>
+                <a:cs typeface="+mn-cs"/>
+              </a:defRPr>
+            </a:lvl3pPr>
+            <a:lvl4pPr marL="1371600" indent="0" algn="ctr" defTabSz="914400" rtl="0" eaLnBrk="1" latinLnBrk="0" hangingPunct="1">
+              <a:spcBef>
+                <a:spcPct val="20000"/>
+              </a:spcBef>
+              <a:buFont typeface="Courier New" pitchFamily="49" charset="0"/>
+              <a:buNone/>
+              <a:defRPr sz="1600" kern="1200">
+                <a:solidFill>
+                  <a:schemeClr val="tx1">
+                    <a:tint val="75000"/>
+                  </a:schemeClr>
+                </a:solidFill>
+                <a:latin typeface="+mj-lt"/>
+                <a:ea typeface="+mn-ea"/>
+                <a:cs typeface="+mn-cs"/>
+              </a:defRPr>
+            </a:lvl4pPr>
+            <a:lvl5pPr marL="1828800" indent="0" algn="ctr" defTabSz="914400" rtl="0" eaLnBrk="1" latinLnBrk="0" hangingPunct="1">
+              <a:spcBef>
+                <a:spcPct val="20000"/>
+              </a:spcBef>
+              <a:buFont typeface="Arial" pitchFamily="34" charset="0"/>
+              <a:buNone/>
+              <a:defRPr sz="1600" kern="1200">
+                <a:solidFill>
+                  <a:schemeClr val="tx1">
+                    <a:tint val="75000"/>
+                  </a:schemeClr>
+                </a:solidFill>
+                <a:latin typeface="+mj-lt"/>
+                <a:ea typeface="+mn-ea"/>
+                <a:cs typeface="+mn-cs"/>
+              </a:defRPr>
+            </a:lvl5pPr>
+            <a:lvl6pPr marL="2286000" indent="0" algn="ctr" defTabSz="914400" rtl="0" eaLnBrk="1" latinLnBrk="0" hangingPunct="1">
+              <a:spcBef>
+                <a:spcPct val="20000"/>
+              </a:spcBef>
+              <a:buFont typeface="Courier New" pitchFamily="49" charset="0"/>
+              <a:buNone/>
+              <a:defRPr sz="1600" kern="1200">
+                <a:solidFill>
+                  <a:schemeClr val="tx1">
+                    <a:tint val="75000"/>
+                  </a:schemeClr>
+                </a:solidFill>
+                <a:latin typeface="+mj-lt"/>
+                <a:ea typeface="+mn-ea"/>
+                <a:cs typeface="+mn-cs"/>
+              </a:defRPr>
+            </a:lvl6pPr>
+            <a:lvl7pPr marL="2743200" indent="0" algn="ctr" defTabSz="914400" rtl="0" eaLnBrk="1" latinLnBrk="0" hangingPunct="1">
+              <a:spcBef>
+                <a:spcPct val="20000"/>
+              </a:spcBef>
+              <a:buFont typeface="Arial" pitchFamily="34" charset="0"/>
+              <a:buNone/>
+              <a:defRPr sz="1600" kern="1200">
+                <a:solidFill>
+                  <a:schemeClr val="tx1">
+                    <a:tint val="75000"/>
+                  </a:schemeClr>
+                </a:solidFill>
+                <a:latin typeface="+mj-lt"/>
+                <a:ea typeface="+mn-ea"/>
+                <a:cs typeface="+mn-cs"/>
+              </a:defRPr>
+            </a:lvl7pPr>
+            <a:lvl8pPr marL="3200400" indent="0" algn="ctr" defTabSz="914400" rtl="0" eaLnBrk="1" latinLnBrk="0" hangingPunct="1">
+              <a:spcBef>
+                <a:spcPct val="20000"/>
+              </a:spcBef>
+              <a:buFont typeface="Courier New" pitchFamily="49" charset="0"/>
+              <a:buNone/>
+              <a:defRPr sz="1600" kern="1200">
+                <a:solidFill>
+                  <a:schemeClr val="tx1">
+                    <a:tint val="75000"/>
+                  </a:schemeClr>
+                </a:solidFill>
+                <a:latin typeface="+mj-lt"/>
+                <a:ea typeface="+mn-ea"/>
+                <a:cs typeface="+mn-cs"/>
+              </a:defRPr>
+            </a:lvl8pPr>
+            <a:lvl9pPr marL="3657600" indent="0" algn="ctr" defTabSz="914400" rtl="0" eaLnBrk="1" latinLnBrk="0" hangingPunct="1">
+              <a:spcBef>
+                <a:spcPct val="20000"/>
+              </a:spcBef>
+              <a:buFont typeface="Arial" pitchFamily="34" charset="0"/>
+              <a:buNone/>
+              <a:defRPr sz="1600" kern="1200">
+                <a:solidFill>
+                  <a:schemeClr val="tx1">
+                    <a:tint val="75000"/>
+                  </a:schemeClr>
+                </a:solidFill>
+                <a:latin typeface="+mj-lt"/>
+                <a:ea typeface="+mn-ea"/>
+                <a:cs typeface="+mn-cs"/>
+              </a:defRPr>
+            </a:lvl9pPr>
+          </a:lstStyle>
+          <a:p>
+            <a:r>
+              <a:rPr lang="en-US" dirty="0" smtClean="0"/>
+              <a:t>Display real test code using </a:t>
+            </a:r>
+            <a:r>
+              <a:rPr lang="en-US" dirty="0" err="1" smtClean="0"/>
+              <a:t>spyon</a:t>
+            </a:r>
+            <a:r>
+              <a:rPr lang="en-US" dirty="0" smtClean="0"/>
+              <a:t>()</a:t>
+            </a:r>
+            <a:endParaRPr lang="en-US" dirty="0"/>
+          </a:p>
+        </p:txBody>
+      </p:sp>
+    </p:spTree>
+    <p:extLst>
+      <p:ext uri="{BB962C8B-B14F-4D97-AF65-F5344CB8AC3E}">
+        <p14:creationId xmlns:p14="http://schemas.microsoft.com/office/powerpoint/2010/main" val="4071313435"/>
       </p:ext>
     </p:extLst>
   </p:cSld>

--- a/brownbag/jamine/tech-presentation-jasmine.pptx
+++ b/brownbag/jamine/tech-presentation-jasmine.pptx
@@ -4,20 +4,28 @@
   <p:sldMasterIdLst>
     <p:sldMasterId id="2147483648" r:id="rId1"/>
   </p:sldMasterIdLst>
+  <p:notesMasterIdLst>
+    <p:notesMasterId r:id="rId20"/>
+  </p:notesMasterIdLst>
   <p:sldIdLst>
     <p:sldId id="256" r:id="rId2"/>
     <p:sldId id="257" r:id="rId3"/>
     <p:sldId id="258" r:id="rId4"/>
-    <p:sldId id="259" r:id="rId5"/>
-    <p:sldId id="260" r:id="rId6"/>
-    <p:sldId id="261" r:id="rId7"/>
-    <p:sldId id="262" r:id="rId8"/>
-    <p:sldId id="263" r:id="rId9"/>
-    <p:sldId id="264" r:id="rId10"/>
-    <p:sldId id="268" r:id="rId11"/>
-    <p:sldId id="265" r:id="rId12"/>
-    <p:sldId id="266" r:id="rId13"/>
-    <p:sldId id="267" r:id="rId14"/>
+    <p:sldId id="271" r:id="rId5"/>
+    <p:sldId id="269" r:id="rId6"/>
+    <p:sldId id="270" r:id="rId7"/>
+    <p:sldId id="272" r:id="rId8"/>
+    <p:sldId id="273" r:id="rId9"/>
+    <p:sldId id="259" r:id="rId10"/>
+    <p:sldId id="260" r:id="rId11"/>
+    <p:sldId id="261" r:id="rId12"/>
+    <p:sldId id="262" r:id="rId13"/>
+    <p:sldId id="263" r:id="rId14"/>
+    <p:sldId id="264" r:id="rId15"/>
+    <p:sldId id="268" r:id="rId16"/>
+    <p:sldId id="265" r:id="rId17"/>
+    <p:sldId id="266" r:id="rId18"/>
+    <p:sldId id="267" r:id="rId19"/>
   </p:sldIdLst>
   <p:sldSz cx="9144000" cy="6858000" type="screen4x3"/>
   <p:notesSz cx="6858000" cy="9144000"/>
@@ -119,6 +127,532 @@
 </p:presentation>
 </file>
 
+<file path=ppt/notesMasters/notesMaster1.xml><?xml version="1.0" encoding="utf-8"?>
+<p:notesMaster xmlns:a="http://schemas.openxmlformats.org/drawingml/2006/main" xmlns:r="http://schemas.openxmlformats.org/officeDocument/2006/relationships" xmlns:p="http://schemas.openxmlformats.org/presentationml/2006/main">
+  <p:cSld>
+    <p:bg>
+      <p:bgRef idx="1001">
+        <a:schemeClr val="bg1"/>
+      </p:bgRef>
+    </p:bg>
+    <p:spTree>
+      <p:nvGrpSpPr>
+        <p:cNvPr id="1" name=""/>
+        <p:cNvGrpSpPr/>
+        <p:nvPr/>
+      </p:nvGrpSpPr>
+      <p:grpSpPr>
+        <a:xfrm>
+          <a:off x="0" y="0"/>
+          <a:ext cx="0" cy="0"/>
+          <a:chOff x="0" y="0"/>
+          <a:chExt cx="0" cy="0"/>
+        </a:xfrm>
+      </p:grpSpPr>
+      <p:sp>
+        <p:nvSpPr>
+          <p:cNvPr id="2" name="Header Placeholder 1"/>
+          <p:cNvSpPr>
+            <a:spLocks noGrp="1"/>
+          </p:cNvSpPr>
+          <p:nvPr>
+            <p:ph type="hdr" sz="quarter"/>
+          </p:nvPr>
+        </p:nvSpPr>
+        <p:spPr>
+          <a:xfrm>
+            <a:off x="0" y="0"/>
+            <a:ext cx="2971800" cy="457200"/>
+          </a:xfrm>
+          <a:prstGeom prst="rect">
+            <a:avLst/>
+          </a:prstGeom>
+        </p:spPr>
+        <p:txBody>
+          <a:bodyPr vert="horz" lIns="91440" tIns="45720" rIns="91440" bIns="45720" rtlCol="0"/>
+          <a:lstStyle>
+            <a:lvl1pPr algn="l">
+              <a:defRPr sz="1200"/>
+            </a:lvl1pPr>
+          </a:lstStyle>
+          <a:p>
+            <a:endParaRPr lang="en-US"/>
+          </a:p>
+        </p:txBody>
+      </p:sp>
+      <p:sp>
+        <p:nvSpPr>
+          <p:cNvPr id="3" name="Date Placeholder 2"/>
+          <p:cNvSpPr>
+            <a:spLocks noGrp="1"/>
+          </p:cNvSpPr>
+          <p:nvPr>
+            <p:ph type="dt" idx="1"/>
+          </p:nvPr>
+        </p:nvSpPr>
+        <p:spPr>
+          <a:xfrm>
+            <a:off x="3884613" y="0"/>
+            <a:ext cx="2971800" cy="457200"/>
+          </a:xfrm>
+          <a:prstGeom prst="rect">
+            <a:avLst/>
+          </a:prstGeom>
+        </p:spPr>
+        <p:txBody>
+          <a:bodyPr vert="horz" lIns="91440" tIns="45720" rIns="91440" bIns="45720" rtlCol="0"/>
+          <a:lstStyle>
+            <a:lvl1pPr algn="r">
+              <a:defRPr sz="1200"/>
+            </a:lvl1pPr>
+          </a:lstStyle>
+          <a:p>
+            <a:fld id="{436134EC-835B-48D8-BDB5-96D4A8A8ACE7}" type="datetimeFigureOut">
+              <a:rPr lang="en-US" smtClean="0"/>
+              <a:t>11/8/2015</a:t>
+            </a:fld>
+            <a:endParaRPr lang="en-US"/>
+          </a:p>
+        </p:txBody>
+      </p:sp>
+      <p:sp>
+        <p:nvSpPr>
+          <p:cNvPr id="4" name="Slide Image Placeholder 3"/>
+          <p:cNvSpPr>
+            <a:spLocks noGrp="1" noRot="1" noChangeAspect="1"/>
+          </p:cNvSpPr>
+          <p:nvPr>
+            <p:ph type="sldImg" idx="2"/>
+          </p:nvPr>
+        </p:nvSpPr>
+        <p:spPr>
+          <a:xfrm>
+            <a:off x="1143000" y="685800"/>
+            <a:ext cx="4572000" cy="3429000"/>
+          </a:xfrm>
+          <a:prstGeom prst="rect">
+            <a:avLst/>
+          </a:prstGeom>
+          <a:noFill/>
+          <a:ln w="12700">
+            <a:solidFill>
+              <a:prstClr val="black"/>
+            </a:solidFill>
+          </a:ln>
+        </p:spPr>
+        <p:txBody>
+          <a:bodyPr vert="horz" lIns="91440" tIns="45720" rIns="91440" bIns="45720" rtlCol="0" anchor="ctr"/>
+          <a:lstStyle/>
+          <a:p>
+            <a:endParaRPr lang="en-US"/>
+          </a:p>
+        </p:txBody>
+      </p:sp>
+      <p:sp>
+        <p:nvSpPr>
+          <p:cNvPr id="5" name="Notes Placeholder 4"/>
+          <p:cNvSpPr>
+            <a:spLocks noGrp="1"/>
+          </p:cNvSpPr>
+          <p:nvPr>
+            <p:ph type="body" sz="quarter" idx="3"/>
+          </p:nvPr>
+        </p:nvSpPr>
+        <p:spPr>
+          <a:xfrm>
+            <a:off x="685800" y="4343400"/>
+            <a:ext cx="5486400" cy="4114800"/>
+          </a:xfrm>
+          <a:prstGeom prst="rect">
+            <a:avLst/>
+          </a:prstGeom>
+        </p:spPr>
+        <p:txBody>
+          <a:bodyPr vert="horz" lIns="91440" tIns="45720" rIns="91440" bIns="45720" rtlCol="0"/>
+          <a:lstStyle/>
+          <a:p>
+            <a:pPr lvl="0"/>
+            <a:r>
+              <a:rPr lang="en-US" smtClean="0"/>
+              <a:t>Click to edit Master text styles</a:t>
+            </a:r>
+          </a:p>
+          <a:p>
+            <a:pPr lvl="1"/>
+            <a:r>
+              <a:rPr lang="en-US" smtClean="0"/>
+              <a:t>Second level</a:t>
+            </a:r>
+          </a:p>
+          <a:p>
+            <a:pPr lvl="2"/>
+            <a:r>
+              <a:rPr lang="en-US" smtClean="0"/>
+              <a:t>Third level</a:t>
+            </a:r>
+          </a:p>
+          <a:p>
+            <a:pPr lvl="3"/>
+            <a:r>
+              <a:rPr lang="en-US" smtClean="0"/>
+              <a:t>Fourth level</a:t>
+            </a:r>
+          </a:p>
+          <a:p>
+            <a:pPr lvl="4"/>
+            <a:r>
+              <a:rPr lang="en-US" smtClean="0"/>
+              <a:t>Fifth level</a:t>
+            </a:r>
+            <a:endParaRPr lang="en-US"/>
+          </a:p>
+        </p:txBody>
+      </p:sp>
+      <p:sp>
+        <p:nvSpPr>
+          <p:cNvPr id="6" name="Footer Placeholder 5"/>
+          <p:cNvSpPr>
+            <a:spLocks noGrp="1"/>
+          </p:cNvSpPr>
+          <p:nvPr>
+            <p:ph type="ftr" sz="quarter" idx="4"/>
+          </p:nvPr>
+        </p:nvSpPr>
+        <p:spPr>
+          <a:xfrm>
+            <a:off x="0" y="8685213"/>
+            <a:ext cx="2971800" cy="457200"/>
+          </a:xfrm>
+          <a:prstGeom prst="rect">
+            <a:avLst/>
+          </a:prstGeom>
+        </p:spPr>
+        <p:txBody>
+          <a:bodyPr vert="horz" lIns="91440" tIns="45720" rIns="91440" bIns="45720" rtlCol="0" anchor="b"/>
+          <a:lstStyle>
+            <a:lvl1pPr algn="l">
+              <a:defRPr sz="1200"/>
+            </a:lvl1pPr>
+          </a:lstStyle>
+          <a:p>
+            <a:endParaRPr lang="en-US"/>
+          </a:p>
+        </p:txBody>
+      </p:sp>
+      <p:sp>
+        <p:nvSpPr>
+          <p:cNvPr id="7" name="Slide Number Placeholder 6"/>
+          <p:cNvSpPr>
+            <a:spLocks noGrp="1"/>
+          </p:cNvSpPr>
+          <p:nvPr>
+            <p:ph type="sldNum" sz="quarter" idx="5"/>
+          </p:nvPr>
+        </p:nvSpPr>
+        <p:spPr>
+          <a:xfrm>
+            <a:off x="3884613" y="8685213"/>
+            <a:ext cx="2971800" cy="457200"/>
+          </a:xfrm>
+          <a:prstGeom prst="rect">
+            <a:avLst/>
+          </a:prstGeom>
+        </p:spPr>
+        <p:txBody>
+          <a:bodyPr vert="horz" lIns="91440" tIns="45720" rIns="91440" bIns="45720" rtlCol="0" anchor="b"/>
+          <a:lstStyle>
+            <a:lvl1pPr algn="r">
+              <a:defRPr sz="1200"/>
+            </a:lvl1pPr>
+          </a:lstStyle>
+          <a:p>
+            <a:fld id="{F7E14250-C209-411D-AC59-DB73DE8B3D4D}" type="slidenum">
+              <a:rPr lang="en-US" smtClean="0"/>
+              <a:t>‹#›</a:t>
+            </a:fld>
+            <a:endParaRPr lang="en-US"/>
+          </a:p>
+        </p:txBody>
+      </p:sp>
+    </p:spTree>
+    <p:extLst>
+      <p:ext uri="{BB962C8B-B14F-4D97-AF65-F5344CB8AC3E}">
+        <p14:creationId xmlns:p14="http://schemas.microsoft.com/office/powerpoint/2010/main" val="1159724152"/>
+      </p:ext>
+    </p:extLst>
+  </p:cSld>
+  <p:clrMap bg1="lt1" tx1="dk1" bg2="lt2" tx2="dk2" accent1="accent1" accent2="accent2" accent3="accent3" accent4="accent4" accent5="accent5" accent6="accent6" hlink="hlink" folHlink="folHlink"/>
+  <p:notesStyle>
+    <a:lvl1pPr marL="0" algn="l" defTabSz="914400" rtl="0" eaLnBrk="1" latinLnBrk="0" hangingPunct="1">
+      <a:defRPr sz="1200" kern="1200">
+        <a:solidFill>
+          <a:schemeClr val="tx1"/>
+        </a:solidFill>
+        <a:latin typeface="+mn-lt"/>
+        <a:ea typeface="+mn-ea"/>
+        <a:cs typeface="+mn-cs"/>
+      </a:defRPr>
+    </a:lvl1pPr>
+    <a:lvl2pPr marL="457200" algn="l" defTabSz="914400" rtl="0" eaLnBrk="1" latinLnBrk="0" hangingPunct="1">
+      <a:defRPr sz="1200" kern="1200">
+        <a:solidFill>
+          <a:schemeClr val="tx1"/>
+        </a:solidFill>
+        <a:latin typeface="+mn-lt"/>
+        <a:ea typeface="+mn-ea"/>
+        <a:cs typeface="+mn-cs"/>
+      </a:defRPr>
+    </a:lvl2pPr>
+    <a:lvl3pPr marL="914400" algn="l" defTabSz="914400" rtl="0" eaLnBrk="1" latinLnBrk="0" hangingPunct="1">
+      <a:defRPr sz="1200" kern="1200">
+        <a:solidFill>
+          <a:schemeClr val="tx1"/>
+        </a:solidFill>
+        <a:latin typeface="+mn-lt"/>
+        <a:ea typeface="+mn-ea"/>
+        <a:cs typeface="+mn-cs"/>
+      </a:defRPr>
+    </a:lvl3pPr>
+    <a:lvl4pPr marL="1371600" algn="l" defTabSz="914400" rtl="0" eaLnBrk="1" latinLnBrk="0" hangingPunct="1">
+      <a:defRPr sz="1200" kern="1200">
+        <a:solidFill>
+          <a:schemeClr val="tx1"/>
+        </a:solidFill>
+        <a:latin typeface="+mn-lt"/>
+        <a:ea typeface="+mn-ea"/>
+        <a:cs typeface="+mn-cs"/>
+      </a:defRPr>
+    </a:lvl4pPr>
+    <a:lvl5pPr marL="1828800" algn="l" defTabSz="914400" rtl="0" eaLnBrk="1" latinLnBrk="0" hangingPunct="1">
+      <a:defRPr sz="1200" kern="1200">
+        <a:solidFill>
+          <a:schemeClr val="tx1"/>
+        </a:solidFill>
+        <a:latin typeface="+mn-lt"/>
+        <a:ea typeface="+mn-ea"/>
+        <a:cs typeface="+mn-cs"/>
+      </a:defRPr>
+    </a:lvl5pPr>
+    <a:lvl6pPr marL="2286000" algn="l" defTabSz="914400" rtl="0" eaLnBrk="1" latinLnBrk="0" hangingPunct="1">
+      <a:defRPr sz="1200" kern="1200">
+        <a:solidFill>
+          <a:schemeClr val="tx1"/>
+        </a:solidFill>
+        <a:latin typeface="+mn-lt"/>
+        <a:ea typeface="+mn-ea"/>
+        <a:cs typeface="+mn-cs"/>
+      </a:defRPr>
+    </a:lvl6pPr>
+    <a:lvl7pPr marL="2743200" algn="l" defTabSz="914400" rtl="0" eaLnBrk="1" latinLnBrk="0" hangingPunct="1">
+      <a:defRPr sz="1200" kern="1200">
+        <a:solidFill>
+          <a:schemeClr val="tx1"/>
+        </a:solidFill>
+        <a:latin typeface="+mn-lt"/>
+        <a:ea typeface="+mn-ea"/>
+        <a:cs typeface="+mn-cs"/>
+      </a:defRPr>
+    </a:lvl7pPr>
+    <a:lvl8pPr marL="3200400" algn="l" defTabSz="914400" rtl="0" eaLnBrk="1" latinLnBrk="0" hangingPunct="1">
+      <a:defRPr sz="1200" kern="1200">
+        <a:solidFill>
+          <a:schemeClr val="tx1"/>
+        </a:solidFill>
+        <a:latin typeface="+mn-lt"/>
+        <a:ea typeface="+mn-ea"/>
+        <a:cs typeface="+mn-cs"/>
+      </a:defRPr>
+    </a:lvl8pPr>
+    <a:lvl9pPr marL="3657600" algn="l" defTabSz="914400" rtl="0" eaLnBrk="1" latinLnBrk="0" hangingPunct="1">
+      <a:defRPr sz="1200" kern="1200">
+        <a:solidFill>
+          <a:schemeClr val="tx1"/>
+        </a:solidFill>
+        <a:latin typeface="+mn-lt"/>
+        <a:ea typeface="+mn-ea"/>
+        <a:cs typeface="+mn-cs"/>
+      </a:defRPr>
+    </a:lvl9pPr>
+  </p:notesStyle>
+</p:notesMaster>
+</file>
+
+<file path=ppt/notesSlides/notesSlide1.xml><?xml version="1.0" encoding="utf-8"?>
+<p:notes xmlns:a="http://schemas.openxmlformats.org/drawingml/2006/main" xmlns:r="http://schemas.openxmlformats.org/officeDocument/2006/relationships" xmlns:p="http://schemas.openxmlformats.org/presentationml/2006/main">
+  <p:cSld>
+    <p:spTree>
+      <p:nvGrpSpPr>
+        <p:cNvPr id="1" name=""/>
+        <p:cNvGrpSpPr/>
+        <p:nvPr/>
+      </p:nvGrpSpPr>
+      <p:grpSpPr>
+        <a:xfrm>
+          <a:off x="0" y="0"/>
+          <a:ext cx="0" cy="0"/>
+          <a:chOff x="0" y="0"/>
+          <a:chExt cx="0" cy="0"/>
+        </a:xfrm>
+      </p:grpSpPr>
+      <p:sp>
+        <p:nvSpPr>
+          <p:cNvPr id="2" name="Slide Image Placeholder 1"/>
+          <p:cNvSpPr>
+            <a:spLocks noGrp="1" noRot="1" noChangeAspect="1"/>
+          </p:cNvSpPr>
+          <p:nvPr>
+            <p:ph type="sldImg"/>
+          </p:nvPr>
+        </p:nvSpPr>
+        <p:spPr/>
+      </p:sp>
+      <p:sp>
+        <p:nvSpPr>
+          <p:cNvPr id="3" name="Notes Placeholder 2"/>
+          <p:cNvSpPr>
+            <a:spLocks noGrp="1"/>
+          </p:cNvSpPr>
+          <p:nvPr>
+            <p:ph type="body" idx="1"/>
+          </p:nvPr>
+        </p:nvSpPr>
+        <p:spPr/>
+        <p:txBody>
+          <a:bodyPr/>
+          <a:lstStyle/>
+          <a:p>
+            <a:r>
+              <a:rPr lang="en-US" dirty="0" smtClean="0"/>
+              <a:t>Show code</a:t>
+            </a:r>
+            <a:endParaRPr lang="en-US" dirty="0"/>
+          </a:p>
+        </p:txBody>
+      </p:sp>
+      <p:sp>
+        <p:nvSpPr>
+          <p:cNvPr id="4" name="Slide Number Placeholder 3"/>
+          <p:cNvSpPr>
+            <a:spLocks noGrp="1"/>
+          </p:cNvSpPr>
+          <p:nvPr>
+            <p:ph type="sldNum" sz="quarter" idx="10"/>
+          </p:nvPr>
+        </p:nvSpPr>
+        <p:spPr/>
+        <p:txBody>
+          <a:bodyPr/>
+          <a:lstStyle/>
+          <a:p>
+            <a:fld id="{F7E14250-C209-411D-AC59-DB73DE8B3D4D}" type="slidenum">
+              <a:rPr lang="en-US" smtClean="0"/>
+              <a:t>9</a:t>
+            </a:fld>
+            <a:endParaRPr lang="en-US"/>
+          </a:p>
+        </p:txBody>
+      </p:sp>
+    </p:spTree>
+    <p:extLst>
+      <p:ext uri="{BB962C8B-B14F-4D97-AF65-F5344CB8AC3E}">
+        <p14:creationId xmlns:p14="http://schemas.microsoft.com/office/powerpoint/2010/main" val="1111520150"/>
+      </p:ext>
+    </p:extLst>
+  </p:cSld>
+  <p:clrMapOvr>
+    <a:masterClrMapping/>
+  </p:clrMapOvr>
+</p:notes>
+</file>
+
+<file path=ppt/notesSlides/notesSlide2.xml><?xml version="1.0" encoding="utf-8"?>
+<p:notes xmlns:a="http://schemas.openxmlformats.org/drawingml/2006/main" xmlns:r="http://schemas.openxmlformats.org/officeDocument/2006/relationships" xmlns:p="http://schemas.openxmlformats.org/presentationml/2006/main">
+  <p:cSld>
+    <p:spTree>
+      <p:nvGrpSpPr>
+        <p:cNvPr id="1" name=""/>
+        <p:cNvGrpSpPr/>
+        <p:nvPr/>
+      </p:nvGrpSpPr>
+      <p:grpSpPr>
+        <a:xfrm>
+          <a:off x="0" y="0"/>
+          <a:ext cx="0" cy="0"/>
+          <a:chOff x="0" y="0"/>
+          <a:chExt cx="0" cy="0"/>
+        </a:xfrm>
+      </p:grpSpPr>
+      <p:sp>
+        <p:nvSpPr>
+          <p:cNvPr id="2" name="Slide Image Placeholder 1"/>
+          <p:cNvSpPr>
+            <a:spLocks noGrp="1" noRot="1" noChangeAspect="1"/>
+          </p:cNvSpPr>
+          <p:nvPr>
+            <p:ph type="sldImg"/>
+          </p:nvPr>
+        </p:nvSpPr>
+        <p:spPr/>
+      </p:sp>
+      <p:sp>
+        <p:nvSpPr>
+          <p:cNvPr id="3" name="Notes Placeholder 2"/>
+          <p:cNvSpPr>
+            <a:spLocks noGrp="1"/>
+          </p:cNvSpPr>
+          <p:nvPr>
+            <p:ph type="body" idx="1"/>
+          </p:nvPr>
+        </p:nvSpPr>
+        <p:spPr/>
+        <p:txBody>
+          <a:bodyPr/>
+          <a:lstStyle/>
+          <a:p>
+            <a:r>
+              <a:rPr lang="en-US" dirty="0" smtClean="0"/>
+              <a:t>Code demo</a:t>
+            </a:r>
+            <a:endParaRPr lang="en-US" dirty="0"/>
+          </a:p>
+        </p:txBody>
+      </p:sp>
+      <p:sp>
+        <p:nvSpPr>
+          <p:cNvPr id="4" name="Slide Number Placeholder 3"/>
+          <p:cNvSpPr>
+            <a:spLocks noGrp="1"/>
+          </p:cNvSpPr>
+          <p:nvPr>
+            <p:ph type="sldNum" sz="quarter" idx="10"/>
+          </p:nvPr>
+        </p:nvSpPr>
+        <p:spPr/>
+        <p:txBody>
+          <a:bodyPr/>
+          <a:lstStyle/>
+          <a:p>
+            <a:fld id="{F7E14250-C209-411D-AC59-DB73DE8B3D4D}" type="slidenum">
+              <a:rPr lang="en-US" smtClean="0"/>
+              <a:t>11</a:t>
+            </a:fld>
+            <a:endParaRPr lang="en-US"/>
+          </a:p>
+        </p:txBody>
+      </p:sp>
+    </p:spTree>
+    <p:extLst>
+      <p:ext uri="{BB962C8B-B14F-4D97-AF65-F5344CB8AC3E}">
+        <p14:creationId xmlns:p14="http://schemas.microsoft.com/office/powerpoint/2010/main" val="4068962343"/>
+      </p:ext>
+    </p:extLst>
+  </p:cSld>
+  <p:clrMapOvr>
+    <a:masterClrMapping/>
+  </p:clrMapOvr>
+</p:notes>
+</file>
+
 <file path=ppt/slideLayouts/slideLayout1.xml><?xml version="1.0" encoding="utf-8"?>
 <p:sldLayout xmlns:a="http://schemas.openxmlformats.org/drawingml/2006/main" xmlns:r="http://schemas.openxmlformats.org/officeDocument/2006/relationships" xmlns:p="http://schemas.openxmlformats.org/presentationml/2006/main" type="title" preserve="1">
   <p:cSld name="Title Slide">
@@ -311,7 +845,7 @@
           <a:p>
             <a:fld id="{216C5678-EE20-4FA5-88E2-6E0BD67A2E26}" type="datetime1">
               <a:rPr lang="en-US" smtClean="0"/>
-              <a:t>11/7/2015</a:t>
+              <a:t>11/8/2015</a:t>
             </a:fld>
             <a:endParaRPr lang="en-US" dirty="0"/>
           </a:p>
@@ -481,7 +1015,7 @@
           <a:p>
             <a:fld id="{EA051B39-B140-43FE-96DB-472A2B59CE7C}" type="datetime1">
               <a:rPr lang="en-US" smtClean="0"/>
-              <a:t>11/7/2015</a:t>
+              <a:t>11/8/2015</a:t>
             </a:fld>
             <a:endParaRPr lang="en-US"/>
           </a:p>
@@ -661,7 +1195,7 @@
           <a:p>
             <a:fld id="{DA600BB2-27C5-458B-ABCE-839C88CF47CE}" type="datetime1">
               <a:rPr lang="en-US" smtClean="0"/>
-              <a:t>11/7/2015</a:t>
+              <a:t>11/8/2015</a:t>
             </a:fld>
             <a:endParaRPr lang="en-US"/>
           </a:p>
@@ -849,7 +1383,7 @@
           <a:p>
             <a:fld id="{B11D738E-8962-435F-8C43-147B8DD7E819}" type="datetime1">
               <a:rPr lang="en-US" smtClean="0"/>
-              <a:t>11/7/2015</a:t>
+              <a:t>11/8/2015</a:t>
             </a:fld>
             <a:endParaRPr lang="en-US"/>
           </a:p>
@@ -1116,7 +1650,7 @@
           <a:p>
             <a:fld id="{09CAEA93-55E7-4DA9-90C2-089A26EEFEC4}" type="datetime1">
               <a:rPr lang="en-US" smtClean="0"/>
-              <a:t>11/7/2015</a:t>
+              <a:t>11/8/2015</a:t>
             </a:fld>
             <a:endParaRPr lang="en-US"/>
           </a:p>
@@ -1469,7 +2003,7 @@
           <a:p>
             <a:fld id="{E34CF3C7-6809-4F39-BD67-A75817BDDE0A}" type="datetime1">
               <a:rPr lang="en-US" smtClean="0"/>
-              <a:t>11/7/2015</a:t>
+              <a:t>11/8/2015</a:t>
             </a:fld>
             <a:endParaRPr lang="en-US"/>
           </a:p>
@@ -1782,7 +2316,7 @@
           <a:p>
             <a:fld id="{F7EAEB24-CE78-465C-A726-91D0868FA48F}" type="datetime1">
               <a:rPr lang="en-US" smtClean="0"/>
-              <a:t>11/7/2015</a:t>
+              <a:t>11/8/2015</a:t>
             </a:fld>
             <a:endParaRPr lang="en-US"/>
           </a:p>
@@ -2014,7 +2548,7 @@
           <a:p>
             <a:fld id="{40BAADF0-1749-4E8B-9691-B44A5F8C0895}" type="datetime1">
               <a:rPr lang="en-US" smtClean="0"/>
-              <a:t>11/7/2015</a:t>
+              <a:t>11/8/2015</a:t>
             </a:fld>
             <a:endParaRPr lang="en-US"/>
           </a:p>
@@ -2109,7 +2643,7 @@
           <a:p>
             <a:fld id="{A8AF628A-A867-4937-BBE5-207DB6F9C51A}" type="datetime1">
               <a:rPr lang="en-US" smtClean="0"/>
-              <a:t>11/7/2015</a:t>
+              <a:t>11/8/2015</a:t>
             </a:fld>
             <a:endParaRPr lang="en-US"/>
           </a:p>
@@ -2402,7 +2936,7 @@
           <a:p>
             <a:fld id="{118BBB94-68E6-4675-A946-F1C5994EDBD7}" type="datetime1">
               <a:rPr lang="en-US" smtClean="0"/>
-              <a:t>11/7/2015</a:t>
+              <a:t>11/8/2015</a:t>
             </a:fld>
             <a:endParaRPr lang="en-US"/>
           </a:p>
@@ -2676,7 +3210,7 @@
           <a:p>
             <a:fld id="{DC3B8377-21E3-4835-B75D-4E2847E2750F}" type="datetime1">
               <a:rPr lang="en-US" smtClean="0"/>
-              <a:t>11/7/2015</a:t>
+              <a:t>11/8/2015</a:t>
             </a:fld>
             <a:endParaRPr lang="en-US"/>
           </a:p>
@@ -2891,7 +3425,7 @@
           <a:p>
             <a:fld id="{B0C4986D-6BE9-4264-908F-02DB36FD8D6C}" type="datetime1">
               <a:rPr lang="en-US" smtClean="0"/>
-              <a:t>11/7/2015</a:t>
+              <a:t>11/8/2015</a:t>
             </a:fld>
             <a:endParaRPr lang="en-US" dirty="0"/>
           </a:p>
@@ -3497,7 +4031,7 @@
           <a:p>
             <a:fld id="{216C5678-EE20-4FA5-88E2-6E0BD67A2E26}" type="datetime1">
               <a:rPr lang="en-US" smtClean="0"/>
-              <a:t>11/7/2015</a:t>
+              <a:t>11/8/2015</a:t>
             </a:fld>
             <a:endParaRPr lang="en-US" dirty="0"/>
           </a:p>
@@ -3593,7 +4127,7 @@
         <p:spPr>
           <a:xfrm>
             <a:off x="685800" y="228600"/>
-            <a:ext cx="8458200" cy="685800"/>
+            <a:ext cx="7772400" cy="685800"/>
           </a:xfrm>
         </p:spPr>
         <p:txBody>
@@ -3603,7 +4137,7 @@
             <a:pPr algn="l"/>
             <a:r>
               <a:rPr lang="en-US" sz="4000" dirty="0" smtClean="0"/>
-              <a:t>Testing with DOM Element</a:t>
+              <a:t>“Hello world” Jasmine Tests</a:t>
             </a:r>
             <a:endParaRPr lang="en-US" sz="4000" dirty="0"/>
           </a:p>
@@ -3626,7 +4160,7 @@
           <a:p>
             <a:fld id="{216C5678-EE20-4FA5-88E2-6E0BD67A2E26}" type="datetime1">
               <a:rPr lang="en-US" smtClean="0"/>
-              <a:t>11/7/2015</a:t>
+              <a:t>11/8/2015</a:t>
             </a:fld>
             <a:endParaRPr lang="en-US" dirty="0"/>
           </a:p>
@@ -3700,12 +4234,8 @@
           <a:lstStyle/>
           <a:p>
             <a:r>
-              <a:rPr lang="en-US" dirty="0"/>
-              <a:t>Display </a:t>
-            </a:r>
-            <a:r>
               <a:rPr lang="en-US" dirty="0" smtClean="0"/>
-              <a:t>test involving display to DOM</a:t>
+              <a:t>Code demo</a:t>
             </a:r>
             <a:endParaRPr lang="en-US" dirty="0"/>
           </a:p>
@@ -3714,7 +4244,7 @@
     </p:spTree>
     <p:extLst>
       <p:ext uri="{BB962C8B-B14F-4D97-AF65-F5344CB8AC3E}">
-        <p14:creationId xmlns:p14="http://schemas.microsoft.com/office/powerpoint/2010/main" val="2832276860"/>
+        <p14:creationId xmlns:p14="http://schemas.microsoft.com/office/powerpoint/2010/main" val="574487807"/>
       </p:ext>
     </p:extLst>
   </p:cSld>
@@ -3754,7 +4284,7 @@
         <p:spPr>
           <a:xfrm>
             <a:off x="685800" y="228600"/>
-            <a:ext cx="8458200" cy="685800"/>
+            <a:ext cx="7772400" cy="685800"/>
           </a:xfrm>
         </p:spPr>
         <p:txBody>
@@ -3763,8 +4293,12 @@
           <a:p>
             <a:pPr algn="l"/>
             <a:r>
+              <a:rPr lang="en-US" sz="4000" dirty="0" err="1" smtClean="0"/>
+              <a:t>Async</a:t>
+            </a:r>
+            <a:r>
               <a:rPr lang="en-US" sz="4000" dirty="0" smtClean="0"/>
-              <a:t>Karma</a:t>
+              <a:t> Testing for timeout()</a:t>
             </a:r>
             <a:endParaRPr lang="en-US" sz="4000" dirty="0"/>
           </a:p>
@@ -3787,7 +4321,7 @@
           <a:p>
             <a:fld id="{216C5678-EE20-4FA5-88E2-6E0BD67A2E26}" type="datetime1">
               <a:rPr lang="en-US" smtClean="0"/>
-              <a:t>11/7/2015</a:t>
+              <a:t>11/8/2015</a:t>
             </a:fld>
             <a:endParaRPr lang="en-US" dirty="0"/>
           </a:p>
@@ -3843,192 +4377,196 @@
       <p:sp>
         <p:nvSpPr>
           <p:cNvPr id="7" name="Subtitle 2"/>
-          <p:cNvSpPr txBox="1">
-            <a:spLocks/>
-          </p:cNvSpPr>
-          <p:nvPr/>
+          <p:cNvSpPr>
+            <a:spLocks noGrp="1"/>
+          </p:cNvSpPr>
+          <p:nvPr>
+            <p:ph type="subTitle" idx="1"/>
+          </p:nvPr>
         </p:nvSpPr>
         <p:spPr>
           <a:xfrm>
-            <a:off x="1219200" y="1600200"/>
-            <a:ext cx="6400800" cy="1219200"/>
+            <a:off x="152400" y="1066800"/>
+            <a:ext cx="8991600" cy="5181600"/>
           </a:xfrm>
-          <a:prstGeom prst="rect">
-            <a:avLst/>
-          </a:prstGeom>
         </p:spPr>
         <p:txBody>
-          <a:bodyPr vert="horz" lIns="91440" tIns="45720" rIns="91440" bIns="45720" rtlCol="0">
-            <a:normAutofit/>
+          <a:bodyPr>
+            <a:normAutofit lnSpcReduction="10000"/>
           </a:bodyPr>
-          <a:lstStyle>
-            <a:lvl1pPr marL="0" indent="0" algn="ctr" defTabSz="914400" rtl="0" eaLnBrk="1" latinLnBrk="0" hangingPunct="1">
-              <a:spcBef>
-                <a:spcPct val="20000"/>
-              </a:spcBef>
-              <a:buFont typeface="Arial" pitchFamily="34" charset="0"/>
-              <a:buNone/>
-              <a:defRPr sz="2400" kern="1200">
-                <a:solidFill>
-                  <a:schemeClr val="tx1">
-                    <a:tint val="75000"/>
-                  </a:schemeClr>
-                </a:solidFill>
-                <a:latin typeface="+mj-lt"/>
-                <a:ea typeface="+mn-ea"/>
-                <a:cs typeface="+mn-cs"/>
-              </a:defRPr>
-            </a:lvl1pPr>
-            <a:lvl2pPr marL="457200" indent="0" algn="ctr" defTabSz="914400" rtl="0" eaLnBrk="1" latinLnBrk="0" hangingPunct="1">
-              <a:spcBef>
-                <a:spcPct val="20000"/>
-              </a:spcBef>
-              <a:buFont typeface="Courier New" pitchFamily="49" charset="0"/>
-              <a:buNone/>
-              <a:defRPr sz="1600" kern="1200">
-                <a:solidFill>
-                  <a:schemeClr val="tx1">
-                    <a:tint val="75000"/>
-                  </a:schemeClr>
-                </a:solidFill>
-                <a:latin typeface="+mj-lt"/>
-                <a:ea typeface="+mn-ea"/>
-                <a:cs typeface="+mn-cs"/>
-              </a:defRPr>
-            </a:lvl2pPr>
-            <a:lvl3pPr marL="914400" indent="0" algn="ctr" defTabSz="914400" rtl="0" eaLnBrk="1" latinLnBrk="0" hangingPunct="1">
-              <a:spcBef>
-                <a:spcPct val="20000"/>
-              </a:spcBef>
-              <a:buFont typeface="Arial" pitchFamily="34" charset="0"/>
-              <a:buNone/>
-              <a:defRPr sz="1600" kern="1200">
-                <a:solidFill>
-                  <a:schemeClr val="tx1">
-                    <a:tint val="75000"/>
-                  </a:schemeClr>
-                </a:solidFill>
-                <a:latin typeface="+mj-lt"/>
-                <a:ea typeface="+mn-ea"/>
-                <a:cs typeface="+mn-cs"/>
-              </a:defRPr>
-            </a:lvl3pPr>
-            <a:lvl4pPr marL="1371600" indent="0" algn="ctr" defTabSz="914400" rtl="0" eaLnBrk="1" latinLnBrk="0" hangingPunct="1">
-              <a:spcBef>
-                <a:spcPct val="20000"/>
-              </a:spcBef>
-              <a:buFont typeface="Courier New" pitchFamily="49" charset="0"/>
-              <a:buNone/>
-              <a:defRPr sz="1600" kern="1200">
-                <a:solidFill>
-                  <a:schemeClr val="tx1">
-                    <a:tint val="75000"/>
-                  </a:schemeClr>
-                </a:solidFill>
-                <a:latin typeface="+mj-lt"/>
-                <a:ea typeface="+mn-ea"/>
-                <a:cs typeface="+mn-cs"/>
-              </a:defRPr>
-            </a:lvl4pPr>
-            <a:lvl5pPr marL="1828800" indent="0" algn="ctr" defTabSz="914400" rtl="0" eaLnBrk="1" latinLnBrk="0" hangingPunct="1">
-              <a:spcBef>
-                <a:spcPct val="20000"/>
-              </a:spcBef>
-              <a:buFont typeface="Arial" pitchFamily="34" charset="0"/>
-              <a:buNone/>
-              <a:defRPr sz="1600" kern="1200">
-                <a:solidFill>
-                  <a:schemeClr val="tx1">
-                    <a:tint val="75000"/>
-                  </a:schemeClr>
-                </a:solidFill>
-                <a:latin typeface="+mj-lt"/>
-                <a:ea typeface="+mn-ea"/>
-                <a:cs typeface="+mn-cs"/>
-              </a:defRPr>
-            </a:lvl5pPr>
-            <a:lvl6pPr marL="2286000" indent="0" algn="ctr" defTabSz="914400" rtl="0" eaLnBrk="1" latinLnBrk="0" hangingPunct="1">
-              <a:spcBef>
-                <a:spcPct val="20000"/>
-              </a:spcBef>
-              <a:buFont typeface="Courier New" pitchFamily="49" charset="0"/>
-              <a:buNone/>
-              <a:defRPr sz="1600" kern="1200">
-                <a:solidFill>
-                  <a:schemeClr val="tx1">
-                    <a:tint val="75000"/>
-                  </a:schemeClr>
-                </a:solidFill>
-                <a:latin typeface="+mj-lt"/>
-                <a:ea typeface="+mn-ea"/>
-                <a:cs typeface="+mn-cs"/>
-              </a:defRPr>
-            </a:lvl6pPr>
-            <a:lvl7pPr marL="2743200" indent="0" algn="ctr" defTabSz="914400" rtl="0" eaLnBrk="1" latinLnBrk="0" hangingPunct="1">
-              <a:spcBef>
-                <a:spcPct val="20000"/>
-              </a:spcBef>
-              <a:buFont typeface="Arial" pitchFamily="34" charset="0"/>
-              <a:buNone/>
-              <a:defRPr sz="1600" kern="1200">
-                <a:solidFill>
-                  <a:schemeClr val="tx1">
-                    <a:tint val="75000"/>
-                  </a:schemeClr>
-                </a:solidFill>
-                <a:latin typeface="+mj-lt"/>
-                <a:ea typeface="+mn-ea"/>
-                <a:cs typeface="+mn-cs"/>
-              </a:defRPr>
-            </a:lvl7pPr>
-            <a:lvl8pPr marL="3200400" indent="0" algn="ctr" defTabSz="914400" rtl="0" eaLnBrk="1" latinLnBrk="0" hangingPunct="1">
-              <a:spcBef>
-                <a:spcPct val="20000"/>
-              </a:spcBef>
-              <a:buFont typeface="Courier New" pitchFamily="49" charset="0"/>
-              <a:buNone/>
-              <a:defRPr sz="1600" kern="1200">
-                <a:solidFill>
-                  <a:schemeClr val="tx1">
-                    <a:tint val="75000"/>
-                  </a:schemeClr>
-                </a:solidFill>
-                <a:latin typeface="+mj-lt"/>
-                <a:ea typeface="+mn-ea"/>
-                <a:cs typeface="+mn-cs"/>
-              </a:defRPr>
-            </a:lvl8pPr>
-            <a:lvl9pPr marL="3657600" indent="0" algn="ctr" defTabSz="914400" rtl="0" eaLnBrk="1" latinLnBrk="0" hangingPunct="1">
-              <a:spcBef>
-                <a:spcPct val="20000"/>
-              </a:spcBef>
-              <a:buFont typeface="Arial" pitchFamily="34" charset="0"/>
-              <a:buNone/>
-              <a:defRPr sz="1600" kern="1200">
-                <a:solidFill>
-                  <a:schemeClr val="tx1">
-                    <a:tint val="75000"/>
-                  </a:schemeClr>
-                </a:solidFill>
-                <a:latin typeface="+mj-lt"/>
-                <a:ea typeface="+mn-ea"/>
-                <a:cs typeface="+mn-cs"/>
-              </a:defRPr>
-            </a:lvl9pPr>
-          </a:lstStyle>
-          <a:p>
+          <a:lstStyle/>
+          <a:p>
+            <a:pPr algn="l"/>
             <a:r>
               <a:rPr lang="en-US" dirty="0" smtClean="0"/>
-              <a:t>Some intro and karma productivity</a:t>
-            </a:r>
+              <a:t>Each test uses the convention</a:t>
+            </a:r>
+          </a:p>
+          <a:p>
+            <a:pPr algn="l"/>
+            <a:r>
+              <a:rPr lang="en-US" dirty="0"/>
+              <a:t>d</a:t>
+            </a:r>
+            <a:r>
+              <a:rPr lang="en-US" dirty="0" smtClean="0"/>
+              <a:t>escribe( &lt;</a:t>
+            </a:r>
+            <a:r>
+              <a:rPr lang="en-US" dirty="0" err="1" smtClean="0"/>
+              <a:t>async</a:t>
+            </a:r>
+            <a:r>
+              <a:rPr lang="en-US" dirty="0" smtClean="0"/>
+              <a:t> function &gt; )</a:t>
+            </a:r>
+          </a:p>
+          <a:p>
+            <a:pPr algn="l"/>
+            <a:endParaRPr lang="en-US" dirty="0" smtClean="0"/>
+          </a:p>
+          <a:p>
+            <a:pPr algn="l"/>
+            <a:r>
+              <a:rPr lang="en-US" dirty="0" smtClean="0"/>
+              <a:t>     if( “should… “, function(</a:t>
+            </a:r>
+            <a:r>
+              <a:rPr lang="en-US" dirty="0" err="1" smtClean="0"/>
+              <a:t>doneCallback</a:t>
+            </a:r>
+            <a:r>
+              <a:rPr lang="en-US" dirty="0" smtClean="0"/>
+              <a:t>) {</a:t>
+            </a:r>
+          </a:p>
+          <a:p>
+            <a:pPr algn="l"/>
+            <a:r>
+              <a:rPr lang="en-US" dirty="0" smtClean="0"/>
+              <a:t>         // execute </a:t>
+            </a:r>
+            <a:r>
+              <a:rPr lang="en-US" dirty="0" err="1" smtClean="0"/>
+              <a:t>async</a:t>
+            </a:r>
+            <a:r>
+              <a:rPr lang="en-US" dirty="0" smtClean="0"/>
+              <a:t> function</a:t>
+            </a:r>
+          </a:p>
+          <a:p>
+            <a:pPr algn="l"/>
+            <a:r>
+              <a:rPr lang="en-US" dirty="0"/>
+              <a:t> </a:t>
+            </a:r>
+            <a:r>
+              <a:rPr lang="en-US" dirty="0" smtClean="0"/>
+              <a:t>        </a:t>
+            </a:r>
+            <a:r>
+              <a:rPr lang="en-US" dirty="0" err="1" smtClean="0"/>
+              <a:t>doneCallback</a:t>
+            </a:r>
+            <a:r>
+              <a:rPr lang="en-US" dirty="0" smtClean="0"/>
+              <a:t>();</a:t>
+            </a:r>
+          </a:p>
+          <a:p>
+            <a:pPr algn="l"/>
+            <a:r>
+              <a:rPr lang="en-US" dirty="0"/>
+              <a:t> </a:t>
+            </a:r>
+            <a:r>
+              <a:rPr lang="en-US" dirty="0" smtClean="0"/>
+              <a:t>    }, </a:t>
+            </a:r>
+            <a:r>
+              <a:rPr lang="en-US" dirty="0" err="1" smtClean="0"/>
+              <a:t>waitTimeout</a:t>
+            </a:r>
+            <a:r>
+              <a:rPr lang="en-US" dirty="0" smtClean="0"/>
+              <a:t>); </a:t>
+            </a:r>
+          </a:p>
+          <a:p>
+            <a:pPr algn="l"/>
             <a:endParaRPr lang="en-US" dirty="0"/>
+          </a:p>
+          <a:p>
+            <a:pPr algn="l"/>
+            <a:r>
+              <a:rPr lang="en-US" dirty="0" smtClean="0"/>
+              <a:t>    </a:t>
+            </a:r>
+            <a:r>
+              <a:rPr lang="en-US" dirty="0"/>
+              <a:t>if( “should… “, function(</a:t>
+            </a:r>
+            <a:r>
+              <a:rPr lang="en-US" dirty="0" err="1"/>
+              <a:t>doneCallback</a:t>
+            </a:r>
+            <a:r>
+              <a:rPr lang="en-US" dirty="0"/>
+              <a:t>) {</a:t>
+            </a:r>
+          </a:p>
+          <a:p>
+            <a:pPr algn="l"/>
+            <a:r>
+              <a:rPr lang="en-US" dirty="0"/>
+              <a:t>         // execute </a:t>
+            </a:r>
+            <a:r>
+              <a:rPr lang="en-US" dirty="0" err="1"/>
+              <a:t>async</a:t>
+            </a:r>
+            <a:r>
+              <a:rPr lang="en-US" dirty="0"/>
+              <a:t> function</a:t>
+            </a:r>
+          </a:p>
+          <a:p>
+            <a:pPr algn="l"/>
+            <a:r>
+              <a:rPr lang="en-US" dirty="0"/>
+              <a:t>         </a:t>
+            </a:r>
+            <a:r>
+              <a:rPr lang="en-US" dirty="0" err="1"/>
+              <a:t>doneCallback</a:t>
+            </a:r>
+            <a:r>
+              <a:rPr lang="en-US" dirty="0"/>
+              <a:t>();</a:t>
+            </a:r>
+          </a:p>
+          <a:p>
+            <a:pPr algn="l"/>
+            <a:r>
+              <a:rPr lang="en-US" dirty="0"/>
+              <a:t>     }, </a:t>
+            </a:r>
+            <a:r>
+              <a:rPr lang="en-US" dirty="0" err="1"/>
+              <a:t>waitTimeout</a:t>
+            </a:r>
+            <a:r>
+              <a:rPr lang="en-US" dirty="0"/>
+              <a:t>); </a:t>
+            </a:r>
           </a:p>
         </p:txBody>
       </p:sp>
     </p:spTree>
     <p:extLst>
       <p:ext uri="{BB962C8B-B14F-4D97-AF65-F5344CB8AC3E}">
-        <p14:creationId xmlns:p14="http://schemas.microsoft.com/office/powerpoint/2010/main" val="4066547018"/>
+        <p14:creationId xmlns:p14="http://schemas.microsoft.com/office/powerpoint/2010/main" val="3581727714"/>
       </p:ext>
     </p:extLst>
   </p:cSld>
@@ -4077,8 +4615,20 @@
           <a:p>
             <a:pPr algn="l"/>
             <a:r>
+              <a:rPr lang="en-US" sz="4000" dirty="0" err="1" smtClean="0"/>
+              <a:t>Async</a:t>
+            </a:r>
+            <a:r>
               <a:rPr lang="en-US" sz="4000" dirty="0" smtClean="0"/>
-              <a:t>Karma Configuration</a:t>
+              <a:t> Testing for timeout() (</a:t>
+            </a:r>
+            <a:r>
+              <a:rPr lang="en-US" sz="4000" dirty="0" err="1" smtClean="0"/>
+              <a:t>cont</a:t>
+            </a:r>
+            <a:r>
+              <a:rPr lang="en-US" sz="4000" dirty="0" smtClean="0"/>
+              <a:t>)</a:t>
             </a:r>
             <a:endParaRPr lang="en-US" sz="4000" dirty="0"/>
           </a:p>
@@ -4101,7 +4651,7 @@
           <a:p>
             <a:fld id="{216C5678-EE20-4FA5-88E2-6E0BD67A2E26}" type="datetime1">
               <a:rPr lang="en-US" smtClean="0"/>
-              <a:t>11/7/2015</a:t>
+              <a:t>11/8/2015</a:t>
             </a:fld>
             <a:endParaRPr lang="en-US" dirty="0"/>
           </a:p>
@@ -4157,191 +4707,30 @@
       <p:sp>
         <p:nvSpPr>
           <p:cNvPr id="7" name="Subtitle 2"/>
-          <p:cNvSpPr txBox="1">
-            <a:spLocks/>
-          </p:cNvSpPr>
-          <p:nvPr/>
+          <p:cNvSpPr>
+            <a:spLocks noGrp="1"/>
+          </p:cNvSpPr>
+          <p:nvPr>
+            <p:ph type="subTitle" idx="1"/>
+          </p:nvPr>
         </p:nvSpPr>
         <p:spPr>
           <a:xfrm>
             <a:off x="1219200" y="1600200"/>
             <a:ext cx="6400800" cy="1219200"/>
           </a:xfrm>
-          <a:prstGeom prst="rect">
-            <a:avLst/>
-          </a:prstGeom>
         </p:spPr>
         <p:txBody>
-          <a:bodyPr vert="horz" lIns="91440" tIns="45720" rIns="91440" bIns="45720" rtlCol="0">
-            <a:normAutofit/>
-          </a:bodyPr>
-          <a:lstStyle>
-            <a:lvl1pPr marL="0" indent="0" algn="ctr" defTabSz="914400" rtl="0" eaLnBrk="1" latinLnBrk="0" hangingPunct="1">
-              <a:spcBef>
-                <a:spcPct val="20000"/>
-              </a:spcBef>
-              <a:buFont typeface="Arial" pitchFamily="34" charset="0"/>
-              <a:buNone/>
-              <a:defRPr sz="2400" kern="1200">
-                <a:solidFill>
-                  <a:schemeClr val="tx1">
-                    <a:tint val="75000"/>
-                  </a:schemeClr>
-                </a:solidFill>
-                <a:latin typeface="+mj-lt"/>
-                <a:ea typeface="+mn-ea"/>
-                <a:cs typeface="+mn-cs"/>
-              </a:defRPr>
-            </a:lvl1pPr>
-            <a:lvl2pPr marL="457200" indent="0" algn="ctr" defTabSz="914400" rtl="0" eaLnBrk="1" latinLnBrk="0" hangingPunct="1">
-              <a:spcBef>
-                <a:spcPct val="20000"/>
-              </a:spcBef>
-              <a:buFont typeface="Courier New" pitchFamily="49" charset="0"/>
-              <a:buNone/>
-              <a:defRPr sz="1600" kern="1200">
-                <a:solidFill>
-                  <a:schemeClr val="tx1">
-                    <a:tint val="75000"/>
-                  </a:schemeClr>
-                </a:solidFill>
-                <a:latin typeface="+mj-lt"/>
-                <a:ea typeface="+mn-ea"/>
-                <a:cs typeface="+mn-cs"/>
-              </a:defRPr>
-            </a:lvl2pPr>
-            <a:lvl3pPr marL="914400" indent="0" algn="ctr" defTabSz="914400" rtl="0" eaLnBrk="1" latinLnBrk="0" hangingPunct="1">
-              <a:spcBef>
-                <a:spcPct val="20000"/>
-              </a:spcBef>
-              <a:buFont typeface="Arial" pitchFamily="34" charset="0"/>
-              <a:buNone/>
-              <a:defRPr sz="1600" kern="1200">
-                <a:solidFill>
-                  <a:schemeClr val="tx1">
-                    <a:tint val="75000"/>
-                  </a:schemeClr>
-                </a:solidFill>
-                <a:latin typeface="+mj-lt"/>
-                <a:ea typeface="+mn-ea"/>
-                <a:cs typeface="+mn-cs"/>
-              </a:defRPr>
-            </a:lvl3pPr>
-            <a:lvl4pPr marL="1371600" indent="0" algn="ctr" defTabSz="914400" rtl="0" eaLnBrk="1" latinLnBrk="0" hangingPunct="1">
-              <a:spcBef>
-                <a:spcPct val="20000"/>
-              </a:spcBef>
-              <a:buFont typeface="Courier New" pitchFamily="49" charset="0"/>
-              <a:buNone/>
-              <a:defRPr sz="1600" kern="1200">
-                <a:solidFill>
-                  <a:schemeClr val="tx1">
-                    <a:tint val="75000"/>
-                  </a:schemeClr>
-                </a:solidFill>
-                <a:latin typeface="+mj-lt"/>
-                <a:ea typeface="+mn-ea"/>
-                <a:cs typeface="+mn-cs"/>
-              </a:defRPr>
-            </a:lvl4pPr>
-            <a:lvl5pPr marL="1828800" indent="0" algn="ctr" defTabSz="914400" rtl="0" eaLnBrk="1" latinLnBrk="0" hangingPunct="1">
-              <a:spcBef>
-                <a:spcPct val="20000"/>
-              </a:spcBef>
-              <a:buFont typeface="Arial" pitchFamily="34" charset="0"/>
-              <a:buNone/>
-              <a:defRPr sz="1600" kern="1200">
-                <a:solidFill>
-                  <a:schemeClr val="tx1">
-                    <a:tint val="75000"/>
-                  </a:schemeClr>
-                </a:solidFill>
-                <a:latin typeface="+mj-lt"/>
-                <a:ea typeface="+mn-ea"/>
-                <a:cs typeface="+mn-cs"/>
-              </a:defRPr>
-            </a:lvl5pPr>
-            <a:lvl6pPr marL="2286000" indent="0" algn="ctr" defTabSz="914400" rtl="0" eaLnBrk="1" latinLnBrk="0" hangingPunct="1">
-              <a:spcBef>
-                <a:spcPct val="20000"/>
-              </a:spcBef>
-              <a:buFont typeface="Courier New" pitchFamily="49" charset="0"/>
-              <a:buNone/>
-              <a:defRPr sz="1600" kern="1200">
-                <a:solidFill>
-                  <a:schemeClr val="tx1">
-                    <a:tint val="75000"/>
-                  </a:schemeClr>
-                </a:solidFill>
-                <a:latin typeface="+mj-lt"/>
-                <a:ea typeface="+mn-ea"/>
-                <a:cs typeface="+mn-cs"/>
-              </a:defRPr>
-            </a:lvl6pPr>
-            <a:lvl7pPr marL="2743200" indent="0" algn="ctr" defTabSz="914400" rtl="0" eaLnBrk="1" latinLnBrk="0" hangingPunct="1">
-              <a:spcBef>
-                <a:spcPct val="20000"/>
-              </a:spcBef>
-              <a:buFont typeface="Arial" pitchFamily="34" charset="0"/>
-              <a:buNone/>
-              <a:defRPr sz="1600" kern="1200">
-                <a:solidFill>
-                  <a:schemeClr val="tx1">
-                    <a:tint val="75000"/>
-                  </a:schemeClr>
-                </a:solidFill>
-                <a:latin typeface="+mj-lt"/>
-                <a:ea typeface="+mn-ea"/>
-                <a:cs typeface="+mn-cs"/>
-              </a:defRPr>
-            </a:lvl7pPr>
-            <a:lvl8pPr marL="3200400" indent="0" algn="ctr" defTabSz="914400" rtl="0" eaLnBrk="1" latinLnBrk="0" hangingPunct="1">
-              <a:spcBef>
-                <a:spcPct val="20000"/>
-              </a:spcBef>
-              <a:buFont typeface="Courier New" pitchFamily="49" charset="0"/>
-              <a:buNone/>
-              <a:defRPr sz="1600" kern="1200">
-                <a:solidFill>
-                  <a:schemeClr val="tx1">
-                    <a:tint val="75000"/>
-                  </a:schemeClr>
-                </a:solidFill>
-                <a:latin typeface="+mj-lt"/>
-                <a:ea typeface="+mn-ea"/>
-                <a:cs typeface="+mn-cs"/>
-              </a:defRPr>
-            </a:lvl8pPr>
-            <a:lvl9pPr marL="3657600" indent="0" algn="ctr" defTabSz="914400" rtl="0" eaLnBrk="1" latinLnBrk="0" hangingPunct="1">
-              <a:spcBef>
-                <a:spcPct val="20000"/>
-              </a:spcBef>
-              <a:buFont typeface="Arial" pitchFamily="34" charset="0"/>
-              <a:buNone/>
-              <a:defRPr sz="1600" kern="1200">
-                <a:solidFill>
-                  <a:schemeClr val="tx1">
-                    <a:tint val="75000"/>
-                  </a:schemeClr>
-                </a:solidFill>
-                <a:latin typeface="+mj-lt"/>
-                <a:ea typeface="+mn-ea"/>
-                <a:cs typeface="+mn-cs"/>
-              </a:defRPr>
-            </a:lvl9pPr>
-          </a:lstStyle>
+          <a:bodyPr/>
+          <a:lstStyle/>
           <a:p>
             <a:r>
               <a:rPr lang="en-US" dirty="0" smtClean="0"/>
-              <a:t>Installation and karma </a:t>
-            </a:r>
-            <a:r>
-              <a:rPr lang="en-US" dirty="0" err="1" smtClean="0"/>
-              <a:t>init</a:t>
-            </a:r>
-            <a:r>
-              <a:rPr lang="en-US" dirty="0" smtClean="0"/>
-              <a:t> to product karma.conf.js</a:t>
+              <a:t> </a:t>
+            </a:r>
+            <a:r>
+              <a:rPr lang="en-US" smtClean="0"/>
+              <a:t>code demo</a:t>
             </a:r>
             <a:endParaRPr lang="en-US" dirty="0"/>
           </a:p>
@@ -4350,7 +4739,7 @@
     </p:spTree>
     <p:extLst>
       <p:ext uri="{BB962C8B-B14F-4D97-AF65-F5344CB8AC3E}">
-        <p14:creationId xmlns:p14="http://schemas.microsoft.com/office/powerpoint/2010/main" val="2842711621"/>
+        <p14:creationId xmlns:p14="http://schemas.microsoft.com/office/powerpoint/2010/main" val="3707477426"/>
       </p:ext>
     </p:extLst>
   </p:cSld>
@@ -4399,6 +4788,1305 @@
           <a:p>
             <a:pPr algn="l"/>
             <a:r>
+              <a:rPr lang="en-US" sz="4000" dirty="0" err="1" smtClean="0"/>
+              <a:t>Async</a:t>
+            </a:r>
+            <a:r>
+              <a:rPr lang="en-US" sz="4000" dirty="0" smtClean="0"/>
+              <a:t> Testing for ajax</a:t>
+            </a:r>
+            <a:endParaRPr lang="en-US" sz="4000" dirty="0"/>
+          </a:p>
+        </p:txBody>
+      </p:sp>
+      <p:sp>
+        <p:nvSpPr>
+          <p:cNvPr id="4" name="Date Placeholder 3"/>
+          <p:cNvSpPr>
+            <a:spLocks noGrp="1"/>
+          </p:cNvSpPr>
+          <p:nvPr>
+            <p:ph type="dt" sz="half" idx="10"/>
+          </p:nvPr>
+        </p:nvSpPr>
+        <p:spPr/>
+        <p:txBody>
+          <a:bodyPr/>
+          <a:lstStyle/>
+          <a:p>
+            <a:fld id="{216C5678-EE20-4FA5-88E2-6E0BD67A2E26}" type="datetime1">
+              <a:rPr lang="en-US" smtClean="0"/>
+              <a:t>11/8/2015</a:t>
+            </a:fld>
+            <a:endParaRPr lang="en-US" dirty="0"/>
+          </a:p>
+        </p:txBody>
+      </p:sp>
+      <p:sp>
+        <p:nvSpPr>
+          <p:cNvPr id="5" name="Slide Number Placeholder 4"/>
+          <p:cNvSpPr>
+            <a:spLocks noGrp="1"/>
+          </p:cNvSpPr>
+          <p:nvPr>
+            <p:ph type="sldNum" sz="quarter" idx="11"/>
+          </p:nvPr>
+        </p:nvSpPr>
+        <p:spPr/>
+        <p:txBody>
+          <a:bodyPr/>
+          <a:lstStyle/>
+          <a:p>
+            <a:fld id="{BA9B540C-44DA-4F69-89C9-7C84606640D3}" type="slidenum">
+              <a:rPr lang="en-US" smtClean="0"/>
+              <a:pPr/>
+              <a:t>13</a:t>
+            </a:fld>
+            <a:endParaRPr lang="en-US" dirty="0"/>
+          </a:p>
+        </p:txBody>
+      </p:sp>
+      <p:sp>
+        <p:nvSpPr>
+          <p:cNvPr id="6" name="Footer Placeholder 5"/>
+          <p:cNvSpPr>
+            <a:spLocks noGrp="1"/>
+          </p:cNvSpPr>
+          <p:nvPr>
+            <p:ph type="ftr" sz="quarter" idx="12"/>
+          </p:nvPr>
+        </p:nvSpPr>
+        <p:spPr/>
+        <p:txBody>
+          <a:bodyPr/>
+          <a:lstStyle/>
+          <a:p>
+            <a:r>
+              <a:rPr lang="en-US" smtClean="0"/>
+              <a:t>Footer Text</a:t>
+            </a:r>
+            <a:endParaRPr lang="en-US" dirty="0"/>
+          </a:p>
+        </p:txBody>
+      </p:sp>
+      <p:sp>
+        <p:nvSpPr>
+          <p:cNvPr id="7" name="Subtitle 2"/>
+          <p:cNvSpPr>
+            <a:spLocks noGrp="1"/>
+          </p:cNvSpPr>
+          <p:nvPr>
+            <p:ph type="subTitle" idx="1"/>
+          </p:nvPr>
+        </p:nvSpPr>
+        <p:spPr>
+          <a:xfrm>
+            <a:off x="1219200" y="1600200"/>
+            <a:ext cx="6400800" cy="1219200"/>
+          </a:xfrm>
+        </p:spPr>
+        <p:txBody>
+          <a:bodyPr/>
+          <a:lstStyle/>
+          <a:p>
+            <a:r>
+              <a:rPr lang="en-US" dirty="0"/>
+              <a:t>Display </a:t>
+            </a:r>
+            <a:r>
+              <a:rPr lang="en-US" dirty="0" smtClean="0"/>
+              <a:t>configure() function </a:t>
+            </a:r>
+            <a:r>
+              <a:rPr lang="en-US" dirty="0"/>
+              <a:t>and show failed test</a:t>
+            </a:r>
+          </a:p>
+        </p:txBody>
+      </p:sp>
+    </p:spTree>
+    <p:extLst>
+      <p:ext uri="{BB962C8B-B14F-4D97-AF65-F5344CB8AC3E}">
+        <p14:creationId xmlns:p14="http://schemas.microsoft.com/office/powerpoint/2010/main" val="3061808434"/>
+      </p:ext>
+    </p:extLst>
+  </p:cSld>
+  <p:clrMapOvr>
+    <a:masterClrMapping/>
+  </p:clrMapOvr>
+</p:sld>
+</file>
+
+<file path=ppt/slides/slide14.xml><?xml version="1.0" encoding="utf-8"?>
+<p:sld xmlns:a="http://schemas.openxmlformats.org/drawingml/2006/main" xmlns:r="http://schemas.openxmlformats.org/officeDocument/2006/relationships" xmlns:p="http://schemas.openxmlformats.org/presentationml/2006/main">
+  <p:cSld>
+    <p:spTree>
+      <p:nvGrpSpPr>
+        <p:cNvPr id="1" name=""/>
+        <p:cNvGrpSpPr/>
+        <p:nvPr/>
+      </p:nvGrpSpPr>
+      <p:grpSpPr>
+        <a:xfrm>
+          <a:off x="0" y="0"/>
+          <a:ext cx="0" cy="0"/>
+          <a:chOff x="0" y="0"/>
+          <a:chExt cx="0" cy="0"/>
+        </a:xfrm>
+      </p:grpSpPr>
+      <p:sp>
+        <p:nvSpPr>
+          <p:cNvPr id="2" name="Title 1"/>
+          <p:cNvSpPr>
+            <a:spLocks noGrp="1"/>
+          </p:cNvSpPr>
+          <p:nvPr>
+            <p:ph type="ctrTitle"/>
+          </p:nvPr>
+        </p:nvSpPr>
+        <p:spPr>
+          <a:xfrm>
+            <a:off x="685800" y="228600"/>
+            <a:ext cx="8458200" cy="685800"/>
+          </a:xfrm>
+        </p:spPr>
+        <p:txBody>
+          <a:bodyPr/>
+          <a:lstStyle/>
+          <a:p>
+            <a:pPr algn="l"/>
+            <a:r>
+              <a:rPr lang="en-US" sz="4000" dirty="0" err="1" smtClean="0"/>
+              <a:t>Async</a:t>
+            </a:r>
+            <a:r>
+              <a:rPr lang="en-US" sz="4000" dirty="0" smtClean="0"/>
+              <a:t> Testing for ajax (</a:t>
+            </a:r>
+            <a:r>
+              <a:rPr lang="en-US" sz="4000" dirty="0" err="1" smtClean="0"/>
+              <a:t>cont</a:t>
+            </a:r>
+            <a:r>
+              <a:rPr lang="en-US" sz="4000" dirty="0" smtClean="0"/>
+              <a:t>)</a:t>
+            </a:r>
+            <a:endParaRPr lang="en-US" sz="4000" dirty="0"/>
+          </a:p>
+        </p:txBody>
+      </p:sp>
+      <p:sp>
+        <p:nvSpPr>
+          <p:cNvPr id="4" name="Date Placeholder 3"/>
+          <p:cNvSpPr>
+            <a:spLocks noGrp="1"/>
+          </p:cNvSpPr>
+          <p:nvPr>
+            <p:ph type="dt" sz="half" idx="10"/>
+          </p:nvPr>
+        </p:nvSpPr>
+        <p:spPr/>
+        <p:txBody>
+          <a:bodyPr/>
+          <a:lstStyle/>
+          <a:p>
+            <a:fld id="{216C5678-EE20-4FA5-88E2-6E0BD67A2E26}" type="datetime1">
+              <a:rPr lang="en-US" smtClean="0"/>
+              <a:t>11/8/2015</a:t>
+            </a:fld>
+            <a:endParaRPr lang="en-US" dirty="0"/>
+          </a:p>
+        </p:txBody>
+      </p:sp>
+      <p:sp>
+        <p:nvSpPr>
+          <p:cNvPr id="5" name="Slide Number Placeholder 4"/>
+          <p:cNvSpPr>
+            <a:spLocks noGrp="1"/>
+          </p:cNvSpPr>
+          <p:nvPr>
+            <p:ph type="sldNum" sz="quarter" idx="11"/>
+          </p:nvPr>
+        </p:nvSpPr>
+        <p:spPr/>
+        <p:txBody>
+          <a:bodyPr/>
+          <a:lstStyle/>
+          <a:p>
+            <a:fld id="{BA9B540C-44DA-4F69-89C9-7C84606640D3}" type="slidenum">
+              <a:rPr lang="en-US" smtClean="0"/>
+              <a:pPr/>
+              <a:t>14</a:t>
+            </a:fld>
+            <a:endParaRPr lang="en-US" dirty="0"/>
+          </a:p>
+        </p:txBody>
+      </p:sp>
+      <p:sp>
+        <p:nvSpPr>
+          <p:cNvPr id="6" name="Footer Placeholder 5"/>
+          <p:cNvSpPr>
+            <a:spLocks noGrp="1"/>
+          </p:cNvSpPr>
+          <p:nvPr>
+            <p:ph type="ftr" sz="quarter" idx="12"/>
+          </p:nvPr>
+        </p:nvSpPr>
+        <p:spPr/>
+        <p:txBody>
+          <a:bodyPr/>
+          <a:lstStyle/>
+          <a:p>
+            <a:r>
+              <a:rPr lang="en-US" smtClean="0"/>
+              <a:t>Footer Text</a:t>
+            </a:r>
+            <a:endParaRPr lang="en-US" dirty="0"/>
+          </a:p>
+        </p:txBody>
+      </p:sp>
+      <p:sp>
+        <p:nvSpPr>
+          <p:cNvPr id="8" name="Subtitle 2"/>
+          <p:cNvSpPr txBox="1">
+            <a:spLocks/>
+          </p:cNvSpPr>
+          <p:nvPr/>
+        </p:nvSpPr>
+        <p:spPr>
+          <a:xfrm>
+            <a:off x="1219200" y="1600200"/>
+            <a:ext cx="6400800" cy="1219200"/>
+          </a:xfrm>
+          <a:prstGeom prst="rect">
+            <a:avLst/>
+          </a:prstGeom>
+        </p:spPr>
+        <p:txBody>
+          <a:bodyPr vert="horz" lIns="91440" tIns="45720" rIns="91440" bIns="45720" rtlCol="0">
+            <a:normAutofit/>
+          </a:bodyPr>
+          <a:lstStyle>
+            <a:lvl1pPr marL="0" indent="0" algn="ctr" defTabSz="914400" rtl="0" eaLnBrk="1" latinLnBrk="0" hangingPunct="1">
+              <a:spcBef>
+                <a:spcPct val="20000"/>
+              </a:spcBef>
+              <a:buFont typeface="Arial" pitchFamily="34" charset="0"/>
+              <a:buNone/>
+              <a:defRPr sz="2400" kern="1200">
+                <a:solidFill>
+                  <a:schemeClr val="tx1">
+                    <a:tint val="75000"/>
+                  </a:schemeClr>
+                </a:solidFill>
+                <a:latin typeface="+mj-lt"/>
+                <a:ea typeface="+mn-ea"/>
+                <a:cs typeface="+mn-cs"/>
+              </a:defRPr>
+            </a:lvl1pPr>
+            <a:lvl2pPr marL="457200" indent="0" algn="ctr" defTabSz="914400" rtl="0" eaLnBrk="1" latinLnBrk="0" hangingPunct="1">
+              <a:spcBef>
+                <a:spcPct val="20000"/>
+              </a:spcBef>
+              <a:buFont typeface="Courier New" pitchFamily="49" charset="0"/>
+              <a:buNone/>
+              <a:defRPr sz="1600" kern="1200">
+                <a:solidFill>
+                  <a:schemeClr val="tx1">
+                    <a:tint val="75000"/>
+                  </a:schemeClr>
+                </a:solidFill>
+                <a:latin typeface="+mj-lt"/>
+                <a:ea typeface="+mn-ea"/>
+                <a:cs typeface="+mn-cs"/>
+              </a:defRPr>
+            </a:lvl2pPr>
+            <a:lvl3pPr marL="914400" indent="0" algn="ctr" defTabSz="914400" rtl="0" eaLnBrk="1" latinLnBrk="0" hangingPunct="1">
+              <a:spcBef>
+                <a:spcPct val="20000"/>
+              </a:spcBef>
+              <a:buFont typeface="Arial" pitchFamily="34" charset="0"/>
+              <a:buNone/>
+              <a:defRPr sz="1600" kern="1200">
+                <a:solidFill>
+                  <a:schemeClr val="tx1">
+                    <a:tint val="75000"/>
+                  </a:schemeClr>
+                </a:solidFill>
+                <a:latin typeface="+mj-lt"/>
+                <a:ea typeface="+mn-ea"/>
+                <a:cs typeface="+mn-cs"/>
+              </a:defRPr>
+            </a:lvl3pPr>
+            <a:lvl4pPr marL="1371600" indent="0" algn="ctr" defTabSz="914400" rtl="0" eaLnBrk="1" latinLnBrk="0" hangingPunct="1">
+              <a:spcBef>
+                <a:spcPct val="20000"/>
+              </a:spcBef>
+              <a:buFont typeface="Courier New" pitchFamily="49" charset="0"/>
+              <a:buNone/>
+              <a:defRPr sz="1600" kern="1200">
+                <a:solidFill>
+                  <a:schemeClr val="tx1">
+                    <a:tint val="75000"/>
+                  </a:schemeClr>
+                </a:solidFill>
+                <a:latin typeface="+mj-lt"/>
+                <a:ea typeface="+mn-ea"/>
+                <a:cs typeface="+mn-cs"/>
+              </a:defRPr>
+            </a:lvl4pPr>
+            <a:lvl5pPr marL="1828800" indent="0" algn="ctr" defTabSz="914400" rtl="0" eaLnBrk="1" latinLnBrk="0" hangingPunct="1">
+              <a:spcBef>
+                <a:spcPct val="20000"/>
+              </a:spcBef>
+              <a:buFont typeface="Arial" pitchFamily="34" charset="0"/>
+              <a:buNone/>
+              <a:defRPr sz="1600" kern="1200">
+                <a:solidFill>
+                  <a:schemeClr val="tx1">
+                    <a:tint val="75000"/>
+                  </a:schemeClr>
+                </a:solidFill>
+                <a:latin typeface="+mj-lt"/>
+                <a:ea typeface="+mn-ea"/>
+                <a:cs typeface="+mn-cs"/>
+              </a:defRPr>
+            </a:lvl5pPr>
+            <a:lvl6pPr marL="2286000" indent="0" algn="ctr" defTabSz="914400" rtl="0" eaLnBrk="1" latinLnBrk="0" hangingPunct="1">
+              <a:spcBef>
+                <a:spcPct val="20000"/>
+              </a:spcBef>
+              <a:buFont typeface="Courier New" pitchFamily="49" charset="0"/>
+              <a:buNone/>
+              <a:defRPr sz="1600" kern="1200">
+                <a:solidFill>
+                  <a:schemeClr val="tx1">
+                    <a:tint val="75000"/>
+                  </a:schemeClr>
+                </a:solidFill>
+                <a:latin typeface="+mj-lt"/>
+                <a:ea typeface="+mn-ea"/>
+                <a:cs typeface="+mn-cs"/>
+              </a:defRPr>
+            </a:lvl6pPr>
+            <a:lvl7pPr marL="2743200" indent="0" algn="ctr" defTabSz="914400" rtl="0" eaLnBrk="1" latinLnBrk="0" hangingPunct="1">
+              <a:spcBef>
+                <a:spcPct val="20000"/>
+              </a:spcBef>
+              <a:buFont typeface="Arial" pitchFamily="34" charset="0"/>
+              <a:buNone/>
+              <a:defRPr sz="1600" kern="1200">
+                <a:solidFill>
+                  <a:schemeClr val="tx1">
+                    <a:tint val="75000"/>
+                  </a:schemeClr>
+                </a:solidFill>
+                <a:latin typeface="+mj-lt"/>
+                <a:ea typeface="+mn-ea"/>
+                <a:cs typeface="+mn-cs"/>
+              </a:defRPr>
+            </a:lvl7pPr>
+            <a:lvl8pPr marL="3200400" indent="0" algn="ctr" defTabSz="914400" rtl="0" eaLnBrk="1" latinLnBrk="0" hangingPunct="1">
+              <a:spcBef>
+                <a:spcPct val="20000"/>
+              </a:spcBef>
+              <a:buFont typeface="Courier New" pitchFamily="49" charset="0"/>
+              <a:buNone/>
+              <a:defRPr sz="1600" kern="1200">
+                <a:solidFill>
+                  <a:schemeClr val="tx1">
+                    <a:tint val="75000"/>
+                  </a:schemeClr>
+                </a:solidFill>
+                <a:latin typeface="+mj-lt"/>
+                <a:ea typeface="+mn-ea"/>
+                <a:cs typeface="+mn-cs"/>
+              </a:defRPr>
+            </a:lvl8pPr>
+            <a:lvl9pPr marL="3657600" indent="0" algn="ctr" defTabSz="914400" rtl="0" eaLnBrk="1" latinLnBrk="0" hangingPunct="1">
+              <a:spcBef>
+                <a:spcPct val="20000"/>
+              </a:spcBef>
+              <a:buFont typeface="Arial" pitchFamily="34" charset="0"/>
+              <a:buNone/>
+              <a:defRPr sz="1600" kern="1200">
+                <a:solidFill>
+                  <a:schemeClr val="tx1">
+                    <a:tint val="75000"/>
+                  </a:schemeClr>
+                </a:solidFill>
+                <a:latin typeface="+mj-lt"/>
+                <a:ea typeface="+mn-ea"/>
+                <a:cs typeface="+mn-cs"/>
+              </a:defRPr>
+            </a:lvl9pPr>
+          </a:lstStyle>
+          <a:p>
+            <a:r>
+              <a:rPr lang="en-US" dirty="0" smtClean="0"/>
+              <a:t>Display real test code using </a:t>
+            </a:r>
+            <a:r>
+              <a:rPr lang="en-US" dirty="0" err="1" smtClean="0"/>
+              <a:t>spyon</a:t>
+            </a:r>
+            <a:r>
+              <a:rPr lang="en-US" dirty="0" smtClean="0"/>
+              <a:t>()</a:t>
+            </a:r>
+            <a:endParaRPr lang="en-US" dirty="0"/>
+          </a:p>
+        </p:txBody>
+      </p:sp>
+    </p:spTree>
+    <p:extLst>
+      <p:ext uri="{BB962C8B-B14F-4D97-AF65-F5344CB8AC3E}">
+        <p14:creationId xmlns:p14="http://schemas.microsoft.com/office/powerpoint/2010/main" val="4071313435"/>
+      </p:ext>
+    </p:extLst>
+  </p:cSld>
+  <p:clrMapOvr>
+    <a:masterClrMapping/>
+  </p:clrMapOvr>
+</p:sld>
+</file>
+
+<file path=ppt/slides/slide15.xml><?xml version="1.0" encoding="utf-8"?>
+<p:sld xmlns:a="http://schemas.openxmlformats.org/drawingml/2006/main" xmlns:r="http://schemas.openxmlformats.org/officeDocument/2006/relationships" xmlns:p="http://schemas.openxmlformats.org/presentationml/2006/main">
+  <p:cSld>
+    <p:spTree>
+      <p:nvGrpSpPr>
+        <p:cNvPr id="1" name=""/>
+        <p:cNvGrpSpPr/>
+        <p:nvPr/>
+      </p:nvGrpSpPr>
+      <p:grpSpPr>
+        <a:xfrm>
+          <a:off x="0" y="0"/>
+          <a:ext cx="0" cy="0"/>
+          <a:chOff x="0" y="0"/>
+          <a:chExt cx="0" cy="0"/>
+        </a:xfrm>
+      </p:grpSpPr>
+      <p:sp>
+        <p:nvSpPr>
+          <p:cNvPr id="2" name="Title 1"/>
+          <p:cNvSpPr>
+            <a:spLocks noGrp="1"/>
+          </p:cNvSpPr>
+          <p:nvPr>
+            <p:ph type="ctrTitle"/>
+          </p:nvPr>
+        </p:nvSpPr>
+        <p:spPr>
+          <a:xfrm>
+            <a:off x="685800" y="228600"/>
+            <a:ext cx="8458200" cy="685800"/>
+          </a:xfrm>
+        </p:spPr>
+        <p:txBody>
+          <a:bodyPr/>
+          <a:lstStyle/>
+          <a:p>
+            <a:pPr algn="l"/>
+            <a:r>
+              <a:rPr lang="en-US" sz="4000" dirty="0" smtClean="0"/>
+              <a:t>Testing with DOM Element</a:t>
+            </a:r>
+            <a:endParaRPr lang="en-US" sz="4000" dirty="0"/>
+          </a:p>
+        </p:txBody>
+      </p:sp>
+      <p:sp>
+        <p:nvSpPr>
+          <p:cNvPr id="4" name="Date Placeholder 3"/>
+          <p:cNvSpPr>
+            <a:spLocks noGrp="1"/>
+          </p:cNvSpPr>
+          <p:nvPr>
+            <p:ph type="dt" sz="half" idx="10"/>
+          </p:nvPr>
+        </p:nvSpPr>
+        <p:spPr/>
+        <p:txBody>
+          <a:bodyPr/>
+          <a:lstStyle/>
+          <a:p>
+            <a:fld id="{216C5678-EE20-4FA5-88E2-6E0BD67A2E26}" type="datetime1">
+              <a:rPr lang="en-US" smtClean="0"/>
+              <a:t>11/8/2015</a:t>
+            </a:fld>
+            <a:endParaRPr lang="en-US" dirty="0"/>
+          </a:p>
+        </p:txBody>
+      </p:sp>
+      <p:sp>
+        <p:nvSpPr>
+          <p:cNvPr id="5" name="Slide Number Placeholder 4"/>
+          <p:cNvSpPr>
+            <a:spLocks noGrp="1"/>
+          </p:cNvSpPr>
+          <p:nvPr>
+            <p:ph type="sldNum" sz="quarter" idx="11"/>
+          </p:nvPr>
+        </p:nvSpPr>
+        <p:spPr/>
+        <p:txBody>
+          <a:bodyPr/>
+          <a:lstStyle/>
+          <a:p>
+            <a:fld id="{BA9B540C-44DA-4F69-89C9-7C84606640D3}" type="slidenum">
+              <a:rPr lang="en-US" smtClean="0"/>
+              <a:pPr/>
+              <a:t>15</a:t>
+            </a:fld>
+            <a:endParaRPr lang="en-US" dirty="0"/>
+          </a:p>
+        </p:txBody>
+      </p:sp>
+      <p:sp>
+        <p:nvSpPr>
+          <p:cNvPr id="6" name="Footer Placeholder 5"/>
+          <p:cNvSpPr>
+            <a:spLocks noGrp="1"/>
+          </p:cNvSpPr>
+          <p:nvPr>
+            <p:ph type="ftr" sz="quarter" idx="12"/>
+          </p:nvPr>
+        </p:nvSpPr>
+        <p:spPr/>
+        <p:txBody>
+          <a:bodyPr/>
+          <a:lstStyle/>
+          <a:p>
+            <a:r>
+              <a:rPr lang="en-US" smtClean="0"/>
+              <a:t>Footer Text</a:t>
+            </a:r>
+            <a:endParaRPr lang="en-US" dirty="0"/>
+          </a:p>
+        </p:txBody>
+      </p:sp>
+      <p:sp>
+        <p:nvSpPr>
+          <p:cNvPr id="7" name="Subtitle 2"/>
+          <p:cNvSpPr>
+            <a:spLocks noGrp="1"/>
+          </p:cNvSpPr>
+          <p:nvPr>
+            <p:ph type="subTitle" idx="1"/>
+          </p:nvPr>
+        </p:nvSpPr>
+        <p:spPr>
+          <a:xfrm>
+            <a:off x="1219200" y="1600200"/>
+            <a:ext cx="6400800" cy="1219200"/>
+          </a:xfrm>
+        </p:spPr>
+        <p:txBody>
+          <a:bodyPr/>
+          <a:lstStyle/>
+          <a:p>
+            <a:r>
+              <a:rPr lang="en-US" dirty="0"/>
+              <a:t>Display </a:t>
+            </a:r>
+            <a:r>
+              <a:rPr lang="en-US" dirty="0" smtClean="0"/>
+              <a:t>test involving display to DOM</a:t>
+            </a:r>
+            <a:endParaRPr lang="en-US" dirty="0"/>
+          </a:p>
+        </p:txBody>
+      </p:sp>
+    </p:spTree>
+    <p:extLst>
+      <p:ext uri="{BB962C8B-B14F-4D97-AF65-F5344CB8AC3E}">
+        <p14:creationId xmlns:p14="http://schemas.microsoft.com/office/powerpoint/2010/main" val="2832276860"/>
+      </p:ext>
+    </p:extLst>
+  </p:cSld>
+  <p:clrMapOvr>
+    <a:masterClrMapping/>
+  </p:clrMapOvr>
+</p:sld>
+</file>
+
+<file path=ppt/slides/slide16.xml><?xml version="1.0" encoding="utf-8"?>
+<p:sld xmlns:a="http://schemas.openxmlformats.org/drawingml/2006/main" xmlns:r="http://schemas.openxmlformats.org/officeDocument/2006/relationships" xmlns:p="http://schemas.openxmlformats.org/presentationml/2006/main">
+  <p:cSld>
+    <p:spTree>
+      <p:nvGrpSpPr>
+        <p:cNvPr id="1" name=""/>
+        <p:cNvGrpSpPr/>
+        <p:nvPr/>
+      </p:nvGrpSpPr>
+      <p:grpSpPr>
+        <a:xfrm>
+          <a:off x="0" y="0"/>
+          <a:ext cx="0" cy="0"/>
+          <a:chOff x="0" y="0"/>
+          <a:chExt cx="0" cy="0"/>
+        </a:xfrm>
+      </p:grpSpPr>
+      <p:sp>
+        <p:nvSpPr>
+          <p:cNvPr id="2" name="Title 1"/>
+          <p:cNvSpPr>
+            <a:spLocks noGrp="1"/>
+          </p:cNvSpPr>
+          <p:nvPr>
+            <p:ph type="ctrTitle"/>
+          </p:nvPr>
+        </p:nvSpPr>
+        <p:spPr>
+          <a:xfrm>
+            <a:off x="685800" y="228600"/>
+            <a:ext cx="8458200" cy="685800"/>
+          </a:xfrm>
+        </p:spPr>
+        <p:txBody>
+          <a:bodyPr/>
+          <a:lstStyle/>
+          <a:p>
+            <a:pPr algn="l"/>
+            <a:r>
+              <a:rPr lang="en-US" sz="4000" dirty="0" smtClean="0"/>
+              <a:t>Karma</a:t>
+            </a:r>
+            <a:endParaRPr lang="en-US" sz="4000" dirty="0"/>
+          </a:p>
+        </p:txBody>
+      </p:sp>
+      <p:sp>
+        <p:nvSpPr>
+          <p:cNvPr id="4" name="Date Placeholder 3"/>
+          <p:cNvSpPr>
+            <a:spLocks noGrp="1"/>
+          </p:cNvSpPr>
+          <p:nvPr>
+            <p:ph type="dt" sz="half" idx="10"/>
+          </p:nvPr>
+        </p:nvSpPr>
+        <p:spPr/>
+        <p:txBody>
+          <a:bodyPr/>
+          <a:lstStyle/>
+          <a:p>
+            <a:fld id="{216C5678-EE20-4FA5-88E2-6E0BD67A2E26}" type="datetime1">
+              <a:rPr lang="en-US" smtClean="0"/>
+              <a:t>11/8/2015</a:t>
+            </a:fld>
+            <a:endParaRPr lang="en-US" dirty="0"/>
+          </a:p>
+        </p:txBody>
+      </p:sp>
+      <p:sp>
+        <p:nvSpPr>
+          <p:cNvPr id="5" name="Slide Number Placeholder 4"/>
+          <p:cNvSpPr>
+            <a:spLocks noGrp="1"/>
+          </p:cNvSpPr>
+          <p:nvPr>
+            <p:ph type="sldNum" sz="quarter" idx="11"/>
+          </p:nvPr>
+        </p:nvSpPr>
+        <p:spPr/>
+        <p:txBody>
+          <a:bodyPr/>
+          <a:lstStyle/>
+          <a:p>
+            <a:fld id="{BA9B540C-44DA-4F69-89C9-7C84606640D3}" type="slidenum">
+              <a:rPr lang="en-US" smtClean="0"/>
+              <a:pPr/>
+              <a:t>16</a:t>
+            </a:fld>
+            <a:endParaRPr lang="en-US" dirty="0"/>
+          </a:p>
+        </p:txBody>
+      </p:sp>
+      <p:sp>
+        <p:nvSpPr>
+          <p:cNvPr id="6" name="Footer Placeholder 5"/>
+          <p:cNvSpPr>
+            <a:spLocks noGrp="1"/>
+          </p:cNvSpPr>
+          <p:nvPr>
+            <p:ph type="ftr" sz="quarter" idx="12"/>
+          </p:nvPr>
+        </p:nvSpPr>
+        <p:spPr/>
+        <p:txBody>
+          <a:bodyPr/>
+          <a:lstStyle/>
+          <a:p>
+            <a:r>
+              <a:rPr lang="en-US" smtClean="0"/>
+              <a:t>Footer Text</a:t>
+            </a:r>
+            <a:endParaRPr lang="en-US" dirty="0"/>
+          </a:p>
+        </p:txBody>
+      </p:sp>
+      <p:sp>
+        <p:nvSpPr>
+          <p:cNvPr id="7" name="Subtitle 2"/>
+          <p:cNvSpPr txBox="1">
+            <a:spLocks/>
+          </p:cNvSpPr>
+          <p:nvPr/>
+        </p:nvSpPr>
+        <p:spPr>
+          <a:xfrm>
+            <a:off x="1219200" y="1600200"/>
+            <a:ext cx="6400800" cy="1219200"/>
+          </a:xfrm>
+          <a:prstGeom prst="rect">
+            <a:avLst/>
+          </a:prstGeom>
+        </p:spPr>
+        <p:txBody>
+          <a:bodyPr vert="horz" lIns="91440" tIns="45720" rIns="91440" bIns="45720" rtlCol="0">
+            <a:normAutofit/>
+          </a:bodyPr>
+          <a:lstStyle>
+            <a:lvl1pPr marL="0" indent="0" algn="ctr" defTabSz="914400" rtl="0" eaLnBrk="1" latinLnBrk="0" hangingPunct="1">
+              <a:spcBef>
+                <a:spcPct val="20000"/>
+              </a:spcBef>
+              <a:buFont typeface="Arial" pitchFamily="34" charset="0"/>
+              <a:buNone/>
+              <a:defRPr sz="2400" kern="1200">
+                <a:solidFill>
+                  <a:schemeClr val="tx1">
+                    <a:tint val="75000"/>
+                  </a:schemeClr>
+                </a:solidFill>
+                <a:latin typeface="+mj-lt"/>
+                <a:ea typeface="+mn-ea"/>
+                <a:cs typeface="+mn-cs"/>
+              </a:defRPr>
+            </a:lvl1pPr>
+            <a:lvl2pPr marL="457200" indent="0" algn="ctr" defTabSz="914400" rtl="0" eaLnBrk="1" latinLnBrk="0" hangingPunct="1">
+              <a:spcBef>
+                <a:spcPct val="20000"/>
+              </a:spcBef>
+              <a:buFont typeface="Courier New" pitchFamily="49" charset="0"/>
+              <a:buNone/>
+              <a:defRPr sz="1600" kern="1200">
+                <a:solidFill>
+                  <a:schemeClr val="tx1">
+                    <a:tint val="75000"/>
+                  </a:schemeClr>
+                </a:solidFill>
+                <a:latin typeface="+mj-lt"/>
+                <a:ea typeface="+mn-ea"/>
+                <a:cs typeface="+mn-cs"/>
+              </a:defRPr>
+            </a:lvl2pPr>
+            <a:lvl3pPr marL="914400" indent="0" algn="ctr" defTabSz="914400" rtl="0" eaLnBrk="1" latinLnBrk="0" hangingPunct="1">
+              <a:spcBef>
+                <a:spcPct val="20000"/>
+              </a:spcBef>
+              <a:buFont typeface="Arial" pitchFamily="34" charset="0"/>
+              <a:buNone/>
+              <a:defRPr sz="1600" kern="1200">
+                <a:solidFill>
+                  <a:schemeClr val="tx1">
+                    <a:tint val="75000"/>
+                  </a:schemeClr>
+                </a:solidFill>
+                <a:latin typeface="+mj-lt"/>
+                <a:ea typeface="+mn-ea"/>
+                <a:cs typeface="+mn-cs"/>
+              </a:defRPr>
+            </a:lvl3pPr>
+            <a:lvl4pPr marL="1371600" indent="0" algn="ctr" defTabSz="914400" rtl="0" eaLnBrk="1" latinLnBrk="0" hangingPunct="1">
+              <a:spcBef>
+                <a:spcPct val="20000"/>
+              </a:spcBef>
+              <a:buFont typeface="Courier New" pitchFamily="49" charset="0"/>
+              <a:buNone/>
+              <a:defRPr sz="1600" kern="1200">
+                <a:solidFill>
+                  <a:schemeClr val="tx1">
+                    <a:tint val="75000"/>
+                  </a:schemeClr>
+                </a:solidFill>
+                <a:latin typeface="+mj-lt"/>
+                <a:ea typeface="+mn-ea"/>
+                <a:cs typeface="+mn-cs"/>
+              </a:defRPr>
+            </a:lvl4pPr>
+            <a:lvl5pPr marL="1828800" indent="0" algn="ctr" defTabSz="914400" rtl="0" eaLnBrk="1" latinLnBrk="0" hangingPunct="1">
+              <a:spcBef>
+                <a:spcPct val="20000"/>
+              </a:spcBef>
+              <a:buFont typeface="Arial" pitchFamily="34" charset="0"/>
+              <a:buNone/>
+              <a:defRPr sz="1600" kern="1200">
+                <a:solidFill>
+                  <a:schemeClr val="tx1">
+                    <a:tint val="75000"/>
+                  </a:schemeClr>
+                </a:solidFill>
+                <a:latin typeface="+mj-lt"/>
+                <a:ea typeface="+mn-ea"/>
+                <a:cs typeface="+mn-cs"/>
+              </a:defRPr>
+            </a:lvl5pPr>
+            <a:lvl6pPr marL="2286000" indent="0" algn="ctr" defTabSz="914400" rtl="0" eaLnBrk="1" latinLnBrk="0" hangingPunct="1">
+              <a:spcBef>
+                <a:spcPct val="20000"/>
+              </a:spcBef>
+              <a:buFont typeface="Courier New" pitchFamily="49" charset="0"/>
+              <a:buNone/>
+              <a:defRPr sz="1600" kern="1200">
+                <a:solidFill>
+                  <a:schemeClr val="tx1">
+                    <a:tint val="75000"/>
+                  </a:schemeClr>
+                </a:solidFill>
+                <a:latin typeface="+mj-lt"/>
+                <a:ea typeface="+mn-ea"/>
+                <a:cs typeface="+mn-cs"/>
+              </a:defRPr>
+            </a:lvl6pPr>
+            <a:lvl7pPr marL="2743200" indent="0" algn="ctr" defTabSz="914400" rtl="0" eaLnBrk="1" latinLnBrk="0" hangingPunct="1">
+              <a:spcBef>
+                <a:spcPct val="20000"/>
+              </a:spcBef>
+              <a:buFont typeface="Arial" pitchFamily="34" charset="0"/>
+              <a:buNone/>
+              <a:defRPr sz="1600" kern="1200">
+                <a:solidFill>
+                  <a:schemeClr val="tx1">
+                    <a:tint val="75000"/>
+                  </a:schemeClr>
+                </a:solidFill>
+                <a:latin typeface="+mj-lt"/>
+                <a:ea typeface="+mn-ea"/>
+                <a:cs typeface="+mn-cs"/>
+              </a:defRPr>
+            </a:lvl7pPr>
+            <a:lvl8pPr marL="3200400" indent="0" algn="ctr" defTabSz="914400" rtl="0" eaLnBrk="1" latinLnBrk="0" hangingPunct="1">
+              <a:spcBef>
+                <a:spcPct val="20000"/>
+              </a:spcBef>
+              <a:buFont typeface="Courier New" pitchFamily="49" charset="0"/>
+              <a:buNone/>
+              <a:defRPr sz="1600" kern="1200">
+                <a:solidFill>
+                  <a:schemeClr val="tx1">
+                    <a:tint val="75000"/>
+                  </a:schemeClr>
+                </a:solidFill>
+                <a:latin typeface="+mj-lt"/>
+                <a:ea typeface="+mn-ea"/>
+                <a:cs typeface="+mn-cs"/>
+              </a:defRPr>
+            </a:lvl8pPr>
+            <a:lvl9pPr marL="3657600" indent="0" algn="ctr" defTabSz="914400" rtl="0" eaLnBrk="1" latinLnBrk="0" hangingPunct="1">
+              <a:spcBef>
+                <a:spcPct val="20000"/>
+              </a:spcBef>
+              <a:buFont typeface="Arial" pitchFamily="34" charset="0"/>
+              <a:buNone/>
+              <a:defRPr sz="1600" kern="1200">
+                <a:solidFill>
+                  <a:schemeClr val="tx1">
+                    <a:tint val="75000"/>
+                  </a:schemeClr>
+                </a:solidFill>
+                <a:latin typeface="+mj-lt"/>
+                <a:ea typeface="+mn-ea"/>
+                <a:cs typeface="+mn-cs"/>
+              </a:defRPr>
+            </a:lvl9pPr>
+          </a:lstStyle>
+          <a:p>
+            <a:r>
+              <a:rPr lang="en-US" dirty="0" smtClean="0"/>
+              <a:t>Some intro and karma productivity</a:t>
+            </a:r>
+            <a:endParaRPr lang="en-US" dirty="0"/>
+          </a:p>
+        </p:txBody>
+      </p:sp>
+    </p:spTree>
+    <p:extLst>
+      <p:ext uri="{BB962C8B-B14F-4D97-AF65-F5344CB8AC3E}">
+        <p14:creationId xmlns:p14="http://schemas.microsoft.com/office/powerpoint/2010/main" val="4066547018"/>
+      </p:ext>
+    </p:extLst>
+  </p:cSld>
+  <p:clrMapOvr>
+    <a:masterClrMapping/>
+  </p:clrMapOvr>
+</p:sld>
+</file>
+
+<file path=ppt/slides/slide17.xml><?xml version="1.0" encoding="utf-8"?>
+<p:sld xmlns:a="http://schemas.openxmlformats.org/drawingml/2006/main" xmlns:r="http://schemas.openxmlformats.org/officeDocument/2006/relationships" xmlns:p="http://schemas.openxmlformats.org/presentationml/2006/main">
+  <p:cSld>
+    <p:spTree>
+      <p:nvGrpSpPr>
+        <p:cNvPr id="1" name=""/>
+        <p:cNvGrpSpPr/>
+        <p:nvPr/>
+      </p:nvGrpSpPr>
+      <p:grpSpPr>
+        <a:xfrm>
+          <a:off x="0" y="0"/>
+          <a:ext cx="0" cy="0"/>
+          <a:chOff x="0" y="0"/>
+          <a:chExt cx="0" cy="0"/>
+        </a:xfrm>
+      </p:grpSpPr>
+      <p:sp>
+        <p:nvSpPr>
+          <p:cNvPr id="2" name="Title 1"/>
+          <p:cNvSpPr>
+            <a:spLocks noGrp="1"/>
+          </p:cNvSpPr>
+          <p:nvPr>
+            <p:ph type="ctrTitle"/>
+          </p:nvPr>
+        </p:nvSpPr>
+        <p:spPr>
+          <a:xfrm>
+            <a:off x="685800" y="228600"/>
+            <a:ext cx="8458200" cy="685800"/>
+          </a:xfrm>
+        </p:spPr>
+        <p:txBody>
+          <a:bodyPr/>
+          <a:lstStyle/>
+          <a:p>
+            <a:pPr algn="l"/>
+            <a:r>
+              <a:rPr lang="en-US" sz="4000" dirty="0" smtClean="0"/>
+              <a:t>Karma Configuration</a:t>
+            </a:r>
+            <a:endParaRPr lang="en-US" sz="4000" dirty="0"/>
+          </a:p>
+        </p:txBody>
+      </p:sp>
+      <p:sp>
+        <p:nvSpPr>
+          <p:cNvPr id="4" name="Date Placeholder 3"/>
+          <p:cNvSpPr>
+            <a:spLocks noGrp="1"/>
+          </p:cNvSpPr>
+          <p:nvPr>
+            <p:ph type="dt" sz="half" idx="10"/>
+          </p:nvPr>
+        </p:nvSpPr>
+        <p:spPr/>
+        <p:txBody>
+          <a:bodyPr/>
+          <a:lstStyle/>
+          <a:p>
+            <a:fld id="{216C5678-EE20-4FA5-88E2-6E0BD67A2E26}" type="datetime1">
+              <a:rPr lang="en-US" smtClean="0"/>
+              <a:t>11/8/2015</a:t>
+            </a:fld>
+            <a:endParaRPr lang="en-US" dirty="0"/>
+          </a:p>
+        </p:txBody>
+      </p:sp>
+      <p:sp>
+        <p:nvSpPr>
+          <p:cNvPr id="5" name="Slide Number Placeholder 4"/>
+          <p:cNvSpPr>
+            <a:spLocks noGrp="1"/>
+          </p:cNvSpPr>
+          <p:nvPr>
+            <p:ph type="sldNum" sz="quarter" idx="11"/>
+          </p:nvPr>
+        </p:nvSpPr>
+        <p:spPr/>
+        <p:txBody>
+          <a:bodyPr/>
+          <a:lstStyle/>
+          <a:p>
+            <a:fld id="{BA9B540C-44DA-4F69-89C9-7C84606640D3}" type="slidenum">
+              <a:rPr lang="en-US" smtClean="0"/>
+              <a:pPr/>
+              <a:t>17</a:t>
+            </a:fld>
+            <a:endParaRPr lang="en-US" dirty="0"/>
+          </a:p>
+        </p:txBody>
+      </p:sp>
+      <p:sp>
+        <p:nvSpPr>
+          <p:cNvPr id="6" name="Footer Placeholder 5"/>
+          <p:cNvSpPr>
+            <a:spLocks noGrp="1"/>
+          </p:cNvSpPr>
+          <p:nvPr>
+            <p:ph type="ftr" sz="quarter" idx="12"/>
+          </p:nvPr>
+        </p:nvSpPr>
+        <p:spPr/>
+        <p:txBody>
+          <a:bodyPr/>
+          <a:lstStyle/>
+          <a:p>
+            <a:r>
+              <a:rPr lang="en-US" smtClean="0"/>
+              <a:t>Footer Text</a:t>
+            </a:r>
+            <a:endParaRPr lang="en-US" dirty="0"/>
+          </a:p>
+        </p:txBody>
+      </p:sp>
+      <p:sp>
+        <p:nvSpPr>
+          <p:cNvPr id="7" name="Subtitle 2"/>
+          <p:cNvSpPr txBox="1">
+            <a:spLocks/>
+          </p:cNvSpPr>
+          <p:nvPr/>
+        </p:nvSpPr>
+        <p:spPr>
+          <a:xfrm>
+            <a:off x="1219200" y="1600200"/>
+            <a:ext cx="6400800" cy="1219200"/>
+          </a:xfrm>
+          <a:prstGeom prst="rect">
+            <a:avLst/>
+          </a:prstGeom>
+        </p:spPr>
+        <p:txBody>
+          <a:bodyPr vert="horz" lIns="91440" tIns="45720" rIns="91440" bIns="45720" rtlCol="0">
+            <a:normAutofit/>
+          </a:bodyPr>
+          <a:lstStyle>
+            <a:lvl1pPr marL="0" indent="0" algn="ctr" defTabSz="914400" rtl="0" eaLnBrk="1" latinLnBrk="0" hangingPunct="1">
+              <a:spcBef>
+                <a:spcPct val="20000"/>
+              </a:spcBef>
+              <a:buFont typeface="Arial" pitchFamily="34" charset="0"/>
+              <a:buNone/>
+              <a:defRPr sz="2400" kern="1200">
+                <a:solidFill>
+                  <a:schemeClr val="tx1">
+                    <a:tint val="75000"/>
+                  </a:schemeClr>
+                </a:solidFill>
+                <a:latin typeface="+mj-lt"/>
+                <a:ea typeface="+mn-ea"/>
+                <a:cs typeface="+mn-cs"/>
+              </a:defRPr>
+            </a:lvl1pPr>
+            <a:lvl2pPr marL="457200" indent="0" algn="ctr" defTabSz="914400" rtl="0" eaLnBrk="1" latinLnBrk="0" hangingPunct="1">
+              <a:spcBef>
+                <a:spcPct val="20000"/>
+              </a:spcBef>
+              <a:buFont typeface="Courier New" pitchFamily="49" charset="0"/>
+              <a:buNone/>
+              <a:defRPr sz="1600" kern="1200">
+                <a:solidFill>
+                  <a:schemeClr val="tx1">
+                    <a:tint val="75000"/>
+                  </a:schemeClr>
+                </a:solidFill>
+                <a:latin typeface="+mj-lt"/>
+                <a:ea typeface="+mn-ea"/>
+                <a:cs typeface="+mn-cs"/>
+              </a:defRPr>
+            </a:lvl2pPr>
+            <a:lvl3pPr marL="914400" indent="0" algn="ctr" defTabSz="914400" rtl="0" eaLnBrk="1" latinLnBrk="0" hangingPunct="1">
+              <a:spcBef>
+                <a:spcPct val="20000"/>
+              </a:spcBef>
+              <a:buFont typeface="Arial" pitchFamily="34" charset="0"/>
+              <a:buNone/>
+              <a:defRPr sz="1600" kern="1200">
+                <a:solidFill>
+                  <a:schemeClr val="tx1">
+                    <a:tint val="75000"/>
+                  </a:schemeClr>
+                </a:solidFill>
+                <a:latin typeface="+mj-lt"/>
+                <a:ea typeface="+mn-ea"/>
+                <a:cs typeface="+mn-cs"/>
+              </a:defRPr>
+            </a:lvl3pPr>
+            <a:lvl4pPr marL="1371600" indent="0" algn="ctr" defTabSz="914400" rtl="0" eaLnBrk="1" latinLnBrk="0" hangingPunct="1">
+              <a:spcBef>
+                <a:spcPct val="20000"/>
+              </a:spcBef>
+              <a:buFont typeface="Courier New" pitchFamily="49" charset="0"/>
+              <a:buNone/>
+              <a:defRPr sz="1600" kern="1200">
+                <a:solidFill>
+                  <a:schemeClr val="tx1">
+                    <a:tint val="75000"/>
+                  </a:schemeClr>
+                </a:solidFill>
+                <a:latin typeface="+mj-lt"/>
+                <a:ea typeface="+mn-ea"/>
+                <a:cs typeface="+mn-cs"/>
+              </a:defRPr>
+            </a:lvl4pPr>
+            <a:lvl5pPr marL="1828800" indent="0" algn="ctr" defTabSz="914400" rtl="0" eaLnBrk="1" latinLnBrk="0" hangingPunct="1">
+              <a:spcBef>
+                <a:spcPct val="20000"/>
+              </a:spcBef>
+              <a:buFont typeface="Arial" pitchFamily="34" charset="0"/>
+              <a:buNone/>
+              <a:defRPr sz="1600" kern="1200">
+                <a:solidFill>
+                  <a:schemeClr val="tx1">
+                    <a:tint val="75000"/>
+                  </a:schemeClr>
+                </a:solidFill>
+                <a:latin typeface="+mj-lt"/>
+                <a:ea typeface="+mn-ea"/>
+                <a:cs typeface="+mn-cs"/>
+              </a:defRPr>
+            </a:lvl5pPr>
+            <a:lvl6pPr marL="2286000" indent="0" algn="ctr" defTabSz="914400" rtl="0" eaLnBrk="1" latinLnBrk="0" hangingPunct="1">
+              <a:spcBef>
+                <a:spcPct val="20000"/>
+              </a:spcBef>
+              <a:buFont typeface="Courier New" pitchFamily="49" charset="0"/>
+              <a:buNone/>
+              <a:defRPr sz="1600" kern="1200">
+                <a:solidFill>
+                  <a:schemeClr val="tx1">
+                    <a:tint val="75000"/>
+                  </a:schemeClr>
+                </a:solidFill>
+                <a:latin typeface="+mj-lt"/>
+                <a:ea typeface="+mn-ea"/>
+                <a:cs typeface="+mn-cs"/>
+              </a:defRPr>
+            </a:lvl6pPr>
+            <a:lvl7pPr marL="2743200" indent="0" algn="ctr" defTabSz="914400" rtl="0" eaLnBrk="1" latinLnBrk="0" hangingPunct="1">
+              <a:spcBef>
+                <a:spcPct val="20000"/>
+              </a:spcBef>
+              <a:buFont typeface="Arial" pitchFamily="34" charset="0"/>
+              <a:buNone/>
+              <a:defRPr sz="1600" kern="1200">
+                <a:solidFill>
+                  <a:schemeClr val="tx1">
+                    <a:tint val="75000"/>
+                  </a:schemeClr>
+                </a:solidFill>
+                <a:latin typeface="+mj-lt"/>
+                <a:ea typeface="+mn-ea"/>
+                <a:cs typeface="+mn-cs"/>
+              </a:defRPr>
+            </a:lvl7pPr>
+            <a:lvl8pPr marL="3200400" indent="0" algn="ctr" defTabSz="914400" rtl="0" eaLnBrk="1" latinLnBrk="0" hangingPunct="1">
+              <a:spcBef>
+                <a:spcPct val="20000"/>
+              </a:spcBef>
+              <a:buFont typeface="Courier New" pitchFamily="49" charset="0"/>
+              <a:buNone/>
+              <a:defRPr sz="1600" kern="1200">
+                <a:solidFill>
+                  <a:schemeClr val="tx1">
+                    <a:tint val="75000"/>
+                  </a:schemeClr>
+                </a:solidFill>
+                <a:latin typeface="+mj-lt"/>
+                <a:ea typeface="+mn-ea"/>
+                <a:cs typeface="+mn-cs"/>
+              </a:defRPr>
+            </a:lvl8pPr>
+            <a:lvl9pPr marL="3657600" indent="0" algn="ctr" defTabSz="914400" rtl="0" eaLnBrk="1" latinLnBrk="0" hangingPunct="1">
+              <a:spcBef>
+                <a:spcPct val="20000"/>
+              </a:spcBef>
+              <a:buFont typeface="Arial" pitchFamily="34" charset="0"/>
+              <a:buNone/>
+              <a:defRPr sz="1600" kern="1200">
+                <a:solidFill>
+                  <a:schemeClr val="tx1">
+                    <a:tint val="75000"/>
+                  </a:schemeClr>
+                </a:solidFill>
+                <a:latin typeface="+mj-lt"/>
+                <a:ea typeface="+mn-ea"/>
+                <a:cs typeface="+mn-cs"/>
+              </a:defRPr>
+            </a:lvl9pPr>
+          </a:lstStyle>
+          <a:p>
+            <a:r>
+              <a:rPr lang="en-US" dirty="0" smtClean="0"/>
+              <a:t>Installation and karma </a:t>
+            </a:r>
+            <a:r>
+              <a:rPr lang="en-US" dirty="0" err="1" smtClean="0"/>
+              <a:t>init</a:t>
+            </a:r>
+            <a:r>
+              <a:rPr lang="en-US" dirty="0" smtClean="0"/>
+              <a:t> to product karma.conf.js</a:t>
+            </a:r>
+            <a:endParaRPr lang="en-US" dirty="0"/>
+          </a:p>
+        </p:txBody>
+      </p:sp>
+    </p:spTree>
+    <p:extLst>
+      <p:ext uri="{BB962C8B-B14F-4D97-AF65-F5344CB8AC3E}">
+        <p14:creationId xmlns:p14="http://schemas.microsoft.com/office/powerpoint/2010/main" val="2842711621"/>
+      </p:ext>
+    </p:extLst>
+  </p:cSld>
+  <p:clrMapOvr>
+    <a:masterClrMapping/>
+  </p:clrMapOvr>
+</p:sld>
+</file>
+
+<file path=ppt/slides/slide18.xml><?xml version="1.0" encoding="utf-8"?>
+<p:sld xmlns:a="http://schemas.openxmlformats.org/drawingml/2006/main" xmlns:r="http://schemas.openxmlformats.org/officeDocument/2006/relationships" xmlns:p="http://schemas.openxmlformats.org/presentationml/2006/main">
+  <p:cSld>
+    <p:spTree>
+      <p:nvGrpSpPr>
+        <p:cNvPr id="1" name=""/>
+        <p:cNvGrpSpPr/>
+        <p:nvPr/>
+      </p:nvGrpSpPr>
+      <p:grpSpPr>
+        <a:xfrm>
+          <a:off x="0" y="0"/>
+          <a:ext cx="0" cy="0"/>
+          <a:chOff x="0" y="0"/>
+          <a:chExt cx="0" cy="0"/>
+        </a:xfrm>
+      </p:grpSpPr>
+      <p:sp>
+        <p:nvSpPr>
+          <p:cNvPr id="2" name="Title 1"/>
+          <p:cNvSpPr>
+            <a:spLocks noGrp="1"/>
+          </p:cNvSpPr>
+          <p:nvPr>
+            <p:ph type="ctrTitle"/>
+          </p:nvPr>
+        </p:nvSpPr>
+        <p:spPr>
+          <a:xfrm>
+            <a:off x="685800" y="228600"/>
+            <a:ext cx="8458200" cy="685800"/>
+          </a:xfrm>
+        </p:spPr>
+        <p:txBody>
+          <a:bodyPr/>
+          <a:lstStyle/>
+          <a:p>
+            <a:pPr algn="l"/>
+            <a:r>
               <a:rPr lang="en-US" sz="4000" dirty="0" smtClean="0"/>
               <a:t>Karma Execution</a:t>
             </a:r>
@@ -4423,7 +6111,7 @@
           <a:p>
             <a:fld id="{216C5678-EE20-4FA5-88E2-6E0BD67A2E26}" type="datetime1">
               <a:rPr lang="en-US" smtClean="0"/>
-              <a:t>11/7/2015</a:t>
+              <a:t>11/8/2015</a:t>
             </a:fld>
             <a:endParaRPr lang="en-US" dirty="0"/>
           </a:p>
@@ -4447,7 +6135,7 @@
             <a:fld id="{BA9B540C-44DA-4F69-89C9-7C84606640D3}" type="slidenum">
               <a:rPr lang="en-US" smtClean="0"/>
               <a:pPr/>
-              <a:t>13</a:t>
+              <a:t>18</a:t>
             </a:fld>
             <a:endParaRPr lang="en-US" dirty="0"/>
           </a:p>
@@ -4865,7 +6553,7 @@
           <a:p>
             <a:fld id="{216C5678-EE20-4FA5-88E2-6E0BD67A2E26}" type="datetime1">
               <a:rPr lang="en-US" smtClean="0"/>
-              <a:t>11/7/2015</a:t>
+              <a:t>11/8/2015</a:t>
             </a:fld>
             <a:endParaRPr lang="en-US" dirty="0"/>
           </a:p>
@@ -4994,7 +6682,7 @@
           <a:p>
             <a:fld id="{216C5678-EE20-4FA5-88E2-6E0BD67A2E26}" type="datetime1">
               <a:rPr lang="en-US" smtClean="0"/>
-              <a:t>11/7/2015</a:t>
+              <a:t>11/8/2015</a:t>
             </a:fld>
             <a:endParaRPr lang="en-US" dirty="0"/>
           </a:p>
@@ -5044,6 +6732,105 @@
               <a:t>Footer Text</a:t>
             </a:r>
             <a:endParaRPr lang="en-US" dirty="0"/>
+          </a:p>
+        </p:txBody>
+      </p:sp>
+      <p:sp>
+        <p:nvSpPr>
+          <p:cNvPr id="7" name="Subtitle 2"/>
+          <p:cNvSpPr>
+            <a:spLocks noGrp="1"/>
+          </p:cNvSpPr>
+          <p:nvPr>
+            <p:ph type="subTitle" idx="1"/>
+          </p:nvPr>
+        </p:nvSpPr>
+        <p:spPr>
+          <a:xfrm>
+            <a:off x="381000" y="1219200"/>
+            <a:ext cx="8153400" cy="4343400"/>
+          </a:xfrm>
+        </p:spPr>
+        <p:txBody>
+          <a:bodyPr>
+            <a:noAutofit/>
+          </a:bodyPr>
+          <a:lstStyle/>
+          <a:p>
+            <a:pPr marL="342900" indent="-342900" algn="l">
+              <a:buFont typeface="Arial" panose="020B0604020202020204" pitchFamily="34" charset="0"/>
+              <a:buChar char="•"/>
+            </a:pPr>
+            <a:r>
+              <a:rPr lang="en-US" dirty="0" smtClean="0"/>
+              <a:t>Unit testing framework for </a:t>
+            </a:r>
+            <a:r>
+              <a:rPr lang="en-US" dirty="0" err="1" smtClean="0"/>
+              <a:t>Javascript</a:t>
+            </a:r>
+            <a:r>
+              <a:rPr lang="en-US" dirty="0" smtClean="0"/>
+              <a:t>.  Jasmine is to </a:t>
+            </a:r>
+            <a:r>
+              <a:rPr lang="en-US" dirty="0" err="1" smtClean="0"/>
+              <a:t>Javascript</a:t>
+            </a:r>
+            <a:r>
+              <a:rPr lang="en-US" dirty="0" smtClean="0"/>
+              <a:t> as Junit is to Java.</a:t>
+            </a:r>
+          </a:p>
+          <a:p>
+            <a:pPr marL="342900" indent="-342900" algn="l">
+              <a:buFont typeface="Arial" panose="020B0604020202020204" pitchFamily="34" charset="0"/>
+              <a:buChar char="•"/>
+            </a:pPr>
+            <a:r>
+              <a:rPr lang="en-US" dirty="0"/>
+              <a:t>Use for white-box testing</a:t>
+            </a:r>
+            <a:r>
+              <a:rPr lang="en-US" dirty="0" smtClean="0"/>
+              <a:t>.</a:t>
+            </a:r>
+            <a:endParaRPr lang="en-US" dirty="0" smtClean="0"/>
+          </a:p>
+          <a:p>
+            <a:pPr marL="342900" indent="-342900" algn="l">
+              <a:buFont typeface="Arial" panose="020B0604020202020204" pitchFamily="34" charset="0"/>
+              <a:buChar char="•"/>
+            </a:pPr>
+            <a:r>
+              <a:rPr lang="en-US" dirty="0" smtClean="0"/>
+              <a:t>Uses Behavior Driven Development (BDD) to allows testers/developers to write tests using natural language.</a:t>
+            </a:r>
+          </a:p>
+          <a:p>
+            <a:pPr marL="342900" indent="-342900" algn="l">
+              <a:buFont typeface="Arial" panose="020B0604020202020204" pitchFamily="34" charset="0"/>
+              <a:buChar char="•"/>
+            </a:pPr>
+            <a:r>
+              <a:rPr lang="en-US" dirty="0" smtClean="0"/>
+              <a:t>“Testing framework of choice” for Angular apps.</a:t>
+            </a:r>
+          </a:p>
+          <a:p>
+            <a:pPr marL="342900" indent="-342900" algn="l">
+              <a:buFont typeface="Arial" panose="020B0604020202020204" pitchFamily="34" charset="0"/>
+              <a:buChar char="•"/>
+            </a:pPr>
+            <a:r>
+              <a:rPr lang="en-US" dirty="0"/>
+              <a:t>Opened </a:t>
+            </a:r>
+            <a:r>
+              <a:rPr lang="en-US" dirty="0" smtClean="0"/>
+              <a:t>source with MIT license.</a:t>
+            </a:r>
+            <a:endParaRPr lang="en-US" dirty="0" smtClean="0"/>
           </a:p>
         </p:txBody>
       </p:sp>
@@ -5100,7 +6887,11 @@
             <a:pPr algn="l"/>
             <a:r>
               <a:rPr lang="en-US" sz="4000" dirty="0" smtClean="0"/>
-              <a:t>JS Module Under Test</a:t>
+              <a:t>Downloading Jasmine</a:t>
+            </a:r>
+            <a:r>
+              <a:rPr lang="en-US" sz="4000" dirty="0" smtClean="0"/>
+              <a:t>?</a:t>
             </a:r>
             <a:endParaRPr lang="en-US" sz="4000" dirty="0"/>
           </a:p>
@@ -5123,7 +6914,7 @@
           <a:p>
             <a:fld id="{216C5678-EE20-4FA5-88E2-6E0BD67A2E26}" type="datetime1">
               <a:rPr lang="en-US" smtClean="0"/>
-              <a:t>11/7/2015</a:t>
+              <a:t>11/8/2015</a:t>
             </a:fld>
             <a:endParaRPr lang="en-US" dirty="0"/>
           </a:p>
@@ -5188,34 +6979,90 @@
         </p:nvSpPr>
         <p:spPr>
           <a:xfrm>
-            <a:off x="1219200" y="1600200"/>
-            <a:ext cx="6400800" cy="1219200"/>
+            <a:off x="381000" y="1219200"/>
+            <a:ext cx="8153400" cy="1066800"/>
           </a:xfrm>
         </p:spPr>
         <p:txBody>
-          <a:bodyPr/>
-          <a:lstStyle/>
-          <a:p>
+          <a:bodyPr>
+            <a:noAutofit/>
+          </a:bodyPr>
+          <a:lstStyle/>
+          <a:p>
+            <a:pPr marL="342900" indent="-342900" algn="l">
+              <a:buFont typeface="Arial" panose="020B0604020202020204" pitchFamily="34" charset="0"/>
+              <a:buChar char="•"/>
+            </a:pPr>
             <a:r>
               <a:rPr lang="en-US" dirty="0" smtClean="0"/>
-              <a:t>Display </a:t>
-            </a:r>
-            <a:r>
-              <a:rPr lang="en-US" dirty="0" err="1" smtClean="0"/>
-              <a:t>calc</a:t>
-            </a:r>
-            <a:r>
-              <a:rPr lang="en-US" dirty="0" smtClean="0"/>
-              <a:t> module</a:t>
-            </a:r>
-            <a:endParaRPr lang="en-US" dirty="0"/>
-          </a:p>
-        </p:txBody>
-      </p:sp>
+              <a:t>Opened </a:t>
+            </a:r>
+            <a:r>
+              <a:rPr lang="en-US" dirty="0"/>
+              <a:t>source http://jasmine.github.io/2.3/introduction.html</a:t>
+            </a:r>
+            <a:endParaRPr lang="en-US" dirty="0" smtClean="0"/>
+          </a:p>
+        </p:txBody>
+      </p:sp>
+      <p:pic>
+        <p:nvPicPr>
+          <p:cNvPr id="1026" name="Picture 2"/>
+          <p:cNvPicPr>
+            <a:picLocks noChangeAspect="1" noChangeArrowheads="1"/>
+          </p:cNvPicPr>
+          <p:nvPr/>
+        </p:nvPicPr>
+        <p:blipFill>
+          <a:blip r:embed="rId2">
+            <a:extLst>
+              <a:ext uri="{28A0092B-C50C-407E-A947-70E740481C1C}">
+                <a14:useLocalDpi xmlns:a14="http://schemas.microsoft.com/office/drawing/2010/main" val="0"/>
+              </a:ext>
+            </a:extLst>
+          </a:blip>
+          <a:srcRect/>
+          <a:stretch>
+            <a:fillRect/>
+          </a:stretch>
+        </p:blipFill>
+        <p:spPr bwMode="auto">
+          <a:xfrm>
+            <a:off x="1066800" y="2209800"/>
+            <a:ext cx="2652713" cy="3352800"/>
+          </a:xfrm>
+          <a:prstGeom prst="rect">
+            <a:avLst/>
+          </a:prstGeom>
+          <a:noFill/>
+          <a:ln>
+            <a:noFill/>
+          </a:ln>
+          <a:extLst>
+            <a:ext uri="{909E8E84-426E-40DD-AFC4-6F175D3DCCD1}">
+              <a14:hiddenFill xmlns:a14="http://schemas.microsoft.com/office/drawing/2010/main">
+                <a:solidFill>
+                  <a:schemeClr val="accent1"/>
+                </a:solidFill>
+              </a14:hiddenFill>
+            </a:ext>
+            <a:ext uri="{91240B29-F687-4F45-9708-019B960494DF}">
+              <a14:hiddenLine xmlns:a14="http://schemas.microsoft.com/office/drawing/2010/main" w="9525">
+                <a:solidFill>
+                  <a:schemeClr val="tx1"/>
+                </a:solidFill>
+                <a:miter lim="800000"/>
+                <a:headEnd/>
+                <a:tailEnd/>
+              </a14:hiddenLine>
+            </a:ext>
+          </a:extLst>
+        </p:spPr>
+      </p:pic>
     </p:spTree>
     <p:extLst>
       <p:ext uri="{BB962C8B-B14F-4D97-AF65-F5344CB8AC3E}">
-        <p14:creationId xmlns:p14="http://schemas.microsoft.com/office/powerpoint/2010/main" val="2935351792"/>
+        <p14:creationId xmlns:p14="http://schemas.microsoft.com/office/powerpoint/2010/main" val="2118367886"/>
       </p:ext>
     </p:extLst>
   </p:cSld>
@@ -5254,7 +7101,7 @@
         </p:nvSpPr>
         <p:spPr>
           <a:xfrm>
-            <a:off x="685800" y="228600"/>
+            <a:off x="381000" y="228600"/>
             <a:ext cx="7772400" cy="685800"/>
           </a:xfrm>
         </p:spPr>
@@ -5265,15 +7112,7 @@
             <a:pPr algn="l"/>
             <a:r>
               <a:rPr lang="en-US" sz="4000" dirty="0" smtClean="0"/>
-              <a:t>JS Module Under Test (</a:t>
-            </a:r>
-            <a:r>
-              <a:rPr lang="en-US" sz="4000" dirty="0" err="1" smtClean="0"/>
-              <a:t>cont</a:t>
-            </a:r>
-            <a:r>
-              <a:rPr lang="en-US" sz="4000" dirty="0" smtClean="0"/>
-              <a:t>)</a:t>
+              <a:t>Jasmine Syntax</a:t>
             </a:r>
             <a:endParaRPr lang="en-US" sz="4000" dirty="0"/>
           </a:p>
@@ -5296,7 +7135,7 @@
           <a:p>
             <a:fld id="{216C5678-EE20-4FA5-88E2-6E0BD67A2E26}" type="datetime1">
               <a:rPr lang="en-US" smtClean="0"/>
-              <a:t>11/7/2015</a:t>
+              <a:t>11/8/2015</a:t>
             </a:fld>
             <a:endParaRPr lang="en-US" dirty="0"/>
           </a:p>
@@ -5361,30 +7200,166 @@
         </p:nvSpPr>
         <p:spPr>
           <a:xfrm>
-            <a:off x="1219200" y="1600200"/>
-            <a:ext cx="6400800" cy="1219200"/>
+            <a:off x="381000" y="1219200"/>
+            <a:ext cx="8153400" cy="4800600"/>
           </a:xfrm>
         </p:spPr>
         <p:txBody>
-          <a:bodyPr/>
-          <a:lstStyle/>
-          <a:p>
+          <a:bodyPr>
+            <a:noAutofit/>
+          </a:bodyPr>
+          <a:lstStyle/>
+          <a:p>
+            <a:pPr algn="l"/>
+            <a:r>
+              <a:rPr lang="en-US" dirty="0"/>
+              <a:t>d</a:t>
+            </a:r>
+            <a:r>
+              <a:rPr lang="en-US" dirty="0" smtClean="0"/>
+              <a:t>escribe( &lt;JS module&gt; )</a:t>
+            </a:r>
+          </a:p>
+          <a:p>
+            <a:pPr algn="l"/>
+            <a:r>
+              <a:rPr lang="en-US" dirty="0"/>
+              <a:t> </a:t>
+            </a:r>
+            <a:r>
+              <a:rPr lang="en-US" dirty="0" smtClean="0"/>
+              <a:t>    </a:t>
+            </a:r>
             <a:r>
               <a:rPr lang="en-US" dirty="0" err="1" smtClean="0"/>
-              <a:t>calc</a:t>
+              <a:t>beforeEach</a:t>
+            </a:r>
+            <a:r>
+              <a:rPr lang="en-US" dirty="0"/>
+              <a:t>() {   }</a:t>
+            </a:r>
+          </a:p>
+          <a:p>
+            <a:pPr algn="l"/>
+            <a:r>
+              <a:rPr lang="en-US" dirty="0"/>
+              <a:t>     </a:t>
+            </a:r>
+            <a:r>
+              <a:rPr lang="en-US" dirty="0" err="1" smtClean="0"/>
+              <a:t>afterEach</a:t>
+            </a:r>
+            <a:r>
+              <a:rPr lang="en-US" dirty="0"/>
+              <a:t>()    {   </a:t>
             </a:r>
             <a:r>
               <a:rPr lang="en-US" dirty="0" smtClean="0"/>
-              <a:t> tests</a:t>
-            </a:r>
-            <a:endParaRPr lang="en-US" dirty="0"/>
+              <a:t>}</a:t>
+            </a:r>
+          </a:p>
+          <a:p>
+            <a:pPr algn="l"/>
+            <a:endParaRPr lang="en-US" dirty="0" smtClean="0"/>
+          </a:p>
+          <a:p>
+            <a:pPr algn="l"/>
+            <a:r>
+              <a:rPr lang="en-US" dirty="0"/>
+              <a:t> </a:t>
+            </a:r>
+            <a:r>
+              <a:rPr lang="en-US" dirty="0" smtClean="0"/>
+              <a:t>    describe ( &lt;JS function &gt; )</a:t>
+            </a:r>
+          </a:p>
+          <a:p>
+            <a:pPr algn="l"/>
+            <a:r>
+              <a:rPr lang="en-US" dirty="0"/>
+              <a:t> </a:t>
+            </a:r>
+            <a:r>
+              <a:rPr lang="en-US" dirty="0" smtClean="0"/>
+              <a:t>        </a:t>
+            </a:r>
+            <a:r>
+              <a:rPr lang="en-US" dirty="0" err="1" smtClean="0"/>
+              <a:t>beforeEach</a:t>
+            </a:r>
+            <a:r>
+              <a:rPr lang="en-US" dirty="0" smtClean="0"/>
+              <a:t>() {   }</a:t>
+            </a:r>
+          </a:p>
+          <a:p>
+            <a:pPr algn="l"/>
+            <a:r>
+              <a:rPr lang="en-US" dirty="0" smtClean="0"/>
+              <a:t>         </a:t>
+            </a:r>
+            <a:r>
+              <a:rPr lang="en-US" dirty="0" err="1" smtClean="0"/>
+              <a:t>afterEach</a:t>
+            </a:r>
+            <a:r>
+              <a:rPr lang="en-US" dirty="0"/>
+              <a:t>() </a:t>
+            </a:r>
+            <a:r>
+              <a:rPr lang="en-US" dirty="0" smtClean="0"/>
+              <a:t>   {   }</a:t>
+            </a:r>
+          </a:p>
+          <a:p>
+            <a:pPr algn="l"/>
+            <a:endParaRPr lang="en-US" dirty="0" smtClean="0"/>
+          </a:p>
+          <a:p>
+            <a:pPr algn="l"/>
+            <a:r>
+              <a:rPr lang="en-US" dirty="0"/>
+              <a:t> </a:t>
+            </a:r>
+            <a:r>
+              <a:rPr lang="en-US" dirty="0" smtClean="0"/>
+              <a:t>        it( “should do something         ) { </a:t>
+            </a:r>
+            <a:r>
+              <a:rPr lang="en-US" dirty="0" smtClean="0"/>
+              <a:t>// test logic </a:t>
+            </a:r>
+            <a:r>
+              <a:rPr lang="en-US" dirty="0" smtClean="0"/>
+              <a:t>}</a:t>
+            </a:r>
+          </a:p>
+          <a:p>
+            <a:pPr algn="l"/>
+            <a:r>
+              <a:rPr lang="en-US" dirty="0" smtClean="0"/>
+              <a:t>         </a:t>
+            </a:r>
+            <a:r>
+              <a:rPr lang="en-US" dirty="0"/>
+              <a:t>it( “should do </a:t>
+            </a:r>
+            <a:r>
+              <a:rPr lang="en-US" dirty="0" smtClean="0"/>
+              <a:t>something else </a:t>
+            </a:r>
+            <a:r>
+              <a:rPr lang="en-US" dirty="0"/>
+              <a:t>) { // test logic }</a:t>
+            </a:r>
+            <a:endParaRPr lang="en-US" dirty="0" smtClean="0"/>
           </a:p>
         </p:txBody>
       </p:sp>
     </p:spTree>
     <p:extLst>
       <p:ext uri="{BB962C8B-B14F-4D97-AF65-F5344CB8AC3E}">
-        <p14:creationId xmlns:p14="http://schemas.microsoft.com/office/powerpoint/2010/main" val="574487807"/>
+        <p14:creationId xmlns:p14="http://schemas.microsoft.com/office/powerpoint/2010/main" val="868323428"/>
       </p:ext>
     </p:extLst>
   </p:cSld>
@@ -5423,7 +7398,7 @@
         </p:nvSpPr>
         <p:spPr>
           <a:xfrm>
-            <a:off x="685800" y="228600"/>
+            <a:off x="381000" y="228600"/>
             <a:ext cx="7772400" cy="685800"/>
           </a:xfrm>
         </p:spPr>
@@ -5433,12 +7408,8 @@
           <a:p>
             <a:pPr algn="l"/>
             <a:r>
-              <a:rPr lang="en-US" sz="4000" dirty="0" err="1" smtClean="0"/>
-              <a:t>Async</a:t>
-            </a:r>
-            <a:r>
               <a:rPr lang="en-US" sz="4000" dirty="0" smtClean="0"/>
-              <a:t> Testing for timeout()</a:t>
+              <a:t>Jasmine “asserts”</a:t>
             </a:r>
             <a:endParaRPr lang="en-US" sz="4000" dirty="0"/>
           </a:p>
@@ -5461,7 +7432,7 @@
           <a:p>
             <a:fld id="{216C5678-EE20-4FA5-88E2-6E0BD67A2E26}" type="datetime1">
               <a:rPr lang="en-US" smtClean="0"/>
-              <a:t>11/7/2015</a:t>
+              <a:t>11/8/2015</a:t>
             </a:fld>
             <a:endParaRPr lang="en-US" dirty="0"/>
           </a:p>
@@ -5526,34 +7497,292 @@
         </p:nvSpPr>
         <p:spPr>
           <a:xfrm>
-            <a:off x="1219200" y="1600200"/>
-            <a:ext cx="6400800" cy="1219200"/>
+            <a:off x="381000" y="1219200"/>
+            <a:ext cx="8153400" cy="2209800"/>
           </a:xfrm>
         </p:spPr>
         <p:txBody>
-          <a:bodyPr/>
-          <a:lstStyle/>
-          <a:p>
+          <a:bodyPr>
+            <a:noAutofit/>
+          </a:bodyPr>
+          <a:lstStyle/>
+          <a:p>
+            <a:pPr algn="l"/>
             <a:r>
               <a:rPr lang="en-US" dirty="0" smtClean="0"/>
-              <a:t>Display </a:t>
+              <a:t> </a:t>
+            </a:r>
+            <a:endParaRPr lang="en-US" dirty="0" smtClean="0"/>
+          </a:p>
+        </p:txBody>
+      </p:sp>
+      <p:sp>
+        <p:nvSpPr>
+          <p:cNvPr id="8" name="Subtitle 2"/>
+          <p:cNvSpPr txBox="1">
+            <a:spLocks/>
+          </p:cNvSpPr>
+          <p:nvPr/>
+        </p:nvSpPr>
+        <p:spPr>
+          <a:xfrm>
+            <a:off x="533400" y="1371600"/>
+            <a:ext cx="8153400" cy="2209800"/>
+          </a:xfrm>
+          <a:prstGeom prst="rect">
+            <a:avLst/>
+          </a:prstGeom>
+        </p:spPr>
+        <p:txBody>
+          <a:bodyPr vert="horz" lIns="91440" tIns="45720" rIns="91440" bIns="45720" rtlCol="0">
+            <a:noAutofit/>
+          </a:bodyPr>
+          <a:lstStyle>
+            <a:lvl1pPr marL="0" indent="0" algn="ctr" defTabSz="914400" rtl="0" eaLnBrk="1" latinLnBrk="0" hangingPunct="1">
+              <a:spcBef>
+                <a:spcPct val="20000"/>
+              </a:spcBef>
+              <a:buFont typeface="Arial" pitchFamily="34" charset="0"/>
+              <a:buNone/>
+              <a:defRPr sz="2400" kern="1200">
+                <a:solidFill>
+                  <a:schemeClr val="tx1">
+                    <a:tint val="75000"/>
+                  </a:schemeClr>
+                </a:solidFill>
+                <a:latin typeface="+mj-lt"/>
+                <a:ea typeface="+mn-ea"/>
+                <a:cs typeface="+mn-cs"/>
+              </a:defRPr>
+            </a:lvl1pPr>
+            <a:lvl2pPr marL="457200" indent="0" algn="ctr" defTabSz="914400" rtl="0" eaLnBrk="1" latinLnBrk="0" hangingPunct="1">
+              <a:spcBef>
+                <a:spcPct val="20000"/>
+              </a:spcBef>
+              <a:buFont typeface="Courier New" pitchFamily="49" charset="0"/>
+              <a:buNone/>
+              <a:defRPr sz="1600" kern="1200">
+                <a:solidFill>
+                  <a:schemeClr val="tx1">
+                    <a:tint val="75000"/>
+                  </a:schemeClr>
+                </a:solidFill>
+                <a:latin typeface="+mj-lt"/>
+                <a:ea typeface="+mn-ea"/>
+                <a:cs typeface="+mn-cs"/>
+              </a:defRPr>
+            </a:lvl2pPr>
+            <a:lvl3pPr marL="914400" indent="0" algn="ctr" defTabSz="914400" rtl="0" eaLnBrk="1" latinLnBrk="0" hangingPunct="1">
+              <a:spcBef>
+                <a:spcPct val="20000"/>
+              </a:spcBef>
+              <a:buFont typeface="Arial" pitchFamily="34" charset="0"/>
+              <a:buNone/>
+              <a:defRPr sz="1600" kern="1200">
+                <a:solidFill>
+                  <a:schemeClr val="tx1">
+                    <a:tint val="75000"/>
+                  </a:schemeClr>
+                </a:solidFill>
+                <a:latin typeface="+mj-lt"/>
+                <a:ea typeface="+mn-ea"/>
+                <a:cs typeface="+mn-cs"/>
+              </a:defRPr>
+            </a:lvl3pPr>
+            <a:lvl4pPr marL="1371600" indent="0" algn="ctr" defTabSz="914400" rtl="0" eaLnBrk="1" latinLnBrk="0" hangingPunct="1">
+              <a:spcBef>
+                <a:spcPct val="20000"/>
+              </a:spcBef>
+              <a:buFont typeface="Courier New" pitchFamily="49" charset="0"/>
+              <a:buNone/>
+              <a:defRPr sz="1600" kern="1200">
+                <a:solidFill>
+                  <a:schemeClr val="tx1">
+                    <a:tint val="75000"/>
+                  </a:schemeClr>
+                </a:solidFill>
+                <a:latin typeface="+mj-lt"/>
+                <a:ea typeface="+mn-ea"/>
+                <a:cs typeface="+mn-cs"/>
+              </a:defRPr>
+            </a:lvl4pPr>
+            <a:lvl5pPr marL="1828800" indent="0" algn="ctr" defTabSz="914400" rtl="0" eaLnBrk="1" latinLnBrk="0" hangingPunct="1">
+              <a:spcBef>
+                <a:spcPct val="20000"/>
+              </a:spcBef>
+              <a:buFont typeface="Arial" pitchFamily="34" charset="0"/>
+              <a:buNone/>
+              <a:defRPr sz="1600" kern="1200">
+                <a:solidFill>
+                  <a:schemeClr val="tx1">
+                    <a:tint val="75000"/>
+                  </a:schemeClr>
+                </a:solidFill>
+                <a:latin typeface="+mj-lt"/>
+                <a:ea typeface="+mn-ea"/>
+                <a:cs typeface="+mn-cs"/>
+              </a:defRPr>
+            </a:lvl5pPr>
+            <a:lvl6pPr marL="2286000" indent="0" algn="ctr" defTabSz="914400" rtl="0" eaLnBrk="1" latinLnBrk="0" hangingPunct="1">
+              <a:spcBef>
+                <a:spcPct val="20000"/>
+              </a:spcBef>
+              <a:buFont typeface="Courier New" pitchFamily="49" charset="0"/>
+              <a:buNone/>
+              <a:defRPr sz="1600" kern="1200">
+                <a:solidFill>
+                  <a:schemeClr val="tx1">
+                    <a:tint val="75000"/>
+                  </a:schemeClr>
+                </a:solidFill>
+                <a:latin typeface="+mj-lt"/>
+                <a:ea typeface="+mn-ea"/>
+                <a:cs typeface="+mn-cs"/>
+              </a:defRPr>
+            </a:lvl6pPr>
+            <a:lvl7pPr marL="2743200" indent="0" algn="ctr" defTabSz="914400" rtl="0" eaLnBrk="1" latinLnBrk="0" hangingPunct="1">
+              <a:spcBef>
+                <a:spcPct val="20000"/>
+              </a:spcBef>
+              <a:buFont typeface="Arial" pitchFamily="34" charset="0"/>
+              <a:buNone/>
+              <a:defRPr sz="1600" kern="1200">
+                <a:solidFill>
+                  <a:schemeClr val="tx1">
+                    <a:tint val="75000"/>
+                  </a:schemeClr>
+                </a:solidFill>
+                <a:latin typeface="+mj-lt"/>
+                <a:ea typeface="+mn-ea"/>
+                <a:cs typeface="+mn-cs"/>
+              </a:defRPr>
+            </a:lvl7pPr>
+            <a:lvl8pPr marL="3200400" indent="0" algn="ctr" defTabSz="914400" rtl="0" eaLnBrk="1" latinLnBrk="0" hangingPunct="1">
+              <a:spcBef>
+                <a:spcPct val="20000"/>
+              </a:spcBef>
+              <a:buFont typeface="Courier New" pitchFamily="49" charset="0"/>
+              <a:buNone/>
+              <a:defRPr sz="1600" kern="1200">
+                <a:solidFill>
+                  <a:schemeClr val="tx1">
+                    <a:tint val="75000"/>
+                  </a:schemeClr>
+                </a:solidFill>
+                <a:latin typeface="+mj-lt"/>
+                <a:ea typeface="+mn-ea"/>
+                <a:cs typeface="+mn-cs"/>
+              </a:defRPr>
+            </a:lvl8pPr>
+            <a:lvl9pPr marL="3657600" indent="0" algn="ctr" defTabSz="914400" rtl="0" eaLnBrk="1" latinLnBrk="0" hangingPunct="1">
+              <a:spcBef>
+                <a:spcPct val="20000"/>
+              </a:spcBef>
+              <a:buFont typeface="Arial" pitchFamily="34" charset="0"/>
+              <a:buNone/>
+              <a:defRPr sz="1600" kern="1200">
+                <a:solidFill>
+                  <a:schemeClr val="tx1">
+                    <a:tint val="75000"/>
+                  </a:schemeClr>
+                </a:solidFill>
+                <a:latin typeface="+mj-lt"/>
+                <a:ea typeface="+mn-ea"/>
+                <a:cs typeface="+mn-cs"/>
+              </a:defRPr>
+            </a:lvl9pPr>
+          </a:lstStyle>
+          <a:p>
+            <a:pPr algn="l"/>
+            <a:r>
+              <a:rPr lang="en-US" dirty="0" smtClean="0"/>
+              <a:t>Uses “fluent language” syntax to describe test expectation.</a:t>
+            </a:r>
+          </a:p>
+          <a:p>
+            <a:pPr algn="l"/>
+            <a:endParaRPr lang="en-US" dirty="0"/>
+          </a:p>
+          <a:p>
+            <a:pPr algn="l"/>
+            <a:r>
+              <a:rPr lang="en-US" dirty="0" smtClean="0"/>
+              <a:t>expect( </a:t>
             </a:r>
             <a:r>
               <a:rPr lang="en-US" dirty="0" err="1" smtClean="0"/>
-              <a:t>asyncAdd</a:t>
+              <a:t>testResult</a:t>
             </a:r>
             <a:r>
               <a:rPr lang="en-US" dirty="0" smtClean="0"/>
-              <a:t> function and show failed test</a:t>
-            </a:r>
-            <a:endParaRPr lang="en-US" dirty="0"/>
+              <a:t> ).</a:t>
+            </a:r>
+            <a:r>
+              <a:rPr lang="en-US" dirty="0" err="1" smtClean="0"/>
+              <a:t>toBe</a:t>
+            </a:r>
+            <a:r>
+              <a:rPr lang="en-US" dirty="0" smtClean="0"/>
+              <a:t>( </a:t>
+            </a:r>
+            <a:r>
+              <a:rPr lang="en-US" dirty="0" err="1" smtClean="0"/>
+              <a:t>expectedResult</a:t>
+            </a:r>
+            <a:r>
+              <a:rPr lang="en-US" dirty="0" smtClean="0"/>
+              <a:t>)</a:t>
+            </a:r>
+          </a:p>
+          <a:p>
+            <a:pPr algn="l"/>
+            <a:r>
+              <a:rPr lang="en-US" dirty="0"/>
+              <a:t>expect( </a:t>
+            </a:r>
+            <a:r>
+              <a:rPr lang="en-US" dirty="0" err="1"/>
+              <a:t>testResult</a:t>
+            </a:r>
+            <a:r>
+              <a:rPr lang="en-US" dirty="0"/>
+              <a:t> </a:t>
+            </a:r>
+            <a:r>
+              <a:rPr lang="en-US" dirty="0" smtClean="0"/>
+              <a:t>).</a:t>
+            </a:r>
+            <a:r>
+              <a:rPr lang="en-US" dirty="0" err="1" smtClean="0"/>
+              <a:t>not.toBe</a:t>
+            </a:r>
+            <a:r>
+              <a:rPr lang="en-US" dirty="0"/>
+              <a:t>( </a:t>
+            </a:r>
+            <a:r>
+              <a:rPr lang="en-US" dirty="0" err="1"/>
+              <a:t>expectedResult</a:t>
+            </a:r>
+            <a:r>
+              <a:rPr lang="en-US" dirty="0"/>
+              <a:t>)</a:t>
+            </a:r>
+          </a:p>
+          <a:p>
+            <a:pPr algn="l"/>
+            <a:endParaRPr lang="en-US" dirty="0" smtClean="0"/>
+          </a:p>
+          <a:p>
+            <a:pPr algn="l"/>
+            <a:endParaRPr lang="en-US" dirty="0" smtClean="0"/>
           </a:p>
         </p:txBody>
       </p:sp>
     </p:spTree>
     <p:extLst>
       <p:ext uri="{BB962C8B-B14F-4D97-AF65-F5344CB8AC3E}">
-        <p14:creationId xmlns:p14="http://schemas.microsoft.com/office/powerpoint/2010/main" val="3581727714"/>
+        <p14:creationId xmlns:p14="http://schemas.microsoft.com/office/powerpoint/2010/main" val="4174390469"/>
       </p:ext>
     </p:extLst>
   </p:cSld>
@@ -5592,8 +7821,8 @@
         </p:nvSpPr>
         <p:spPr>
           <a:xfrm>
-            <a:off x="685800" y="228600"/>
-            <a:ext cx="8458200" cy="685800"/>
+            <a:off x="381000" y="228600"/>
+            <a:ext cx="7772400" cy="685800"/>
           </a:xfrm>
         </p:spPr>
         <p:txBody>
@@ -5602,20 +7831,8 @@
           <a:p>
             <a:pPr algn="l"/>
             <a:r>
-              <a:rPr lang="en-US" sz="4000" dirty="0" err="1" smtClean="0"/>
-              <a:t>Async</a:t>
-            </a:r>
-            <a:r>
               <a:rPr lang="en-US" sz="4000" dirty="0" smtClean="0"/>
-              <a:t> Testing for timeout() (</a:t>
-            </a:r>
-            <a:r>
-              <a:rPr lang="en-US" sz="4000" dirty="0" err="1" smtClean="0"/>
-              <a:t>cont</a:t>
-            </a:r>
-            <a:r>
-              <a:rPr lang="en-US" sz="4000" dirty="0" smtClean="0"/>
-              <a:t>)</a:t>
+              <a:t>Jasmine matchers</a:t>
             </a:r>
             <a:endParaRPr lang="en-US" sz="4000" dirty="0"/>
           </a:p>
@@ -5638,7 +7855,7 @@
           <a:p>
             <a:fld id="{216C5678-EE20-4FA5-88E2-6E0BD67A2E26}" type="datetime1">
               <a:rPr lang="en-US" smtClean="0"/>
-              <a:t>11/7/2015</a:t>
+              <a:t>11/8/2015</a:t>
             </a:fld>
             <a:endParaRPr lang="en-US" dirty="0"/>
           </a:p>
@@ -5703,26 +7920,751 @@
         </p:nvSpPr>
         <p:spPr>
           <a:xfrm>
-            <a:off x="1219200" y="1600200"/>
-            <a:ext cx="6400800" cy="1219200"/>
+            <a:off x="381000" y="1219200"/>
+            <a:ext cx="8153400" cy="2209800"/>
           </a:xfrm>
         </p:spPr>
         <p:txBody>
-          <a:bodyPr/>
-          <a:lstStyle/>
-          <a:p>
+          <a:bodyPr>
+            <a:noAutofit/>
+          </a:bodyPr>
+          <a:lstStyle/>
+          <a:p>
+            <a:pPr algn="l"/>
             <a:r>
               <a:rPr lang="en-US" dirty="0" smtClean="0"/>
-              <a:t>Display real test code using runs() and waits()</a:t>
-            </a:r>
-            <a:endParaRPr lang="en-US" dirty="0"/>
+              <a:t> </a:t>
+            </a:r>
+            <a:endParaRPr lang="en-US" dirty="0" smtClean="0"/>
+          </a:p>
+        </p:txBody>
+      </p:sp>
+      <p:sp>
+        <p:nvSpPr>
+          <p:cNvPr id="8" name="Subtitle 2"/>
+          <p:cNvSpPr txBox="1">
+            <a:spLocks/>
+          </p:cNvSpPr>
+          <p:nvPr/>
+        </p:nvSpPr>
+        <p:spPr>
+          <a:xfrm>
+            <a:off x="533400" y="1143000"/>
+            <a:ext cx="2895600" cy="4876800"/>
+          </a:xfrm>
+          <a:prstGeom prst="rect">
+            <a:avLst/>
+          </a:prstGeom>
+        </p:spPr>
+        <p:txBody>
+          <a:bodyPr vert="horz" lIns="91440" tIns="45720" rIns="91440" bIns="45720" rtlCol="0">
+            <a:noAutofit/>
+          </a:bodyPr>
+          <a:lstStyle>
+            <a:lvl1pPr marL="0" indent="0" algn="ctr" defTabSz="914400" rtl="0" eaLnBrk="1" latinLnBrk="0" hangingPunct="1">
+              <a:spcBef>
+                <a:spcPct val="20000"/>
+              </a:spcBef>
+              <a:buFont typeface="Arial" pitchFamily="34" charset="0"/>
+              <a:buNone/>
+              <a:defRPr sz="2400" kern="1200">
+                <a:solidFill>
+                  <a:schemeClr val="tx1">
+                    <a:tint val="75000"/>
+                  </a:schemeClr>
+                </a:solidFill>
+                <a:latin typeface="+mj-lt"/>
+                <a:ea typeface="+mn-ea"/>
+                <a:cs typeface="+mn-cs"/>
+              </a:defRPr>
+            </a:lvl1pPr>
+            <a:lvl2pPr marL="457200" indent="0" algn="ctr" defTabSz="914400" rtl="0" eaLnBrk="1" latinLnBrk="0" hangingPunct="1">
+              <a:spcBef>
+                <a:spcPct val="20000"/>
+              </a:spcBef>
+              <a:buFont typeface="Courier New" pitchFamily="49" charset="0"/>
+              <a:buNone/>
+              <a:defRPr sz="1600" kern="1200">
+                <a:solidFill>
+                  <a:schemeClr val="tx1">
+                    <a:tint val="75000"/>
+                  </a:schemeClr>
+                </a:solidFill>
+                <a:latin typeface="+mj-lt"/>
+                <a:ea typeface="+mn-ea"/>
+                <a:cs typeface="+mn-cs"/>
+              </a:defRPr>
+            </a:lvl2pPr>
+            <a:lvl3pPr marL="914400" indent="0" algn="ctr" defTabSz="914400" rtl="0" eaLnBrk="1" latinLnBrk="0" hangingPunct="1">
+              <a:spcBef>
+                <a:spcPct val="20000"/>
+              </a:spcBef>
+              <a:buFont typeface="Arial" pitchFamily="34" charset="0"/>
+              <a:buNone/>
+              <a:defRPr sz="1600" kern="1200">
+                <a:solidFill>
+                  <a:schemeClr val="tx1">
+                    <a:tint val="75000"/>
+                  </a:schemeClr>
+                </a:solidFill>
+                <a:latin typeface="+mj-lt"/>
+                <a:ea typeface="+mn-ea"/>
+                <a:cs typeface="+mn-cs"/>
+              </a:defRPr>
+            </a:lvl3pPr>
+            <a:lvl4pPr marL="1371600" indent="0" algn="ctr" defTabSz="914400" rtl="0" eaLnBrk="1" latinLnBrk="0" hangingPunct="1">
+              <a:spcBef>
+                <a:spcPct val="20000"/>
+              </a:spcBef>
+              <a:buFont typeface="Courier New" pitchFamily="49" charset="0"/>
+              <a:buNone/>
+              <a:defRPr sz="1600" kern="1200">
+                <a:solidFill>
+                  <a:schemeClr val="tx1">
+                    <a:tint val="75000"/>
+                  </a:schemeClr>
+                </a:solidFill>
+                <a:latin typeface="+mj-lt"/>
+                <a:ea typeface="+mn-ea"/>
+                <a:cs typeface="+mn-cs"/>
+              </a:defRPr>
+            </a:lvl4pPr>
+            <a:lvl5pPr marL="1828800" indent="0" algn="ctr" defTabSz="914400" rtl="0" eaLnBrk="1" latinLnBrk="0" hangingPunct="1">
+              <a:spcBef>
+                <a:spcPct val="20000"/>
+              </a:spcBef>
+              <a:buFont typeface="Arial" pitchFamily="34" charset="0"/>
+              <a:buNone/>
+              <a:defRPr sz="1600" kern="1200">
+                <a:solidFill>
+                  <a:schemeClr val="tx1">
+                    <a:tint val="75000"/>
+                  </a:schemeClr>
+                </a:solidFill>
+                <a:latin typeface="+mj-lt"/>
+                <a:ea typeface="+mn-ea"/>
+                <a:cs typeface="+mn-cs"/>
+              </a:defRPr>
+            </a:lvl5pPr>
+            <a:lvl6pPr marL="2286000" indent="0" algn="ctr" defTabSz="914400" rtl="0" eaLnBrk="1" latinLnBrk="0" hangingPunct="1">
+              <a:spcBef>
+                <a:spcPct val="20000"/>
+              </a:spcBef>
+              <a:buFont typeface="Courier New" pitchFamily="49" charset="0"/>
+              <a:buNone/>
+              <a:defRPr sz="1600" kern="1200">
+                <a:solidFill>
+                  <a:schemeClr val="tx1">
+                    <a:tint val="75000"/>
+                  </a:schemeClr>
+                </a:solidFill>
+                <a:latin typeface="+mj-lt"/>
+                <a:ea typeface="+mn-ea"/>
+                <a:cs typeface="+mn-cs"/>
+              </a:defRPr>
+            </a:lvl6pPr>
+            <a:lvl7pPr marL="2743200" indent="0" algn="ctr" defTabSz="914400" rtl="0" eaLnBrk="1" latinLnBrk="0" hangingPunct="1">
+              <a:spcBef>
+                <a:spcPct val="20000"/>
+              </a:spcBef>
+              <a:buFont typeface="Arial" pitchFamily="34" charset="0"/>
+              <a:buNone/>
+              <a:defRPr sz="1600" kern="1200">
+                <a:solidFill>
+                  <a:schemeClr val="tx1">
+                    <a:tint val="75000"/>
+                  </a:schemeClr>
+                </a:solidFill>
+                <a:latin typeface="+mj-lt"/>
+                <a:ea typeface="+mn-ea"/>
+                <a:cs typeface="+mn-cs"/>
+              </a:defRPr>
+            </a:lvl7pPr>
+            <a:lvl8pPr marL="3200400" indent="0" algn="ctr" defTabSz="914400" rtl="0" eaLnBrk="1" latinLnBrk="0" hangingPunct="1">
+              <a:spcBef>
+                <a:spcPct val="20000"/>
+              </a:spcBef>
+              <a:buFont typeface="Courier New" pitchFamily="49" charset="0"/>
+              <a:buNone/>
+              <a:defRPr sz="1600" kern="1200">
+                <a:solidFill>
+                  <a:schemeClr val="tx1">
+                    <a:tint val="75000"/>
+                  </a:schemeClr>
+                </a:solidFill>
+                <a:latin typeface="+mj-lt"/>
+                <a:ea typeface="+mn-ea"/>
+                <a:cs typeface="+mn-cs"/>
+              </a:defRPr>
+            </a:lvl8pPr>
+            <a:lvl9pPr marL="3657600" indent="0" algn="ctr" defTabSz="914400" rtl="0" eaLnBrk="1" latinLnBrk="0" hangingPunct="1">
+              <a:spcBef>
+                <a:spcPct val="20000"/>
+              </a:spcBef>
+              <a:buFont typeface="Arial" pitchFamily="34" charset="0"/>
+              <a:buNone/>
+              <a:defRPr sz="1600" kern="1200">
+                <a:solidFill>
+                  <a:schemeClr val="tx1">
+                    <a:tint val="75000"/>
+                  </a:schemeClr>
+                </a:solidFill>
+                <a:latin typeface="+mj-lt"/>
+                <a:ea typeface="+mn-ea"/>
+                <a:cs typeface="+mn-cs"/>
+              </a:defRPr>
+            </a:lvl9pPr>
+          </a:lstStyle>
+          <a:p>
+            <a:pPr algn="l"/>
+            <a:r>
+              <a:rPr lang="en-US" sz="1800" dirty="0" err="1"/>
+              <a:t>toBe</a:t>
+            </a:r>
+            <a:r>
+              <a:rPr lang="en-US" sz="1800" dirty="0"/>
+              <a:t>()</a:t>
+            </a:r>
+          </a:p>
+          <a:p>
+            <a:pPr algn="l"/>
+            <a:r>
+              <a:rPr lang="en-US" sz="1800" dirty="0" err="1"/>
+              <a:t>toThrowError</a:t>
+            </a:r>
+            <a:r>
+              <a:rPr lang="en-US" sz="1800" dirty="0"/>
+              <a:t>()</a:t>
+            </a:r>
+          </a:p>
+          <a:p>
+            <a:pPr algn="l"/>
+            <a:r>
+              <a:rPr lang="en-US" sz="1800" dirty="0" err="1"/>
+              <a:t>toMatch</a:t>
+            </a:r>
+            <a:r>
+              <a:rPr lang="en-US" sz="1800" dirty="0"/>
+              <a:t>()</a:t>
+            </a:r>
+          </a:p>
+          <a:p>
+            <a:pPr algn="l"/>
+            <a:r>
+              <a:rPr lang="en-US" sz="1800" dirty="0" err="1"/>
+              <a:t>toBeDefined</a:t>
+            </a:r>
+            <a:r>
+              <a:rPr lang="en-US" sz="1800" dirty="0"/>
+              <a:t>()</a:t>
+            </a:r>
+          </a:p>
+          <a:p>
+            <a:pPr algn="l"/>
+            <a:r>
+              <a:rPr lang="en-US" sz="1800" dirty="0" err="1"/>
+              <a:t>toBeUndefined</a:t>
+            </a:r>
+            <a:r>
+              <a:rPr lang="en-US" sz="1800" dirty="0"/>
+              <a:t>()</a:t>
+            </a:r>
+          </a:p>
+          <a:p>
+            <a:pPr algn="l"/>
+            <a:r>
+              <a:rPr lang="en-US" sz="1800" dirty="0" err="1"/>
+              <a:t>toBeNull</a:t>
+            </a:r>
+            <a:r>
+              <a:rPr lang="en-US" sz="1800" dirty="0"/>
+              <a:t>()</a:t>
+            </a:r>
+          </a:p>
+          <a:p>
+            <a:pPr algn="l"/>
+            <a:r>
+              <a:rPr lang="en-US" sz="1800" dirty="0" err="1"/>
+              <a:t>toBeTruthy</a:t>
+            </a:r>
+            <a:r>
+              <a:rPr lang="en-US" sz="1800" dirty="0"/>
+              <a:t>()</a:t>
+            </a:r>
+          </a:p>
+          <a:p>
+            <a:pPr algn="l"/>
+            <a:r>
+              <a:rPr lang="en-US" sz="1800" dirty="0" err="1"/>
+              <a:t>toEqual</a:t>
+            </a:r>
+            <a:r>
+              <a:rPr lang="en-US" sz="1800" dirty="0"/>
+              <a:t>()</a:t>
+            </a:r>
+          </a:p>
+          <a:p>
+            <a:pPr algn="l"/>
+            <a:r>
+              <a:rPr lang="en-US" sz="1800" dirty="0" err="1"/>
+              <a:t>toContain</a:t>
+            </a:r>
+            <a:r>
+              <a:rPr lang="en-US" sz="1800" dirty="0"/>
+              <a:t>()</a:t>
+            </a:r>
+          </a:p>
+          <a:p>
+            <a:pPr algn="l"/>
+            <a:r>
+              <a:rPr lang="en-US" sz="1800" dirty="0" err="1"/>
+              <a:t>toBeLessThan</a:t>
+            </a:r>
+            <a:r>
+              <a:rPr lang="en-US" sz="1800" dirty="0"/>
+              <a:t>()</a:t>
+            </a:r>
+          </a:p>
+          <a:p>
+            <a:pPr algn="l"/>
+            <a:r>
+              <a:rPr lang="en-US" sz="1800" dirty="0" err="1"/>
+              <a:t>toBeGreaterThan</a:t>
+            </a:r>
+            <a:r>
+              <a:rPr lang="en-US" sz="1800" dirty="0"/>
+              <a:t>()</a:t>
+            </a:r>
+          </a:p>
+          <a:p>
+            <a:pPr algn="l"/>
+            <a:r>
+              <a:rPr lang="en-US" sz="1800" dirty="0" err="1"/>
+              <a:t>toBeCloseTo</a:t>
+            </a:r>
+            <a:r>
+              <a:rPr lang="en-US" sz="1800" dirty="0"/>
+              <a:t>()</a:t>
+            </a:r>
+          </a:p>
+          <a:p>
+            <a:pPr algn="l"/>
+            <a:r>
+              <a:rPr lang="en-US" sz="1800" dirty="0" err="1"/>
+              <a:t>toThrow</a:t>
+            </a:r>
+            <a:r>
+              <a:rPr lang="en-US" sz="1800" dirty="0"/>
+              <a:t>()</a:t>
+            </a:r>
+          </a:p>
+          <a:p>
+            <a:pPr algn="l"/>
+            <a:r>
+              <a:rPr lang="en-US" sz="1800" dirty="0" err="1"/>
+              <a:t>toBeFalsy</a:t>
+            </a:r>
+            <a:r>
+              <a:rPr lang="en-US" sz="1800" dirty="0"/>
+              <a:t>()</a:t>
+            </a:r>
+            <a:endParaRPr lang="en-US" sz="1800" dirty="0" smtClean="0"/>
+          </a:p>
+          <a:p>
+            <a:pPr algn="l"/>
+            <a:endParaRPr lang="en-US" dirty="0" smtClean="0"/>
+          </a:p>
+        </p:txBody>
+      </p:sp>
+      <p:sp>
+        <p:nvSpPr>
+          <p:cNvPr id="9" name="Subtitle 2"/>
+          <p:cNvSpPr txBox="1">
+            <a:spLocks/>
+          </p:cNvSpPr>
+          <p:nvPr/>
+        </p:nvSpPr>
+        <p:spPr>
+          <a:xfrm>
+            <a:off x="3429000" y="1143000"/>
+            <a:ext cx="2895600" cy="4876800"/>
+          </a:xfrm>
+          <a:prstGeom prst="rect">
+            <a:avLst/>
+          </a:prstGeom>
+        </p:spPr>
+        <p:txBody>
+          <a:bodyPr vert="horz" lIns="91440" tIns="45720" rIns="91440" bIns="45720" rtlCol="0">
+            <a:noAutofit/>
+          </a:bodyPr>
+          <a:lstStyle>
+            <a:lvl1pPr marL="0" indent="0" algn="ctr" defTabSz="914400" rtl="0" eaLnBrk="1" latinLnBrk="0" hangingPunct="1">
+              <a:spcBef>
+                <a:spcPct val="20000"/>
+              </a:spcBef>
+              <a:buFont typeface="Arial" pitchFamily="34" charset="0"/>
+              <a:buNone/>
+              <a:defRPr sz="2400" kern="1200">
+                <a:solidFill>
+                  <a:schemeClr val="tx1">
+                    <a:tint val="75000"/>
+                  </a:schemeClr>
+                </a:solidFill>
+                <a:latin typeface="+mj-lt"/>
+                <a:ea typeface="+mn-ea"/>
+                <a:cs typeface="+mn-cs"/>
+              </a:defRPr>
+            </a:lvl1pPr>
+            <a:lvl2pPr marL="457200" indent="0" algn="ctr" defTabSz="914400" rtl="0" eaLnBrk="1" latinLnBrk="0" hangingPunct="1">
+              <a:spcBef>
+                <a:spcPct val="20000"/>
+              </a:spcBef>
+              <a:buFont typeface="Courier New" pitchFamily="49" charset="0"/>
+              <a:buNone/>
+              <a:defRPr sz="1600" kern="1200">
+                <a:solidFill>
+                  <a:schemeClr val="tx1">
+                    <a:tint val="75000"/>
+                  </a:schemeClr>
+                </a:solidFill>
+                <a:latin typeface="+mj-lt"/>
+                <a:ea typeface="+mn-ea"/>
+                <a:cs typeface="+mn-cs"/>
+              </a:defRPr>
+            </a:lvl2pPr>
+            <a:lvl3pPr marL="914400" indent="0" algn="ctr" defTabSz="914400" rtl="0" eaLnBrk="1" latinLnBrk="0" hangingPunct="1">
+              <a:spcBef>
+                <a:spcPct val="20000"/>
+              </a:spcBef>
+              <a:buFont typeface="Arial" pitchFamily="34" charset="0"/>
+              <a:buNone/>
+              <a:defRPr sz="1600" kern="1200">
+                <a:solidFill>
+                  <a:schemeClr val="tx1">
+                    <a:tint val="75000"/>
+                  </a:schemeClr>
+                </a:solidFill>
+                <a:latin typeface="+mj-lt"/>
+                <a:ea typeface="+mn-ea"/>
+                <a:cs typeface="+mn-cs"/>
+              </a:defRPr>
+            </a:lvl3pPr>
+            <a:lvl4pPr marL="1371600" indent="0" algn="ctr" defTabSz="914400" rtl="0" eaLnBrk="1" latinLnBrk="0" hangingPunct="1">
+              <a:spcBef>
+                <a:spcPct val="20000"/>
+              </a:spcBef>
+              <a:buFont typeface="Courier New" pitchFamily="49" charset="0"/>
+              <a:buNone/>
+              <a:defRPr sz="1600" kern="1200">
+                <a:solidFill>
+                  <a:schemeClr val="tx1">
+                    <a:tint val="75000"/>
+                  </a:schemeClr>
+                </a:solidFill>
+                <a:latin typeface="+mj-lt"/>
+                <a:ea typeface="+mn-ea"/>
+                <a:cs typeface="+mn-cs"/>
+              </a:defRPr>
+            </a:lvl4pPr>
+            <a:lvl5pPr marL="1828800" indent="0" algn="ctr" defTabSz="914400" rtl="0" eaLnBrk="1" latinLnBrk="0" hangingPunct="1">
+              <a:spcBef>
+                <a:spcPct val="20000"/>
+              </a:spcBef>
+              <a:buFont typeface="Arial" pitchFamily="34" charset="0"/>
+              <a:buNone/>
+              <a:defRPr sz="1600" kern="1200">
+                <a:solidFill>
+                  <a:schemeClr val="tx1">
+                    <a:tint val="75000"/>
+                  </a:schemeClr>
+                </a:solidFill>
+                <a:latin typeface="+mj-lt"/>
+                <a:ea typeface="+mn-ea"/>
+                <a:cs typeface="+mn-cs"/>
+              </a:defRPr>
+            </a:lvl5pPr>
+            <a:lvl6pPr marL="2286000" indent="0" algn="ctr" defTabSz="914400" rtl="0" eaLnBrk="1" latinLnBrk="0" hangingPunct="1">
+              <a:spcBef>
+                <a:spcPct val="20000"/>
+              </a:spcBef>
+              <a:buFont typeface="Courier New" pitchFamily="49" charset="0"/>
+              <a:buNone/>
+              <a:defRPr sz="1600" kern="1200">
+                <a:solidFill>
+                  <a:schemeClr val="tx1">
+                    <a:tint val="75000"/>
+                  </a:schemeClr>
+                </a:solidFill>
+                <a:latin typeface="+mj-lt"/>
+                <a:ea typeface="+mn-ea"/>
+                <a:cs typeface="+mn-cs"/>
+              </a:defRPr>
+            </a:lvl6pPr>
+            <a:lvl7pPr marL="2743200" indent="0" algn="ctr" defTabSz="914400" rtl="0" eaLnBrk="1" latinLnBrk="0" hangingPunct="1">
+              <a:spcBef>
+                <a:spcPct val="20000"/>
+              </a:spcBef>
+              <a:buFont typeface="Arial" pitchFamily="34" charset="0"/>
+              <a:buNone/>
+              <a:defRPr sz="1600" kern="1200">
+                <a:solidFill>
+                  <a:schemeClr val="tx1">
+                    <a:tint val="75000"/>
+                  </a:schemeClr>
+                </a:solidFill>
+                <a:latin typeface="+mj-lt"/>
+                <a:ea typeface="+mn-ea"/>
+                <a:cs typeface="+mn-cs"/>
+              </a:defRPr>
+            </a:lvl7pPr>
+            <a:lvl8pPr marL="3200400" indent="0" algn="ctr" defTabSz="914400" rtl="0" eaLnBrk="1" latinLnBrk="0" hangingPunct="1">
+              <a:spcBef>
+                <a:spcPct val="20000"/>
+              </a:spcBef>
+              <a:buFont typeface="Courier New" pitchFamily="49" charset="0"/>
+              <a:buNone/>
+              <a:defRPr sz="1600" kern="1200">
+                <a:solidFill>
+                  <a:schemeClr val="tx1">
+                    <a:tint val="75000"/>
+                  </a:schemeClr>
+                </a:solidFill>
+                <a:latin typeface="+mj-lt"/>
+                <a:ea typeface="+mn-ea"/>
+                <a:cs typeface="+mn-cs"/>
+              </a:defRPr>
+            </a:lvl8pPr>
+            <a:lvl9pPr marL="3657600" indent="0" algn="ctr" defTabSz="914400" rtl="0" eaLnBrk="1" latinLnBrk="0" hangingPunct="1">
+              <a:spcBef>
+                <a:spcPct val="20000"/>
+              </a:spcBef>
+              <a:buFont typeface="Arial" pitchFamily="34" charset="0"/>
+              <a:buNone/>
+              <a:defRPr sz="1600" kern="1200">
+                <a:solidFill>
+                  <a:schemeClr val="tx1">
+                    <a:tint val="75000"/>
+                  </a:schemeClr>
+                </a:solidFill>
+                <a:latin typeface="+mj-lt"/>
+                <a:ea typeface="+mn-ea"/>
+                <a:cs typeface="+mn-cs"/>
+              </a:defRPr>
+            </a:lvl9pPr>
+          </a:lstStyle>
+          <a:p>
+            <a:pPr algn="l"/>
+            <a:r>
+              <a:rPr lang="en-US" sz="1800" dirty="0" err="1" smtClean="0"/>
+              <a:t>not.toBe</a:t>
+            </a:r>
+            <a:r>
+              <a:rPr lang="en-US" sz="1800" dirty="0"/>
+              <a:t>()</a:t>
+            </a:r>
+          </a:p>
+          <a:p>
+            <a:pPr algn="l"/>
+            <a:r>
+              <a:rPr lang="en-US" sz="1800" dirty="0" err="1"/>
+              <a:t>not.</a:t>
+            </a:r>
+            <a:r>
+              <a:rPr lang="en-US" sz="1800" dirty="0" err="1" smtClean="0"/>
+              <a:t>toThrowError</a:t>
+            </a:r>
+            <a:r>
+              <a:rPr lang="en-US" sz="1800" dirty="0"/>
+              <a:t>()</a:t>
+            </a:r>
+          </a:p>
+          <a:p>
+            <a:pPr algn="l"/>
+            <a:r>
+              <a:rPr lang="en-US" sz="1800" dirty="0" err="1"/>
+              <a:t>not.</a:t>
+            </a:r>
+            <a:r>
+              <a:rPr lang="en-US" sz="1800" dirty="0" err="1" smtClean="0"/>
+              <a:t>toMatch</a:t>
+            </a:r>
+            <a:r>
+              <a:rPr lang="en-US" sz="1800" dirty="0"/>
+              <a:t>()</a:t>
+            </a:r>
+          </a:p>
+          <a:p>
+            <a:pPr algn="l"/>
+            <a:r>
+              <a:rPr lang="en-US" sz="1800" dirty="0" err="1"/>
+              <a:t>not.</a:t>
+            </a:r>
+            <a:r>
+              <a:rPr lang="en-US" sz="1800" dirty="0" err="1" smtClean="0"/>
+              <a:t>toBeDefined</a:t>
+            </a:r>
+            <a:r>
+              <a:rPr lang="en-US" sz="1800" dirty="0"/>
+              <a:t>()</a:t>
+            </a:r>
+          </a:p>
+          <a:p>
+            <a:pPr algn="l"/>
+            <a:r>
+              <a:rPr lang="en-US" sz="1800" dirty="0" err="1"/>
+              <a:t>not.</a:t>
+            </a:r>
+            <a:r>
+              <a:rPr lang="en-US" sz="1800" dirty="0" err="1" smtClean="0"/>
+              <a:t>toBeUndefined</a:t>
+            </a:r>
+            <a:r>
+              <a:rPr lang="en-US" sz="1800" dirty="0"/>
+              <a:t>()</a:t>
+            </a:r>
+          </a:p>
+          <a:p>
+            <a:pPr algn="l"/>
+            <a:r>
+              <a:rPr lang="en-US" sz="1800" dirty="0" err="1"/>
+              <a:t>not.</a:t>
+            </a:r>
+            <a:r>
+              <a:rPr lang="en-US" sz="1800" dirty="0" err="1" smtClean="0"/>
+              <a:t>toBeNull</a:t>
+            </a:r>
+            <a:r>
+              <a:rPr lang="en-US" sz="1800" dirty="0"/>
+              <a:t>()</a:t>
+            </a:r>
+          </a:p>
+          <a:p>
+            <a:pPr algn="l"/>
+            <a:r>
+              <a:rPr lang="en-US" sz="1800" dirty="0" err="1"/>
+              <a:t>not.</a:t>
+            </a:r>
+            <a:r>
+              <a:rPr lang="en-US" sz="1800" dirty="0" err="1" smtClean="0"/>
+              <a:t>toBeTruthy</a:t>
+            </a:r>
+            <a:r>
+              <a:rPr lang="en-US" sz="1800" dirty="0"/>
+              <a:t>()</a:t>
+            </a:r>
+          </a:p>
+          <a:p>
+            <a:pPr algn="l"/>
+            <a:r>
+              <a:rPr lang="en-US" sz="1800" dirty="0" err="1"/>
+              <a:t>not.</a:t>
+            </a:r>
+            <a:r>
+              <a:rPr lang="en-US" sz="1800" dirty="0" err="1" smtClean="0"/>
+              <a:t>toEqual</a:t>
+            </a:r>
+            <a:r>
+              <a:rPr lang="en-US" sz="1800" dirty="0"/>
+              <a:t>()</a:t>
+            </a:r>
+          </a:p>
+          <a:p>
+            <a:pPr algn="l"/>
+            <a:r>
+              <a:rPr lang="en-US" sz="1800" dirty="0" err="1"/>
+              <a:t>not.</a:t>
+            </a:r>
+            <a:r>
+              <a:rPr lang="en-US" sz="1800" dirty="0" err="1" smtClean="0"/>
+              <a:t>toContain</a:t>
+            </a:r>
+            <a:r>
+              <a:rPr lang="en-US" sz="1800" dirty="0"/>
+              <a:t>()</a:t>
+            </a:r>
+          </a:p>
+          <a:p>
+            <a:pPr algn="l"/>
+            <a:r>
+              <a:rPr lang="en-US" sz="1800" dirty="0" err="1"/>
+              <a:t>not.</a:t>
+            </a:r>
+            <a:r>
+              <a:rPr lang="en-US" sz="1800" dirty="0" err="1" smtClean="0"/>
+              <a:t>toBeLessThan</a:t>
+            </a:r>
+            <a:r>
+              <a:rPr lang="en-US" sz="1800" dirty="0"/>
+              <a:t>()</a:t>
+            </a:r>
+          </a:p>
+          <a:p>
+            <a:pPr algn="l"/>
+            <a:r>
+              <a:rPr lang="en-US" sz="1800" dirty="0" err="1"/>
+              <a:t>not.toBeGreaterThan</a:t>
+            </a:r>
+            <a:r>
+              <a:rPr lang="en-US" sz="1800" dirty="0"/>
+              <a:t>()</a:t>
+            </a:r>
+          </a:p>
+          <a:p>
+            <a:pPr algn="l"/>
+            <a:r>
+              <a:rPr lang="en-US" sz="1800" dirty="0" err="1"/>
+              <a:t>not.</a:t>
+            </a:r>
+            <a:r>
+              <a:rPr lang="en-US" sz="1800" dirty="0" err="1" smtClean="0"/>
+              <a:t>toBeCloseTo</a:t>
+            </a:r>
+            <a:r>
+              <a:rPr lang="en-US" sz="1800" dirty="0"/>
+              <a:t>()</a:t>
+            </a:r>
+          </a:p>
+          <a:p>
+            <a:pPr algn="l"/>
+            <a:r>
+              <a:rPr lang="en-US" sz="1800" dirty="0" err="1"/>
+              <a:t>not.</a:t>
+            </a:r>
+            <a:r>
+              <a:rPr lang="en-US" sz="1800" dirty="0" err="1" smtClean="0"/>
+              <a:t>toThrow</a:t>
+            </a:r>
+            <a:r>
+              <a:rPr lang="en-US" sz="1800" dirty="0"/>
+              <a:t>()</a:t>
+            </a:r>
+          </a:p>
+          <a:p>
+            <a:pPr algn="l"/>
+            <a:r>
+              <a:rPr lang="en-US" sz="1800" dirty="0" err="1"/>
+              <a:t>not.</a:t>
+            </a:r>
+            <a:r>
+              <a:rPr lang="en-US" sz="1800" dirty="0" err="1" smtClean="0"/>
+              <a:t>toBeFalsy</a:t>
+            </a:r>
+            <a:r>
+              <a:rPr lang="en-US" sz="1800" dirty="0"/>
+              <a:t>()</a:t>
+            </a:r>
+            <a:endParaRPr lang="en-US" sz="1800" dirty="0" smtClean="0"/>
+          </a:p>
+          <a:p>
+            <a:pPr algn="l"/>
+            <a:endParaRPr lang="en-US" dirty="0" smtClean="0"/>
           </a:p>
         </p:txBody>
       </p:sp>
     </p:spTree>
     <p:extLst>
       <p:ext uri="{BB962C8B-B14F-4D97-AF65-F5344CB8AC3E}">
-        <p14:creationId xmlns:p14="http://schemas.microsoft.com/office/powerpoint/2010/main" val="3707477426"/>
+        <p14:creationId xmlns:p14="http://schemas.microsoft.com/office/powerpoint/2010/main" val="1296186928"/>
       </p:ext>
     </p:extLst>
   </p:cSld>
@@ -5761,8 +8703,8 @@
         </p:nvSpPr>
         <p:spPr>
           <a:xfrm>
-            <a:off x="685800" y="228600"/>
-            <a:ext cx="8458200" cy="685800"/>
+            <a:off x="381000" y="228600"/>
+            <a:ext cx="7772400" cy="685800"/>
           </a:xfrm>
         </p:spPr>
         <p:txBody>
@@ -5771,12 +8713,8 @@
           <a:p>
             <a:pPr algn="l"/>
             <a:r>
-              <a:rPr lang="en-US" sz="4000" dirty="0" err="1" smtClean="0"/>
-              <a:t>Async</a:t>
-            </a:r>
-            <a:r>
               <a:rPr lang="en-US" sz="4000" dirty="0" smtClean="0"/>
-              <a:t> Testing for ajax</a:t>
+              <a:t>Jasmine Spies</a:t>
             </a:r>
             <a:endParaRPr lang="en-US" sz="4000" dirty="0"/>
           </a:p>
@@ -5799,7 +8737,7 @@
           <a:p>
             <a:fld id="{216C5678-EE20-4FA5-88E2-6E0BD67A2E26}" type="datetime1">
               <a:rPr lang="en-US" smtClean="0"/>
-              <a:t>11/7/2015</a:t>
+              <a:t>11/8/2015</a:t>
             </a:fld>
             <a:endParaRPr lang="en-US" dirty="0"/>
           </a:p>
@@ -5864,34 +8802,274 @@
         </p:nvSpPr>
         <p:spPr>
           <a:xfrm>
-            <a:off x="1219200" y="1600200"/>
-            <a:ext cx="6400800" cy="1219200"/>
+            <a:off x="381000" y="1219200"/>
+            <a:ext cx="8153400" cy="2209800"/>
           </a:xfrm>
         </p:spPr>
         <p:txBody>
-          <a:bodyPr/>
-          <a:lstStyle/>
-          <a:p>
-            <a:r>
-              <a:rPr lang="en-US" dirty="0"/>
-              <a:t>Display </a:t>
-            </a:r>
+          <a:bodyPr>
+            <a:noAutofit/>
+          </a:bodyPr>
+          <a:lstStyle/>
+          <a:p>
+            <a:pPr algn="l"/>
             <a:r>
               <a:rPr lang="en-US" dirty="0" smtClean="0"/>
-              <a:t>configure() function </a:t>
-            </a:r>
-            <a:r>
-              <a:rPr lang="en-US" dirty="0"/>
-              <a:t>and show failed test</a:t>
-            </a:r>
-            <a:endParaRPr lang="en-US" dirty="0"/>
+              <a:t> </a:t>
+            </a:r>
+            <a:endParaRPr lang="en-US" dirty="0" smtClean="0"/>
+          </a:p>
+        </p:txBody>
+      </p:sp>
+      <p:sp>
+        <p:nvSpPr>
+          <p:cNvPr id="8" name="Subtitle 2"/>
+          <p:cNvSpPr txBox="1">
+            <a:spLocks/>
+          </p:cNvSpPr>
+          <p:nvPr/>
+        </p:nvSpPr>
+        <p:spPr>
+          <a:xfrm>
+            <a:off x="533400" y="1143000"/>
+            <a:ext cx="7924800" cy="4876800"/>
+          </a:xfrm>
+          <a:prstGeom prst="rect">
+            <a:avLst/>
+          </a:prstGeom>
+        </p:spPr>
+        <p:txBody>
+          <a:bodyPr vert="horz" lIns="91440" tIns="45720" rIns="91440" bIns="45720" rtlCol="0">
+            <a:noAutofit/>
+          </a:bodyPr>
+          <a:lstStyle>
+            <a:lvl1pPr marL="0" indent="0" algn="ctr" defTabSz="914400" rtl="0" eaLnBrk="1" latinLnBrk="0" hangingPunct="1">
+              <a:spcBef>
+                <a:spcPct val="20000"/>
+              </a:spcBef>
+              <a:buFont typeface="Arial" pitchFamily="34" charset="0"/>
+              <a:buNone/>
+              <a:defRPr sz="2400" kern="1200">
+                <a:solidFill>
+                  <a:schemeClr val="tx1">
+                    <a:tint val="75000"/>
+                  </a:schemeClr>
+                </a:solidFill>
+                <a:latin typeface="+mj-lt"/>
+                <a:ea typeface="+mn-ea"/>
+                <a:cs typeface="+mn-cs"/>
+              </a:defRPr>
+            </a:lvl1pPr>
+            <a:lvl2pPr marL="457200" indent="0" algn="ctr" defTabSz="914400" rtl="0" eaLnBrk="1" latinLnBrk="0" hangingPunct="1">
+              <a:spcBef>
+                <a:spcPct val="20000"/>
+              </a:spcBef>
+              <a:buFont typeface="Courier New" pitchFamily="49" charset="0"/>
+              <a:buNone/>
+              <a:defRPr sz="1600" kern="1200">
+                <a:solidFill>
+                  <a:schemeClr val="tx1">
+                    <a:tint val="75000"/>
+                  </a:schemeClr>
+                </a:solidFill>
+                <a:latin typeface="+mj-lt"/>
+                <a:ea typeface="+mn-ea"/>
+                <a:cs typeface="+mn-cs"/>
+              </a:defRPr>
+            </a:lvl2pPr>
+            <a:lvl3pPr marL="914400" indent="0" algn="ctr" defTabSz="914400" rtl="0" eaLnBrk="1" latinLnBrk="0" hangingPunct="1">
+              <a:spcBef>
+                <a:spcPct val="20000"/>
+              </a:spcBef>
+              <a:buFont typeface="Arial" pitchFamily="34" charset="0"/>
+              <a:buNone/>
+              <a:defRPr sz="1600" kern="1200">
+                <a:solidFill>
+                  <a:schemeClr val="tx1">
+                    <a:tint val="75000"/>
+                  </a:schemeClr>
+                </a:solidFill>
+                <a:latin typeface="+mj-lt"/>
+                <a:ea typeface="+mn-ea"/>
+                <a:cs typeface="+mn-cs"/>
+              </a:defRPr>
+            </a:lvl3pPr>
+            <a:lvl4pPr marL="1371600" indent="0" algn="ctr" defTabSz="914400" rtl="0" eaLnBrk="1" latinLnBrk="0" hangingPunct="1">
+              <a:spcBef>
+                <a:spcPct val="20000"/>
+              </a:spcBef>
+              <a:buFont typeface="Courier New" pitchFamily="49" charset="0"/>
+              <a:buNone/>
+              <a:defRPr sz="1600" kern="1200">
+                <a:solidFill>
+                  <a:schemeClr val="tx1">
+                    <a:tint val="75000"/>
+                  </a:schemeClr>
+                </a:solidFill>
+                <a:latin typeface="+mj-lt"/>
+                <a:ea typeface="+mn-ea"/>
+                <a:cs typeface="+mn-cs"/>
+              </a:defRPr>
+            </a:lvl4pPr>
+            <a:lvl5pPr marL="1828800" indent="0" algn="ctr" defTabSz="914400" rtl="0" eaLnBrk="1" latinLnBrk="0" hangingPunct="1">
+              <a:spcBef>
+                <a:spcPct val="20000"/>
+              </a:spcBef>
+              <a:buFont typeface="Arial" pitchFamily="34" charset="0"/>
+              <a:buNone/>
+              <a:defRPr sz="1600" kern="1200">
+                <a:solidFill>
+                  <a:schemeClr val="tx1">
+                    <a:tint val="75000"/>
+                  </a:schemeClr>
+                </a:solidFill>
+                <a:latin typeface="+mj-lt"/>
+                <a:ea typeface="+mn-ea"/>
+                <a:cs typeface="+mn-cs"/>
+              </a:defRPr>
+            </a:lvl5pPr>
+            <a:lvl6pPr marL="2286000" indent="0" algn="ctr" defTabSz="914400" rtl="0" eaLnBrk="1" latinLnBrk="0" hangingPunct="1">
+              <a:spcBef>
+                <a:spcPct val="20000"/>
+              </a:spcBef>
+              <a:buFont typeface="Courier New" pitchFamily="49" charset="0"/>
+              <a:buNone/>
+              <a:defRPr sz="1600" kern="1200">
+                <a:solidFill>
+                  <a:schemeClr val="tx1">
+                    <a:tint val="75000"/>
+                  </a:schemeClr>
+                </a:solidFill>
+                <a:latin typeface="+mj-lt"/>
+                <a:ea typeface="+mn-ea"/>
+                <a:cs typeface="+mn-cs"/>
+              </a:defRPr>
+            </a:lvl6pPr>
+            <a:lvl7pPr marL="2743200" indent="0" algn="ctr" defTabSz="914400" rtl="0" eaLnBrk="1" latinLnBrk="0" hangingPunct="1">
+              <a:spcBef>
+                <a:spcPct val="20000"/>
+              </a:spcBef>
+              <a:buFont typeface="Arial" pitchFamily="34" charset="0"/>
+              <a:buNone/>
+              <a:defRPr sz="1600" kern="1200">
+                <a:solidFill>
+                  <a:schemeClr val="tx1">
+                    <a:tint val="75000"/>
+                  </a:schemeClr>
+                </a:solidFill>
+                <a:latin typeface="+mj-lt"/>
+                <a:ea typeface="+mn-ea"/>
+                <a:cs typeface="+mn-cs"/>
+              </a:defRPr>
+            </a:lvl7pPr>
+            <a:lvl8pPr marL="3200400" indent="0" algn="ctr" defTabSz="914400" rtl="0" eaLnBrk="1" latinLnBrk="0" hangingPunct="1">
+              <a:spcBef>
+                <a:spcPct val="20000"/>
+              </a:spcBef>
+              <a:buFont typeface="Courier New" pitchFamily="49" charset="0"/>
+              <a:buNone/>
+              <a:defRPr sz="1600" kern="1200">
+                <a:solidFill>
+                  <a:schemeClr val="tx1">
+                    <a:tint val="75000"/>
+                  </a:schemeClr>
+                </a:solidFill>
+                <a:latin typeface="+mj-lt"/>
+                <a:ea typeface="+mn-ea"/>
+                <a:cs typeface="+mn-cs"/>
+              </a:defRPr>
+            </a:lvl8pPr>
+            <a:lvl9pPr marL="3657600" indent="0" algn="ctr" defTabSz="914400" rtl="0" eaLnBrk="1" latinLnBrk="0" hangingPunct="1">
+              <a:spcBef>
+                <a:spcPct val="20000"/>
+              </a:spcBef>
+              <a:buFont typeface="Arial" pitchFamily="34" charset="0"/>
+              <a:buNone/>
+              <a:defRPr sz="1600" kern="1200">
+                <a:solidFill>
+                  <a:schemeClr val="tx1">
+                    <a:tint val="75000"/>
+                  </a:schemeClr>
+                </a:solidFill>
+                <a:latin typeface="+mj-lt"/>
+                <a:ea typeface="+mn-ea"/>
+                <a:cs typeface="+mn-cs"/>
+              </a:defRPr>
+            </a:lvl9pPr>
+          </a:lstStyle>
+          <a:p>
+            <a:pPr marL="342900" indent="-342900" algn="l">
+              <a:buFont typeface="Arial" panose="020B0604020202020204" pitchFamily="34" charset="0"/>
+              <a:buChar char="•"/>
+            </a:pPr>
+            <a:r>
+              <a:rPr lang="en-US" dirty="0" smtClean="0"/>
+              <a:t>Use to replace actual calls with fakes.</a:t>
+            </a:r>
+          </a:p>
+          <a:p>
+            <a:pPr marL="342900" indent="-342900" algn="l">
+              <a:buFont typeface="Arial" panose="020B0604020202020204" pitchFamily="34" charset="0"/>
+              <a:buChar char="•"/>
+            </a:pPr>
+            <a:r>
+              <a:rPr lang="en-US" dirty="0" smtClean="0"/>
+              <a:t>Similar to various mocking libraries such as </a:t>
+            </a:r>
+            <a:r>
+              <a:rPr lang="en-US" dirty="0" err="1" smtClean="0"/>
+              <a:t>JMockit</a:t>
+            </a:r>
+            <a:r>
+              <a:rPr lang="en-US" dirty="0" smtClean="0"/>
+              <a:t>, </a:t>
+            </a:r>
+            <a:r>
+              <a:rPr lang="en-US" dirty="0" err="1" smtClean="0"/>
+              <a:t>RhinoMock</a:t>
+            </a:r>
+            <a:r>
+              <a:rPr lang="en-US" dirty="0" smtClean="0"/>
+              <a:t>, </a:t>
+            </a:r>
+            <a:r>
+              <a:rPr lang="en-US" dirty="0" err="1" smtClean="0"/>
+              <a:t>Moq</a:t>
+            </a:r>
+            <a:r>
+              <a:rPr lang="en-US" dirty="0" smtClean="0"/>
+              <a:t>.</a:t>
+            </a:r>
+          </a:p>
+          <a:p>
+            <a:pPr marL="342900" indent="-342900" algn="l">
+              <a:buFont typeface="Arial" panose="020B0604020202020204" pitchFamily="34" charset="0"/>
+              <a:buChar char="•"/>
+            </a:pPr>
+            <a:r>
+              <a:rPr lang="en-US" dirty="0" err="1" smtClean="0"/>
+              <a:t>spyOn</a:t>
+            </a:r>
+            <a:r>
+              <a:rPr lang="en-US" dirty="0" smtClean="0"/>
+              <a:t>(), </a:t>
+            </a:r>
+            <a:r>
+              <a:rPr lang="en-US" dirty="0" err="1" smtClean="0"/>
+              <a:t>jasmine.createSpy</a:t>
+            </a:r>
+            <a:r>
+              <a:rPr lang="en-US" dirty="0" smtClean="0"/>
+              <a:t>().</a:t>
+            </a:r>
+            <a:endParaRPr lang="en-US" dirty="0" smtClean="0"/>
           </a:p>
         </p:txBody>
       </p:sp>
     </p:spTree>
     <p:extLst>
       <p:ext uri="{BB962C8B-B14F-4D97-AF65-F5344CB8AC3E}">
-        <p14:creationId xmlns:p14="http://schemas.microsoft.com/office/powerpoint/2010/main" val="3061808434"/>
+        <p14:creationId xmlns:p14="http://schemas.microsoft.com/office/powerpoint/2010/main" val="2923060164"/>
       </p:ext>
     </p:extLst>
   </p:cSld>
@@ -5931,7 +9109,7 @@
         <p:spPr>
           <a:xfrm>
             <a:off x="685800" y="228600"/>
-            <a:ext cx="8458200" cy="685800"/>
+            <a:ext cx="7772400" cy="685800"/>
           </a:xfrm>
         </p:spPr>
         <p:txBody>
@@ -5940,20 +9118,8 @@
           <a:p>
             <a:pPr algn="l"/>
             <a:r>
-              <a:rPr lang="en-US" sz="4000" dirty="0" err="1" smtClean="0"/>
-              <a:t>Async</a:t>
-            </a:r>
-            <a:r>
               <a:rPr lang="en-US" sz="4000" dirty="0" smtClean="0"/>
-              <a:t> Testing for ajax (</a:t>
-            </a:r>
-            <a:r>
-              <a:rPr lang="en-US" sz="4000" dirty="0" err="1" smtClean="0"/>
-              <a:t>cont</a:t>
-            </a:r>
-            <a:r>
-              <a:rPr lang="en-US" sz="4000" dirty="0" smtClean="0"/>
-              <a:t>)</a:t>
+              <a:t>JS Module Under Test</a:t>
             </a:r>
             <a:endParaRPr lang="en-US" sz="4000" dirty="0"/>
           </a:p>
@@ -5976,7 +9142,7 @@
           <a:p>
             <a:fld id="{216C5678-EE20-4FA5-88E2-6E0BD67A2E26}" type="datetime1">
               <a:rPr lang="en-US" smtClean="0"/>
-              <a:t>11/7/2015</a:t>
+              <a:t>11/8/2015</a:t>
             </a:fld>
             <a:endParaRPr lang="en-US" dirty="0"/>
           </a:p>
@@ -6031,201 +9197,157 @@
       </p:sp>
       <p:sp>
         <p:nvSpPr>
-          <p:cNvPr id="8" name="Subtitle 2"/>
-          <p:cNvSpPr txBox="1">
-            <a:spLocks/>
-          </p:cNvSpPr>
-          <p:nvPr/>
+          <p:cNvPr id="7" name="Subtitle 2"/>
+          <p:cNvSpPr>
+            <a:spLocks noGrp="1"/>
+          </p:cNvSpPr>
+          <p:nvPr>
+            <p:ph type="subTitle" idx="1"/>
+          </p:nvPr>
         </p:nvSpPr>
         <p:spPr>
           <a:xfrm>
-            <a:off x="1219200" y="1600200"/>
-            <a:ext cx="6400800" cy="1219200"/>
+            <a:off x="533400" y="1066800"/>
+            <a:ext cx="8382000" cy="4800600"/>
           </a:xfrm>
-          <a:prstGeom prst="rect">
-            <a:avLst/>
-          </a:prstGeom>
         </p:spPr>
         <p:txBody>
-          <a:bodyPr vert="horz" lIns="91440" tIns="45720" rIns="91440" bIns="45720" rtlCol="0">
+          <a:bodyPr>
             <a:normAutofit/>
           </a:bodyPr>
-          <a:lstStyle>
-            <a:lvl1pPr marL="0" indent="0" algn="ctr" defTabSz="914400" rtl="0" eaLnBrk="1" latinLnBrk="0" hangingPunct="1">
-              <a:spcBef>
-                <a:spcPct val="20000"/>
-              </a:spcBef>
-              <a:buFont typeface="Arial" pitchFamily="34" charset="0"/>
-              <a:buNone/>
-              <a:defRPr sz="2400" kern="1200">
-                <a:solidFill>
-                  <a:schemeClr val="tx1">
-                    <a:tint val="75000"/>
-                  </a:schemeClr>
-                </a:solidFill>
-                <a:latin typeface="+mj-lt"/>
-                <a:ea typeface="+mn-ea"/>
-                <a:cs typeface="+mn-cs"/>
-              </a:defRPr>
-            </a:lvl1pPr>
-            <a:lvl2pPr marL="457200" indent="0" algn="ctr" defTabSz="914400" rtl="0" eaLnBrk="1" latinLnBrk="0" hangingPunct="1">
-              <a:spcBef>
-                <a:spcPct val="20000"/>
-              </a:spcBef>
-              <a:buFont typeface="Courier New" pitchFamily="49" charset="0"/>
-              <a:buNone/>
-              <a:defRPr sz="1600" kern="1200">
-                <a:solidFill>
-                  <a:schemeClr val="tx1">
-                    <a:tint val="75000"/>
-                  </a:schemeClr>
-                </a:solidFill>
-                <a:latin typeface="+mj-lt"/>
-                <a:ea typeface="+mn-ea"/>
-                <a:cs typeface="+mn-cs"/>
-              </a:defRPr>
-            </a:lvl2pPr>
-            <a:lvl3pPr marL="914400" indent="0" algn="ctr" defTabSz="914400" rtl="0" eaLnBrk="1" latinLnBrk="0" hangingPunct="1">
-              <a:spcBef>
-                <a:spcPct val="20000"/>
-              </a:spcBef>
-              <a:buFont typeface="Arial" pitchFamily="34" charset="0"/>
-              <a:buNone/>
-              <a:defRPr sz="1600" kern="1200">
-                <a:solidFill>
-                  <a:schemeClr val="tx1">
-                    <a:tint val="75000"/>
-                  </a:schemeClr>
-                </a:solidFill>
-                <a:latin typeface="+mj-lt"/>
-                <a:ea typeface="+mn-ea"/>
-                <a:cs typeface="+mn-cs"/>
-              </a:defRPr>
-            </a:lvl3pPr>
-            <a:lvl4pPr marL="1371600" indent="0" algn="ctr" defTabSz="914400" rtl="0" eaLnBrk="1" latinLnBrk="0" hangingPunct="1">
-              <a:spcBef>
-                <a:spcPct val="20000"/>
-              </a:spcBef>
-              <a:buFont typeface="Courier New" pitchFamily="49" charset="0"/>
-              <a:buNone/>
-              <a:defRPr sz="1600" kern="1200">
-                <a:solidFill>
-                  <a:schemeClr val="tx1">
-                    <a:tint val="75000"/>
-                  </a:schemeClr>
-                </a:solidFill>
-                <a:latin typeface="+mj-lt"/>
-                <a:ea typeface="+mn-ea"/>
-                <a:cs typeface="+mn-cs"/>
-              </a:defRPr>
-            </a:lvl4pPr>
-            <a:lvl5pPr marL="1828800" indent="0" algn="ctr" defTabSz="914400" rtl="0" eaLnBrk="1" latinLnBrk="0" hangingPunct="1">
-              <a:spcBef>
-                <a:spcPct val="20000"/>
-              </a:spcBef>
-              <a:buFont typeface="Arial" pitchFamily="34" charset="0"/>
-              <a:buNone/>
-              <a:defRPr sz="1600" kern="1200">
-                <a:solidFill>
-                  <a:schemeClr val="tx1">
-                    <a:tint val="75000"/>
-                  </a:schemeClr>
-                </a:solidFill>
-                <a:latin typeface="+mj-lt"/>
-                <a:ea typeface="+mn-ea"/>
-                <a:cs typeface="+mn-cs"/>
-              </a:defRPr>
-            </a:lvl5pPr>
-            <a:lvl6pPr marL="2286000" indent="0" algn="ctr" defTabSz="914400" rtl="0" eaLnBrk="1" latinLnBrk="0" hangingPunct="1">
-              <a:spcBef>
-                <a:spcPct val="20000"/>
-              </a:spcBef>
-              <a:buFont typeface="Courier New" pitchFamily="49" charset="0"/>
-              <a:buNone/>
-              <a:defRPr sz="1600" kern="1200">
-                <a:solidFill>
-                  <a:schemeClr val="tx1">
-                    <a:tint val="75000"/>
-                  </a:schemeClr>
-                </a:solidFill>
-                <a:latin typeface="+mj-lt"/>
-                <a:ea typeface="+mn-ea"/>
-                <a:cs typeface="+mn-cs"/>
-              </a:defRPr>
-            </a:lvl6pPr>
-            <a:lvl7pPr marL="2743200" indent="0" algn="ctr" defTabSz="914400" rtl="0" eaLnBrk="1" latinLnBrk="0" hangingPunct="1">
-              <a:spcBef>
-                <a:spcPct val="20000"/>
-              </a:spcBef>
-              <a:buFont typeface="Arial" pitchFamily="34" charset="0"/>
-              <a:buNone/>
-              <a:defRPr sz="1600" kern="1200">
-                <a:solidFill>
-                  <a:schemeClr val="tx1">
-                    <a:tint val="75000"/>
-                  </a:schemeClr>
-                </a:solidFill>
-                <a:latin typeface="+mj-lt"/>
-                <a:ea typeface="+mn-ea"/>
-                <a:cs typeface="+mn-cs"/>
-              </a:defRPr>
-            </a:lvl7pPr>
-            <a:lvl8pPr marL="3200400" indent="0" algn="ctr" defTabSz="914400" rtl="0" eaLnBrk="1" latinLnBrk="0" hangingPunct="1">
-              <a:spcBef>
-                <a:spcPct val="20000"/>
-              </a:spcBef>
-              <a:buFont typeface="Courier New" pitchFamily="49" charset="0"/>
-              <a:buNone/>
-              <a:defRPr sz="1600" kern="1200">
-                <a:solidFill>
-                  <a:schemeClr val="tx1">
-                    <a:tint val="75000"/>
-                  </a:schemeClr>
-                </a:solidFill>
-                <a:latin typeface="+mj-lt"/>
-                <a:ea typeface="+mn-ea"/>
-                <a:cs typeface="+mn-cs"/>
-              </a:defRPr>
-            </a:lvl8pPr>
-            <a:lvl9pPr marL="3657600" indent="0" algn="ctr" defTabSz="914400" rtl="0" eaLnBrk="1" latinLnBrk="0" hangingPunct="1">
-              <a:spcBef>
-                <a:spcPct val="20000"/>
-              </a:spcBef>
-              <a:buFont typeface="Arial" pitchFamily="34" charset="0"/>
-              <a:buNone/>
-              <a:defRPr sz="1600" kern="1200">
-                <a:solidFill>
-                  <a:schemeClr val="tx1">
-                    <a:tint val="75000"/>
-                  </a:schemeClr>
-                </a:solidFill>
-                <a:latin typeface="+mj-lt"/>
-                <a:ea typeface="+mn-ea"/>
-                <a:cs typeface="+mn-cs"/>
-              </a:defRPr>
-            </a:lvl9pPr>
-          </a:lstStyle>
-          <a:p>
-            <a:r>
-              <a:rPr lang="en-US" dirty="0" smtClean="0"/>
-              <a:t>Display real test code using </a:t>
-            </a:r>
-            <a:r>
-              <a:rPr lang="en-US" dirty="0" err="1" smtClean="0"/>
-              <a:t>spyon</a:t>
-            </a:r>
-            <a:r>
-              <a:rPr lang="en-US" dirty="0" smtClean="0"/>
-              <a:t>()</a:t>
-            </a:r>
-            <a:endParaRPr lang="en-US" dirty="0"/>
+          <a:lstStyle/>
+          <a:p>
+            <a:pPr algn="l"/>
+            <a:r>
+              <a:rPr lang="en-US" b="1" dirty="0" smtClean="0"/>
+              <a:t>Calculator module</a:t>
+            </a:r>
+          </a:p>
+          <a:p>
+            <a:pPr algn="l"/>
+            <a:r>
+              <a:rPr lang="en-US" sz="2000" dirty="0" err="1"/>
+              <a:t>Calculator.prototype.configure</a:t>
+            </a:r>
+            <a:r>
+              <a:rPr lang="en-US" sz="2000" dirty="0"/>
+              <a:t> 	= function(</a:t>
+            </a:r>
+            <a:r>
+              <a:rPr lang="en-US" sz="2000" dirty="0" err="1"/>
+              <a:t>successCallback</a:t>
+            </a:r>
+            <a:r>
+              <a:rPr lang="en-US" sz="2000" dirty="0"/>
+              <a:t>, </a:t>
+            </a:r>
+            <a:r>
+              <a:rPr lang="en-US" sz="2000" dirty="0" smtClean="0"/>
+              <a:t> </a:t>
+            </a:r>
+          </a:p>
+          <a:p>
+            <a:pPr algn="l"/>
+            <a:r>
+              <a:rPr lang="en-US" sz="2000" dirty="0"/>
+              <a:t> </a:t>
+            </a:r>
+            <a:r>
+              <a:rPr lang="en-US" sz="2000" dirty="0" smtClean="0"/>
+              <a:t>                                                                                    </a:t>
+            </a:r>
+            <a:r>
+              <a:rPr lang="en-US" sz="2000" dirty="0" err="1" smtClean="0"/>
+              <a:t>errorCallback</a:t>
+            </a:r>
+            <a:r>
+              <a:rPr lang="en-US" sz="2000" dirty="0" smtClean="0"/>
+              <a:t>)  </a:t>
+            </a:r>
+            <a:endParaRPr lang="en-US" sz="2000" dirty="0"/>
+          </a:p>
+          <a:p>
+            <a:pPr algn="l"/>
+            <a:r>
+              <a:rPr lang="en-US" sz="2000" dirty="0" err="1"/>
+              <a:t>Calculator.prototype.add</a:t>
+            </a:r>
+            <a:r>
+              <a:rPr lang="en-US" sz="2000" dirty="0"/>
+              <a:t> 	</a:t>
+            </a:r>
+            <a:r>
+              <a:rPr lang="en-US" sz="2000" dirty="0" smtClean="0"/>
+              <a:t>             = </a:t>
+            </a:r>
+            <a:r>
+              <a:rPr lang="en-US" sz="2000" dirty="0"/>
+              <a:t>function(x, y) </a:t>
+            </a:r>
+          </a:p>
+          <a:p>
+            <a:pPr algn="l"/>
+            <a:r>
+              <a:rPr lang="en-US" sz="2000" dirty="0" err="1" smtClean="0"/>
+              <a:t>Calculator.prototype.asyncAdd</a:t>
+            </a:r>
+            <a:r>
+              <a:rPr lang="en-US" sz="2000" dirty="0" smtClean="0"/>
+              <a:t> </a:t>
+            </a:r>
+            <a:r>
+              <a:rPr lang="en-US" sz="2000" dirty="0"/>
+              <a:t>	= function(x, y) </a:t>
+            </a:r>
+          </a:p>
+          <a:p>
+            <a:pPr algn="l"/>
+            <a:r>
+              <a:rPr lang="en-US" sz="2000" dirty="0" err="1"/>
+              <a:t>Calculator.prototype.addAndDisplay</a:t>
+            </a:r>
+            <a:r>
+              <a:rPr lang="en-US" sz="2000" dirty="0"/>
+              <a:t> = function(x, y, </a:t>
+            </a:r>
+            <a:r>
+              <a:rPr lang="en-US" sz="2000" dirty="0" err="1"/>
+              <a:t>domEle</a:t>
+            </a:r>
+            <a:r>
+              <a:rPr lang="en-US" sz="2000" dirty="0"/>
+              <a:t>) </a:t>
+            </a:r>
+          </a:p>
+          <a:p>
+            <a:pPr algn="l"/>
+            <a:r>
+              <a:rPr lang="en-US" sz="2000" dirty="0" err="1"/>
+              <a:t>Calculator.prototype.substract</a:t>
+            </a:r>
+            <a:r>
+              <a:rPr lang="en-US" sz="2000" dirty="0"/>
+              <a:t> 	= function(x, y) </a:t>
+            </a:r>
+          </a:p>
+          <a:p>
+            <a:pPr algn="l"/>
+            <a:r>
+              <a:rPr lang="en-US" sz="2000" dirty="0" err="1"/>
+              <a:t>Calculator.prototype.multiply</a:t>
+            </a:r>
+            <a:r>
+              <a:rPr lang="en-US" sz="2000" dirty="0"/>
+              <a:t> 	= function(x, y) </a:t>
+            </a:r>
+            <a:endParaRPr lang="en-US" sz="2000" dirty="0"/>
           </a:p>
         </p:txBody>
       </p:sp>
     </p:spTree>
     <p:extLst>
       <p:ext uri="{BB962C8B-B14F-4D97-AF65-F5344CB8AC3E}">
-        <p14:creationId xmlns:p14="http://schemas.microsoft.com/office/powerpoint/2010/main" val="4071313435"/>
+        <p14:creationId xmlns:p14="http://schemas.microsoft.com/office/powerpoint/2010/main" val="2935351792"/>
       </p:ext>
     </p:extLst>
   </p:cSld>
@@ -6513,4 +9635,289 @@
   <a:objectDefaults/>
   <a:extraClrSchemeLst/>
 </a:theme>
+</file>
+
+<file path=ppt/theme/theme2.xml><?xml version="1.0" encoding="utf-8"?>
+<a:theme xmlns:a="http://schemas.openxmlformats.org/drawingml/2006/main" name="Office Theme">
+  <a:themeElements>
+    <a:clrScheme name="Office">
+      <a:dk1>
+        <a:sysClr val="windowText" lastClr="000000"/>
+      </a:dk1>
+      <a:lt1>
+        <a:sysClr val="window" lastClr="FFFFFF"/>
+      </a:lt1>
+      <a:dk2>
+        <a:srgbClr val="1F497D"/>
+      </a:dk2>
+      <a:lt2>
+        <a:srgbClr val="EEECE1"/>
+      </a:lt2>
+      <a:accent1>
+        <a:srgbClr val="4F81BD"/>
+      </a:accent1>
+      <a:accent2>
+        <a:srgbClr val="C0504D"/>
+      </a:accent2>
+      <a:accent3>
+        <a:srgbClr val="9BBB59"/>
+      </a:accent3>
+      <a:accent4>
+        <a:srgbClr val="8064A2"/>
+      </a:accent4>
+      <a:accent5>
+        <a:srgbClr val="4BACC6"/>
+      </a:accent5>
+      <a:accent6>
+        <a:srgbClr val="F79646"/>
+      </a:accent6>
+      <a:hlink>
+        <a:srgbClr val="0000FF"/>
+      </a:hlink>
+      <a:folHlink>
+        <a:srgbClr val="800080"/>
+      </a:folHlink>
+    </a:clrScheme>
+    <a:fontScheme name="Office">
+      <a:majorFont>
+        <a:latin typeface="Calibri"/>
+        <a:ea typeface=""/>
+        <a:cs typeface=""/>
+        <a:font script="Jpan" typeface="ＭＳ Ｐゴシック"/>
+        <a:font script="Hang" typeface="맑은 고딕"/>
+        <a:font script="Hans" typeface="宋体"/>
+        <a:font script="Hant" typeface="新細明體"/>
+        <a:font script="Arab" typeface="Times New Roman"/>
+        <a:font script="Hebr" typeface="Times New Roman"/>
+        <a:font script="Thai" typeface="Angsana New"/>
+        <a:font script="Ethi" typeface="Nyala"/>
+        <a:font script="Beng" typeface="Vrinda"/>
+        <a:font script="Gujr" typeface="Shruti"/>
+        <a:font script="Khmr" typeface="MoolBoran"/>
+        <a:font script="Knda" typeface="Tunga"/>
+        <a:font script="Guru" typeface="Raavi"/>
+        <a:font script="Cans" typeface="Euphemia"/>
+        <a:font script="Cher" typeface="Plantagenet Cherokee"/>
+        <a:font script="Yiii" typeface="Microsoft Yi Baiti"/>
+        <a:font script="Tibt" typeface="Microsoft Himalaya"/>
+        <a:font script="Thaa" typeface="MV Boli"/>
+        <a:font script="Deva" typeface="Mangal"/>
+        <a:font script="Telu" typeface="Gautami"/>
+        <a:font script="Taml" typeface="Latha"/>
+        <a:font script="Syrc" typeface="Estrangelo Edessa"/>
+        <a:font script="Orya" typeface="Kalinga"/>
+        <a:font script="Mlym" typeface="Kartika"/>
+        <a:font script="Laoo" typeface="DokChampa"/>
+        <a:font script="Sinh" typeface="Iskoola Pota"/>
+        <a:font script="Mong" typeface="Mongolian Baiti"/>
+        <a:font script="Viet" typeface="Times New Roman"/>
+        <a:font script="Uigh" typeface="Microsoft Uighur"/>
+        <a:font script="Geor" typeface="Sylfaen"/>
+      </a:majorFont>
+      <a:minorFont>
+        <a:latin typeface="Calibri"/>
+        <a:ea typeface=""/>
+        <a:cs typeface=""/>
+        <a:font script="Jpan" typeface="ＭＳ Ｐゴシック"/>
+        <a:font script="Hang" typeface="맑은 고딕"/>
+        <a:font script="Hans" typeface="宋体"/>
+        <a:font script="Hant" typeface="新細明體"/>
+        <a:font script="Arab" typeface="Arial"/>
+        <a:font script="Hebr" typeface="Arial"/>
+        <a:font script="Thai" typeface="Cordia New"/>
+        <a:font script="Ethi" typeface="Nyala"/>
+        <a:font script="Beng" typeface="Vrinda"/>
+        <a:font script="Gujr" typeface="Shruti"/>
+        <a:font script="Khmr" typeface="DaunPenh"/>
+        <a:font script="Knda" typeface="Tunga"/>
+        <a:font script="Guru" typeface="Raavi"/>
+        <a:font script="Cans" typeface="Euphemia"/>
+        <a:font script="Cher" typeface="Plantagenet Cherokee"/>
+        <a:font script="Yiii" typeface="Microsoft Yi Baiti"/>
+        <a:font script="Tibt" typeface="Microsoft Himalaya"/>
+        <a:font script="Thaa" typeface="MV Boli"/>
+        <a:font script="Deva" typeface="Mangal"/>
+        <a:font script="Telu" typeface="Gautami"/>
+        <a:font script="Taml" typeface="Latha"/>
+        <a:font script="Syrc" typeface="Estrangelo Edessa"/>
+        <a:font script="Orya" typeface="Kalinga"/>
+        <a:font script="Mlym" typeface="Kartika"/>
+        <a:font script="Laoo" typeface="DokChampa"/>
+        <a:font script="Sinh" typeface="Iskoola Pota"/>
+        <a:font script="Mong" typeface="Mongolian Baiti"/>
+        <a:font script="Viet" typeface="Arial"/>
+        <a:font script="Uigh" typeface="Microsoft Uighur"/>
+        <a:font script="Geor" typeface="Sylfaen"/>
+      </a:minorFont>
+    </a:fontScheme>
+    <a:fmtScheme name="Office">
+      <a:fillStyleLst>
+        <a:solidFill>
+          <a:schemeClr val="phClr"/>
+        </a:solidFill>
+        <a:gradFill rotWithShape="1">
+          <a:gsLst>
+            <a:gs pos="0">
+              <a:schemeClr val="phClr">
+                <a:tint val="50000"/>
+                <a:satMod val="300000"/>
+              </a:schemeClr>
+            </a:gs>
+            <a:gs pos="35000">
+              <a:schemeClr val="phClr">
+                <a:tint val="37000"/>
+                <a:satMod val="300000"/>
+              </a:schemeClr>
+            </a:gs>
+            <a:gs pos="100000">
+              <a:schemeClr val="phClr">
+                <a:tint val="15000"/>
+                <a:satMod val="350000"/>
+              </a:schemeClr>
+            </a:gs>
+          </a:gsLst>
+          <a:lin ang="16200000" scaled="1"/>
+        </a:gradFill>
+        <a:gradFill rotWithShape="1">
+          <a:gsLst>
+            <a:gs pos="0">
+              <a:schemeClr val="phClr">
+                <a:shade val="51000"/>
+                <a:satMod val="130000"/>
+              </a:schemeClr>
+            </a:gs>
+            <a:gs pos="80000">
+              <a:schemeClr val="phClr">
+                <a:shade val="93000"/>
+                <a:satMod val="130000"/>
+              </a:schemeClr>
+            </a:gs>
+            <a:gs pos="100000">
+              <a:schemeClr val="phClr">
+                <a:shade val="94000"/>
+                <a:satMod val="135000"/>
+              </a:schemeClr>
+            </a:gs>
+          </a:gsLst>
+          <a:lin ang="16200000" scaled="0"/>
+        </a:gradFill>
+      </a:fillStyleLst>
+      <a:lnStyleLst>
+        <a:ln w="9525" cap="flat" cmpd="sng" algn="ctr">
+          <a:solidFill>
+            <a:schemeClr val="phClr">
+              <a:shade val="95000"/>
+              <a:satMod val="105000"/>
+            </a:schemeClr>
+          </a:solidFill>
+          <a:prstDash val="solid"/>
+        </a:ln>
+        <a:ln w="25400" cap="flat" cmpd="sng" algn="ctr">
+          <a:solidFill>
+            <a:schemeClr val="phClr"/>
+          </a:solidFill>
+          <a:prstDash val="solid"/>
+        </a:ln>
+        <a:ln w="38100" cap="flat" cmpd="sng" algn="ctr">
+          <a:solidFill>
+            <a:schemeClr val="phClr"/>
+          </a:solidFill>
+          <a:prstDash val="solid"/>
+        </a:ln>
+      </a:lnStyleLst>
+      <a:effectStyleLst>
+        <a:effectStyle>
+          <a:effectLst>
+            <a:outerShdw blurRad="40000" dist="20000" dir="5400000" rotWithShape="0">
+              <a:srgbClr val="000000">
+                <a:alpha val="38000"/>
+              </a:srgbClr>
+            </a:outerShdw>
+          </a:effectLst>
+        </a:effectStyle>
+        <a:effectStyle>
+          <a:effectLst>
+            <a:outerShdw blurRad="40000" dist="23000" dir="5400000" rotWithShape="0">
+              <a:srgbClr val="000000">
+                <a:alpha val="35000"/>
+              </a:srgbClr>
+            </a:outerShdw>
+          </a:effectLst>
+        </a:effectStyle>
+        <a:effectStyle>
+          <a:effectLst>
+            <a:outerShdw blurRad="40000" dist="23000" dir="5400000" rotWithShape="0">
+              <a:srgbClr val="000000">
+                <a:alpha val="35000"/>
+              </a:srgbClr>
+            </a:outerShdw>
+          </a:effectLst>
+          <a:scene3d>
+            <a:camera prst="orthographicFront">
+              <a:rot lat="0" lon="0" rev="0"/>
+            </a:camera>
+            <a:lightRig rig="threePt" dir="t">
+              <a:rot lat="0" lon="0" rev="1200000"/>
+            </a:lightRig>
+          </a:scene3d>
+          <a:sp3d>
+            <a:bevelT w="63500" h="25400"/>
+          </a:sp3d>
+        </a:effectStyle>
+      </a:effectStyleLst>
+      <a:bgFillStyleLst>
+        <a:solidFill>
+          <a:schemeClr val="phClr"/>
+        </a:solidFill>
+        <a:gradFill rotWithShape="1">
+          <a:gsLst>
+            <a:gs pos="0">
+              <a:schemeClr val="phClr">
+                <a:tint val="40000"/>
+                <a:satMod val="350000"/>
+              </a:schemeClr>
+            </a:gs>
+            <a:gs pos="40000">
+              <a:schemeClr val="phClr">
+                <a:tint val="45000"/>
+                <a:shade val="99000"/>
+                <a:satMod val="350000"/>
+              </a:schemeClr>
+            </a:gs>
+            <a:gs pos="100000">
+              <a:schemeClr val="phClr">
+                <a:shade val="20000"/>
+                <a:satMod val="255000"/>
+              </a:schemeClr>
+            </a:gs>
+          </a:gsLst>
+          <a:path path="circle">
+            <a:fillToRect l="50000" t="-80000" r="50000" b="180000"/>
+          </a:path>
+        </a:gradFill>
+        <a:gradFill rotWithShape="1">
+          <a:gsLst>
+            <a:gs pos="0">
+              <a:schemeClr val="phClr">
+                <a:tint val="80000"/>
+                <a:satMod val="300000"/>
+              </a:schemeClr>
+            </a:gs>
+            <a:gs pos="100000">
+              <a:schemeClr val="phClr">
+                <a:shade val="30000"/>
+                <a:satMod val="200000"/>
+              </a:schemeClr>
+            </a:gs>
+          </a:gsLst>
+          <a:path path="circle">
+            <a:fillToRect l="50000" t="50000" r="50000" b="50000"/>
+          </a:path>
+        </a:gradFill>
+      </a:bgFillStyleLst>
+    </a:fmtScheme>
+  </a:themeElements>
+  <a:objectDefaults/>
+  <a:extraClrSchemeLst/>
+</a:theme>
 </file>
--- a/brownbag/jamine/tech-presentation-jasmine.pptx
+++ b/brownbag/jamine/tech-presentation-jasmine.pptx
@@ -4716,21 +4716,45 @@
         </p:nvSpPr>
         <p:spPr>
           <a:xfrm>
-            <a:off x="1219200" y="1600200"/>
-            <a:ext cx="6400800" cy="1219200"/>
+            <a:off x="838200" y="1295400"/>
+            <a:ext cx="7010400" cy="3200400"/>
           </a:xfrm>
         </p:spPr>
         <p:txBody>
-          <a:bodyPr/>
-          <a:lstStyle/>
-          <a:p>
+          <a:bodyPr>
+            <a:normAutofit/>
+          </a:bodyPr>
+          <a:lstStyle/>
+          <a:p>
+            <a:pPr marL="342900" indent="-342900" algn="l">
+              <a:buFont typeface="Arial" panose="020B0604020202020204" pitchFamily="34" charset="0"/>
+              <a:buChar char="•"/>
+            </a:pPr>
             <a:r>
               <a:rPr lang="en-US" dirty="0" smtClean="0"/>
-              <a:t> </a:t>
-            </a:r>
-            <a:r>
-              <a:rPr lang="en-US" smtClean="0"/>
-              <a:t>code demo</a:t>
+              <a:t>Use </a:t>
+            </a:r>
+            <a:r>
+              <a:rPr lang="en-US" dirty="0" err="1" smtClean="0"/>
+              <a:t>jasmine.clock</a:t>
+            </a:r>
+            <a:r>
+              <a:rPr lang="en-US" dirty="0" smtClean="0"/>
+              <a:t>() to speed up timeout expiration</a:t>
+            </a:r>
+          </a:p>
+          <a:p>
+            <a:pPr algn="l"/>
+            <a:endParaRPr lang="en-US" dirty="0"/>
+          </a:p>
+          <a:p>
+            <a:r>
+              <a:rPr lang="en-US" dirty="0" smtClean="0"/>
+              <a:t>code </a:t>
+            </a:r>
+            <a:r>
+              <a:rPr lang="en-US" dirty="0" smtClean="0"/>
+              <a:t>demo</a:t>
             </a:r>
             <a:endParaRPr lang="en-US" dirty="0"/>
           </a:p>
@@ -6795,7 +6819,6 @@
               <a:rPr lang="en-US" dirty="0" smtClean="0"/>
               <a:t>.</a:t>
             </a:r>
-            <a:endParaRPr lang="en-US" dirty="0" smtClean="0"/>
           </a:p>
           <a:p>
             <a:pPr marL="342900" indent="-342900" algn="l">
@@ -6830,7 +6853,6 @@
               <a:rPr lang="en-US" dirty="0" smtClean="0"/>
               <a:t>source with MIT license.</a:t>
             </a:r>
-            <a:endParaRPr lang="en-US" dirty="0" smtClean="0"/>
           </a:p>
         </p:txBody>
       </p:sp>
@@ -6887,11 +6909,7 @@
             <a:pPr algn="l"/>
             <a:r>
               <a:rPr lang="en-US" sz="4000" dirty="0" smtClean="0"/>
-              <a:t>Downloading Jasmine</a:t>
-            </a:r>
-            <a:r>
-              <a:rPr lang="en-US" sz="4000" dirty="0" smtClean="0"/>
-              <a:t>?</a:t>
+              <a:t>Downloading Jasmine?</a:t>
             </a:r>
             <a:endParaRPr lang="en-US" sz="4000" dirty="0"/>
           </a:p>
@@ -7323,15 +7341,7 @@
             </a:r>
             <a:r>
               <a:rPr lang="en-US" dirty="0" smtClean="0"/>
-              <a:t>        it( “should do something         ) { </a:t>
-            </a:r>
-            <a:r>
-              <a:rPr lang="en-US" dirty="0" smtClean="0"/>
-              <a:t>// test logic </a:t>
-            </a:r>
-            <a:r>
-              <a:rPr lang="en-US" dirty="0" smtClean="0"/>
-              <a:t>}</a:t>
+              <a:t>        it( “should do something         ) { // test logic }</a:t>
             </a:r>
           </a:p>
           <a:p>
@@ -7512,7 +7522,6 @@
               <a:rPr lang="en-US" dirty="0" smtClean="0"/>
               <a:t> </a:t>
             </a:r>
-            <a:endParaRPr lang="en-US" dirty="0" smtClean="0"/>
           </a:p>
         </p:txBody>
       </p:sp>
@@ -7935,7 +7944,6 @@
               <a:rPr lang="en-US" dirty="0" smtClean="0"/>
               <a:t> </a:t>
             </a:r>
-            <a:endParaRPr lang="en-US" dirty="0" smtClean="0"/>
           </a:p>
         </p:txBody>
       </p:sp>
@@ -8817,7 +8825,6 @@
               <a:rPr lang="en-US" dirty="0" smtClean="0"/>
               <a:t> </a:t>
             </a:r>
-            <a:endParaRPr lang="en-US" dirty="0" smtClean="0"/>
           </a:p>
         </p:txBody>
       </p:sp>
@@ -9062,7 +9069,6 @@
               <a:rPr lang="en-US" dirty="0" smtClean="0"/>
               <a:t>().</a:t>
             </a:r>
-            <a:endParaRPr lang="en-US" dirty="0" smtClean="0"/>
           </a:p>
         </p:txBody>
       </p:sp>
@@ -9340,7 +9346,6 @@
               <a:rPr lang="en-US" sz="2000" dirty="0"/>
               <a:t> 	= function(x, y) </a:t>
             </a:r>
-            <a:endParaRPr lang="en-US" sz="2000" dirty="0"/>
           </a:p>
         </p:txBody>
       </p:sp>

--- a/brownbag/jamine/tech-presentation-jasmine.pptx
+++ b/brownbag/jamine/tech-presentation-jasmine.pptx
@@ -5,7 +5,7 @@
     <p:sldMasterId id="2147483648" r:id="rId1"/>
   </p:sldMasterIdLst>
   <p:notesMasterIdLst>
-    <p:notesMasterId r:id="rId20"/>
+    <p:notesMasterId r:id="rId23"/>
   </p:notesMasterIdLst>
   <p:sldIdLst>
     <p:sldId id="256" r:id="rId2"/>
@@ -21,11 +21,14 @@
     <p:sldId id="261" r:id="rId12"/>
     <p:sldId id="262" r:id="rId13"/>
     <p:sldId id="263" r:id="rId14"/>
-    <p:sldId id="264" r:id="rId15"/>
-    <p:sldId id="268" r:id="rId16"/>
-    <p:sldId id="265" r:id="rId17"/>
-    <p:sldId id="266" r:id="rId18"/>
-    <p:sldId id="267" r:id="rId19"/>
+    <p:sldId id="274" r:id="rId15"/>
+    <p:sldId id="275" r:id="rId16"/>
+    <p:sldId id="264" r:id="rId17"/>
+    <p:sldId id="268" r:id="rId18"/>
+    <p:sldId id="265" r:id="rId19"/>
+    <p:sldId id="266" r:id="rId20"/>
+    <p:sldId id="276" r:id="rId21"/>
+    <p:sldId id="267" r:id="rId22"/>
   </p:sldIdLst>
   <p:sldSz cx="9144000" cy="6858000" type="screen4x3"/>
   <p:notesSz cx="6858000" cy="9144000"/>
@@ -124,6 +127,22 @@
       </a:defRPr>
     </a:lvl9pPr>
   </p:defaultTextStyle>
+  <p:extLst>
+    <p:ext uri="{EFAFB233-063F-42B5-8137-9DF3F51BA10A}">
+      <p15:sldGuideLst xmlns:p15="http://schemas.microsoft.com/office/powerpoint/2012/main">
+        <p15:guide id="1" orient="horz" pos="2160">
+          <p15:clr>
+            <a:srgbClr val="A4A3A4"/>
+          </p15:clr>
+        </p15:guide>
+        <p15:guide id="2" pos="2880">
+          <p15:clr>
+            <a:srgbClr val="A4A3A4"/>
+          </p15:clr>
+        </p15:guide>
+      </p15:sldGuideLst>
+    </p:ext>
+  </p:extLst>
 </p:presentation>
 </file>
 
@@ -209,7 +228,7 @@
           <a:p>
             <a:fld id="{436134EC-835B-48D8-BDB5-96D4A8A8ACE7}" type="datetimeFigureOut">
               <a:rPr lang="en-US" smtClean="0"/>
-              <a:t>11/8/2015</a:t>
+              <a:t>11/9/2015</a:t>
             </a:fld>
             <a:endParaRPr lang="en-US"/>
           </a:p>
@@ -845,7 +864,7 @@
           <a:p>
             <a:fld id="{216C5678-EE20-4FA5-88E2-6E0BD67A2E26}" type="datetime1">
               <a:rPr lang="en-US" smtClean="0"/>
-              <a:t>11/8/2015</a:t>
+              <a:t>11/9/2015</a:t>
             </a:fld>
             <a:endParaRPr lang="en-US" dirty="0"/>
           </a:p>
@@ -1015,7 +1034,7 @@
           <a:p>
             <a:fld id="{EA051B39-B140-43FE-96DB-472A2B59CE7C}" type="datetime1">
               <a:rPr lang="en-US" smtClean="0"/>
-              <a:t>11/8/2015</a:t>
+              <a:t>11/9/2015</a:t>
             </a:fld>
             <a:endParaRPr lang="en-US"/>
           </a:p>
@@ -1195,7 +1214,7 @@
           <a:p>
             <a:fld id="{DA600BB2-27C5-458B-ABCE-839C88CF47CE}" type="datetime1">
               <a:rPr lang="en-US" smtClean="0"/>
-              <a:t>11/8/2015</a:t>
+              <a:t>11/9/2015</a:t>
             </a:fld>
             <a:endParaRPr lang="en-US"/>
           </a:p>
@@ -1383,7 +1402,7 @@
           <a:p>
             <a:fld id="{B11D738E-8962-435F-8C43-147B8DD7E819}" type="datetime1">
               <a:rPr lang="en-US" smtClean="0"/>
-              <a:t>11/8/2015</a:t>
+              <a:t>11/9/2015</a:t>
             </a:fld>
             <a:endParaRPr lang="en-US"/>
           </a:p>
@@ -1650,7 +1669,7 @@
           <a:p>
             <a:fld id="{09CAEA93-55E7-4DA9-90C2-089A26EEFEC4}" type="datetime1">
               <a:rPr lang="en-US" smtClean="0"/>
-              <a:t>11/8/2015</a:t>
+              <a:t>11/9/2015</a:t>
             </a:fld>
             <a:endParaRPr lang="en-US"/>
           </a:p>
@@ -2003,7 +2022,7 @@
           <a:p>
             <a:fld id="{E34CF3C7-6809-4F39-BD67-A75817BDDE0A}" type="datetime1">
               <a:rPr lang="en-US" smtClean="0"/>
-              <a:t>11/8/2015</a:t>
+              <a:t>11/9/2015</a:t>
             </a:fld>
             <a:endParaRPr lang="en-US"/>
           </a:p>
@@ -2316,7 +2335,7 @@
           <a:p>
             <a:fld id="{F7EAEB24-CE78-465C-A726-91D0868FA48F}" type="datetime1">
               <a:rPr lang="en-US" smtClean="0"/>
-              <a:t>11/8/2015</a:t>
+              <a:t>11/9/2015</a:t>
             </a:fld>
             <a:endParaRPr lang="en-US"/>
           </a:p>
@@ -2548,7 +2567,7 @@
           <a:p>
             <a:fld id="{40BAADF0-1749-4E8B-9691-B44A5F8C0895}" type="datetime1">
               <a:rPr lang="en-US" smtClean="0"/>
-              <a:t>11/8/2015</a:t>
+              <a:t>11/9/2015</a:t>
             </a:fld>
             <a:endParaRPr lang="en-US"/>
           </a:p>
@@ -2643,7 +2662,7 @@
           <a:p>
             <a:fld id="{A8AF628A-A867-4937-BBE5-207DB6F9C51A}" type="datetime1">
               <a:rPr lang="en-US" smtClean="0"/>
-              <a:t>11/8/2015</a:t>
+              <a:t>11/9/2015</a:t>
             </a:fld>
             <a:endParaRPr lang="en-US"/>
           </a:p>
@@ -2936,7 +2955,7 @@
           <a:p>
             <a:fld id="{118BBB94-68E6-4675-A946-F1C5994EDBD7}" type="datetime1">
               <a:rPr lang="en-US" smtClean="0"/>
-              <a:t>11/8/2015</a:t>
+              <a:t>11/9/2015</a:t>
             </a:fld>
             <a:endParaRPr lang="en-US"/>
           </a:p>
@@ -3210,7 +3229,7 @@
           <a:p>
             <a:fld id="{DC3B8377-21E3-4835-B75D-4E2847E2750F}" type="datetime1">
               <a:rPr lang="en-US" smtClean="0"/>
-              <a:t>11/8/2015</a:t>
+              <a:t>11/9/2015</a:t>
             </a:fld>
             <a:endParaRPr lang="en-US"/>
           </a:p>
@@ -3425,7 +3444,7 @@
           <a:p>
             <a:fld id="{B0C4986D-6BE9-4264-908F-02DB36FD8D6C}" type="datetime1">
               <a:rPr lang="en-US" smtClean="0"/>
-              <a:t>11/8/2015</a:t>
+              <a:t>11/9/2015</a:t>
             </a:fld>
             <a:endParaRPr lang="en-US" dirty="0"/>
           </a:p>
@@ -4031,7 +4050,7 @@
           <a:p>
             <a:fld id="{216C5678-EE20-4FA5-88E2-6E0BD67A2E26}" type="datetime1">
               <a:rPr lang="en-US" smtClean="0"/>
-              <a:t>11/8/2015</a:t>
+              <a:t>11/9/2015</a:t>
             </a:fld>
             <a:endParaRPr lang="en-US" dirty="0"/>
           </a:p>
@@ -4160,7 +4179,7 @@
           <a:p>
             <a:fld id="{216C5678-EE20-4FA5-88E2-6E0BD67A2E26}" type="datetime1">
               <a:rPr lang="en-US" smtClean="0"/>
-              <a:t>11/8/2015</a:t>
+              <a:t>11/9/2015</a:t>
             </a:fld>
             <a:endParaRPr lang="en-US" dirty="0"/>
           </a:p>
@@ -4321,7 +4340,7 @@
           <a:p>
             <a:fld id="{216C5678-EE20-4FA5-88E2-6E0BD67A2E26}" type="datetime1">
               <a:rPr lang="en-US" smtClean="0"/>
-              <a:t>11/8/2015</a:t>
+              <a:t>11/9/2015</a:t>
             </a:fld>
             <a:endParaRPr lang="en-US" dirty="0"/>
           </a:p>
@@ -4651,7 +4670,7 @@
           <a:p>
             <a:fld id="{216C5678-EE20-4FA5-88E2-6E0BD67A2E26}" type="datetime1">
               <a:rPr lang="en-US" smtClean="0"/>
-              <a:t>11/8/2015</a:t>
+              <a:t>11/9/2015</a:t>
             </a:fld>
             <a:endParaRPr lang="en-US" dirty="0"/>
           </a:p>
@@ -4750,11 +4769,7 @@
           <a:p>
             <a:r>
               <a:rPr lang="en-US" dirty="0" smtClean="0"/>
-              <a:t>code </a:t>
-            </a:r>
-            <a:r>
-              <a:rPr lang="en-US" dirty="0" smtClean="0"/>
-              <a:t>demo</a:t>
+              <a:t>code demo</a:t>
             </a:r>
             <a:endParaRPr lang="en-US" dirty="0"/>
           </a:p>
@@ -4840,7 +4855,7 @@
           <a:p>
             <a:fld id="{216C5678-EE20-4FA5-88E2-6E0BD67A2E26}" type="datetime1">
               <a:rPr lang="en-US" smtClean="0"/>
-              <a:t>11/8/2015</a:t>
+              <a:t>11/9/2015</a:t>
             </a:fld>
             <a:endParaRPr lang="en-US" dirty="0"/>
           </a:p>
@@ -4905,26 +4920,230 @@
         </p:nvSpPr>
         <p:spPr>
           <a:xfrm>
-            <a:off x="1219200" y="1600200"/>
-            <a:ext cx="6400800" cy="1219200"/>
+            <a:off x="137465" y="990600"/>
+            <a:ext cx="8686800" cy="5548312"/>
           </a:xfrm>
         </p:spPr>
         <p:txBody>
-          <a:bodyPr/>
-          <a:lstStyle/>
-          <a:p>
+          <a:bodyPr>
+            <a:normAutofit/>
+          </a:bodyPr>
+          <a:lstStyle/>
+          <a:p>
+            <a:pPr marL="342900" indent="-342900" algn="l">
+              <a:buFont typeface="Arial" panose="020B0604020202020204" pitchFamily="34" charset="0"/>
+              <a:buChar char="•"/>
+            </a:pPr>
+            <a:r>
+              <a:rPr lang="en-US" dirty="0" smtClean="0"/>
+              <a:t>Use Spy to intercept $.ajax() </a:t>
+            </a:r>
+          </a:p>
+          <a:p>
+            <a:pPr algn="l"/>
+            <a:r>
+              <a:rPr lang="en-US" dirty="0" smtClean="0"/>
+              <a:t>    Syntax </a:t>
+            </a:r>
+            <a:r>
+              <a:rPr lang="en-US" dirty="0" err="1" smtClean="0"/>
+              <a:t>spyOn</a:t>
+            </a:r>
+            <a:r>
+              <a:rPr lang="en-US" dirty="0" smtClean="0"/>
+              <a:t>( object, “function to intercept” )</a:t>
+            </a:r>
+          </a:p>
+          <a:p>
+            <a:pPr algn="l"/>
             <a:r>
               <a:rPr lang="en-US" dirty="0"/>
-              <a:t>Display </a:t>
+              <a:t> </a:t>
             </a:r>
             <a:r>
               <a:rPr lang="en-US" dirty="0" smtClean="0"/>
-              <a:t>configure() function </a:t>
-            </a:r>
+              <a:t>                e.g. </a:t>
+            </a:r>
+            <a:r>
+              <a:rPr lang="en-US" dirty="0" err="1" smtClean="0"/>
+              <a:t>spyOn</a:t>
+            </a:r>
+            <a:r>
+              <a:rPr lang="en-US" dirty="0" smtClean="0"/>
+              <a:t>( $, “ajax” )</a:t>
+            </a:r>
+          </a:p>
+          <a:p>
+            <a:pPr marL="342900" indent="-342900" algn="l">
+              <a:buFont typeface="Arial" panose="020B0604020202020204" pitchFamily="34" charset="0"/>
+              <a:buChar char="•"/>
+            </a:pPr>
+            <a:r>
+              <a:rPr lang="en-US" dirty="0" smtClean="0"/>
+              <a:t>Some spying functions</a:t>
+            </a:r>
+          </a:p>
+          <a:p>
+            <a:pPr algn="l"/>
             <a:r>
               <a:rPr lang="en-US" dirty="0"/>
-              <a:t>and show failed test</a:t>
-            </a:r>
+              <a:t>	</a:t>
+            </a:r>
+            <a:r>
+              <a:rPr lang="en-US" dirty="0" err="1" smtClean="0"/>
+              <a:t>spyOn</a:t>
+            </a:r>
+            <a:r>
+              <a:rPr lang="en-US" dirty="0" smtClean="0"/>
+              <a:t>().</a:t>
+            </a:r>
+            <a:r>
+              <a:rPr lang="en-US" dirty="0" err="1" smtClean="0"/>
+              <a:t>and.callThough</a:t>
+            </a:r>
+            <a:r>
+              <a:rPr lang="en-US" dirty="0" smtClean="0"/>
+              <a:t>() </a:t>
+            </a:r>
+          </a:p>
+          <a:p>
+            <a:pPr algn="l"/>
+            <a:r>
+              <a:rPr lang="en-US" dirty="0" smtClean="0"/>
+              <a:t>   	</a:t>
+            </a:r>
+            <a:r>
+              <a:rPr lang="en-US" dirty="0" err="1" smtClean="0"/>
+              <a:t>spyOn</a:t>
+            </a:r>
+            <a:r>
+              <a:rPr lang="en-US" dirty="0" smtClean="0"/>
+              <a:t>().</a:t>
+            </a:r>
+            <a:r>
+              <a:rPr lang="en-US" dirty="0" err="1" smtClean="0"/>
+              <a:t>and.callFake</a:t>
+            </a:r>
+            <a:r>
+              <a:rPr lang="en-US" dirty="0" smtClean="0"/>
+              <a:t>()</a:t>
+            </a:r>
+          </a:p>
+          <a:p>
+            <a:pPr algn="l"/>
+            <a:r>
+              <a:rPr lang="en-US" dirty="0" smtClean="0"/>
+              <a:t>	</a:t>
+            </a:r>
+            <a:r>
+              <a:rPr lang="en-US" dirty="0" err="1" smtClean="0"/>
+              <a:t>spyOn</a:t>
+            </a:r>
+            <a:r>
+              <a:rPr lang="en-US" dirty="0" smtClean="0"/>
+              <a:t>().</a:t>
+            </a:r>
+            <a:r>
+              <a:rPr lang="en-US" dirty="0" err="1" smtClean="0"/>
+              <a:t>and.throwError</a:t>
+            </a:r>
+            <a:r>
+              <a:rPr lang="en-US" dirty="0" smtClean="0"/>
+              <a:t>()</a:t>
+            </a:r>
+          </a:p>
+          <a:p>
+            <a:pPr algn="l"/>
+            <a:r>
+              <a:rPr lang="en-US" dirty="0" smtClean="0"/>
+              <a:t>	</a:t>
+            </a:r>
+            <a:r>
+              <a:rPr lang="en-US" dirty="0" err="1" smtClean="0"/>
+              <a:t>spyOn</a:t>
+            </a:r>
+            <a:r>
+              <a:rPr lang="en-US" dirty="0"/>
+              <a:t>().</a:t>
+            </a:r>
+            <a:r>
+              <a:rPr lang="en-US" dirty="0" err="1" smtClean="0"/>
+              <a:t>and.returnValue</a:t>
+            </a:r>
+            <a:r>
+              <a:rPr lang="en-US" dirty="0" smtClean="0"/>
+              <a:t>()</a:t>
+            </a:r>
+            <a:endParaRPr lang="en-US" dirty="0"/>
+          </a:p>
+          <a:p>
+            <a:pPr marL="342900" indent="-342900" algn="l">
+              <a:buFont typeface="Arial" panose="020B0604020202020204" pitchFamily="34" charset="0"/>
+              <a:buChar char="•"/>
+            </a:pPr>
+            <a:r>
+              <a:rPr lang="en-US" dirty="0" smtClean="0"/>
+              <a:t>Some </a:t>
+            </a:r>
+            <a:r>
+              <a:rPr lang="en-US" dirty="0" err="1" smtClean="0"/>
+              <a:t>expections</a:t>
+            </a:r>
+            <a:r>
+              <a:rPr lang="en-US" dirty="0" smtClean="0"/>
+              <a:t> to perform on spied object</a:t>
+            </a:r>
+          </a:p>
+          <a:p>
+            <a:pPr algn="l"/>
+            <a:r>
+              <a:rPr lang="en-US" dirty="0"/>
+              <a:t> </a:t>
+            </a:r>
+            <a:r>
+              <a:rPr lang="en-US" dirty="0" smtClean="0"/>
+              <a:t>        expect( $.ajax ).</a:t>
+            </a:r>
+            <a:r>
+              <a:rPr lang="en-US" dirty="0" err="1" smtClean="0"/>
+              <a:t>toHaveBeenCalled</a:t>
+            </a:r>
+            <a:r>
+              <a:rPr lang="en-US" dirty="0" smtClean="0"/>
+              <a:t>()</a:t>
+            </a:r>
+          </a:p>
+          <a:p>
+            <a:pPr algn="l"/>
+            <a:r>
+              <a:rPr lang="en-US" dirty="0" smtClean="0"/>
+              <a:t>         </a:t>
+            </a:r>
+            <a:r>
+              <a:rPr lang="en-US" dirty="0"/>
+              <a:t>expect( $.</a:t>
+            </a:r>
+            <a:r>
+              <a:rPr lang="en-US" dirty="0" err="1" smtClean="0"/>
+              <a:t>ajax.calls.count</a:t>
+            </a:r>
+            <a:r>
+              <a:rPr lang="en-US" dirty="0" smtClean="0"/>
+              <a:t>() ).</a:t>
+            </a:r>
+            <a:r>
+              <a:rPr lang="en-US" dirty="0" err="1" smtClean="0"/>
+              <a:t>toEquals</a:t>
+            </a:r>
+            <a:r>
+              <a:rPr lang="en-US" dirty="0" smtClean="0"/>
+              <a:t>(1)</a:t>
+            </a:r>
+            <a:endParaRPr lang="en-US" dirty="0"/>
+          </a:p>
+          <a:p>
+            <a:pPr algn="l"/>
+            <a:endParaRPr lang="en-US" dirty="0"/>
           </a:p>
         </p:txBody>
       </p:sp>
@@ -4985,7 +5204,11 @@
             </a:r>
             <a:r>
               <a:rPr lang="en-US" sz="4000" dirty="0" smtClean="0"/>
-              <a:t> Testing for ajax (</a:t>
+              <a:t> Testing for </a:t>
+            </a:r>
+            <a:r>
+              <a:rPr lang="en-US" sz="4000" dirty="0" smtClean="0"/>
+              <a:t>ajax (</a:t>
             </a:r>
             <a:r>
               <a:rPr lang="en-US" sz="4000" dirty="0" err="1" smtClean="0"/>
@@ -5016,7 +5239,7 @@
           <a:p>
             <a:fld id="{216C5678-EE20-4FA5-88E2-6E0BD67A2E26}" type="datetime1">
               <a:rPr lang="en-US" smtClean="0"/>
-              <a:t>11/8/2015</a:t>
+              <a:t>11/9/2015</a:t>
             </a:fld>
             <a:endParaRPr lang="en-US" dirty="0"/>
           </a:p>
@@ -5071,201 +5294,89 @@
       </p:sp>
       <p:sp>
         <p:nvSpPr>
-          <p:cNvPr id="8" name="Subtitle 2"/>
-          <p:cNvSpPr txBox="1">
-            <a:spLocks/>
-          </p:cNvSpPr>
-          <p:nvPr/>
+          <p:cNvPr id="7" name="Subtitle 2"/>
+          <p:cNvSpPr>
+            <a:spLocks noGrp="1"/>
+          </p:cNvSpPr>
+          <p:nvPr>
+            <p:ph type="subTitle" idx="1"/>
+          </p:nvPr>
         </p:nvSpPr>
         <p:spPr>
           <a:xfrm>
-            <a:off x="1219200" y="1600200"/>
-            <a:ext cx="6400800" cy="1219200"/>
+            <a:off x="228600" y="1066799"/>
+            <a:ext cx="8686800" cy="1265417"/>
+          </a:xfrm>
+        </p:spPr>
+        <p:txBody>
+          <a:bodyPr>
+            <a:normAutofit lnSpcReduction="10000"/>
+          </a:bodyPr>
+          <a:lstStyle/>
+          <a:p>
+            <a:pPr algn="l"/>
+            <a:r>
+              <a:rPr lang="en-US" dirty="0" err="1" smtClean="0"/>
+              <a:t>spyOn</a:t>
+            </a:r>
+            <a:r>
+              <a:rPr lang="en-US" dirty="0" smtClean="0"/>
+              <a:t>().</a:t>
+            </a:r>
+            <a:r>
+              <a:rPr lang="en-US" dirty="0" err="1" smtClean="0"/>
+              <a:t>and.callThough</a:t>
+            </a:r>
+            <a:r>
+              <a:rPr lang="en-US" dirty="0" smtClean="0"/>
+              <a:t>() – intercept and invoke the </a:t>
+            </a:r>
+          </a:p>
+          <a:p>
+            <a:pPr algn="l"/>
+            <a:r>
+              <a:rPr lang="en-US" dirty="0" smtClean="0"/>
+              <a:t>real function </a:t>
+            </a:r>
+          </a:p>
+          <a:p>
+            <a:pPr algn="l"/>
+            <a:r>
+              <a:rPr lang="en-US" dirty="0" smtClean="0"/>
+              <a:t>   	</a:t>
+            </a:r>
+            <a:endParaRPr lang="en-US" dirty="0"/>
+          </a:p>
+        </p:txBody>
+      </p:sp>
+      <p:pic>
+        <p:nvPicPr>
+          <p:cNvPr id="8" name="Picture 7"/>
+          <p:cNvPicPr>
+            <a:picLocks noChangeAspect="1"/>
+          </p:cNvPicPr>
+          <p:nvPr/>
+        </p:nvPicPr>
+        <p:blipFill>
+          <a:blip r:embed="rId2"/>
+          <a:stretch>
+            <a:fillRect/>
+          </a:stretch>
+        </p:blipFill>
+        <p:spPr>
+          <a:xfrm>
+            <a:off x="914400" y="2149654"/>
+            <a:ext cx="7141415" cy="4389258"/>
           </a:xfrm>
           <a:prstGeom prst="rect">
             <a:avLst/>
           </a:prstGeom>
         </p:spPr>
-        <p:txBody>
-          <a:bodyPr vert="horz" lIns="91440" tIns="45720" rIns="91440" bIns="45720" rtlCol="0">
-            <a:normAutofit/>
-          </a:bodyPr>
-          <a:lstStyle>
-            <a:lvl1pPr marL="0" indent="0" algn="ctr" defTabSz="914400" rtl="0" eaLnBrk="1" latinLnBrk="0" hangingPunct="1">
-              <a:spcBef>
-                <a:spcPct val="20000"/>
-              </a:spcBef>
-              <a:buFont typeface="Arial" pitchFamily="34" charset="0"/>
-              <a:buNone/>
-              <a:defRPr sz="2400" kern="1200">
-                <a:solidFill>
-                  <a:schemeClr val="tx1">
-                    <a:tint val="75000"/>
-                  </a:schemeClr>
-                </a:solidFill>
-                <a:latin typeface="+mj-lt"/>
-                <a:ea typeface="+mn-ea"/>
-                <a:cs typeface="+mn-cs"/>
-              </a:defRPr>
-            </a:lvl1pPr>
-            <a:lvl2pPr marL="457200" indent="0" algn="ctr" defTabSz="914400" rtl="0" eaLnBrk="1" latinLnBrk="0" hangingPunct="1">
-              <a:spcBef>
-                <a:spcPct val="20000"/>
-              </a:spcBef>
-              <a:buFont typeface="Courier New" pitchFamily="49" charset="0"/>
-              <a:buNone/>
-              <a:defRPr sz="1600" kern="1200">
-                <a:solidFill>
-                  <a:schemeClr val="tx1">
-                    <a:tint val="75000"/>
-                  </a:schemeClr>
-                </a:solidFill>
-                <a:latin typeface="+mj-lt"/>
-                <a:ea typeface="+mn-ea"/>
-                <a:cs typeface="+mn-cs"/>
-              </a:defRPr>
-            </a:lvl2pPr>
-            <a:lvl3pPr marL="914400" indent="0" algn="ctr" defTabSz="914400" rtl="0" eaLnBrk="1" latinLnBrk="0" hangingPunct="1">
-              <a:spcBef>
-                <a:spcPct val="20000"/>
-              </a:spcBef>
-              <a:buFont typeface="Arial" pitchFamily="34" charset="0"/>
-              <a:buNone/>
-              <a:defRPr sz="1600" kern="1200">
-                <a:solidFill>
-                  <a:schemeClr val="tx1">
-                    <a:tint val="75000"/>
-                  </a:schemeClr>
-                </a:solidFill>
-                <a:latin typeface="+mj-lt"/>
-                <a:ea typeface="+mn-ea"/>
-                <a:cs typeface="+mn-cs"/>
-              </a:defRPr>
-            </a:lvl3pPr>
-            <a:lvl4pPr marL="1371600" indent="0" algn="ctr" defTabSz="914400" rtl="0" eaLnBrk="1" latinLnBrk="0" hangingPunct="1">
-              <a:spcBef>
-                <a:spcPct val="20000"/>
-              </a:spcBef>
-              <a:buFont typeface="Courier New" pitchFamily="49" charset="0"/>
-              <a:buNone/>
-              <a:defRPr sz="1600" kern="1200">
-                <a:solidFill>
-                  <a:schemeClr val="tx1">
-                    <a:tint val="75000"/>
-                  </a:schemeClr>
-                </a:solidFill>
-                <a:latin typeface="+mj-lt"/>
-                <a:ea typeface="+mn-ea"/>
-                <a:cs typeface="+mn-cs"/>
-              </a:defRPr>
-            </a:lvl4pPr>
-            <a:lvl5pPr marL="1828800" indent="0" algn="ctr" defTabSz="914400" rtl="0" eaLnBrk="1" latinLnBrk="0" hangingPunct="1">
-              <a:spcBef>
-                <a:spcPct val="20000"/>
-              </a:spcBef>
-              <a:buFont typeface="Arial" pitchFamily="34" charset="0"/>
-              <a:buNone/>
-              <a:defRPr sz="1600" kern="1200">
-                <a:solidFill>
-                  <a:schemeClr val="tx1">
-                    <a:tint val="75000"/>
-                  </a:schemeClr>
-                </a:solidFill>
-                <a:latin typeface="+mj-lt"/>
-                <a:ea typeface="+mn-ea"/>
-                <a:cs typeface="+mn-cs"/>
-              </a:defRPr>
-            </a:lvl5pPr>
-            <a:lvl6pPr marL="2286000" indent="0" algn="ctr" defTabSz="914400" rtl="0" eaLnBrk="1" latinLnBrk="0" hangingPunct="1">
-              <a:spcBef>
-                <a:spcPct val="20000"/>
-              </a:spcBef>
-              <a:buFont typeface="Courier New" pitchFamily="49" charset="0"/>
-              <a:buNone/>
-              <a:defRPr sz="1600" kern="1200">
-                <a:solidFill>
-                  <a:schemeClr val="tx1">
-                    <a:tint val="75000"/>
-                  </a:schemeClr>
-                </a:solidFill>
-                <a:latin typeface="+mj-lt"/>
-                <a:ea typeface="+mn-ea"/>
-                <a:cs typeface="+mn-cs"/>
-              </a:defRPr>
-            </a:lvl6pPr>
-            <a:lvl7pPr marL="2743200" indent="0" algn="ctr" defTabSz="914400" rtl="0" eaLnBrk="1" latinLnBrk="0" hangingPunct="1">
-              <a:spcBef>
-                <a:spcPct val="20000"/>
-              </a:spcBef>
-              <a:buFont typeface="Arial" pitchFamily="34" charset="0"/>
-              <a:buNone/>
-              <a:defRPr sz="1600" kern="1200">
-                <a:solidFill>
-                  <a:schemeClr val="tx1">
-                    <a:tint val="75000"/>
-                  </a:schemeClr>
-                </a:solidFill>
-                <a:latin typeface="+mj-lt"/>
-                <a:ea typeface="+mn-ea"/>
-                <a:cs typeface="+mn-cs"/>
-              </a:defRPr>
-            </a:lvl7pPr>
-            <a:lvl8pPr marL="3200400" indent="0" algn="ctr" defTabSz="914400" rtl="0" eaLnBrk="1" latinLnBrk="0" hangingPunct="1">
-              <a:spcBef>
-                <a:spcPct val="20000"/>
-              </a:spcBef>
-              <a:buFont typeface="Courier New" pitchFamily="49" charset="0"/>
-              <a:buNone/>
-              <a:defRPr sz="1600" kern="1200">
-                <a:solidFill>
-                  <a:schemeClr val="tx1">
-                    <a:tint val="75000"/>
-                  </a:schemeClr>
-                </a:solidFill>
-                <a:latin typeface="+mj-lt"/>
-                <a:ea typeface="+mn-ea"/>
-                <a:cs typeface="+mn-cs"/>
-              </a:defRPr>
-            </a:lvl8pPr>
-            <a:lvl9pPr marL="3657600" indent="0" algn="ctr" defTabSz="914400" rtl="0" eaLnBrk="1" latinLnBrk="0" hangingPunct="1">
-              <a:spcBef>
-                <a:spcPct val="20000"/>
-              </a:spcBef>
-              <a:buFont typeface="Arial" pitchFamily="34" charset="0"/>
-              <a:buNone/>
-              <a:defRPr sz="1600" kern="1200">
-                <a:solidFill>
-                  <a:schemeClr val="tx1">
-                    <a:tint val="75000"/>
-                  </a:schemeClr>
-                </a:solidFill>
-                <a:latin typeface="+mj-lt"/>
-                <a:ea typeface="+mn-ea"/>
-                <a:cs typeface="+mn-cs"/>
-              </a:defRPr>
-            </a:lvl9pPr>
-          </a:lstStyle>
-          <a:p>
-            <a:r>
-              <a:rPr lang="en-US" dirty="0" smtClean="0"/>
-              <a:t>Display real test code using </a:t>
-            </a:r>
-            <a:r>
-              <a:rPr lang="en-US" dirty="0" err="1" smtClean="0"/>
-              <a:t>spyon</a:t>
-            </a:r>
-            <a:r>
-              <a:rPr lang="en-US" dirty="0" smtClean="0"/>
-              <a:t>()</a:t>
-            </a:r>
-            <a:endParaRPr lang="en-US" dirty="0"/>
-          </a:p>
-        </p:txBody>
-      </p:sp>
+      </p:pic>
     </p:spTree>
     <p:extLst>
       <p:ext uri="{BB962C8B-B14F-4D97-AF65-F5344CB8AC3E}">
-        <p14:creationId xmlns:p14="http://schemas.microsoft.com/office/powerpoint/2010/main" val="4071313435"/>
+        <p14:creationId xmlns:p14="http://schemas.microsoft.com/office/powerpoint/2010/main" val="680378865"/>
       </p:ext>
     </p:extLst>
   </p:cSld>
@@ -5314,8 +5425,24 @@
           <a:p>
             <a:pPr algn="l"/>
             <a:r>
+              <a:rPr lang="en-US" sz="4000" dirty="0" err="1" smtClean="0"/>
+              <a:t>Async</a:t>
+            </a:r>
+            <a:r>
               <a:rPr lang="en-US" sz="4000" dirty="0" smtClean="0"/>
-              <a:t>Testing with DOM Element</a:t>
+              <a:t> Testing for </a:t>
+            </a:r>
+            <a:r>
+              <a:rPr lang="en-US" sz="4000" dirty="0" smtClean="0"/>
+              <a:t>ajax (</a:t>
+            </a:r>
+            <a:r>
+              <a:rPr lang="en-US" sz="4000" dirty="0" err="1" smtClean="0"/>
+              <a:t>cont</a:t>
+            </a:r>
+            <a:r>
+              <a:rPr lang="en-US" sz="4000" dirty="0" smtClean="0"/>
+              <a:t>)</a:t>
             </a:r>
             <a:endParaRPr lang="en-US" sz="4000" dirty="0"/>
           </a:p>
@@ -5338,7 +5465,7 @@
           <a:p>
             <a:fld id="{216C5678-EE20-4FA5-88E2-6E0BD67A2E26}" type="datetime1">
               <a:rPr lang="en-US" smtClean="0"/>
-              <a:t>11/8/2015</a:t>
+              <a:t>11/9/2015</a:t>
             </a:fld>
             <a:endParaRPr lang="en-US" dirty="0"/>
           </a:p>
@@ -5403,30 +5530,72 @@
         </p:nvSpPr>
         <p:spPr>
           <a:xfrm>
-            <a:off x="1219200" y="1600200"/>
-            <a:ext cx="6400800" cy="1219200"/>
+            <a:off x="228600" y="1066799"/>
+            <a:ext cx="8686800" cy="1265417"/>
           </a:xfrm>
         </p:spPr>
         <p:txBody>
-          <a:bodyPr/>
-          <a:lstStyle/>
-          <a:p>
-            <a:r>
-              <a:rPr lang="en-US" dirty="0"/>
-              <a:t>Display </a:t>
+          <a:bodyPr>
+            <a:normAutofit/>
+          </a:bodyPr>
+          <a:lstStyle/>
+          <a:p>
+            <a:pPr algn="l"/>
+            <a:r>
+              <a:rPr lang="en-US" dirty="0" err="1" smtClean="0"/>
+              <a:t>spyOn</a:t>
             </a:r>
             <a:r>
               <a:rPr lang="en-US" dirty="0" smtClean="0"/>
-              <a:t>test involving display to DOM</a:t>
+              <a:t>().</a:t>
+            </a:r>
+            <a:r>
+              <a:rPr lang="en-US" dirty="0" err="1" smtClean="0"/>
+              <a:t>and.callFake</a:t>
+            </a:r>
+            <a:r>
+              <a:rPr lang="en-US" dirty="0" smtClean="0"/>
+              <a:t>() – intercept and invoke mock functions.</a:t>
+            </a:r>
+          </a:p>
+          <a:p>
+            <a:pPr algn="l"/>
+            <a:r>
+              <a:rPr lang="en-US" dirty="0" smtClean="0"/>
+              <a:t>   	</a:t>
             </a:r>
             <a:endParaRPr lang="en-US" dirty="0"/>
           </a:p>
         </p:txBody>
       </p:sp>
+      <p:pic>
+        <p:nvPicPr>
+          <p:cNvPr id="3" name="Picture 2"/>
+          <p:cNvPicPr>
+            <a:picLocks noChangeAspect="1"/>
+          </p:cNvPicPr>
+          <p:nvPr/>
+        </p:nvPicPr>
+        <p:blipFill>
+          <a:blip r:embed="rId2"/>
+          <a:stretch>
+            <a:fillRect/>
+          </a:stretch>
+        </p:blipFill>
+        <p:spPr>
+          <a:xfrm>
+            <a:off x="1295400" y="2110662"/>
+            <a:ext cx="7425654" cy="4240608"/>
+          </a:xfrm>
+          <a:prstGeom prst="rect">
+            <a:avLst/>
+          </a:prstGeom>
+        </p:spPr>
+      </p:pic>
     </p:spTree>
     <p:extLst>
       <p:ext uri="{BB962C8B-B14F-4D97-AF65-F5344CB8AC3E}">
-        <p14:creationId xmlns:p14="http://schemas.microsoft.com/office/powerpoint/2010/main" val="2832276860"/>
+        <p14:creationId xmlns:p14="http://schemas.microsoft.com/office/powerpoint/2010/main" val="4217493885"/>
       </p:ext>
     </p:extLst>
   </p:cSld>
@@ -5475,8 +5644,20 @@
           <a:p>
             <a:pPr algn="l"/>
             <a:r>
+              <a:rPr lang="en-US" sz="4000" dirty="0" err="1" smtClean="0"/>
+              <a:t>Async</a:t>
+            </a:r>
+            <a:r>
               <a:rPr lang="en-US" sz="4000" dirty="0" smtClean="0"/>
-              <a:t>Karma</a:t>
+              <a:t> Testing for ajax (</a:t>
+            </a:r>
+            <a:r>
+              <a:rPr lang="en-US" sz="4000" dirty="0" err="1" smtClean="0"/>
+              <a:t>cont</a:t>
+            </a:r>
+            <a:r>
+              <a:rPr lang="en-US" sz="4000" dirty="0" smtClean="0"/>
+              <a:t>)</a:t>
             </a:r>
             <a:endParaRPr lang="en-US" sz="4000" dirty="0"/>
           </a:p>
@@ -5499,7 +5680,7 @@
           <a:p>
             <a:fld id="{216C5678-EE20-4FA5-88E2-6E0BD67A2E26}" type="datetime1">
               <a:rPr lang="en-US" smtClean="0"/>
-              <a:t>11/8/2015</a:t>
+              <a:t>11/9/2015</a:t>
             </a:fld>
             <a:endParaRPr lang="en-US" dirty="0"/>
           </a:p>
@@ -5554,7 +5735,7 @@
       </p:sp>
       <p:sp>
         <p:nvSpPr>
-          <p:cNvPr id="7" name="Subtitle 2"/>
+          <p:cNvPr id="8" name="Subtitle 2"/>
           <p:cNvSpPr txBox="1">
             <a:spLocks/>
           </p:cNvSpPr>
@@ -5562,7 +5743,7 @@
         </p:nvSpPr>
         <p:spPr>
           <a:xfrm>
-            <a:off x="1219200" y="1600200"/>
+            <a:off x="1219200" y="1295400"/>
             <a:ext cx="6400800" cy="1219200"/>
           </a:xfrm>
           <a:prstGeom prst="rect">
@@ -5731,7 +5912,7 @@
           <a:p>
             <a:r>
               <a:rPr lang="en-US" dirty="0" smtClean="0"/>
-              <a:t>Some intro and karma productivity</a:t>
+              <a:t>Code Demo</a:t>
             </a:r>
             <a:endParaRPr lang="en-US" dirty="0"/>
           </a:p>
@@ -5740,7 +5921,7 @@
     </p:spTree>
     <p:extLst>
       <p:ext uri="{BB962C8B-B14F-4D97-AF65-F5344CB8AC3E}">
-        <p14:creationId xmlns:p14="http://schemas.microsoft.com/office/powerpoint/2010/main" val="4066547018"/>
+        <p14:creationId xmlns:p14="http://schemas.microsoft.com/office/powerpoint/2010/main" val="4071313435"/>
       </p:ext>
     </p:extLst>
   </p:cSld>
@@ -5790,7 +5971,7 @@
             <a:pPr algn="l"/>
             <a:r>
               <a:rPr lang="en-US" sz="4000" dirty="0" smtClean="0"/>
-              <a:t>Karma Configuration</a:t>
+              <a:t>Testing with DOM Element</a:t>
             </a:r>
             <a:endParaRPr lang="en-US" sz="4000" dirty="0"/>
           </a:p>
@@ -5813,7 +5994,7 @@
           <a:p>
             <a:fld id="{216C5678-EE20-4FA5-88E2-6E0BD67A2E26}" type="datetime1">
               <a:rPr lang="en-US" smtClean="0"/>
-              <a:t>11/8/2015</a:t>
+              <a:t>11/9/2015</a:t>
             </a:fld>
             <a:endParaRPr lang="en-US" dirty="0"/>
           </a:p>
@@ -5869,191 +6050,30 @@
       <p:sp>
         <p:nvSpPr>
           <p:cNvPr id="7" name="Subtitle 2"/>
-          <p:cNvSpPr txBox="1">
-            <a:spLocks/>
-          </p:cNvSpPr>
-          <p:nvPr/>
+          <p:cNvSpPr>
+            <a:spLocks noGrp="1"/>
+          </p:cNvSpPr>
+          <p:nvPr>
+            <p:ph type="subTitle" idx="1"/>
+          </p:nvPr>
         </p:nvSpPr>
         <p:spPr>
           <a:xfrm>
             <a:off x="1219200" y="1600200"/>
             <a:ext cx="6400800" cy="1219200"/>
           </a:xfrm>
-          <a:prstGeom prst="rect">
-            <a:avLst/>
-          </a:prstGeom>
         </p:spPr>
         <p:txBody>
-          <a:bodyPr vert="horz" lIns="91440" tIns="45720" rIns="91440" bIns="45720" rtlCol="0">
-            <a:normAutofit/>
-          </a:bodyPr>
-          <a:lstStyle>
-            <a:lvl1pPr marL="0" indent="0" algn="ctr" defTabSz="914400" rtl="0" eaLnBrk="1" latinLnBrk="0" hangingPunct="1">
-              <a:spcBef>
-                <a:spcPct val="20000"/>
-              </a:spcBef>
-              <a:buFont typeface="Arial" pitchFamily="34" charset="0"/>
-              <a:buNone/>
-              <a:defRPr sz="2400" kern="1200">
-                <a:solidFill>
-                  <a:schemeClr val="tx1">
-                    <a:tint val="75000"/>
-                  </a:schemeClr>
-                </a:solidFill>
-                <a:latin typeface="+mj-lt"/>
-                <a:ea typeface="+mn-ea"/>
-                <a:cs typeface="+mn-cs"/>
-              </a:defRPr>
-            </a:lvl1pPr>
-            <a:lvl2pPr marL="457200" indent="0" algn="ctr" defTabSz="914400" rtl="0" eaLnBrk="1" latinLnBrk="0" hangingPunct="1">
-              <a:spcBef>
-                <a:spcPct val="20000"/>
-              </a:spcBef>
-              <a:buFont typeface="Courier New" pitchFamily="49" charset="0"/>
-              <a:buNone/>
-              <a:defRPr sz="1600" kern="1200">
-                <a:solidFill>
-                  <a:schemeClr val="tx1">
-                    <a:tint val="75000"/>
-                  </a:schemeClr>
-                </a:solidFill>
-                <a:latin typeface="+mj-lt"/>
-                <a:ea typeface="+mn-ea"/>
-                <a:cs typeface="+mn-cs"/>
-              </a:defRPr>
-            </a:lvl2pPr>
-            <a:lvl3pPr marL="914400" indent="0" algn="ctr" defTabSz="914400" rtl="0" eaLnBrk="1" latinLnBrk="0" hangingPunct="1">
-              <a:spcBef>
-                <a:spcPct val="20000"/>
-              </a:spcBef>
-              <a:buFont typeface="Arial" pitchFamily="34" charset="0"/>
-              <a:buNone/>
-              <a:defRPr sz="1600" kern="1200">
-                <a:solidFill>
-                  <a:schemeClr val="tx1">
-                    <a:tint val="75000"/>
-                  </a:schemeClr>
-                </a:solidFill>
-                <a:latin typeface="+mj-lt"/>
-                <a:ea typeface="+mn-ea"/>
-                <a:cs typeface="+mn-cs"/>
-              </a:defRPr>
-            </a:lvl3pPr>
-            <a:lvl4pPr marL="1371600" indent="0" algn="ctr" defTabSz="914400" rtl="0" eaLnBrk="1" latinLnBrk="0" hangingPunct="1">
-              <a:spcBef>
-                <a:spcPct val="20000"/>
-              </a:spcBef>
-              <a:buFont typeface="Courier New" pitchFamily="49" charset="0"/>
-              <a:buNone/>
-              <a:defRPr sz="1600" kern="1200">
-                <a:solidFill>
-                  <a:schemeClr val="tx1">
-                    <a:tint val="75000"/>
-                  </a:schemeClr>
-                </a:solidFill>
-                <a:latin typeface="+mj-lt"/>
-                <a:ea typeface="+mn-ea"/>
-                <a:cs typeface="+mn-cs"/>
-              </a:defRPr>
-            </a:lvl4pPr>
-            <a:lvl5pPr marL="1828800" indent="0" algn="ctr" defTabSz="914400" rtl="0" eaLnBrk="1" latinLnBrk="0" hangingPunct="1">
-              <a:spcBef>
-                <a:spcPct val="20000"/>
-              </a:spcBef>
-              <a:buFont typeface="Arial" pitchFamily="34" charset="0"/>
-              <a:buNone/>
-              <a:defRPr sz="1600" kern="1200">
-                <a:solidFill>
-                  <a:schemeClr val="tx1">
-                    <a:tint val="75000"/>
-                  </a:schemeClr>
-                </a:solidFill>
-                <a:latin typeface="+mj-lt"/>
-                <a:ea typeface="+mn-ea"/>
-                <a:cs typeface="+mn-cs"/>
-              </a:defRPr>
-            </a:lvl5pPr>
-            <a:lvl6pPr marL="2286000" indent="0" algn="ctr" defTabSz="914400" rtl="0" eaLnBrk="1" latinLnBrk="0" hangingPunct="1">
-              <a:spcBef>
-                <a:spcPct val="20000"/>
-              </a:spcBef>
-              <a:buFont typeface="Courier New" pitchFamily="49" charset="0"/>
-              <a:buNone/>
-              <a:defRPr sz="1600" kern="1200">
-                <a:solidFill>
-                  <a:schemeClr val="tx1">
-                    <a:tint val="75000"/>
-                  </a:schemeClr>
-                </a:solidFill>
-                <a:latin typeface="+mj-lt"/>
-                <a:ea typeface="+mn-ea"/>
-                <a:cs typeface="+mn-cs"/>
-              </a:defRPr>
-            </a:lvl6pPr>
-            <a:lvl7pPr marL="2743200" indent="0" algn="ctr" defTabSz="914400" rtl="0" eaLnBrk="1" latinLnBrk="0" hangingPunct="1">
-              <a:spcBef>
-                <a:spcPct val="20000"/>
-              </a:spcBef>
-              <a:buFont typeface="Arial" pitchFamily="34" charset="0"/>
-              <a:buNone/>
-              <a:defRPr sz="1600" kern="1200">
-                <a:solidFill>
-                  <a:schemeClr val="tx1">
-                    <a:tint val="75000"/>
-                  </a:schemeClr>
-                </a:solidFill>
-                <a:latin typeface="+mj-lt"/>
-                <a:ea typeface="+mn-ea"/>
-                <a:cs typeface="+mn-cs"/>
-              </a:defRPr>
-            </a:lvl7pPr>
-            <a:lvl8pPr marL="3200400" indent="0" algn="ctr" defTabSz="914400" rtl="0" eaLnBrk="1" latinLnBrk="0" hangingPunct="1">
-              <a:spcBef>
-                <a:spcPct val="20000"/>
-              </a:spcBef>
-              <a:buFont typeface="Courier New" pitchFamily="49" charset="0"/>
-              <a:buNone/>
-              <a:defRPr sz="1600" kern="1200">
-                <a:solidFill>
-                  <a:schemeClr val="tx1">
-                    <a:tint val="75000"/>
-                  </a:schemeClr>
-                </a:solidFill>
-                <a:latin typeface="+mj-lt"/>
-                <a:ea typeface="+mn-ea"/>
-                <a:cs typeface="+mn-cs"/>
-              </a:defRPr>
-            </a:lvl8pPr>
-            <a:lvl9pPr marL="3657600" indent="0" algn="ctr" defTabSz="914400" rtl="0" eaLnBrk="1" latinLnBrk="0" hangingPunct="1">
-              <a:spcBef>
-                <a:spcPct val="20000"/>
-              </a:spcBef>
-              <a:buFont typeface="Arial" pitchFamily="34" charset="0"/>
-              <a:buNone/>
-              <a:defRPr sz="1600" kern="1200">
-                <a:solidFill>
-                  <a:schemeClr val="tx1">
-                    <a:tint val="75000"/>
-                  </a:schemeClr>
-                </a:solidFill>
-                <a:latin typeface="+mj-lt"/>
-                <a:ea typeface="+mn-ea"/>
-                <a:cs typeface="+mn-cs"/>
-              </a:defRPr>
-            </a:lvl9pPr>
-          </a:lstStyle>
-          <a:p>
+          <a:bodyPr/>
+          <a:lstStyle/>
+          <a:p>
+            <a:r>
+              <a:rPr lang="en-US" dirty="0"/>
+              <a:t>Display </a:t>
+            </a:r>
             <a:r>
               <a:rPr lang="en-US" dirty="0" smtClean="0"/>
-              <a:t>Installation and karma </a:t>
-            </a:r>
-            <a:r>
-              <a:rPr lang="en-US" dirty="0" err="1" smtClean="0"/>
-              <a:t>init</a:t>
-            </a:r>
-            <a:r>
-              <a:rPr lang="en-US" dirty="0" smtClean="0"/>
-              <a:t> to product karma.conf.js</a:t>
+              <a:t>test involving display to DOM</a:t>
             </a:r>
             <a:endParaRPr lang="en-US" dirty="0"/>
           </a:p>
@@ -6062,7 +6082,7 @@
     </p:spTree>
     <p:extLst>
       <p:ext uri="{BB962C8B-B14F-4D97-AF65-F5344CB8AC3E}">
-        <p14:creationId xmlns:p14="http://schemas.microsoft.com/office/powerpoint/2010/main" val="2842711621"/>
+        <p14:creationId xmlns:p14="http://schemas.microsoft.com/office/powerpoint/2010/main" val="2832276860"/>
       </p:ext>
     </p:extLst>
   </p:cSld>
@@ -6112,7 +6132,7 @@
             <a:pPr algn="l"/>
             <a:r>
               <a:rPr lang="en-US" sz="4000" dirty="0" smtClean="0"/>
-              <a:t>Karma Execution</a:t>
+              <a:t>Karma</a:t>
             </a:r>
             <a:endParaRPr lang="en-US" sz="4000" dirty="0"/>
           </a:p>
@@ -6135,7 +6155,7 @@
           <a:p>
             <a:fld id="{216C5678-EE20-4FA5-88E2-6E0BD67A2E26}" type="datetime1">
               <a:rPr lang="en-US" smtClean="0"/>
-              <a:t>11/8/2015</a:t>
+              <a:t>11/9/2015</a:t>
             </a:fld>
             <a:endParaRPr lang="en-US" dirty="0"/>
           </a:p>
@@ -6198,8 +6218,8 @@
         </p:nvSpPr>
         <p:spPr>
           <a:xfrm>
-            <a:off x="1219200" y="1600200"/>
-            <a:ext cx="6400800" cy="1219200"/>
+            <a:off x="659164" y="1143000"/>
+            <a:ext cx="7884113" cy="3733800"/>
           </a:xfrm>
           <a:prstGeom prst="rect">
             <a:avLst/>
@@ -6365,10 +6385,81 @@
             </a:lvl9pPr>
           </a:lstStyle>
           <a:p>
+            <a:pPr marL="342900" indent="-342900" algn="l">
+              <a:buFont typeface="Arial" panose="020B0604020202020204" pitchFamily="34" charset="0"/>
+              <a:buChar char="•"/>
+            </a:pPr>
+            <a:r>
+              <a:rPr lang="en-US" dirty="0" err="1" smtClean="0"/>
+              <a:t>Javascript</a:t>
+            </a:r>
             <a:r>
               <a:rPr lang="en-US" dirty="0" smtClean="0"/>
-              <a:t>Show code</a:t>
-            </a:r>
+              <a:t> </a:t>
+            </a:r>
+            <a:r>
+              <a:rPr lang="en-US" dirty="0"/>
+              <a:t>unit test driver written in </a:t>
+            </a:r>
+            <a:r>
+              <a:rPr lang="en-US" dirty="0" err="1" smtClean="0"/>
+              <a:t>NodeJS</a:t>
+            </a:r>
+            <a:r>
+              <a:rPr lang="en-US" dirty="0" smtClean="0"/>
+              <a:t> by Angular team.</a:t>
+            </a:r>
+          </a:p>
+          <a:p>
+            <a:pPr marL="342900" indent="-342900" algn="l">
+              <a:buFont typeface="Arial" panose="020B0604020202020204" pitchFamily="34" charset="0"/>
+              <a:buChar char="•"/>
+            </a:pPr>
+            <a:r>
+              <a:rPr lang="en-US" dirty="0"/>
+              <a:t>C</a:t>
+            </a:r>
+            <a:r>
+              <a:rPr lang="en-US" dirty="0" smtClean="0"/>
+              <a:t>onstantly </a:t>
+            </a:r>
+            <a:r>
+              <a:rPr lang="en-US" dirty="0"/>
+              <a:t>monitors your </a:t>
+            </a:r>
+            <a:r>
+              <a:rPr lang="en-US" dirty="0" err="1"/>
+              <a:t>Javascript</a:t>
+            </a:r>
+            <a:r>
+              <a:rPr lang="en-US" dirty="0"/>
+              <a:t> </a:t>
+            </a:r>
+            <a:r>
+              <a:rPr lang="en-US" dirty="0" smtClean="0"/>
+              <a:t>code and execute unit tests very fast.</a:t>
+            </a:r>
+          </a:p>
+          <a:p>
+            <a:pPr marL="342900" indent="-342900" algn="l">
+              <a:buFont typeface="Arial" panose="020B0604020202020204" pitchFamily="34" charset="0"/>
+              <a:buChar char="•"/>
+            </a:pPr>
+            <a:r>
+              <a:rPr lang="en-US" dirty="0"/>
+              <a:t>Productivity tool. No need to leave your IDE to run </a:t>
+            </a:r>
+            <a:r>
+              <a:rPr lang="en-US" dirty="0" smtClean="0"/>
+              <a:t>unit tests</a:t>
+            </a:r>
+            <a:r>
+              <a:rPr lang="en-US" dirty="0"/>
+              <a:t>.</a:t>
+            </a:r>
+          </a:p>
+          <a:p>
+            <a:pPr algn="l"/>
             <a:endParaRPr lang="en-US" dirty="0"/>
           </a:p>
         </p:txBody>
@@ -6376,7 +6467,360 @@
     </p:spTree>
     <p:extLst>
       <p:ext uri="{BB962C8B-B14F-4D97-AF65-F5344CB8AC3E}">
-        <p14:creationId xmlns:p14="http://schemas.microsoft.com/office/powerpoint/2010/main" val="2610234656"/>
+        <p14:creationId xmlns:p14="http://schemas.microsoft.com/office/powerpoint/2010/main" val="4066547018"/>
+      </p:ext>
+    </p:extLst>
+  </p:cSld>
+  <p:clrMapOvr>
+    <a:masterClrMapping/>
+  </p:clrMapOvr>
+</p:sld>
+</file>
+
+<file path=ppt/slides/slide19.xml><?xml version="1.0" encoding="utf-8"?>
+<p:sld xmlns:a="http://schemas.openxmlformats.org/drawingml/2006/main" xmlns:r="http://schemas.openxmlformats.org/officeDocument/2006/relationships" xmlns:p="http://schemas.openxmlformats.org/presentationml/2006/main">
+  <p:cSld>
+    <p:spTree>
+      <p:nvGrpSpPr>
+        <p:cNvPr id="1" name=""/>
+        <p:cNvGrpSpPr/>
+        <p:nvPr/>
+      </p:nvGrpSpPr>
+      <p:grpSpPr>
+        <a:xfrm>
+          <a:off x="0" y="0"/>
+          <a:ext cx="0" cy="0"/>
+          <a:chOff x="0" y="0"/>
+          <a:chExt cx="0" cy="0"/>
+        </a:xfrm>
+      </p:grpSpPr>
+      <p:sp>
+        <p:nvSpPr>
+          <p:cNvPr id="2" name="Title 1"/>
+          <p:cNvSpPr>
+            <a:spLocks noGrp="1"/>
+          </p:cNvSpPr>
+          <p:nvPr>
+            <p:ph type="ctrTitle"/>
+          </p:nvPr>
+        </p:nvSpPr>
+        <p:spPr>
+          <a:xfrm>
+            <a:off x="685800" y="228600"/>
+            <a:ext cx="8458200" cy="685800"/>
+          </a:xfrm>
+        </p:spPr>
+        <p:txBody>
+          <a:bodyPr/>
+          <a:lstStyle/>
+          <a:p>
+            <a:pPr algn="l"/>
+            <a:r>
+              <a:rPr lang="en-US" sz="4000" dirty="0" smtClean="0"/>
+              <a:t>Karma Configuration</a:t>
+            </a:r>
+            <a:endParaRPr lang="en-US" sz="4000" dirty="0"/>
+          </a:p>
+        </p:txBody>
+      </p:sp>
+      <p:sp>
+        <p:nvSpPr>
+          <p:cNvPr id="4" name="Date Placeholder 3"/>
+          <p:cNvSpPr>
+            <a:spLocks noGrp="1"/>
+          </p:cNvSpPr>
+          <p:nvPr>
+            <p:ph type="dt" sz="half" idx="10"/>
+          </p:nvPr>
+        </p:nvSpPr>
+        <p:spPr/>
+        <p:txBody>
+          <a:bodyPr/>
+          <a:lstStyle/>
+          <a:p>
+            <a:fld id="{216C5678-EE20-4FA5-88E2-6E0BD67A2E26}" type="datetime1">
+              <a:rPr lang="en-US" smtClean="0"/>
+              <a:t>11/9/2015</a:t>
+            </a:fld>
+            <a:endParaRPr lang="en-US" dirty="0"/>
+          </a:p>
+        </p:txBody>
+      </p:sp>
+      <p:sp>
+        <p:nvSpPr>
+          <p:cNvPr id="5" name="Slide Number Placeholder 4"/>
+          <p:cNvSpPr>
+            <a:spLocks noGrp="1"/>
+          </p:cNvSpPr>
+          <p:nvPr>
+            <p:ph type="sldNum" sz="quarter" idx="11"/>
+          </p:nvPr>
+        </p:nvSpPr>
+        <p:spPr/>
+        <p:txBody>
+          <a:bodyPr/>
+          <a:lstStyle/>
+          <a:p>
+            <a:fld id="{BA9B540C-44DA-4F69-89C9-7C84606640D3}" type="slidenum">
+              <a:rPr lang="en-US" smtClean="0"/>
+              <a:pPr/>
+              <a:t>19</a:t>
+            </a:fld>
+            <a:endParaRPr lang="en-US" dirty="0"/>
+          </a:p>
+        </p:txBody>
+      </p:sp>
+      <p:sp>
+        <p:nvSpPr>
+          <p:cNvPr id="6" name="Footer Placeholder 5"/>
+          <p:cNvSpPr>
+            <a:spLocks noGrp="1"/>
+          </p:cNvSpPr>
+          <p:nvPr>
+            <p:ph type="ftr" sz="quarter" idx="12"/>
+          </p:nvPr>
+        </p:nvSpPr>
+        <p:spPr/>
+        <p:txBody>
+          <a:bodyPr/>
+          <a:lstStyle/>
+          <a:p>
+            <a:r>
+              <a:rPr lang="en-US" smtClean="0"/>
+              <a:t>Footer Text</a:t>
+            </a:r>
+            <a:endParaRPr lang="en-US" dirty="0"/>
+          </a:p>
+        </p:txBody>
+      </p:sp>
+      <p:sp>
+        <p:nvSpPr>
+          <p:cNvPr id="7" name="Subtitle 2"/>
+          <p:cNvSpPr txBox="1">
+            <a:spLocks/>
+          </p:cNvSpPr>
+          <p:nvPr/>
+        </p:nvSpPr>
+        <p:spPr>
+          <a:xfrm>
+            <a:off x="228600" y="990600"/>
+            <a:ext cx="8610600" cy="889246"/>
+          </a:xfrm>
+          <a:prstGeom prst="rect">
+            <a:avLst/>
+          </a:prstGeom>
+        </p:spPr>
+        <p:txBody>
+          <a:bodyPr vert="horz" lIns="91440" tIns="45720" rIns="91440" bIns="45720" rtlCol="0">
+            <a:normAutofit/>
+          </a:bodyPr>
+          <a:lstStyle>
+            <a:lvl1pPr marL="0" indent="0" algn="ctr" defTabSz="914400" rtl="0" eaLnBrk="1" latinLnBrk="0" hangingPunct="1">
+              <a:spcBef>
+                <a:spcPct val="20000"/>
+              </a:spcBef>
+              <a:buFont typeface="Arial" pitchFamily="34" charset="0"/>
+              <a:buNone/>
+              <a:defRPr sz="2400" kern="1200">
+                <a:solidFill>
+                  <a:schemeClr val="tx1">
+                    <a:tint val="75000"/>
+                  </a:schemeClr>
+                </a:solidFill>
+                <a:latin typeface="+mj-lt"/>
+                <a:ea typeface="+mn-ea"/>
+                <a:cs typeface="+mn-cs"/>
+              </a:defRPr>
+            </a:lvl1pPr>
+            <a:lvl2pPr marL="457200" indent="0" algn="ctr" defTabSz="914400" rtl="0" eaLnBrk="1" latinLnBrk="0" hangingPunct="1">
+              <a:spcBef>
+                <a:spcPct val="20000"/>
+              </a:spcBef>
+              <a:buFont typeface="Courier New" pitchFamily="49" charset="0"/>
+              <a:buNone/>
+              <a:defRPr sz="1600" kern="1200">
+                <a:solidFill>
+                  <a:schemeClr val="tx1">
+                    <a:tint val="75000"/>
+                  </a:schemeClr>
+                </a:solidFill>
+                <a:latin typeface="+mj-lt"/>
+                <a:ea typeface="+mn-ea"/>
+                <a:cs typeface="+mn-cs"/>
+              </a:defRPr>
+            </a:lvl2pPr>
+            <a:lvl3pPr marL="914400" indent="0" algn="ctr" defTabSz="914400" rtl="0" eaLnBrk="1" latinLnBrk="0" hangingPunct="1">
+              <a:spcBef>
+                <a:spcPct val="20000"/>
+              </a:spcBef>
+              <a:buFont typeface="Arial" pitchFamily="34" charset="0"/>
+              <a:buNone/>
+              <a:defRPr sz="1600" kern="1200">
+                <a:solidFill>
+                  <a:schemeClr val="tx1">
+                    <a:tint val="75000"/>
+                  </a:schemeClr>
+                </a:solidFill>
+                <a:latin typeface="+mj-lt"/>
+                <a:ea typeface="+mn-ea"/>
+                <a:cs typeface="+mn-cs"/>
+              </a:defRPr>
+            </a:lvl3pPr>
+            <a:lvl4pPr marL="1371600" indent="0" algn="ctr" defTabSz="914400" rtl="0" eaLnBrk="1" latinLnBrk="0" hangingPunct="1">
+              <a:spcBef>
+                <a:spcPct val="20000"/>
+              </a:spcBef>
+              <a:buFont typeface="Courier New" pitchFamily="49" charset="0"/>
+              <a:buNone/>
+              <a:defRPr sz="1600" kern="1200">
+                <a:solidFill>
+                  <a:schemeClr val="tx1">
+                    <a:tint val="75000"/>
+                  </a:schemeClr>
+                </a:solidFill>
+                <a:latin typeface="+mj-lt"/>
+                <a:ea typeface="+mn-ea"/>
+                <a:cs typeface="+mn-cs"/>
+              </a:defRPr>
+            </a:lvl4pPr>
+            <a:lvl5pPr marL="1828800" indent="0" algn="ctr" defTabSz="914400" rtl="0" eaLnBrk="1" latinLnBrk="0" hangingPunct="1">
+              <a:spcBef>
+                <a:spcPct val="20000"/>
+              </a:spcBef>
+              <a:buFont typeface="Arial" pitchFamily="34" charset="0"/>
+              <a:buNone/>
+              <a:defRPr sz="1600" kern="1200">
+                <a:solidFill>
+                  <a:schemeClr val="tx1">
+                    <a:tint val="75000"/>
+                  </a:schemeClr>
+                </a:solidFill>
+                <a:latin typeface="+mj-lt"/>
+                <a:ea typeface="+mn-ea"/>
+                <a:cs typeface="+mn-cs"/>
+              </a:defRPr>
+            </a:lvl5pPr>
+            <a:lvl6pPr marL="2286000" indent="0" algn="ctr" defTabSz="914400" rtl="0" eaLnBrk="1" latinLnBrk="0" hangingPunct="1">
+              <a:spcBef>
+                <a:spcPct val="20000"/>
+              </a:spcBef>
+              <a:buFont typeface="Courier New" pitchFamily="49" charset="0"/>
+              <a:buNone/>
+              <a:defRPr sz="1600" kern="1200">
+                <a:solidFill>
+                  <a:schemeClr val="tx1">
+                    <a:tint val="75000"/>
+                  </a:schemeClr>
+                </a:solidFill>
+                <a:latin typeface="+mj-lt"/>
+                <a:ea typeface="+mn-ea"/>
+                <a:cs typeface="+mn-cs"/>
+              </a:defRPr>
+            </a:lvl6pPr>
+            <a:lvl7pPr marL="2743200" indent="0" algn="ctr" defTabSz="914400" rtl="0" eaLnBrk="1" latinLnBrk="0" hangingPunct="1">
+              <a:spcBef>
+                <a:spcPct val="20000"/>
+              </a:spcBef>
+              <a:buFont typeface="Arial" pitchFamily="34" charset="0"/>
+              <a:buNone/>
+              <a:defRPr sz="1600" kern="1200">
+                <a:solidFill>
+                  <a:schemeClr val="tx1">
+                    <a:tint val="75000"/>
+                  </a:schemeClr>
+                </a:solidFill>
+                <a:latin typeface="+mj-lt"/>
+                <a:ea typeface="+mn-ea"/>
+                <a:cs typeface="+mn-cs"/>
+              </a:defRPr>
+            </a:lvl7pPr>
+            <a:lvl8pPr marL="3200400" indent="0" algn="ctr" defTabSz="914400" rtl="0" eaLnBrk="1" latinLnBrk="0" hangingPunct="1">
+              <a:spcBef>
+                <a:spcPct val="20000"/>
+              </a:spcBef>
+              <a:buFont typeface="Courier New" pitchFamily="49" charset="0"/>
+              <a:buNone/>
+              <a:defRPr sz="1600" kern="1200">
+                <a:solidFill>
+                  <a:schemeClr val="tx1">
+                    <a:tint val="75000"/>
+                  </a:schemeClr>
+                </a:solidFill>
+                <a:latin typeface="+mj-lt"/>
+                <a:ea typeface="+mn-ea"/>
+                <a:cs typeface="+mn-cs"/>
+              </a:defRPr>
+            </a:lvl8pPr>
+            <a:lvl9pPr marL="3657600" indent="0" algn="ctr" defTabSz="914400" rtl="0" eaLnBrk="1" latinLnBrk="0" hangingPunct="1">
+              <a:spcBef>
+                <a:spcPct val="20000"/>
+              </a:spcBef>
+              <a:buFont typeface="Arial" pitchFamily="34" charset="0"/>
+              <a:buNone/>
+              <a:defRPr sz="1600" kern="1200">
+                <a:solidFill>
+                  <a:schemeClr val="tx1">
+                    <a:tint val="75000"/>
+                  </a:schemeClr>
+                </a:solidFill>
+                <a:latin typeface="+mj-lt"/>
+                <a:ea typeface="+mn-ea"/>
+                <a:cs typeface="+mn-cs"/>
+              </a:defRPr>
+            </a:lvl9pPr>
+          </a:lstStyle>
+          <a:p>
+            <a:pPr marL="342900" indent="-342900" algn="l">
+              <a:buFont typeface="Arial" panose="020B0604020202020204" pitchFamily="34" charset="0"/>
+              <a:buChar char="•"/>
+            </a:pPr>
+            <a:r>
+              <a:rPr lang="en-US" dirty="0" smtClean="0"/>
+              <a:t>C:\nodejs   </a:t>
+            </a:r>
+            <a:r>
+              <a:rPr lang="en-US" dirty="0" err="1" smtClean="0"/>
+              <a:t>npm</a:t>
+            </a:r>
+            <a:r>
+              <a:rPr lang="en-US" dirty="0" smtClean="0"/>
+              <a:t> install karma</a:t>
+            </a:r>
+          </a:p>
+          <a:p>
+            <a:pPr algn="l"/>
+            <a:endParaRPr lang="en-US" dirty="0" smtClean="0"/>
+          </a:p>
+        </p:txBody>
+      </p:sp>
+      <p:pic>
+        <p:nvPicPr>
+          <p:cNvPr id="3" name="Picture 2"/>
+          <p:cNvPicPr>
+            <a:picLocks noChangeAspect="1"/>
+          </p:cNvPicPr>
+          <p:nvPr/>
+        </p:nvPicPr>
+        <p:blipFill>
+          <a:blip r:embed="rId2"/>
+          <a:stretch>
+            <a:fillRect/>
+          </a:stretch>
+        </p:blipFill>
+        <p:spPr>
+          <a:xfrm>
+            <a:off x="1615858" y="1956046"/>
+            <a:ext cx="5790476" cy="3923809"/>
+          </a:xfrm>
+          <a:prstGeom prst="rect">
+            <a:avLst/>
+          </a:prstGeom>
+        </p:spPr>
+      </p:pic>
+    </p:spTree>
+    <p:extLst>
+      <p:ext uri="{BB962C8B-B14F-4D97-AF65-F5344CB8AC3E}">
+        <p14:creationId xmlns:p14="http://schemas.microsoft.com/office/powerpoint/2010/main" val="2842711621"/>
       </p:ext>
     </p:extLst>
   </p:cSld>
@@ -6577,7 +7021,7 @@
           <a:p>
             <a:fld id="{216C5678-EE20-4FA5-88E2-6E0BD67A2E26}" type="datetime1">
               <a:rPr lang="en-US" smtClean="0"/>
-              <a:t>11/8/2015</a:t>
+              <a:t>11/9/2015</a:t>
             </a:fld>
             <a:endParaRPr lang="en-US" dirty="0"/>
           </a:p>
@@ -6634,6 +7078,674 @@
     <p:extLst>
       <p:ext uri="{BB962C8B-B14F-4D97-AF65-F5344CB8AC3E}">
         <p14:creationId xmlns:p14="http://schemas.microsoft.com/office/powerpoint/2010/main" val="1112403685"/>
+      </p:ext>
+    </p:extLst>
+  </p:cSld>
+  <p:clrMapOvr>
+    <a:masterClrMapping/>
+  </p:clrMapOvr>
+</p:sld>
+</file>
+
+<file path=ppt/slides/slide20.xml><?xml version="1.0" encoding="utf-8"?>
+<p:sld xmlns:a="http://schemas.openxmlformats.org/drawingml/2006/main" xmlns:r="http://schemas.openxmlformats.org/officeDocument/2006/relationships" xmlns:p="http://schemas.openxmlformats.org/presentationml/2006/main">
+  <p:cSld>
+    <p:spTree>
+      <p:nvGrpSpPr>
+        <p:cNvPr id="1" name=""/>
+        <p:cNvGrpSpPr/>
+        <p:nvPr/>
+      </p:nvGrpSpPr>
+      <p:grpSpPr>
+        <a:xfrm>
+          <a:off x="0" y="0"/>
+          <a:ext cx="0" cy="0"/>
+          <a:chOff x="0" y="0"/>
+          <a:chExt cx="0" cy="0"/>
+        </a:xfrm>
+      </p:grpSpPr>
+      <p:sp>
+        <p:nvSpPr>
+          <p:cNvPr id="2" name="Title 1"/>
+          <p:cNvSpPr>
+            <a:spLocks noGrp="1"/>
+          </p:cNvSpPr>
+          <p:nvPr>
+            <p:ph type="ctrTitle"/>
+          </p:nvPr>
+        </p:nvSpPr>
+        <p:spPr>
+          <a:xfrm>
+            <a:off x="685800" y="228600"/>
+            <a:ext cx="8458200" cy="685800"/>
+          </a:xfrm>
+        </p:spPr>
+        <p:txBody>
+          <a:bodyPr/>
+          <a:lstStyle/>
+          <a:p>
+            <a:pPr algn="l"/>
+            <a:r>
+              <a:rPr lang="en-US" sz="4000" dirty="0" smtClean="0"/>
+              <a:t>Karma Configuration</a:t>
+            </a:r>
+            <a:endParaRPr lang="en-US" sz="4000" dirty="0"/>
+          </a:p>
+        </p:txBody>
+      </p:sp>
+      <p:sp>
+        <p:nvSpPr>
+          <p:cNvPr id="4" name="Date Placeholder 3"/>
+          <p:cNvSpPr>
+            <a:spLocks noGrp="1"/>
+          </p:cNvSpPr>
+          <p:nvPr>
+            <p:ph type="dt" sz="half" idx="10"/>
+          </p:nvPr>
+        </p:nvSpPr>
+        <p:spPr/>
+        <p:txBody>
+          <a:bodyPr/>
+          <a:lstStyle/>
+          <a:p>
+            <a:fld id="{216C5678-EE20-4FA5-88E2-6E0BD67A2E26}" type="datetime1">
+              <a:rPr lang="en-US" smtClean="0"/>
+              <a:t>11/9/2015</a:t>
+            </a:fld>
+            <a:endParaRPr lang="en-US" dirty="0"/>
+          </a:p>
+        </p:txBody>
+      </p:sp>
+      <p:sp>
+        <p:nvSpPr>
+          <p:cNvPr id="5" name="Slide Number Placeholder 4"/>
+          <p:cNvSpPr>
+            <a:spLocks noGrp="1"/>
+          </p:cNvSpPr>
+          <p:nvPr>
+            <p:ph type="sldNum" sz="quarter" idx="11"/>
+          </p:nvPr>
+        </p:nvSpPr>
+        <p:spPr/>
+        <p:txBody>
+          <a:bodyPr/>
+          <a:lstStyle/>
+          <a:p>
+            <a:fld id="{BA9B540C-44DA-4F69-89C9-7C84606640D3}" type="slidenum">
+              <a:rPr lang="en-US" smtClean="0"/>
+              <a:pPr/>
+              <a:t>20</a:t>
+            </a:fld>
+            <a:endParaRPr lang="en-US" dirty="0"/>
+          </a:p>
+        </p:txBody>
+      </p:sp>
+      <p:sp>
+        <p:nvSpPr>
+          <p:cNvPr id="6" name="Footer Placeholder 5"/>
+          <p:cNvSpPr>
+            <a:spLocks noGrp="1"/>
+          </p:cNvSpPr>
+          <p:nvPr>
+            <p:ph type="ftr" sz="quarter" idx="12"/>
+          </p:nvPr>
+        </p:nvSpPr>
+        <p:spPr/>
+        <p:txBody>
+          <a:bodyPr/>
+          <a:lstStyle/>
+          <a:p>
+            <a:r>
+              <a:rPr lang="en-US" smtClean="0"/>
+              <a:t>Footer Text</a:t>
+            </a:r>
+            <a:endParaRPr lang="en-US" dirty="0"/>
+          </a:p>
+        </p:txBody>
+      </p:sp>
+      <p:sp>
+        <p:nvSpPr>
+          <p:cNvPr id="7" name="Subtitle 2"/>
+          <p:cNvSpPr txBox="1">
+            <a:spLocks/>
+          </p:cNvSpPr>
+          <p:nvPr/>
+        </p:nvSpPr>
+        <p:spPr>
+          <a:xfrm>
+            <a:off x="228600" y="990600"/>
+            <a:ext cx="8610600" cy="3505200"/>
+          </a:xfrm>
+          <a:prstGeom prst="rect">
+            <a:avLst/>
+          </a:prstGeom>
+        </p:spPr>
+        <p:txBody>
+          <a:bodyPr vert="horz" lIns="91440" tIns="45720" rIns="91440" bIns="45720" rtlCol="0">
+            <a:normAutofit/>
+          </a:bodyPr>
+          <a:lstStyle>
+            <a:lvl1pPr marL="0" indent="0" algn="ctr" defTabSz="914400" rtl="0" eaLnBrk="1" latinLnBrk="0" hangingPunct="1">
+              <a:spcBef>
+                <a:spcPct val="20000"/>
+              </a:spcBef>
+              <a:buFont typeface="Arial" pitchFamily="34" charset="0"/>
+              <a:buNone/>
+              <a:defRPr sz="2400" kern="1200">
+                <a:solidFill>
+                  <a:schemeClr val="tx1">
+                    <a:tint val="75000"/>
+                  </a:schemeClr>
+                </a:solidFill>
+                <a:latin typeface="+mj-lt"/>
+                <a:ea typeface="+mn-ea"/>
+                <a:cs typeface="+mn-cs"/>
+              </a:defRPr>
+            </a:lvl1pPr>
+            <a:lvl2pPr marL="457200" indent="0" algn="ctr" defTabSz="914400" rtl="0" eaLnBrk="1" latinLnBrk="0" hangingPunct="1">
+              <a:spcBef>
+                <a:spcPct val="20000"/>
+              </a:spcBef>
+              <a:buFont typeface="Courier New" pitchFamily="49" charset="0"/>
+              <a:buNone/>
+              <a:defRPr sz="1600" kern="1200">
+                <a:solidFill>
+                  <a:schemeClr val="tx1">
+                    <a:tint val="75000"/>
+                  </a:schemeClr>
+                </a:solidFill>
+                <a:latin typeface="+mj-lt"/>
+                <a:ea typeface="+mn-ea"/>
+                <a:cs typeface="+mn-cs"/>
+              </a:defRPr>
+            </a:lvl2pPr>
+            <a:lvl3pPr marL="914400" indent="0" algn="ctr" defTabSz="914400" rtl="0" eaLnBrk="1" latinLnBrk="0" hangingPunct="1">
+              <a:spcBef>
+                <a:spcPct val="20000"/>
+              </a:spcBef>
+              <a:buFont typeface="Arial" pitchFamily="34" charset="0"/>
+              <a:buNone/>
+              <a:defRPr sz="1600" kern="1200">
+                <a:solidFill>
+                  <a:schemeClr val="tx1">
+                    <a:tint val="75000"/>
+                  </a:schemeClr>
+                </a:solidFill>
+                <a:latin typeface="+mj-lt"/>
+                <a:ea typeface="+mn-ea"/>
+                <a:cs typeface="+mn-cs"/>
+              </a:defRPr>
+            </a:lvl3pPr>
+            <a:lvl4pPr marL="1371600" indent="0" algn="ctr" defTabSz="914400" rtl="0" eaLnBrk="1" latinLnBrk="0" hangingPunct="1">
+              <a:spcBef>
+                <a:spcPct val="20000"/>
+              </a:spcBef>
+              <a:buFont typeface="Courier New" pitchFamily="49" charset="0"/>
+              <a:buNone/>
+              <a:defRPr sz="1600" kern="1200">
+                <a:solidFill>
+                  <a:schemeClr val="tx1">
+                    <a:tint val="75000"/>
+                  </a:schemeClr>
+                </a:solidFill>
+                <a:latin typeface="+mj-lt"/>
+                <a:ea typeface="+mn-ea"/>
+                <a:cs typeface="+mn-cs"/>
+              </a:defRPr>
+            </a:lvl4pPr>
+            <a:lvl5pPr marL="1828800" indent="0" algn="ctr" defTabSz="914400" rtl="0" eaLnBrk="1" latinLnBrk="0" hangingPunct="1">
+              <a:spcBef>
+                <a:spcPct val="20000"/>
+              </a:spcBef>
+              <a:buFont typeface="Arial" pitchFamily="34" charset="0"/>
+              <a:buNone/>
+              <a:defRPr sz="1600" kern="1200">
+                <a:solidFill>
+                  <a:schemeClr val="tx1">
+                    <a:tint val="75000"/>
+                  </a:schemeClr>
+                </a:solidFill>
+                <a:latin typeface="+mj-lt"/>
+                <a:ea typeface="+mn-ea"/>
+                <a:cs typeface="+mn-cs"/>
+              </a:defRPr>
+            </a:lvl5pPr>
+            <a:lvl6pPr marL="2286000" indent="0" algn="ctr" defTabSz="914400" rtl="0" eaLnBrk="1" latinLnBrk="0" hangingPunct="1">
+              <a:spcBef>
+                <a:spcPct val="20000"/>
+              </a:spcBef>
+              <a:buFont typeface="Courier New" pitchFamily="49" charset="0"/>
+              <a:buNone/>
+              <a:defRPr sz="1600" kern="1200">
+                <a:solidFill>
+                  <a:schemeClr val="tx1">
+                    <a:tint val="75000"/>
+                  </a:schemeClr>
+                </a:solidFill>
+                <a:latin typeface="+mj-lt"/>
+                <a:ea typeface="+mn-ea"/>
+                <a:cs typeface="+mn-cs"/>
+              </a:defRPr>
+            </a:lvl6pPr>
+            <a:lvl7pPr marL="2743200" indent="0" algn="ctr" defTabSz="914400" rtl="0" eaLnBrk="1" latinLnBrk="0" hangingPunct="1">
+              <a:spcBef>
+                <a:spcPct val="20000"/>
+              </a:spcBef>
+              <a:buFont typeface="Arial" pitchFamily="34" charset="0"/>
+              <a:buNone/>
+              <a:defRPr sz="1600" kern="1200">
+                <a:solidFill>
+                  <a:schemeClr val="tx1">
+                    <a:tint val="75000"/>
+                  </a:schemeClr>
+                </a:solidFill>
+                <a:latin typeface="+mj-lt"/>
+                <a:ea typeface="+mn-ea"/>
+                <a:cs typeface="+mn-cs"/>
+              </a:defRPr>
+            </a:lvl7pPr>
+            <a:lvl8pPr marL="3200400" indent="0" algn="ctr" defTabSz="914400" rtl="0" eaLnBrk="1" latinLnBrk="0" hangingPunct="1">
+              <a:spcBef>
+                <a:spcPct val="20000"/>
+              </a:spcBef>
+              <a:buFont typeface="Courier New" pitchFamily="49" charset="0"/>
+              <a:buNone/>
+              <a:defRPr sz="1600" kern="1200">
+                <a:solidFill>
+                  <a:schemeClr val="tx1">
+                    <a:tint val="75000"/>
+                  </a:schemeClr>
+                </a:solidFill>
+                <a:latin typeface="+mj-lt"/>
+                <a:ea typeface="+mn-ea"/>
+                <a:cs typeface="+mn-cs"/>
+              </a:defRPr>
+            </a:lvl8pPr>
+            <a:lvl9pPr marL="3657600" indent="0" algn="ctr" defTabSz="914400" rtl="0" eaLnBrk="1" latinLnBrk="0" hangingPunct="1">
+              <a:spcBef>
+                <a:spcPct val="20000"/>
+              </a:spcBef>
+              <a:buFont typeface="Arial" pitchFamily="34" charset="0"/>
+              <a:buNone/>
+              <a:defRPr sz="1600" kern="1200">
+                <a:solidFill>
+                  <a:schemeClr val="tx1">
+                    <a:tint val="75000"/>
+                  </a:schemeClr>
+                </a:solidFill>
+                <a:latin typeface="+mj-lt"/>
+                <a:ea typeface="+mn-ea"/>
+                <a:cs typeface="+mn-cs"/>
+              </a:defRPr>
+            </a:lvl9pPr>
+          </a:lstStyle>
+          <a:p>
+            <a:pPr marL="342900" indent="-342900" algn="l">
+              <a:buFont typeface="Arial" panose="020B0604020202020204" pitchFamily="34" charset="0"/>
+              <a:buChar char="•"/>
+            </a:pPr>
+            <a:r>
+              <a:rPr lang="en-US" dirty="0" smtClean="0"/>
+              <a:t>Installation </a:t>
+            </a:r>
+            <a:r>
+              <a:rPr lang="en-US" dirty="0" smtClean="0"/>
+              <a:t>and karma </a:t>
+            </a:r>
+            <a:r>
+              <a:rPr lang="en-US" dirty="0" err="1" smtClean="0"/>
+              <a:t>init</a:t>
+            </a:r>
+            <a:r>
+              <a:rPr lang="en-US" dirty="0" smtClean="0"/>
+              <a:t> to product karma.conf.js</a:t>
+            </a:r>
+            <a:endParaRPr lang="en-US" dirty="0"/>
+          </a:p>
+        </p:txBody>
+      </p:sp>
+      <p:pic>
+        <p:nvPicPr>
+          <p:cNvPr id="3" name="Picture 2"/>
+          <p:cNvPicPr>
+            <a:picLocks noChangeAspect="1"/>
+          </p:cNvPicPr>
+          <p:nvPr/>
+        </p:nvPicPr>
+        <p:blipFill>
+          <a:blip r:embed="rId2"/>
+          <a:stretch>
+            <a:fillRect/>
+          </a:stretch>
+        </p:blipFill>
+        <p:spPr>
+          <a:xfrm>
+            <a:off x="1651418" y="2286000"/>
+            <a:ext cx="5790476" cy="3923809"/>
+          </a:xfrm>
+          <a:prstGeom prst="rect">
+            <a:avLst/>
+          </a:prstGeom>
+        </p:spPr>
+      </p:pic>
+    </p:spTree>
+    <p:extLst>
+      <p:ext uri="{BB962C8B-B14F-4D97-AF65-F5344CB8AC3E}">
+        <p14:creationId xmlns:p14="http://schemas.microsoft.com/office/powerpoint/2010/main" val="1319405496"/>
+      </p:ext>
+    </p:extLst>
+  </p:cSld>
+  <p:clrMapOvr>
+    <a:masterClrMapping/>
+  </p:clrMapOvr>
+</p:sld>
+</file>
+
+<file path=ppt/slides/slide21.xml><?xml version="1.0" encoding="utf-8"?>
+<p:sld xmlns:a="http://schemas.openxmlformats.org/drawingml/2006/main" xmlns:r="http://schemas.openxmlformats.org/officeDocument/2006/relationships" xmlns:p="http://schemas.openxmlformats.org/presentationml/2006/main">
+  <p:cSld>
+    <p:spTree>
+      <p:nvGrpSpPr>
+        <p:cNvPr id="1" name=""/>
+        <p:cNvGrpSpPr/>
+        <p:nvPr/>
+      </p:nvGrpSpPr>
+      <p:grpSpPr>
+        <a:xfrm>
+          <a:off x="0" y="0"/>
+          <a:ext cx="0" cy="0"/>
+          <a:chOff x="0" y="0"/>
+          <a:chExt cx="0" cy="0"/>
+        </a:xfrm>
+      </p:grpSpPr>
+      <p:sp>
+        <p:nvSpPr>
+          <p:cNvPr id="2" name="Title 1"/>
+          <p:cNvSpPr>
+            <a:spLocks noGrp="1"/>
+          </p:cNvSpPr>
+          <p:nvPr>
+            <p:ph type="ctrTitle"/>
+          </p:nvPr>
+        </p:nvSpPr>
+        <p:spPr>
+          <a:xfrm>
+            <a:off x="685800" y="228600"/>
+            <a:ext cx="8458200" cy="685800"/>
+          </a:xfrm>
+        </p:spPr>
+        <p:txBody>
+          <a:bodyPr/>
+          <a:lstStyle/>
+          <a:p>
+            <a:pPr algn="l"/>
+            <a:r>
+              <a:rPr lang="en-US" sz="4000" dirty="0" smtClean="0"/>
+              <a:t>Karma Execution</a:t>
+            </a:r>
+            <a:endParaRPr lang="en-US" sz="4000" dirty="0"/>
+          </a:p>
+        </p:txBody>
+      </p:sp>
+      <p:sp>
+        <p:nvSpPr>
+          <p:cNvPr id="4" name="Date Placeholder 3"/>
+          <p:cNvSpPr>
+            <a:spLocks noGrp="1"/>
+          </p:cNvSpPr>
+          <p:nvPr>
+            <p:ph type="dt" sz="half" idx="10"/>
+          </p:nvPr>
+        </p:nvSpPr>
+        <p:spPr/>
+        <p:txBody>
+          <a:bodyPr/>
+          <a:lstStyle/>
+          <a:p>
+            <a:fld id="{216C5678-EE20-4FA5-88E2-6E0BD67A2E26}" type="datetime1">
+              <a:rPr lang="en-US" smtClean="0"/>
+              <a:t>11/9/2015</a:t>
+            </a:fld>
+            <a:endParaRPr lang="en-US" dirty="0"/>
+          </a:p>
+        </p:txBody>
+      </p:sp>
+      <p:sp>
+        <p:nvSpPr>
+          <p:cNvPr id="5" name="Slide Number Placeholder 4"/>
+          <p:cNvSpPr>
+            <a:spLocks noGrp="1"/>
+          </p:cNvSpPr>
+          <p:nvPr>
+            <p:ph type="sldNum" sz="quarter" idx="11"/>
+          </p:nvPr>
+        </p:nvSpPr>
+        <p:spPr/>
+        <p:txBody>
+          <a:bodyPr/>
+          <a:lstStyle/>
+          <a:p>
+            <a:fld id="{BA9B540C-44DA-4F69-89C9-7C84606640D3}" type="slidenum">
+              <a:rPr lang="en-US" smtClean="0"/>
+              <a:pPr/>
+              <a:t>21</a:t>
+            </a:fld>
+            <a:endParaRPr lang="en-US" dirty="0"/>
+          </a:p>
+        </p:txBody>
+      </p:sp>
+      <p:sp>
+        <p:nvSpPr>
+          <p:cNvPr id="6" name="Footer Placeholder 5"/>
+          <p:cNvSpPr>
+            <a:spLocks noGrp="1"/>
+          </p:cNvSpPr>
+          <p:nvPr>
+            <p:ph type="ftr" sz="quarter" idx="12"/>
+          </p:nvPr>
+        </p:nvSpPr>
+        <p:spPr/>
+        <p:txBody>
+          <a:bodyPr/>
+          <a:lstStyle/>
+          <a:p>
+            <a:r>
+              <a:rPr lang="en-US" smtClean="0"/>
+              <a:t>Footer Text</a:t>
+            </a:r>
+            <a:endParaRPr lang="en-US" dirty="0"/>
+          </a:p>
+        </p:txBody>
+      </p:sp>
+      <p:sp>
+        <p:nvSpPr>
+          <p:cNvPr id="7" name="Subtitle 2"/>
+          <p:cNvSpPr txBox="1">
+            <a:spLocks/>
+          </p:cNvSpPr>
+          <p:nvPr/>
+        </p:nvSpPr>
+        <p:spPr>
+          <a:xfrm>
+            <a:off x="1219200" y="1600200"/>
+            <a:ext cx="6400800" cy="1219200"/>
+          </a:xfrm>
+          <a:prstGeom prst="rect">
+            <a:avLst/>
+          </a:prstGeom>
+        </p:spPr>
+        <p:txBody>
+          <a:bodyPr vert="horz" lIns="91440" tIns="45720" rIns="91440" bIns="45720" rtlCol="0">
+            <a:normAutofit/>
+          </a:bodyPr>
+          <a:lstStyle>
+            <a:lvl1pPr marL="0" indent="0" algn="ctr" defTabSz="914400" rtl="0" eaLnBrk="1" latinLnBrk="0" hangingPunct="1">
+              <a:spcBef>
+                <a:spcPct val="20000"/>
+              </a:spcBef>
+              <a:buFont typeface="Arial" pitchFamily="34" charset="0"/>
+              <a:buNone/>
+              <a:defRPr sz="2400" kern="1200">
+                <a:solidFill>
+                  <a:schemeClr val="tx1">
+                    <a:tint val="75000"/>
+                  </a:schemeClr>
+                </a:solidFill>
+                <a:latin typeface="+mj-lt"/>
+                <a:ea typeface="+mn-ea"/>
+                <a:cs typeface="+mn-cs"/>
+              </a:defRPr>
+            </a:lvl1pPr>
+            <a:lvl2pPr marL="457200" indent="0" algn="ctr" defTabSz="914400" rtl="0" eaLnBrk="1" latinLnBrk="0" hangingPunct="1">
+              <a:spcBef>
+                <a:spcPct val="20000"/>
+              </a:spcBef>
+              <a:buFont typeface="Courier New" pitchFamily="49" charset="0"/>
+              <a:buNone/>
+              <a:defRPr sz="1600" kern="1200">
+                <a:solidFill>
+                  <a:schemeClr val="tx1">
+                    <a:tint val="75000"/>
+                  </a:schemeClr>
+                </a:solidFill>
+                <a:latin typeface="+mj-lt"/>
+                <a:ea typeface="+mn-ea"/>
+                <a:cs typeface="+mn-cs"/>
+              </a:defRPr>
+            </a:lvl2pPr>
+            <a:lvl3pPr marL="914400" indent="0" algn="ctr" defTabSz="914400" rtl="0" eaLnBrk="1" latinLnBrk="0" hangingPunct="1">
+              <a:spcBef>
+                <a:spcPct val="20000"/>
+              </a:spcBef>
+              <a:buFont typeface="Arial" pitchFamily="34" charset="0"/>
+              <a:buNone/>
+              <a:defRPr sz="1600" kern="1200">
+                <a:solidFill>
+                  <a:schemeClr val="tx1">
+                    <a:tint val="75000"/>
+                  </a:schemeClr>
+                </a:solidFill>
+                <a:latin typeface="+mj-lt"/>
+                <a:ea typeface="+mn-ea"/>
+                <a:cs typeface="+mn-cs"/>
+              </a:defRPr>
+            </a:lvl3pPr>
+            <a:lvl4pPr marL="1371600" indent="0" algn="ctr" defTabSz="914400" rtl="0" eaLnBrk="1" latinLnBrk="0" hangingPunct="1">
+              <a:spcBef>
+                <a:spcPct val="20000"/>
+              </a:spcBef>
+              <a:buFont typeface="Courier New" pitchFamily="49" charset="0"/>
+              <a:buNone/>
+              <a:defRPr sz="1600" kern="1200">
+                <a:solidFill>
+                  <a:schemeClr val="tx1">
+                    <a:tint val="75000"/>
+                  </a:schemeClr>
+                </a:solidFill>
+                <a:latin typeface="+mj-lt"/>
+                <a:ea typeface="+mn-ea"/>
+                <a:cs typeface="+mn-cs"/>
+              </a:defRPr>
+            </a:lvl4pPr>
+            <a:lvl5pPr marL="1828800" indent="0" algn="ctr" defTabSz="914400" rtl="0" eaLnBrk="1" latinLnBrk="0" hangingPunct="1">
+              <a:spcBef>
+                <a:spcPct val="20000"/>
+              </a:spcBef>
+              <a:buFont typeface="Arial" pitchFamily="34" charset="0"/>
+              <a:buNone/>
+              <a:defRPr sz="1600" kern="1200">
+                <a:solidFill>
+                  <a:schemeClr val="tx1">
+                    <a:tint val="75000"/>
+                  </a:schemeClr>
+                </a:solidFill>
+                <a:latin typeface="+mj-lt"/>
+                <a:ea typeface="+mn-ea"/>
+                <a:cs typeface="+mn-cs"/>
+              </a:defRPr>
+            </a:lvl5pPr>
+            <a:lvl6pPr marL="2286000" indent="0" algn="ctr" defTabSz="914400" rtl="0" eaLnBrk="1" latinLnBrk="0" hangingPunct="1">
+              <a:spcBef>
+                <a:spcPct val="20000"/>
+              </a:spcBef>
+              <a:buFont typeface="Courier New" pitchFamily="49" charset="0"/>
+              <a:buNone/>
+              <a:defRPr sz="1600" kern="1200">
+                <a:solidFill>
+                  <a:schemeClr val="tx1">
+                    <a:tint val="75000"/>
+                  </a:schemeClr>
+                </a:solidFill>
+                <a:latin typeface="+mj-lt"/>
+                <a:ea typeface="+mn-ea"/>
+                <a:cs typeface="+mn-cs"/>
+              </a:defRPr>
+            </a:lvl6pPr>
+            <a:lvl7pPr marL="2743200" indent="0" algn="ctr" defTabSz="914400" rtl="0" eaLnBrk="1" latinLnBrk="0" hangingPunct="1">
+              <a:spcBef>
+                <a:spcPct val="20000"/>
+              </a:spcBef>
+              <a:buFont typeface="Arial" pitchFamily="34" charset="0"/>
+              <a:buNone/>
+              <a:defRPr sz="1600" kern="1200">
+                <a:solidFill>
+                  <a:schemeClr val="tx1">
+                    <a:tint val="75000"/>
+                  </a:schemeClr>
+                </a:solidFill>
+                <a:latin typeface="+mj-lt"/>
+                <a:ea typeface="+mn-ea"/>
+                <a:cs typeface="+mn-cs"/>
+              </a:defRPr>
+            </a:lvl7pPr>
+            <a:lvl8pPr marL="3200400" indent="0" algn="ctr" defTabSz="914400" rtl="0" eaLnBrk="1" latinLnBrk="0" hangingPunct="1">
+              <a:spcBef>
+                <a:spcPct val="20000"/>
+              </a:spcBef>
+              <a:buFont typeface="Courier New" pitchFamily="49" charset="0"/>
+              <a:buNone/>
+              <a:defRPr sz="1600" kern="1200">
+                <a:solidFill>
+                  <a:schemeClr val="tx1">
+                    <a:tint val="75000"/>
+                  </a:schemeClr>
+                </a:solidFill>
+                <a:latin typeface="+mj-lt"/>
+                <a:ea typeface="+mn-ea"/>
+                <a:cs typeface="+mn-cs"/>
+              </a:defRPr>
+            </a:lvl8pPr>
+            <a:lvl9pPr marL="3657600" indent="0" algn="ctr" defTabSz="914400" rtl="0" eaLnBrk="1" latinLnBrk="0" hangingPunct="1">
+              <a:spcBef>
+                <a:spcPct val="20000"/>
+              </a:spcBef>
+              <a:buFont typeface="Arial" pitchFamily="34" charset="0"/>
+              <a:buNone/>
+              <a:defRPr sz="1600" kern="1200">
+                <a:solidFill>
+                  <a:schemeClr val="tx1">
+                    <a:tint val="75000"/>
+                  </a:schemeClr>
+                </a:solidFill>
+                <a:latin typeface="+mj-lt"/>
+                <a:ea typeface="+mn-ea"/>
+                <a:cs typeface="+mn-cs"/>
+              </a:defRPr>
+            </a:lvl9pPr>
+          </a:lstStyle>
+          <a:p>
+            <a:r>
+              <a:rPr lang="en-US" dirty="0" smtClean="0"/>
+              <a:t>Show code</a:t>
+            </a:r>
+            <a:endParaRPr lang="en-US" dirty="0"/>
+          </a:p>
+        </p:txBody>
+      </p:sp>
+    </p:spTree>
+    <p:extLst>
+      <p:ext uri="{BB962C8B-B14F-4D97-AF65-F5344CB8AC3E}">
+        <p14:creationId xmlns:p14="http://schemas.microsoft.com/office/powerpoint/2010/main" val="2610234656"/>
       </p:ext>
     </p:extLst>
   </p:cSld>
@@ -6706,7 +7818,7 @@
           <a:p>
             <a:fld id="{216C5678-EE20-4FA5-88E2-6E0BD67A2E26}" type="datetime1">
               <a:rPr lang="en-US" smtClean="0"/>
-              <a:t>11/8/2015</a:t>
+              <a:t>11/9/2015</a:t>
             </a:fld>
             <a:endParaRPr lang="en-US" dirty="0"/>
           </a:p>
@@ -6932,7 +8044,7 @@
           <a:p>
             <a:fld id="{216C5678-EE20-4FA5-88E2-6E0BD67A2E26}" type="datetime1">
               <a:rPr lang="en-US" smtClean="0"/>
-              <a:t>11/8/2015</a:t>
+              <a:t>11/9/2015</a:t>
             </a:fld>
             <a:endParaRPr lang="en-US" dirty="0"/>
           </a:p>
@@ -7153,7 +8265,7 @@
           <a:p>
             <a:fld id="{216C5678-EE20-4FA5-88E2-6E0BD67A2E26}" type="datetime1">
               <a:rPr lang="en-US" smtClean="0"/>
-              <a:t>11/8/2015</a:t>
+              <a:t>11/9/2015</a:t>
             </a:fld>
             <a:endParaRPr lang="en-US" dirty="0"/>
           </a:p>
@@ -7442,7 +8554,7 @@
           <a:p>
             <a:fld id="{216C5678-EE20-4FA5-88E2-6E0BD67A2E26}" type="datetime1">
               <a:rPr lang="en-US" smtClean="0"/>
-              <a:t>11/8/2015</a:t>
+              <a:t>11/9/2015</a:t>
             </a:fld>
             <a:endParaRPr lang="en-US" dirty="0"/>
           </a:p>
@@ -7864,7 +8976,7 @@
           <a:p>
             <a:fld id="{216C5678-EE20-4FA5-88E2-6E0BD67A2E26}" type="datetime1">
               <a:rPr lang="en-US" smtClean="0"/>
-              <a:t>11/8/2015</a:t>
+              <a:t>11/9/2015</a:t>
             </a:fld>
             <a:endParaRPr lang="en-US" dirty="0"/>
           </a:p>
@@ -8745,7 +9857,7 @@
           <a:p>
             <a:fld id="{216C5678-EE20-4FA5-88E2-6E0BD67A2E26}" type="datetime1">
               <a:rPr lang="en-US" smtClean="0"/>
-              <a:t>11/8/2015</a:t>
+              <a:t>11/9/2015</a:t>
             </a:fld>
             <a:endParaRPr lang="en-US" dirty="0"/>
           </a:p>
@@ -9148,7 +10260,7 @@
           <a:p>
             <a:fld id="{216C5678-EE20-4FA5-88E2-6E0BD67A2E26}" type="datetime1">
               <a:rPr lang="en-US" smtClean="0"/>
-              <a:t>11/8/2015</a:t>
+              <a:t>11/9/2015</a:t>
             </a:fld>
             <a:endParaRPr lang="en-US" dirty="0"/>
           </a:p>

--- a/brownbag/jamine/tech-presentation-jasmine.pptx
+++ b/brownbag/jamine/tech-presentation-jasmine.pptx
@@ -4022,12 +4022,16 @@
               <a:rPr lang="en-US" dirty="0" smtClean="0"/>
               <a:t> Tran</a:t>
             </a:r>
+            <a:r>
+              <a:rPr lang="en-US" smtClean="0"/>
+              <a:t/>
+            </a:r>
             <a:br>
-              <a:rPr lang="en-US" dirty="0" smtClean="0"/>
+              <a:rPr lang="en-US" smtClean="0"/>
             </a:br>
             <a:r>
-              <a:rPr lang="en-US" dirty="0" smtClean="0"/>
-              <a:t>11/20/2015</a:t>
+              <a:rPr lang="en-US" smtClean="0"/>
+              <a:t>11/10/2015</a:t>
             </a:r>
             <a:endParaRPr lang="en-US" dirty="0"/>
           </a:p>
@@ -5204,11 +5208,7 @@
             </a:r>
             <a:r>
               <a:rPr lang="en-US" sz="4000" dirty="0" smtClean="0"/>
-              <a:t> Testing for </a:t>
-            </a:r>
-            <a:r>
-              <a:rPr lang="en-US" sz="4000" dirty="0" smtClean="0"/>
-              <a:t>ajax (</a:t>
+              <a:t> Testing for ajax (</a:t>
             </a:r>
             <a:r>
               <a:rPr lang="en-US" sz="4000" dirty="0" err="1" smtClean="0"/>
@@ -5430,11 +5430,7 @@
             </a:r>
             <a:r>
               <a:rPr lang="en-US" sz="4000" dirty="0" smtClean="0"/>
-              <a:t> Testing for </a:t>
-            </a:r>
-            <a:r>
-              <a:rPr lang="en-US" sz="4000" dirty="0" smtClean="0"/>
-              <a:t>ajax (</a:t>
+              <a:t> Testing for ajax (</a:t>
             </a:r>
             <a:r>
               <a:rPr lang="en-US" sz="4000" dirty="0" err="1" smtClean="0"/>
@@ -5971,7 +5967,11 @@
             <a:pPr algn="l"/>
             <a:r>
               <a:rPr lang="en-US" sz="4000" dirty="0" smtClean="0"/>
-              <a:t>Testing with DOM Element</a:t>
+              <a:t>Unit Testing </a:t>
+            </a:r>
+            <a:r>
+              <a:rPr lang="en-US" sz="4000" dirty="0" smtClean="0"/>
+              <a:t>with DOM Element</a:t>
             </a:r>
             <a:endParaRPr lang="en-US" sz="4000" dirty="0"/>
           </a:p>
@@ -6059,26 +6059,117 @@
         </p:nvSpPr>
         <p:spPr>
           <a:xfrm>
-            <a:off x="1219200" y="1600200"/>
-            <a:ext cx="6400800" cy="1219200"/>
+            <a:off x="533400" y="2559050"/>
+            <a:ext cx="7620000" cy="3079750"/>
           </a:xfrm>
         </p:spPr>
         <p:txBody>
-          <a:bodyPr/>
-          <a:lstStyle/>
-          <a:p>
-            <a:r>
-              <a:rPr lang="en-US" dirty="0"/>
-              <a:t>Display </a:t>
-            </a:r>
+          <a:bodyPr>
+            <a:normAutofit/>
+          </a:bodyPr>
+          <a:lstStyle/>
+          <a:p>
+            <a:pPr lvl="0" algn="l"/>
+            <a:r>
+              <a:rPr lang="en-US" altLang="en-US" dirty="0" err="1" smtClean="0">
+                <a:solidFill>
+                  <a:srgbClr val="7A7A43"/>
+                </a:solidFill>
+                <a:latin typeface="Courier New" panose="02070309020205020404" pitchFamily="49" charset="0"/>
+                <a:cs typeface="Courier New" panose="02070309020205020404" pitchFamily="49" charset="0"/>
+              </a:rPr>
+              <a:t>addAndDisplay</a:t>
+            </a:r>
+            <a:r>
+              <a:rPr lang="en-US" altLang="en-US" dirty="0" smtClean="0">
+                <a:solidFill>
+                  <a:srgbClr val="000000"/>
+                </a:solidFill>
+                <a:latin typeface="Courier New" panose="02070309020205020404" pitchFamily="49" charset="0"/>
+                <a:cs typeface="Courier New" panose="02070309020205020404" pitchFamily="49" charset="0"/>
+              </a:rPr>
+              <a:t>(x</a:t>
+            </a:r>
+            <a:r>
+              <a:rPr lang="en-US" altLang="en-US" dirty="0">
+                <a:solidFill>
+                  <a:srgbClr val="000000"/>
+                </a:solidFill>
+                <a:latin typeface="Courier New" panose="02070309020205020404" pitchFamily="49" charset="0"/>
+                <a:cs typeface="Courier New" panose="02070309020205020404" pitchFamily="49" charset="0"/>
+              </a:rPr>
+              <a:t>, y, </a:t>
+            </a:r>
+            <a:r>
+              <a:rPr lang="en-US" altLang="en-US" dirty="0" err="1">
+                <a:solidFill>
+                  <a:srgbClr val="000000"/>
+                </a:solidFill>
+                <a:latin typeface="Courier New" panose="02070309020205020404" pitchFamily="49" charset="0"/>
+                <a:cs typeface="Courier New" panose="02070309020205020404" pitchFamily="49" charset="0"/>
+              </a:rPr>
+              <a:t>domEle</a:t>
+            </a:r>
+            <a:r>
+              <a:rPr lang="en-US" altLang="en-US" dirty="0">
+                <a:solidFill>
+                  <a:srgbClr val="000000"/>
+                </a:solidFill>
+                <a:latin typeface="Courier New" panose="02070309020205020404" pitchFamily="49" charset="0"/>
+                <a:cs typeface="Courier New" panose="02070309020205020404" pitchFamily="49" charset="0"/>
+              </a:rPr>
+              <a:t>)</a:t>
+            </a:r>
+            <a:endParaRPr lang="en-US" altLang="en-US" sz="3600" dirty="0">
+              <a:solidFill>
+                <a:schemeClr val="tx1"/>
+              </a:solidFill>
+              <a:latin typeface="Arial" panose="020B0604020202020204" pitchFamily="34" charset="0"/>
+            </a:endParaRPr>
+          </a:p>
+          <a:p>
+            <a:pPr algn="l"/>
+            <a:endParaRPr lang="en-US" dirty="0" smtClean="0"/>
+          </a:p>
+          <a:p>
+            <a:endParaRPr lang="en-US" dirty="0" smtClean="0"/>
+          </a:p>
+          <a:p>
+            <a:endParaRPr lang="en-US" dirty="0"/>
+          </a:p>
+          <a:p>
             <a:r>
               <a:rPr lang="en-US" dirty="0" smtClean="0"/>
-              <a:t>test involving display to DOM</a:t>
+              <a:t>Code Demo</a:t>
             </a:r>
             <a:endParaRPr lang="en-US" dirty="0"/>
           </a:p>
         </p:txBody>
       </p:sp>
+      <p:pic>
+        <p:nvPicPr>
+          <p:cNvPr id="10" name="Picture 9"/>
+          <p:cNvPicPr>
+            <a:picLocks noChangeAspect="1"/>
+          </p:cNvPicPr>
+          <p:nvPr/>
+        </p:nvPicPr>
+        <p:blipFill>
+          <a:blip r:embed="rId2"/>
+          <a:stretch>
+            <a:fillRect/>
+          </a:stretch>
+        </p:blipFill>
+        <p:spPr>
+          <a:xfrm>
+            <a:off x="638845" y="1254173"/>
+            <a:ext cx="3933155" cy="1078657"/>
+          </a:xfrm>
+          <a:prstGeom prst="rect">
+            <a:avLst/>
+          </a:prstGeom>
+        </p:spPr>
+      </p:pic>
     </p:spTree>
     <p:extLst>
       <p:ext uri="{BB962C8B-B14F-4D97-AF65-F5344CB8AC3E}">
@@ -7386,11 +7477,7 @@
             </a:pPr>
             <a:r>
               <a:rPr lang="en-US" dirty="0" smtClean="0"/>
-              <a:t>Installation </a:t>
-            </a:r>
-            <a:r>
-              <a:rPr lang="en-US" dirty="0" smtClean="0"/>
-              <a:t>and karma </a:t>
+              <a:t>C:\code karma </a:t>
             </a:r>
             <a:r>
               <a:rPr lang="en-US" dirty="0" err="1" smtClean="0"/>
@@ -7398,36 +7485,55 @@
             </a:r>
             <a:r>
               <a:rPr lang="en-US" dirty="0" smtClean="0"/>
-              <a:t> to product karma.conf.js</a:t>
-            </a:r>
+              <a:t> </a:t>
+            </a:r>
+            <a:r>
+              <a:rPr lang="en-US" dirty="0" smtClean="0"/>
+              <a:t>   </a:t>
+            </a:r>
+            <a:r>
+              <a:rPr lang="en-US" dirty="0" smtClean="0"/>
+              <a:t>to generate karma.conf.js</a:t>
+            </a:r>
+          </a:p>
+          <a:p>
+            <a:pPr marL="342900" indent="-342900" algn="l">
+              <a:buFont typeface="Arial" panose="020B0604020202020204" pitchFamily="34" charset="0"/>
+              <a:buChar char="•"/>
+            </a:pPr>
+            <a:r>
+              <a:rPr lang="en-US" dirty="0" smtClean="0"/>
+              <a:t>C:\code karma start   to run karma.</a:t>
+            </a:r>
+          </a:p>
+          <a:p>
+            <a:pPr marL="342900" indent="-342900" algn="l">
+              <a:buFont typeface="Arial" panose="020B0604020202020204" pitchFamily="34" charset="0"/>
+              <a:buChar char="•"/>
+            </a:pPr>
             <a:endParaRPr lang="en-US" dirty="0"/>
           </a:p>
-        </p:txBody>
-      </p:sp>
-      <p:pic>
-        <p:nvPicPr>
-          <p:cNvPr id="3" name="Picture 2"/>
-          <p:cNvPicPr>
-            <a:picLocks noChangeAspect="1"/>
-          </p:cNvPicPr>
-          <p:nvPr/>
-        </p:nvPicPr>
-        <p:blipFill>
-          <a:blip r:embed="rId2"/>
-          <a:stretch>
-            <a:fillRect/>
-          </a:stretch>
-        </p:blipFill>
-        <p:spPr>
-          <a:xfrm>
-            <a:off x="1651418" y="2286000"/>
-            <a:ext cx="5790476" cy="3923809"/>
-          </a:xfrm>
-          <a:prstGeom prst="rect">
-            <a:avLst/>
-          </a:prstGeom>
-        </p:spPr>
-      </p:pic>
+          <a:p>
+            <a:pPr marL="342900" indent="-342900" algn="l">
+              <a:buFont typeface="Arial" panose="020B0604020202020204" pitchFamily="34" charset="0"/>
+              <a:buChar char="•"/>
+            </a:pPr>
+            <a:endParaRPr lang="en-US" dirty="0" smtClean="0"/>
+          </a:p>
+          <a:p>
+            <a:pPr algn="l"/>
+            <a:r>
+              <a:rPr lang="en-US" dirty="0"/>
+              <a:t>	</a:t>
+            </a:r>
+            <a:r>
+              <a:rPr lang="en-US" dirty="0" smtClean="0"/>
+              <a:t>		Code Demo</a:t>
+            </a:r>
+            <a:endParaRPr lang="en-US" dirty="0"/>
+          </a:p>
+        </p:txBody>
+      </p:sp>
     </p:spTree>
     <p:extLst>
       <p:ext uri="{BB962C8B-B14F-4D97-AF65-F5344CB8AC3E}">
@@ -7481,7 +7587,7 @@
             <a:pPr algn="l"/>
             <a:r>
               <a:rPr lang="en-US" sz="4000" dirty="0" smtClean="0"/>
-              <a:t>Karma Execution</a:t>
+              <a:t>Conclusion</a:t>
             </a:r>
             <a:endParaRPr lang="en-US" sz="4000" dirty="0"/>
           </a:p>
@@ -7567,8 +7673,8 @@
         </p:nvSpPr>
         <p:spPr>
           <a:xfrm>
-            <a:off x="1219200" y="1600200"/>
-            <a:ext cx="6400800" cy="1219200"/>
+            <a:off x="381000" y="1600200"/>
+            <a:ext cx="8458200" cy="3429000"/>
           </a:xfrm>
           <a:prstGeom prst="rect">
             <a:avLst/>
@@ -7734,10 +7840,50 @@
             </a:lvl9pPr>
           </a:lstStyle>
           <a:p>
-            <a:r>
-              <a:rPr lang="en-US" dirty="0" smtClean="0"/>
-              <a:t>Show code</a:t>
-            </a:r>
+            <a:pPr marL="342900" indent="-342900" algn="l">
+              <a:buFont typeface="Arial" panose="020B0604020202020204" pitchFamily="34" charset="0"/>
+              <a:buChar char="•"/>
+            </a:pPr>
+            <a:r>
+              <a:rPr lang="en-US" sz="3200" dirty="0" smtClean="0"/>
+              <a:t>Introduction to Jasmine.</a:t>
+            </a:r>
+          </a:p>
+          <a:p>
+            <a:pPr marL="342900" indent="-342900" algn="l">
+              <a:buFont typeface="Arial" panose="020B0604020202020204" pitchFamily="34" charset="0"/>
+              <a:buChar char="•"/>
+            </a:pPr>
+            <a:r>
+              <a:rPr lang="en-US" sz="3200" dirty="0" smtClean="0"/>
+              <a:t>Use Jasmine to mock ajax and long running functions</a:t>
+            </a:r>
+          </a:p>
+          <a:p>
+            <a:pPr marL="342900" indent="-342900" algn="l">
+              <a:buFont typeface="Arial" panose="020B0604020202020204" pitchFamily="34" charset="0"/>
+              <a:buChar char="•"/>
+            </a:pPr>
+            <a:r>
+              <a:rPr lang="en-US" sz="3200" dirty="0" smtClean="0"/>
+              <a:t>Use Karma to improve productivity.</a:t>
+            </a:r>
+          </a:p>
+          <a:p>
+            <a:pPr marL="342900" indent="-342900" algn="l">
+              <a:buFont typeface="Arial" panose="020B0604020202020204" pitchFamily="34" charset="0"/>
+              <a:buChar char="•"/>
+            </a:pPr>
+            <a:r>
+              <a:rPr lang="en-US" sz="3200" dirty="0" smtClean="0"/>
+              <a:t>Questions?</a:t>
+            </a:r>
+          </a:p>
+          <a:p>
+            <a:pPr marL="342900" indent="-342900" algn="l">
+              <a:buFont typeface="Arial" panose="020B0604020202020204" pitchFamily="34" charset="0"/>
+              <a:buChar char="•"/>
+            </a:pPr>
             <a:endParaRPr lang="en-US" dirty="0"/>
           </a:p>
         </p:txBody>

--- a/brownbag/jamine/tech-presentation-jasmine.pptx
+++ b/brownbag/jamine/tech-presentation-jasmine.pptx
@@ -129,7 +129,7 @@
   </p:defaultTextStyle>
   <p:extLst>
     <p:ext uri="{EFAFB233-063F-42B5-8137-9DF3F51BA10A}">
-      <p15:sldGuideLst xmlns:p15="http://schemas.microsoft.com/office/powerpoint/2012/main">
+      <p15:sldGuideLst xmlns:p15="http://schemas.microsoft.com/office/powerpoint/2012/main" xmlns="">
         <p15:guide id="1" orient="horz" pos="2160">
           <p15:clr>
             <a:srgbClr val="A4A3A4"/>
@@ -228,7 +228,7 @@
           <a:p>
             <a:fld id="{436134EC-835B-48D8-BDB5-96D4A8A8ACE7}" type="datetimeFigureOut">
               <a:rPr lang="en-US" smtClean="0"/>
-              <a:t>11/9/2015</a:t>
+              <a:t>11/20/2015</a:t>
             </a:fld>
             <a:endParaRPr lang="en-US"/>
           </a:p>
@@ -864,7 +864,7 @@
           <a:p>
             <a:fld id="{216C5678-EE20-4FA5-88E2-6E0BD67A2E26}" type="datetime1">
               <a:rPr lang="en-US" smtClean="0"/>
-              <a:t>11/9/2015</a:t>
+              <a:t>11/20/2015</a:t>
             </a:fld>
             <a:endParaRPr lang="en-US" dirty="0"/>
           </a:p>
@@ -1034,7 +1034,7 @@
           <a:p>
             <a:fld id="{EA051B39-B140-43FE-96DB-472A2B59CE7C}" type="datetime1">
               <a:rPr lang="en-US" smtClean="0"/>
-              <a:t>11/9/2015</a:t>
+              <a:t>11/20/2015</a:t>
             </a:fld>
             <a:endParaRPr lang="en-US"/>
           </a:p>
@@ -1214,7 +1214,7 @@
           <a:p>
             <a:fld id="{DA600BB2-27C5-458B-ABCE-839C88CF47CE}" type="datetime1">
               <a:rPr lang="en-US" smtClean="0"/>
-              <a:t>11/9/2015</a:t>
+              <a:t>11/20/2015</a:t>
             </a:fld>
             <a:endParaRPr lang="en-US"/>
           </a:p>
@@ -1402,7 +1402,7 @@
           <a:p>
             <a:fld id="{B11D738E-8962-435F-8C43-147B8DD7E819}" type="datetime1">
               <a:rPr lang="en-US" smtClean="0"/>
-              <a:t>11/9/2015</a:t>
+              <a:t>11/20/2015</a:t>
             </a:fld>
             <a:endParaRPr lang="en-US"/>
           </a:p>
@@ -1669,7 +1669,7 @@
           <a:p>
             <a:fld id="{09CAEA93-55E7-4DA9-90C2-089A26EEFEC4}" type="datetime1">
               <a:rPr lang="en-US" smtClean="0"/>
-              <a:t>11/9/2015</a:t>
+              <a:t>11/20/2015</a:t>
             </a:fld>
             <a:endParaRPr lang="en-US"/>
           </a:p>
@@ -2022,7 +2022,7 @@
           <a:p>
             <a:fld id="{E34CF3C7-6809-4F39-BD67-A75817BDDE0A}" type="datetime1">
               <a:rPr lang="en-US" smtClean="0"/>
-              <a:t>11/9/2015</a:t>
+              <a:t>11/20/2015</a:t>
             </a:fld>
             <a:endParaRPr lang="en-US"/>
           </a:p>
@@ -2335,7 +2335,7 @@
           <a:p>
             <a:fld id="{F7EAEB24-CE78-465C-A726-91D0868FA48F}" type="datetime1">
               <a:rPr lang="en-US" smtClean="0"/>
-              <a:t>11/9/2015</a:t>
+              <a:t>11/20/2015</a:t>
             </a:fld>
             <a:endParaRPr lang="en-US"/>
           </a:p>
@@ -2567,7 +2567,7 @@
           <a:p>
             <a:fld id="{40BAADF0-1749-4E8B-9691-B44A5F8C0895}" type="datetime1">
               <a:rPr lang="en-US" smtClean="0"/>
-              <a:t>11/9/2015</a:t>
+              <a:t>11/20/2015</a:t>
             </a:fld>
             <a:endParaRPr lang="en-US"/>
           </a:p>
@@ -2662,7 +2662,7 @@
           <a:p>
             <a:fld id="{A8AF628A-A867-4937-BBE5-207DB6F9C51A}" type="datetime1">
               <a:rPr lang="en-US" smtClean="0"/>
-              <a:t>11/9/2015</a:t>
+              <a:t>11/20/2015</a:t>
             </a:fld>
             <a:endParaRPr lang="en-US"/>
           </a:p>
@@ -2955,7 +2955,7 @@
           <a:p>
             <a:fld id="{118BBB94-68E6-4675-A946-F1C5994EDBD7}" type="datetime1">
               <a:rPr lang="en-US" smtClean="0"/>
-              <a:t>11/9/2015</a:t>
+              <a:t>11/20/2015</a:t>
             </a:fld>
             <a:endParaRPr lang="en-US"/>
           </a:p>
@@ -3229,7 +3229,7 @@
           <a:p>
             <a:fld id="{DC3B8377-21E3-4835-B75D-4E2847E2750F}" type="datetime1">
               <a:rPr lang="en-US" smtClean="0"/>
-              <a:t>11/9/2015</a:t>
+              <a:t>11/20/2015</a:t>
             </a:fld>
             <a:endParaRPr lang="en-US"/>
           </a:p>
@@ -3444,7 +3444,7 @@
           <a:p>
             <a:fld id="{B0C4986D-6BE9-4264-908F-02DB36FD8D6C}" type="datetime1">
               <a:rPr lang="en-US" smtClean="0"/>
-              <a:t>11/9/2015</a:t>
+              <a:t>11/20/2015</a:t>
             </a:fld>
             <a:endParaRPr lang="en-US" dirty="0"/>
           </a:p>
@@ -4054,7 +4054,7 @@
           <a:p>
             <a:fld id="{216C5678-EE20-4FA5-88E2-6E0BD67A2E26}" type="datetime1">
               <a:rPr lang="en-US" smtClean="0"/>
-              <a:t>11/9/2015</a:t>
+              <a:t>11/20/2015</a:t>
             </a:fld>
             <a:endParaRPr lang="en-US" dirty="0"/>
           </a:p>
@@ -4183,7 +4183,7 @@
           <a:p>
             <a:fld id="{216C5678-EE20-4FA5-88E2-6E0BD67A2E26}" type="datetime1">
               <a:rPr lang="en-US" smtClean="0"/>
-              <a:t>11/9/2015</a:t>
+              <a:t>11/20/2015</a:t>
             </a:fld>
             <a:endParaRPr lang="en-US" dirty="0"/>
           </a:p>
@@ -4344,7 +4344,7 @@
           <a:p>
             <a:fld id="{216C5678-EE20-4FA5-88E2-6E0BD67A2E26}" type="datetime1">
               <a:rPr lang="en-US" smtClean="0"/>
-              <a:t>11/9/2015</a:t>
+              <a:t>11/20/2015</a:t>
             </a:fld>
             <a:endParaRPr lang="en-US" dirty="0"/>
           </a:p>
@@ -4452,7 +4452,15 @@
             <a:pPr algn="l"/>
             <a:r>
               <a:rPr lang="en-US" dirty="0" smtClean="0"/>
-              <a:t>     if( “should… “, function(</a:t>
+              <a:t>     if( “</a:t>
+            </a:r>
+            <a:r>
+              <a:rPr lang="en-US" dirty="0" smtClean="0"/>
+              <a:t>should… </a:t>
+            </a:r>
+            <a:r>
+              <a:rPr lang="en-US" dirty="0" smtClean="0"/>
+              <a:t>“, function(</a:t>
             </a:r>
             <a:r>
               <a:rPr lang="en-US" dirty="0" err="1" smtClean="0"/>
@@ -4467,7 +4475,15 @@
             <a:pPr algn="l"/>
             <a:r>
               <a:rPr lang="en-US" dirty="0" smtClean="0"/>
-              <a:t>         // execute </a:t>
+              <a:t>         </a:t>
+            </a:r>
+            <a:r>
+              <a:rPr lang="en-US" dirty="0" smtClean="0"/>
+              <a:t>            // </a:t>
+            </a:r>
+            <a:r>
+              <a:rPr lang="en-US" dirty="0" smtClean="0"/>
+              <a:t>execute </a:t>
             </a:r>
             <a:r>
               <a:rPr lang="en-US" dirty="0" err="1" smtClean="0"/>
@@ -4489,13 +4505,10 @@
               <a:t>        </a:t>
             </a:r>
             <a:r>
-              <a:rPr lang="en-US" dirty="0" err="1" smtClean="0"/>
-              <a:t>doneCallback</a:t>
-            </a:r>
-            <a:r>
               <a:rPr lang="en-US" dirty="0" smtClean="0"/>
-              <a:t>();</a:t>
-            </a:r>
+              <a:t>            done ();</a:t>
+            </a:r>
+            <a:endParaRPr lang="en-US" dirty="0" smtClean="0"/>
           </a:p>
           <a:p>
             <a:pPr algn="l"/>
@@ -4543,7 +4556,15 @@
             <a:pPr algn="l"/>
             <a:r>
               <a:rPr lang="en-US" dirty="0"/>
-              <a:t>         // execute </a:t>
+              <a:t>         </a:t>
+            </a:r>
+            <a:r>
+              <a:rPr lang="en-US" dirty="0" smtClean="0"/>
+              <a:t>              // </a:t>
+            </a:r>
+            <a:r>
+              <a:rPr lang="en-US" dirty="0"/>
+              <a:t>execute </a:t>
             </a:r>
             <a:r>
               <a:rPr lang="en-US" dirty="0" err="1"/>
@@ -4561,13 +4582,10 @@
               <a:t>         </a:t>
             </a:r>
             <a:r>
-              <a:rPr lang="en-US" dirty="0" err="1"/>
-              <a:t>doneCallback</a:t>
-            </a:r>
-            <a:r>
-              <a:rPr lang="en-US" dirty="0"/>
-              <a:t>();</a:t>
-            </a:r>
+              <a:rPr lang="en-US" dirty="0" smtClean="0"/>
+              <a:t>              done ();</a:t>
+            </a:r>
+            <a:endParaRPr lang="en-US" dirty="0"/>
           </a:p>
           <a:p>
             <a:pPr algn="l"/>
@@ -4674,7 +4692,7 @@
           <a:p>
             <a:fld id="{216C5678-EE20-4FA5-88E2-6E0BD67A2E26}" type="datetime1">
               <a:rPr lang="en-US" smtClean="0"/>
-              <a:t>11/9/2015</a:t>
+              <a:t>11/20/2015</a:t>
             </a:fld>
             <a:endParaRPr lang="en-US" dirty="0"/>
           </a:p>
@@ -4772,10 +4790,18 @@
           </a:p>
           <a:p>
             <a:r>
-              <a:rPr lang="en-US" dirty="0" smtClean="0"/>
-              <a:t>code demo</a:t>
-            </a:r>
-            <a:endParaRPr lang="en-US" dirty="0"/>
+              <a:rPr lang="en-US" b="1" dirty="0"/>
+              <a:t>C</a:t>
+            </a:r>
+            <a:r>
+              <a:rPr lang="en-US" b="1" dirty="0" smtClean="0"/>
+              <a:t>ode </a:t>
+            </a:r>
+            <a:r>
+              <a:rPr lang="en-US" b="1" dirty="0" smtClean="0"/>
+              <a:t>demo</a:t>
+            </a:r>
+            <a:endParaRPr lang="en-US" b="1" dirty="0"/>
           </a:p>
         </p:txBody>
       </p:sp>
@@ -4859,7 +4885,7 @@
           <a:p>
             <a:fld id="{216C5678-EE20-4FA5-88E2-6E0BD67A2E26}" type="datetime1">
               <a:rPr lang="en-US" smtClean="0"/>
-              <a:t>11/9/2015</a:t>
+              <a:t>11/20/2015</a:t>
             </a:fld>
             <a:endParaRPr lang="en-US" dirty="0"/>
           </a:p>
@@ -5239,7 +5265,7 @@
           <a:p>
             <a:fld id="{216C5678-EE20-4FA5-88E2-6E0BD67A2E26}" type="datetime1">
               <a:rPr lang="en-US" smtClean="0"/>
-              <a:t>11/9/2015</a:t>
+              <a:t>11/20/2015</a:t>
             </a:fld>
             <a:endParaRPr lang="en-US" dirty="0"/>
           </a:p>
@@ -5461,7 +5487,7 @@
           <a:p>
             <a:fld id="{216C5678-EE20-4FA5-88E2-6E0BD67A2E26}" type="datetime1">
               <a:rPr lang="en-US" smtClean="0"/>
-              <a:t>11/9/2015</a:t>
+              <a:t>11/20/2015</a:t>
             </a:fld>
             <a:endParaRPr lang="en-US" dirty="0"/>
           </a:p>
@@ -5580,8 +5606,8 @@
         </p:blipFill>
         <p:spPr>
           <a:xfrm>
-            <a:off x="1295400" y="2110662"/>
-            <a:ext cx="7425654" cy="4240608"/>
+            <a:off x="762000" y="1806050"/>
+            <a:ext cx="7959054" cy="4545220"/>
           </a:xfrm>
           <a:prstGeom prst="rect">
             <a:avLst/>
@@ -5676,7 +5702,7 @@
           <a:p>
             <a:fld id="{216C5678-EE20-4FA5-88E2-6E0BD67A2E26}" type="datetime1">
               <a:rPr lang="en-US" smtClean="0"/>
-              <a:t>11/9/2015</a:t>
+              <a:t>11/20/2015</a:t>
             </a:fld>
             <a:endParaRPr lang="en-US" dirty="0"/>
           </a:p>
@@ -5907,10 +5933,10 @@
           </a:lstStyle>
           <a:p>
             <a:r>
-              <a:rPr lang="en-US" dirty="0" smtClean="0"/>
+              <a:rPr lang="en-US" b="1" dirty="0" smtClean="0"/>
               <a:t>Code Demo</a:t>
             </a:r>
-            <a:endParaRPr lang="en-US" dirty="0"/>
+            <a:endParaRPr lang="en-US" b="1" dirty="0"/>
           </a:p>
         </p:txBody>
       </p:sp>
@@ -5967,11 +5993,7 @@
             <a:pPr algn="l"/>
             <a:r>
               <a:rPr lang="en-US" sz="4000" dirty="0" smtClean="0"/>
-              <a:t>Unit Testing </a:t>
-            </a:r>
-            <a:r>
-              <a:rPr lang="en-US" sz="4000" dirty="0" smtClean="0"/>
-              <a:t>with DOM Element</a:t>
+              <a:t>Unit Testing with DOM Element</a:t>
             </a:r>
             <a:endParaRPr lang="en-US" sz="4000" dirty="0"/>
           </a:p>
@@ -5994,7 +6016,7 @@
           <a:p>
             <a:fld id="{216C5678-EE20-4FA5-88E2-6E0BD67A2E26}" type="datetime1">
               <a:rPr lang="en-US" smtClean="0"/>
-              <a:t>11/9/2015</a:t>
+              <a:t>11/20/2015</a:t>
             </a:fld>
             <a:endParaRPr lang="en-US" dirty="0"/>
           </a:p>
@@ -6139,10 +6161,10 @@
           </a:p>
           <a:p>
             <a:r>
-              <a:rPr lang="en-US" dirty="0" smtClean="0"/>
+              <a:rPr lang="en-US" b="1" dirty="0" smtClean="0"/>
               <a:t>Code Demo</a:t>
             </a:r>
-            <a:endParaRPr lang="en-US" dirty="0"/>
+            <a:endParaRPr lang="en-US" b="1" dirty="0"/>
           </a:p>
         </p:txBody>
       </p:sp>
@@ -6246,7 +6268,7 @@
           <a:p>
             <a:fld id="{216C5678-EE20-4FA5-88E2-6E0BD67A2E26}" type="datetime1">
               <a:rPr lang="en-US" smtClean="0"/>
-              <a:t>11/9/2015</a:t>
+              <a:t>11/20/2015</a:t>
             </a:fld>
             <a:endParaRPr lang="en-US" dirty="0"/>
           </a:p>
@@ -6631,7 +6653,7 @@
           <a:p>
             <a:fld id="{216C5678-EE20-4FA5-88E2-6E0BD67A2E26}" type="datetime1">
               <a:rPr lang="en-US" smtClean="0"/>
-              <a:t>11/9/2015</a:t>
+              <a:t>11/20/2015</a:t>
             </a:fld>
             <a:endParaRPr lang="en-US" dirty="0"/>
           </a:p>
@@ -6979,7 +7001,7 @@
         </p:nvSpPr>
         <p:spPr>
           <a:xfrm>
-            <a:off x="1219200" y="1219200"/>
+            <a:off x="762000" y="1219200"/>
             <a:ext cx="7315200" cy="4343400"/>
           </a:xfrm>
         </p:spPr>
@@ -7013,8 +7035,9 @@
             </a:r>
             <a:r>
               <a:rPr lang="en-US" sz="3200" dirty="0" smtClean="0"/>
-              <a:t> Jasmine.</a:t>
-            </a:r>
+              <a:t>.</a:t>
+            </a:r>
+            <a:endParaRPr lang="en-US" sz="3200" dirty="0" smtClean="0"/>
           </a:p>
           <a:p>
             <a:pPr marL="342900" indent="-342900" algn="l">
@@ -7112,7 +7135,7 @@
           <a:p>
             <a:fld id="{216C5678-EE20-4FA5-88E2-6E0BD67A2E26}" type="datetime1">
               <a:rPr lang="en-US" smtClean="0"/>
-              <a:t>11/9/2015</a:t>
+              <a:t>11/20/2015</a:t>
             </a:fld>
             <a:endParaRPr lang="en-US" dirty="0"/>
           </a:p>
@@ -7241,7 +7264,7 @@
           <a:p>
             <a:fld id="{216C5678-EE20-4FA5-88E2-6E0BD67A2E26}" type="datetime1">
               <a:rPr lang="en-US" smtClean="0"/>
-              <a:t>11/9/2015</a:t>
+              <a:t>11/20/2015</a:t>
             </a:fld>
             <a:endParaRPr lang="en-US" dirty="0"/>
           </a:p>
@@ -7485,15 +7508,7 @@
             </a:r>
             <a:r>
               <a:rPr lang="en-US" dirty="0" smtClean="0"/>
-              <a:t> </a:t>
-            </a:r>
-            <a:r>
-              <a:rPr lang="en-US" dirty="0" smtClean="0"/>
-              <a:t>   </a:t>
-            </a:r>
-            <a:r>
-              <a:rPr lang="en-US" dirty="0" smtClean="0"/>
-              <a:t>to generate karma.conf.js</a:t>
+              <a:t>    to generate karma.conf.js</a:t>
             </a:r>
           </a:p>
           <a:p>
@@ -7528,9 +7543,13 @@
             </a:r>
             <a:r>
               <a:rPr lang="en-US" dirty="0" smtClean="0"/>
-              <a:t>		Code Demo</a:t>
-            </a:r>
-            <a:endParaRPr lang="en-US" dirty="0"/>
+              <a:t>		</a:t>
+            </a:r>
+            <a:r>
+              <a:rPr lang="en-US" b="1" dirty="0" smtClean="0"/>
+              <a:t>Code Demo</a:t>
+            </a:r>
+            <a:endParaRPr lang="en-US" b="1" dirty="0"/>
           </a:p>
         </p:txBody>
       </p:sp>
@@ -7610,7 +7629,7 @@
           <a:p>
             <a:fld id="{216C5678-EE20-4FA5-88E2-6E0BD67A2E26}" type="datetime1">
               <a:rPr lang="en-US" smtClean="0"/>
-              <a:t>11/9/2015</a:t>
+              <a:t>11/20/2015</a:t>
             </a:fld>
             <a:endParaRPr lang="en-US" dirty="0"/>
           </a:p>
@@ -7964,7 +7983,7 @@
           <a:p>
             <a:fld id="{216C5678-EE20-4FA5-88E2-6E0BD67A2E26}" type="datetime1">
               <a:rPr lang="en-US" smtClean="0"/>
-              <a:t>11/9/2015</a:t>
+              <a:t>11/20/2015</a:t>
             </a:fld>
             <a:endParaRPr lang="en-US" dirty="0"/>
           </a:p>
@@ -8070,8 +8089,12 @@
               <a:buChar char="•"/>
             </a:pPr>
             <a:r>
+              <a:rPr lang="en-US" dirty="0" smtClean="0"/>
+              <a:t>Used </a:t>
+            </a:r>
+            <a:r>
               <a:rPr lang="en-US" dirty="0"/>
-              <a:t>Use for white-box testing</a:t>
+              <a:t>for white-box testing</a:t>
             </a:r>
             <a:r>
               <a:rPr lang="en-US" dirty="0" smtClean="0"/>
@@ -8190,7 +8213,7 @@
           <a:p>
             <a:fld id="{216C5678-EE20-4FA5-88E2-6E0BD67A2E26}" type="datetime1">
               <a:rPr lang="en-US" smtClean="0"/>
-              <a:t>11/9/2015</a:t>
+              <a:t>11/20/2015</a:t>
             </a:fld>
             <a:endParaRPr lang="en-US" dirty="0"/>
           </a:p>
@@ -8411,7 +8434,7 @@
           <a:p>
             <a:fld id="{216C5678-EE20-4FA5-88E2-6E0BD67A2E26}" type="datetime1">
               <a:rPr lang="en-US" smtClean="0"/>
-              <a:t>11/9/2015</a:t>
+              <a:t>11/20/2015</a:t>
             </a:fld>
             <a:endParaRPr lang="en-US" dirty="0"/>
           </a:p>
@@ -8700,7 +8723,7 @@
           <a:p>
             <a:fld id="{216C5678-EE20-4FA5-88E2-6E0BD67A2E26}" type="datetime1">
               <a:rPr lang="en-US" smtClean="0"/>
-              <a:t>11/9/2015</a:t>
+              <a:t>11/20/2015</a:t>
             </a:fld>
             <a:endParaRPr lang="en-US" dirty="0"/>
           </a:p>
@@ -9122,7 +9145,7 @@
           <a:p>
             <a:fld id="{216C5678-EE20-4FA5-88E2-6E0BD67A2E26}" type="datetime1">
               <a:rPr lang="en-US" smtClean="0"/>
-              <a:t>11/9/2015</a:t>
+              <a:t>11/20/2015</a:t>
             </a:fld>
             <a:endParaRPr lang="en-US" dirty="0"/>
           </a:p>
@@ -10003,7 +10026,7 @@
           <a:p>
             <a:fld id="{216C5678-EE20-4FA5-88E2-6E0BD67A2E26}" type="datetime1">
               <a:rPr lang="en-US" smtClean="0"/>
-              <a:t>11/9/2015</a:t>
+              <a:t>11/20/2015</a:t>
             </a:fld>
             <a:endParaRPr lang="en-US" dirty="0"/>
           </a:p>
@@ -10406,7 +10429,7 @@
           <a:p>
             <a:fld id="{216C5678-EE20-4FA5-88E2-6E0BD67A2E26}" type="datetime1">
               <a:rPr lang="en-US" smtClean="0"/>
-              <a:t>11/9/2015</a:t>
+              <a:t>11/20/2015</a:t>
             </a:fld>
             <a:endParaRPr lang="en-US" dirty="0"/>
           </a:p>
@@ -10604,6 +10627,26 @@
               <a:rPr lang="en-US" sz="2000" dirty="0"/>
               <a:t> 	= function(x, y) </a:t>
             </a:r>
+            <a:endParaRPr lang="en-US" sz="2000" dirty="0" smtClean="0"/>
+          </a:p>
+          <a:p>
+            <a:pPr algn="l"/>
+            <a:r>
+              <a:rPr lang="en-US" sz="2000" dirty="0" err="1" smtClean="0"/>
+              <a:t>Calculator.prototype.divide</a:t>
+            </a:r>
+            <a:r>
+              <a:rPr lang="en-US" sz="2000" dirty="0" smtClean="0"/>
+              <a:t>                 </a:t>
+            </a:r>
+            <a:r>
+              <a:rPr lang="en-US" sz="2000" dirty="0"/>
+              <a:t>= function(x, y) </a:t>
+            </a:r>
+          </a:p>
+          <a:p>
+            <a:pPr algn="l"/>
+            <a:endParaRPr lang="en-US" sz="2000" dirty="0"/>
           </a:p>
         </p:txBody>
       </p:sp>
